--- a/source/lessons/lsn13/Lsn13.pptx
+++ b/source/lessons/lsn13/Lsn13.pptx
@@ -7,30 +7,26 @@
     <p:sldMasterId id="2147483667" r:id="rId3"/>
   </p:sldMasterIdLst>
   <p:notesMasterIdLst>
-    <p:notesMasterId r:id="rId22"/>
+    <p:notesMasterId r:id="rId18"/>
   </p:notesMasterIdLst>
   <p:handoutMasterIdLst>
-    <p:handoutMasterId r:id="rId23"/>
+    <p:handoutMasterId r:id="rId19"/>
   </p:handoutMasterIdLst>
   <p:sldIdLst>
     <p:sldId id="352" r:id="rId4"/>
     <p:sldId id="354" r:id="rId5"/>
     <p:sldId id="355" r:id="rId6"/>
     <p:sldId id="356" r:id="rId7"/>
-    <p:sldId id="358" r:id="rId8"/>
-    <p:sldId id="365" r:id="rId9"/>
-    <p:sldId id="366" r:id="rId10"/>
+    <p:sldId id="365" r:id="rId8"/>
+    <p:sldId id="366" r:id="rId9"/>
+    <p:sldId id="358" r:id="rId10"/>
     <p:sldId id="362" r:id="rId11"/>
     <p:sldId id="359" r:id="rId12"/>
     <p:sldId id="369" r:id="rId13"/>
     <p:sldId id="364" r:id="rId14"/>
     <p:sldId id="367" r:id="rId15"/>
     <p:sldId id="353" r:id="rId16"/>
-    <p:sldId id="357" r:id="rId17"/>
-    <p:sldId id="361" r:id="rId18"/>
-    <p:sldId id="363" r:id="rId19"/>
-    <p:sldId id="360" r:id="rId20"/>
-    <p:sldId id="368" r:id="rId21"/>
+    <p:sldId id="363" r:id="rId17"/>
   </p:sldIdLst>
   <p:sldSz cx="9144000" cy="6858000" type="screen4x3"/>
   <p:notesSz cx="7010400" cy="9296400"/>
@@ -1391,7 +1387,7 @@
           <a:p>
             <a:fld id="{834513E8-165F-4932-9E2D-FD497CB9A4FD}" type="datetimeFigureOut">
               <a:rPr lang="en-US" smtClean="0"/>
-              <a:t>6/4/2018</a:t>
+              <a:t>7/10/2018</a:t>
             </a:fld>
             <a:endParaRPr lang="en-US"/>
           </a:p>
@@ -1486,7 +1482,7 @@
           <a:p>
             <a:fld id="{834513E8-165F-4932-9E2D-FD497CB9A4FD}" type="datetimeFigureOut">
               <a:rPr lang="en-US" smtClean="0"/>
-              <a:t>6/4/2018</a:t>
+              <a:t>7/10/2018</a:t>
             </a:fld>
             <a:endParaRPr lang="en-US"/>
           </a:p>
@@ -1763,7 +1759,7 @@
           <a:p>
             <a:fld id="{834513E8-165F-4932-9E2D-FD497CB9A4FD}" type="datetimeFigureOut">
               <a:rPr lang="en-US" smtClean="0"/>
-              <a:t>6/4/2018</a:t>
+              <a:t>7/10/2018</a:t>
             </a:fld>
             <a:endParaRPr lang="en-US"/>
           </a:p>
@@ -2016,7 +2012,7 @@
           <a:p>
             <a:fld id="{834513E8-165F-4932-9E2D-FD497CB9A4FD}" type="datetimeFigureOut">
               <a:rPr lang="en-US" smtClean="0"/>
-              <a:t>6/4/2018</a:t>
+              <a:t>7/10/2018</a:t>
             </a:fld>
             <a:endParaRPr lang="en-US"/>
           </a:p>
@@ -2186,7 +2182,7 @@
           <a:p>
             <a:fld id="{834513E8-165F-4932-9E2D-FD497CB9A4FD}" type="datetimeFigureOut">
               <a:rPr lang="en-US" smtClean="0"/>
-              <a:t>6/4/2018</a:t>
+              <a:t>7/10/2018</a:t>
             </a:fld>
             <a:endParaRPr lang="en-US"/>
           </a:p>
@@ -2366,7 +2362,7 @@
           <a:p>
             <a:fld id="{834513E8-165F-4932-9E2D-FD497CB9A4FD}" type="datetimeFigureOut">
               <a:rPr lang="en-US" smtClean="0"/>
-              <a:t>6/4/2018</a:t>
+              <a:t>7/10/2018</a:t>
             </a:fld>
             <a:endParaRPr lang="en-US"/>
           </a:p>
@@ -3186,7 +3182,7 @@
           <a:p>
             <a:fld id="{834513E8-165F-4932-9E2D-FD497CB9A4FD}" type="datetimeFigureOut">
               <a:rPr lang="en-US" smtClean="0"/>
-              <a:t>6/4/2018</a:t>
+              <a:t>7/10/2018</a:t>
             </a:fld>
             <a:endParaRPr lang="en-US"/>
           </a:p>
@@ -3356,7 +3352,7 @@
           <a:p>
             <a:fld id="{834513E8-165F-4932-9E2D-FD497CB9A4FD}" type="datetimeFigureOut">
               <a:rPr lang="en-US" smtClean="0"/>
-              <a:t>6/4/2018</a:t>
+              <a:t>7/10/2018</a:t>
             </a:fld>
             <a:endParaRPr lang="en-US"/>
           </a:p>
@@ -3602,7 +3598,7 @@
           <a:p>
             <a:fld id="{834513E8-165F-4932-9E2D-FD497CB9A4FD}" type="datetimeFigureOut">
               <a:rPr lang="en-US" smtClean="0"/>
-              <a:t>6/4/2018</a:t>
+              <a:t>7/10/2018</a:t>
             </a:fld>
             <a:endParaRPr lang="en-US"/>
           </a:p>
@@ -3834,7 +3830,7 @@
           <a:p>
             <a:fld id="{834513E8-165F-4932-9E2D-FD497CB9A4FD}" type="datetimeFigureOut">
               <a:rPr lang="en-US" smtClean="0"/>
-              <a:t>6/4/2018</a:t>
+              <a:t>7/10/2018</a:t>
             </a:fld>
             <a:endParaRPr lang="en-US"/>
           </a:p>
@@ -4201,7 +4197,7 @@
           <a:p>
             <a:fld id="{834513E8-165F-4932-9E2D-FD497CB9A4FD}" type="datetimeFigureOut">
               <a:rPr lang="en-US" smtClean="0"/>
-              <a:t>6/4/2018</a:t>
+              <a:t>7/10/2018</a:t>
             </a:fld>
             <a:endParaRPr lang="en-US"/>
           </a:p>
@@ -6018,7 +6014,7 @@
           <a:p>
             <a:fld id="{834513E8-165F-4932-9E2D-FD497CB9A4FD}" type="datetimeFigureOut">
               <a:rPr lang="en-US" smtClean="0"/>
-              <a:t>6/4/2018</a:t>
+              <a:t>7/10/2018</a:t>
             </a:fld>
             <a:endParaRPr lang="en-US"/>
           </a:p>
@@ -7083,7 +7079,7 @@
             <a:pPr lvl="1"/>
             <a:r>
               <a:rPr lang="en-US" dirty="0" smtClean="0"/>
-              <a:t>You should know this from ECE231 </a:t>
+              <a:t>You should know this from ECE231/ECE315 </a:t>
             </a:r>
             <a:r>
               <a:rPr lang="en-US" dirty="0" smtClean="0">
@@ -7245,15 +7241,7 @@
           <a:p>
             <a:r>
               <a:rPr lang="en-US" dirty="0" smtClean="0"/>
-              <a:t>Input is </a:t>
-            </a:r>
-            <a:r>
-              <a:rPr lang="en-US" dirty="0" smtClean="0"/>
-              <a:t>always </a:t>
-            </a:r>
-            <a:r>
-              <a:rPr lang="en-US" dirty="0" smtClean="0"/>
-              <a:t>LOW</a:t>
+              <a:t>Input is always LOW</a:t>
             </a:r>
             <a:endParaRPr lang="en-US" dirty="0"/>
           </a:p>
@@ -8135,35 +8123,6 @@
           </a:p>
         </p:txBody>
       </p:sp>
-      <p:sp>
-        <p:nvSpPr>
-          <p:cNvPr id="4" name="TextBox 3"/>
-          <p:cNvSpPr txBox="1"/>
-          <p:nvPr/>
-        </p:nvSpPr>
-        <p:spPr>
-          <a:xfrm>
-            <a:off x="5695708" y="5826873"/>
-            <a:ext cx="3616657" cy="461665"/>
-          </a:xfrm>
-          <a:prstGeom prst="rect">
-            <a:avLst/>
-          </a:prstGeom>
-          <a:noFill/>
-        </p:spPr>
-        <p:txBody>
-          <a:bodyPr wrap="square" rtlCol="0">
-            <a:spAutoFit/>
-          </a:bodyPr>
-          <a:lstStyle/>
-          <a:p>
-            <a:r>
-              <a:rPr lang="en-US" dirty="0" smtClean="0"/>
-              <a:t>Family Users Guide p 328</a:t>
-            </a:r>
-          </a:p>
-        </p:txBody>
-      </p:sp>
     </p:spTree>
     <p:extLst>
       <p:ext uri="{BB962C8B-B14F-4D97-AF65-F5344CB8AC3E}">
@@ -8177,80 +8136,9 @@
   <p:timing>
     <p:tnLst>
       <p:par>
-        <p:cTn id="1" dur="indefinite" restart="never" nodeType="tmRoot">
-          <p:childTnLst>
-            <p:seq concurrent="1" nextAc="seek">
-              <p:cTn id="2" dur="indefinite" nodeType="mainSeq">
-                <p:childTnLst>
-                  <p:par>
-                    <p:cTn id="3" fill="hold">
-                      <p:stCondLst>
-                        <p:cond delay="indefinite"/>
-                      </p:stCondLst>
-                      <p:childTnLst>
-                        <p:par>
-                          <p:cTn id="4" fill="hold">
-                            <p:stCondLst>
-                              <p:cond delay="0"/>
-                            </p:stCondLst>
-                            <p:childTnLst>
-                              <p:par>
-                                <p:cTn id="5" presetID="1" presetClass="entr" presetSubtype="0" fill="hold" grpId="0" nodeType="clickEffect">
-                                  <p:stCondLst>
-                                    <p:cond delay="0"/>
-                                  </p:stCondLst>
-                                  <p:childTnLst>
-                                    <p:set>
-                                      <p:cBhvr>
-                                        <p:cTn id="6" dur="1" fill="hold">
-                                          <p:stCondLst>
-                                            <p:cond delay="0"/>
-                                          </p:stCondLst>
-                                        </p:cTn>
-                                        <p:tgtEl>
-                                          <p:spTgt spid="4"/>
-                                        </p:tgtEl>
-                                        <p:attrNameLst>
-                                          <p:attrName>style.visibility</p:attrName>
-                                        </p:attrNameLst>
-                                      </p:cBhvr>
-                                      <p:to>
-                                        <p:strVal val="visible"/>
-                                      </p:to>
-                                    </p:set>
-                                  </p:childTnLst>
-                                </p:cTn>
-                              </p:par>
-                            </p:childTnLst>
-                          </p:cTn>
-                        </p:par>
-                      </p:childTnLst>
-                    </p:cTn>
-                  </p:par>
-                </p:childTnLst>
-              </p:cTn>
-              <p:prevCondLst>
-                <p:cond evt="onPrev" delay="0">
-                  <p:tgtEl>
-                    <p:sldTgt/>
-                  </p:tgtEl>
-                </p:cond>
-              </p:prevCondLst>
-              <p:nextCondLst>
-                <p:cond evt="onNext" delay="0">
-                  <p:tgtEl>
-                    <p:sldTgt/>
-                  </p:tgtEl>
-                </p:cond>
-              </p:nextCondLst>
-            </p:seq>
-          </p:childTnLst>
-        </p:cTn>
+        <p:cTn id="1" dur="indefinite" restart="never" nodeType="tmRoot"/>
       </p:par>
     </p:tnLst>
-    <p:bldLst>
-      <p:bldP spid="4" grpId="0"/>
-    </p:bldLst>
   </p:timing>
 </p:sld>
 </file>
@@ -8368,187 +8256,8 @@
           <a:lstStyle/>
           <a:p>
             <a:r>
-              <a:rPr lang="en-US" dirty="0" smtClean="0"/>
-              <a:t>68HC11</a:t>
-            </a:r>
-            <a:endParaRPr lang="en-US" dirty="0"/>
-          </a:p>
-        </p:txBody>
-      </p:sp>
-      <p:pic>
-        <p:nvPicPr>
-          <p:cNvPr id="1026" name="Picture 2"/>
-          <p:cNvPicPr>
-            <a:picLocks noChangeAspect="1" noChangeArrowheads="1"/>
-          </p:cNvPicPr>
-          <p:nvPr/>
-        </p:nvPicPr>
-        <p:blipFill>
-          <a:blip r:embed="rId2">
-            <a:extLst>
-              <a:ext uri="{28A0092B-C50C-407E-A947-70E740481C1C}">
-                <a14:useLocalDpi xmlns:a14="http://schemas.microsoft.com/office/drawing/2010/main" val="0"/>
-              </a:ext>
-            </a:extLst>
-          </a:blip>
-          <a:srcRect/>
-          <a:stretch>
-            <a:fillRect/>
-          </a:stretch>
-        </p:blipFill>
-        <p:spPr bwMode="auto">
-          <a:xfrm>
-            <a:off x="1066800" y="785813"/>
-            <a:ext cx="7010400" cy="5286375"/>
-          </a:xfrm>
-          <a:prstGeom prst="rect">
-            <a:avLst/>
-          </a:prstGeom>
-          <a:noFill/>
-          <a:ln>
-            <a:noFill/>
-          </a:ln>
-          <a:extLst>
-            <a:ext uri="{909E8E84-426E-40DD-AFC4-6F175D3DCCD1}">
-              <a14:hiddenFill xmlns:a14="http://schemas.microsoft.com/office/drawing/2010/main">
-                <a:solidFill>
-                  <a:schemeClr val="accent1"/>
-                </a:solidFill>
-              </a14:hiddenFill>
-            </a:ext>
-            <a:ext uri="{91240B29-F687-4F45-9708-019B960494DF}">
-              <a14:hiddenLine xmlns:a14="http://schemas.microsoft.com/office/drawing/2010/main" w="9525">
-                <a:solidFill>
-                  <a:schemeClr val="tx1"/>
-                </a:solidFill>
-                <a:miter lim="800000"/>
-                <a:headEnd/>
-                <a:tailEnd/>
-              </a14:hiddenLine>
-            </a:ext>
-          </a:extLst>
-        </p:spPr>
-      </p:pic>
-      <p:sp>
-        <p:nvSpPr>
-          <p:cNvPr id="3" name="Oval 2"/>
-          <p:cNvSpPr/>
-          <p:nvPr/>
-        </p:nvSpPr>
-        <p:spPr bwMode="auto">
-          <a:xfrm>
-            <a:off x="5608320" y="2290354"/>
-            <a:ext cx="1384663" cy="400595"/>
-          </a:xfrm>
-          <a:prstGeom prst="ellipse">
-            <a:avLst/>
-          </a:prstGeom>
-          <a:noFill/>
-          <a:ln w="44450" cap="flat" cmpd="sng" algn="ctr">
-            <a:solidFill>
-              <a:srgbClr val="FF0000"/>
-            </a:solidFill>
-            <a:prstDash val="solid"/>
-            <a:round/>
-            <a:headEnd type="none" w="med" len="med"/>
-            <a:tailEnd type="none" w="med" len="med"/>
-          </a:ln>
-          <a:effectLst/>
-        </p:spPr>
-        <p:txBody>
-          <a:bodyPr vert="horz" wrap="square" lIns="91440" tIns="45720" rIns="91440" bIns="45720" numCol="1" rtlCol="0" anchor="t" anchorCtr="0" compatLnSpc="1">
-            <a:prstTxWarp prst="textNoShape">
-              <a:avLst/>
-            </a:prstTxWarp>
-            <a:spAutoFit/>
-          </a:bodyPr>
-          <a:lstStyle/>
-          <a:p>
-            <a:pPr marL="0" marR="0" indent="0" algn="l" defTabSz="914400" rtl="0" eaLnBrk="1" fontAlgn="base" latinLnBrk="0" hangingPunct="1">
-              <a:lnSpc>
-                <a:spcPct val="100000"/>
-              </a:lnSpc>
-              <a:spcBef>
-                <a:spcPct val="50000"/>
-              </a:spcBef>
-              <a:spcAft>
-                <a:spcPct val="0"/>
-              </a:spcAft>
-              <a:buClrTx/>
-              <a:buSzTx/>
-              <a:buFontTx/>
-              <a:buNone/>
-              <a:tabLst/>
-            </a:pPr>
-            <a:endParaRPr kumimoji="0" lang="en-US" sz="2400" b="0" i="0" u="none" strike="noStrike" cap="none" normalizeH="0" baseline="0" smtClean="0">
-              <a:ln>
-                <a:noFill/>
-              </a:ln>
-              <a:solidFill>
-                <a:schemeClr val="tx1"/>
-              </a:solidFill>
-              <a:effectLst/>
-              <a:latin typeface="Times New Roman" pitchFamily="18" charset="0"/>
-              <a:sym typeface="Wingdings" pitchFamily="2" charset="2"/>
-            </a:endParaRPr>
-          </a:p>
-        </p:txBody>
-      </p:sp>
-    </p:spTree>
-    <p:extLst>
-      <p:ext uri="{BB962C8B-B14F-4D97-AF65-F5344CB8AC3E}">
-        <p14:creationId xmlns:p14="http://schemas.microsoft.com/office/powerpoint/2010/main" val="3310755088"/>
-      </p:ext>
-    </p:extLst>
-  </p:cSld>
-  <p:clrMapOvr>
-    <a:masterClrMapping/>
-  </p:clrMapOvr>
-  <p:timing>
-    <p:tnLst>
-      <p:par>
-        <p:cTn id="1" dur="indefinite" restart="never" nodeType="tmRoot"/>
-      </p:par>
-    </p:tnLst>
-  </p:timing>
-</p:sld>
-</file>
-
-<file path=ppt/slides/slide15.xml><?xml version="1.0" encoding="utf-8"?>
-<p:sld xmlns:a="http://schemas.openxmlformats.org/drawingml/2006/main" xmlns:r="http://schemas.openxmlformats.org/officeDocument/2006/relationships" xmlns:p="http://schemas.openxmlformats.org/presentationml/2006/main">
-  <p:cSld>
-    <p:spTree>
-      <p:nvGrpSpPr>
-        <p:cNvPr id="1" name=""/>
-        <p:cNvGrpSpPr/>
-        <p:nvPr/>
-      </p:nvGrpSpPr>
-      <p:grpSpPr>
-        <a:xfrm>
-          <a:off x="0" y="0"/>
-          <a:ext cx="0" cy="0"/>
-          <a:chOff x="0" y="0"/>
-          <a:chExt cx="0" cy="0"/>
-        </a:xfrm>
-      </p:grpSpPr>
-      <p:sp>
-        <p:nvSpPr>
-          <p:cNvPr id="2" name="Title 1"/>
-          <p:cNvSpPr>
-            <a:spLocks noGrp="1"/>
-          </p:cNvSpPr>
-          <p:nvPr>
-            <p:ph type="title"/>
-          </p:nvPr>
-        </p:nvSpPr>
-        <p:spPr/>
-        <p:txBody>
-          <a:bodyPr/>
-          <a:lstStyle/>
-          <a:p>
-            <a:r>
               <a:rPr lang="en-US" b="1" dirty="0" smtClean="0"/>
-              <a:t>How do we talk to Ports? Do I/O?</a:t>
+              <a:t>Example Program</a:t>
             </a:r>
             <a:endParaRPr lang="en-US" dirty="0"/>
           </a:p>
@@ -8566,221 +8275,15 @@
         </p:nvSpPr>
         <p:spPr>
           <a:xfrm>
-            <a:off x="376038" y="1615783"/>
-            <a:ext cx="8493642" cy="4724400"/>
-          </a:xfrm>
-        </p:spPr>
-        <p:txBody>
-          <a:bodyPr/>
-          <a:lstStyle/>
-          <a:p>
-            <a:r>
-              <a:rPr lang="en-US" sz="2000" dirty="0" smtClean="0">
-                <a:solidFill>
-                  <a:schemeClr val="accent2"/>
-                </a:solidFill>
-              </a:rPr>
-              <a:t>Port-Mapped </a:t>
-            </a:r>
-            <a:r>
-              <a:rPr lang="en-US" sz="2000" dirty="0">
-                <a:solidFill>
-                  <a:schemeClr val="accent2"/>
-                </a:solidFill>
-              </a:rPr>
-              <a:t>I/O </a:t>
-            </a:r>
-            <a:r>
-              <a:rPr lang="en-US" sz="2000" dirty="0" smtClean="0">
-                <a:solidFill>
-                  <a:schemeClr val="accent2"/>
-                </a:solidFill>
-              </a:rPr>
-              <a:t>   </a:t>
-            </a:r>
-            <a:r>
-              <a:rPr lang="en-US" sz="2000" dirty="0" smtClean="0"/>
-              <a:t>(Intel)</a:t>
-            </a:r>
-          </a:p>
-          <a:p>
-            <a:pPr lvl="1"/>
-            <a:r>
-              <a:rPr lang="en-US" sz="2000" dirty="0" smtClean="0"/>
-              <a:t>I/O and memory have their own separate address space</a:t>
-            </a:r>
-          </a:p>
-          <a:p>
-            <a:pPr lvl="1"/>
-            <a:r>
-              <a:rPr lang="en-US" sz="2000" dirty="0" smtClean="0"/>
-              <a:t>Advantage</a:t>
-            </a:r>
-          </a:p>
-          <a:p>
-            <a:pPr lvl="2"/>
-            <a:r>
-              <a:rPr lang="en-US" sz="1800" dirty="0" smtClean="0"/>
-              <a:t>Don't </a:t>
-            </a:r>
-            <a:r>
-              <a:rPr lang="en-US" sz="1800" dirty="0"/>
-              <a:t>lose memory for IO.</a:t>
-            </a:r>
-          </a:p>
-          <a:p>
-            <a:pPr lvl="2"/>
-            <a:r>
-              <a:rPr lang="en-US" sz="1800" dirty="0" smtClean="0"/>
-              <a:t>Protects </a:t>
-            </a:r>
-            <a:r>
-              <a:rPr lang="en-US" sz="1800" dirty="0"/>
-              <a:t>coder from mistakes.</a:t>
-            </a:r>
-          </a:p>
-          <a:p>
-            <a:pPr lvl="1"/>
-            <a:r>
-              <a:rPr lang="en-US" sz="2200" dirty="0" smtClean="0"/>
-              <a:t>Disadvantage</a:t>
-            </a:r>
-          </a:p>
-          <a:p>
-            <a:pPr lvl="2"/>
-            <a:r>
-              <a:rPr lang="en-US" sz="1800" dirty="0" smtClean="0"/>
-              <a:t>Need More Instructions (like In/Out)</a:t>
-            </a:r>
-          </a:p>
-          <a:p>
-            <a:pPr lvl="2"/>
-            <a:r>
-              <a:rPr lang="en-US" sz="1800" dirty="0" smtClean="0"/>
-              <a:t>More restrictive addressing modes</a:t>
-            </a:r>
-          </a:p>
-          <a:p>
-            <a:pPr lvl="1"/>
-            <a:r>
-              <a:rPr lang="en-US" sz="2200" dirty="0" smtClean="0"/>
-              <a:t>How to use</a:t>
-            </a:r>
-          </a:p>
-          <a:p>
-            <a:pPr lvl="2"/>
-            <a:r>
-              <a:rPr lang="en-US" sz="1800" dirty="0" smtClean="0"/>
-              <a:t>Out #0x55, &amp;PORT1</a:t>
-            </a:r>
-            <a:endParaRPr lang="en-US" sz="2200" dirty="0"/>
-          </a:p>
-          <a:p>
-            <a:endParaRPr lang="en-US" sz="2000" dirty="0">
-              <a:solidFill>
-                <a:schemeClr val="accent2"/>
-              </a:solidFill>
-            </a:endParaRPr>
-          </a:p>
-        </p:txBody>
-      </p:sp>
-    </p:spTree>
-    <p:extLst>
-      <p:ext uri="{BB962C8B-B14F-4D97-AF65-F5344CB8AC3E}">
-        <p14:creationId xmlns:p14="http://schemas.microsoft.com/office/powerpoint/2010/main" val="812410592"/>
-      </p:ext>
-    </p:extLst>
-  </p:cSld>
-  <p:clrMapOvr>
-    <a:masterClrMapping/>
-  </p:clrMapOvr>
-  <p:timing>
-    <p:tnLst>
-      <p:par>
-        <p:cTn id="1" dur="indefinite" restart="never" nodeType="tmRoot"/>
-      </p:par>
-    </p:tnLst>
-  </p:timing>
-</p:sld>
-</file>
-
-<file path=ppt/slides/slide16.xml><?xml version="1.0" encoding="utf-8"?>
-<p:sld xmlns:a="http://schemas.openxmlformats.org/drawingml/2006/main" xmlns:r="http://schemas.openxmlformats.org/officeDocument/2006/relationships" xmlns:p="http://schemas.openxmlformats.org/presentationml/2006/main">
-  <p:cSld>
-    <p:spTree>
-      <p:nvGrpSpPr>
-        <p:cNvPr id="1" name=""/>
-        <p:cNvGrpSpPr/>
-        <p:nvPr/>
-      </p:nvGrpSpPr>
-      <p:grpSpPr>
-        <a:xfrm>
-          <a:off x="0" y="0"/>
-          <a:ext cx="0" cy="0"/>
-          <a:chOff x="0" y="0"/>
-          <a:chExt cx="0" cy="0"/>
-        </a:xfrm>
-      </p:grpSpPr>
-      <p:sp>
-        <p:nvSpPr>
-          <p:cNvPr id="2" name="Title 1"/>
-          <p:cNvSpPr>
-            <a:spLocks noGrp="1"/>
-          </p:cNvSpPr>
-          <p:nvPr>
-            <p:ph type="title"/>
-          </p:nvPr>
-        </p:nvSpPr>
-        <p:spPr/>
-        <p:txBody>
-          <a:bodyPr/>
-          <a:lstStyle/>
-          <a:p>
-            <a:r>
-              <a:rPr lang="en-US" b="1" dirty="0" smtClean="0"/>
-              <a:t>Example Program</a:t>
-            </a:r>
-            <a:endParaRPr lang="en-US" dirty="0"/>
-          </a:p>
-        </p:txBody>
-      </p:sp>
-      <p:sp>
-        <p:nvSpPr>
-          <p:cNvPr id="3" name="Content Placeholder 2"/>
-          <p:cNvSpPr>
-            <a:spLocks noGrp="1"/>
-          </p:cNvSpPr>
-          <p:nvPr>
-            <p:ph idx="1"/>
-          </p:nvPr>
-        </p:nvSpPr>
-        <p:spPr>
-          <a:xfrm>
             <a:off x="369127" y="1543384"/>
             <a:ext cx="8083562" cy="4739175"/>
           </a:xfrm>
         </p:spPr>
         <p:txBody>
           <a:bodyPr>
-            <a:normAutofit fontScale="92500" lnSpcReduction="20000"/>
+            <a:normAutofit fontScale="92500" lnSpcReduction="10000"/>
           </a:bodyPr>
           <a:lstStyle/>
-          <a:p>
-            <a:pPr marL="0" indent="0">
-              <a:buNone/>
-            </a:pPr>
-            <a:r>
-              <a:rPr lang="en-US" sz="1800" dirty="0" smtClean="0"/>
-              <a:t>Input was FLOATING!</a:t>
-            </a:r>
-            <a:endParaRPr lang="en-US" sz="1400" dirty="0" smtClean="0">
-              <a:solidFill>
-                <a:schemeClr val="accent2"/>
-              </a:solidFill>
-              <a:latin typeface="Courier New" pitchFamily="49" charset="0"/>
-              <a:cs typeface="Courier New" pitchFamily="49" charset="0"/>
-            </a:endParaRPr>
-          </a:p>
           <a:p>
             <a:pPr marL="0" indent="0">
               <a:buNone/>
@@ -9553,7 +9056,7 @@
         </p:blipFill>
         <p:spPr>
           <a:xfrm>
-            <a:off x="2709674" y="1543384"/>
+            <a:off x="1385370" y="1543384"/>
             <a:ext cx="5661206" cy="2153801"/>
           </a:xfrm>
           <a:prstGeom prst="rect">
@@ -9565,448 +9068,6 @@
     <p:extLst>
       <p:ext uri="{BB962C8B-B14F-4D97-AF65-F5344CB8AC3E}">
         <p14:creationId xmlns:p14="http://schemas.microsoft.com/office/powerpoint/2010/main" val="1575778019"/>
-      </p:ext>
-    </p:extLst>
-  </p:cSld>
-  <p:clrMapOvr>
-    <a:masterClrMapping/>
-  </p:clrMapOvr>
-  <p:timing>
-    <p:tnLst>
-      <p:par>
-        <p:cTn id="1" dur="indefinite" restart="never" nodeType="tmRoot"/>
-      </p:par>
-    </p:tnLst>
-  </p:timing>
-</p:sld>
-</file>
-
-<file path=ppt/slides/slide17.xml><?xml version="1.0" encoding="utf-8"?>
-<p:sld xmlns:a="http://schemas.openxmlformats.org/drawingml/2006/main" xmlns:r="http://schemas.openxmlformats.org/officeDocument/2006/relationships" xmlns:p="http://schemas.openxmlformats.org/presentationml/2006/main">
-  <p:cSld>
-    <p:spTree>
-      <p:nvGrpSpPr>
-        <p:cNvPr id="1" name=""/>
-        <p:cNvGrpSpPr/>
-        <p:nvPr/>
-      </p:nvGrpSpPr>
-      <p:grpSpPr>
-        <a:xfrm>
-          <a:off x="0" y="0"/>
-          <a:ext cx="0" cy="0"/>
-          <a:chOff x="0" y="0"/>
-          <a:chExt cx="0" cy="0"/>
-        </a:xfrm>
-      </p:grpSpPr>
-      <p:sp>
-        <p:nvSpPr>
-          <p:cNvPr id="2" name="Title 1"/>
-          <p:cNvSpPr>
-            <a:spLocks noGrp="1"/>
-          </p:cNvSpPr>
-          <p:nvPr>
-            <p:ph type="title"/>
-          </p:nvPr>
-        </p:nvSpPr>
-        <p:spPr/>
-        <p:txBody>
-          <a:bodyPr/>
-          <a:lstStyle/>
-          <a:p>
-            <a:r>
-              <a:rPr lang="en-US" b="1" dirty="0" smtClean="0"/>
-              <a:t>How do we talk to Ports? Do I/O?</a:t>
-            </a:r>
-            <a:endParaRPr lang="en-US" dirty="0"/>
-          </a:p>
-        </p:txBody>
-      </p:sp>
-      <p:sp>
-        <p:nvSpPr>
-          <p:cNvPr id="3" name="Content Placeholder 2"/>
-          <p:cNvSpPr>
-            <a:spLocks noGrp="1"/>
-          </p:cNvSpPr>
-          <p:nvPr>
-            <p:ph idx="1"/>
-          </p:nvPr>
-        </p:nvSpPr>
-        <p:spPr>
-          <a:xfrm>
-            <a:off x="376038" y="1639431"/>
-            <a:ext cx="8493642" cy="4724400"/>
-          </a:xfrm>
-        </p:spPr>
-        <p:txBody>
-          <a:bodyPr>
-            <a:normAutofit fontScale="92500" lnSpcReduction="20000"/>
-          </a:bodyPr>
-          <a:lstStyle/>
-          <a:p>
-            <a:r>
-              <a:rPr lang="en-US" sz="2000" dirty="0" smtClean="0">
-                <a:solidFill>
-                  <a:schemeClr val="accent2"/>
-                </a:solidFill>
-              </a:rPr>
-              <a:t>Two classic methods</a:t>
-            </a:r>
-            <a:endParaRPr lang="en-US" sz="2000" dirty="0">
-              <a:solidFill>
-                <a:schemeClr val="accent2"/>
-              </a:solidFill>
-            </a:endParaRPr>
-          </a:p>
-          <a:p>
-            <a:pPr lvl="1"/>
-            <a:r>
-              <a:rPr lang="en-US" sz="2000" dirty="0" smtClean="0"/>
-              <a:t>Memory-Mapped I/O                        (Motorola)</a:t>
-            </a:r>
-          </a:p>
-          <a:p>
-            <a:pPr lvl="1"/>
-            <a:r>
-              <a:rPr lang="en-US" sz="2000" dirty="0" smtClean="0"/>
-              <a:t>Port-Mapped I/O [or Isolated IO]     (Intel)</a:t>
-            </a:r>
-            <a:endParaRPr lang="en-US" sz="1800" dirty="0" smtClean="0"/>
-          </a:p>
-          <a:p>
-            <a:r>
-              <a:rPr lang="en-US" sz="2000" dirty="0">
-                <a:solidFill>
-                  <a:schemeClr val="accent2"/>
-                </a:solidFill>
-              </a:rPr>
-              <a:t>Memory-Mapped I/O </a:t>
-            </a:r>
-            <a:endParaRPr lang="en-US" sz="2000" dirty="0" smtClean="0">
-              <a:solidFill>
-                <a:schemeClr val="accent2"/>
-              </a:solidFill>
-            </a:endParaRPr>
-          </a:p>
-          <a:p>
-            <a:pPr lvl="1"/>
-            <a:r>
-              <a:rPr lang="en-US" sz="2000" dirty="0" smtClean="0"/>
-              <a:t>I/O and memory SHARE the same space</a:t>
-            </a:r>
-          </a:p>
-          <a:p>
-            <a:pPr lvl="1"/>
-            <a:r>
-              <a:rPr lang="en-US" sz="2000" dirty="0" smtClean="0"/>
-              <a:t>Advantage</a:t>
-            </a:r>
-          </a:p>
-          <a:p>
-            <a:pPr lvl="2"/>
-            <a:r>
-              <a:rPr lang="en-US" sz="1800" dirty="0" smtClean="0"/>
-              <a:t>Fewer </a:t>
-            </a:r>
-            <a:r>
-              <a:rPr lang="en-US" sz="1800" dirty="0"/>
-              <a:t>instructions</a:t>
-            </a:r>
-          </a:p>
-          <a:p>
-            <a:pPr lvl="2"/>
-            <a:r>
-              <a:rPr lang="en-US" sz="1800" dirty="0" smtClean="0"/>
-              <a:t>Can </a:t>
-            </a:r>
-            <a:r>
-              <a:rPr lang="en-US" sz="1800" dirty="0"/>
-              <a:t>use </a:t>
-            </a:r>
-            <a:r>
-              <a:rPr lang="en-US" sz="1800" dirty="0" smtClean="0"/>
-              <a:t>all addressing modes</a:t>
-            </a:r>
-          </a:p>
-          <a:p>
-            <a:pPr lvl="1"/>
-            <a:r>
-              <a:rPr lang="en-US" sz="2200" dirty="0" smtClean="0"/>
-              <a:t>Disadvantage</a:t>
-            </a:r>
-          </a:p>
-          <a:p>
-            <a:pPr lvl="2"/>
-            <a:r>
-              <a:rPr lang="en-US" sz="1800" dirty="0" smtClean="0"/>
-              <a:t>Lose </a:t>
-            </a:r>
-            <a:r>
-              <a:rPr lang="en-US" sz="1800" dirty="0"/>
-              <a:t>memory to </a:t>
-            </a:r>
-            <a:r>
-              <a:rPr lang="en-US" sz="1800" dirty="0" smtClean="0"/>
-              <a:t>IO</a:t>
-            </a:r>
-          </a:p>
-          <a:p>
-            <a:pPr lvl="2"/>
-            <a:r>
-              <a:rPr lang="en-US" sz="1800" dirty="0" smtClean="0"/>
-              <a:t>Programmer mistakes</a:t>
-            </a:r>
-          </a:p>
-          <a:p>
-            <a:pPr lvl="1"/>
-            <a:r>
-              <a:rPr lang="en-US" sz="2200" dirty="0" smtClean="0"/>
-              <a:t>How to use</a:t>
-            </a:r>
-          </a:p>
-          <a:p>
-            <a:pPr lvl="2"/>
-            <a:r>
-              <a:rPr lang="en-US" sz="1800" dirty="0" err="1" smtClean="0"/>
-              <a:t>Mov</a:t>
-            </a:r>
-            <a:r>
-              <a:rPr lang="en-US" sz="1800" dirty="0" smtClean="0"/>
-              <a:t> #0x55, &amp;P1OUT</a:t>
-            </a:r>
-          </a:p>
-          <a:p>
-            <a:pPr lvl="2"/>
-            <a:r>
-              <a:rPr lang="en-US" sz="1800" dirty="0" err="1"/>
-              <a:t>Mov</a:t>
-            </a:r>
-            <a:r>
-              <a:rPr lang="en-US" sz="1800" dirty="0"/>
-              <a:t> #0x55, </a:t>
-            </a:r>
-            <a:r>
-              <a:rPr lang="en-US" sz="1800" dirty="0" smtClean="0"/>
-              <a:t>&amp;0x0021</a:t>
-            </a:r>
-          </a:p>
-          <a:p>
-            <a:pPr lvl="1"/>
-            <a:r>
-              <a:rPr lang="en-US" sz="2200" dirty="0" smtClean="0">
-                <a:solidFill>
-                  <a:schemeClr val="accent2"/>
-                </a:solidFill>
-              </a:rPr>
-              <a:t>User’s Guide p 333, Table 8-2</a:t>
-            </a:r>
-          </a:p>
-          <a:p>
-            <a:pPr lvl="1"/>
-            <a:r>
-              <a:rPr lang="en-US" sz="2200" dirty="0" smtClean="0">
-                <a:solidFill>
-                  <a:schemeClr val="accent2"/>
-                </a:solidFill>
-              </a:rPr>
-              <a:t>Watchdog Timer, page 341</a:t>
-            </a:r>
-            <a:endParaRPr lang="en-US" sz="2200" dirty="0" smtClean="0"/>
-          </a:p>
-          <a:p>
-            <a:endParaRPr lang="en-US" sz="2000" dirty="0">
-              <a:solidFill>
-                <a:schemeClr val="accent2"/>
-              </a:solidFill>
-            </a:endParaRPr>
-          </a:p>
-        </p:txBody>
-      </p:sp>
-      <p:pic>
-        <p:nvPicPr>
-          <p:cNvPr id="2050" name="Picture 2" descr="MSP430 Memory Map"/>
-          <p:cNvPicPr>
-            <a:picLocks noChangeAspect="1" noChangeArrowheads="1"/>
-          </p:cNvPicPr>
-          <p:nvPr/>
-        </p:nvPicPr>
-        <p:blipFill>
-          <a:blip r:embed="rId2">
-            <a:extLst>
-              <a:ext uri="{28A0092B-C50C-407E-A947-70E740481C1C}">
-                <a14:useLocalDpi xmlns:a14="http://schemas.microsoft.com/office/drawing/2010/main" val="0"/>
-              </a:ext>
-            </a:extLst>
-          </a:blip>
-          <a:srcRect/>
-          <a:stretch>
-            <a:fillRect/>
-          </a:stretch>
-        </p:blipFill>
-        <p:spPr bwMode="auto">
-          <a:xfrm>
-            <a:off x="6125030" y="2444807"/>
-            <a:ext cx="2744650" cy="3832313"/>
-          </a:xfrm>
-          <a:prstGeom prst="rect">
-            <a:avLst/>
-          </a:prstGeom>
-          <a:noFill/>
-          <a:extLst>
-            <a:ext uri="{909E8E84-426E-40DD-AFC4-6F175D3DCCD1}">
-              <a14:hiddenFill xmlns:a14="http://schemas.microsoft.com/office/drawing/2010/main">
-                <a:solidFill>
-                  <a:srgbClr val="FFFFFF"/>
-                </a:solidFill>
-              </a14:hiddenFill>
-            </a:ext>
-          </a:extLst>
-        </p:spPr>
-      </p:pic>
-    </p:spTree>
-    <p:extLst>
-      <p:ext uri="{BB962C8B-B14F-4D97-AF65-F5344CB8AC3E}">
-        <p14:creationId xmlns:p14="http://schemas.microsoft.com/office/powerpoint/2010/main" val="4089112696"/>
-      </p:ext>
-    </p:extLst>
-  </p:cSld>
-  <p:clrMapOvr>
-    <a:masterClrMapping/>
-  </p:clrMapOvr>
-  <p:timing>
-    <p:tnLst>
-      <p:par>
-        <p:cTn id="1" dur="indefinite" restart="never" nodeType="tmRoot"/>
-      </p:par>
-    </p:tnLst>
-  </p:timing>
-</p:sld>
-</file>
-
-<file path=ppt/slides/slide18.xml><?xml version="1.0" encoding="utf-8"?>
-<p:sld xmlns:a="http://schemas.openxmlformats.org/drawingml/2006/main" xmlns:r="http://schemas.openxmlformats.org/officeDocument/2006/relationships" xmlns:p="http://schemas.openxmlformats.org/presentationml/2006/main">
-  <p:cSld>
-    <p:spTree>
-      <p:nvGrpSpPr>
-        <p:cNvPr id="1" name=""/>
-        <p:cNvGrpSpPr/>
-        <p:nvPr/>
-      </p:nvGrpSpPr>
-      <p:grpSpPr>
-        <a:xfrm>
-          <a:off x="0" y="0"/>
-          <a:ext cx="0" cy="0"/>
-          <a:chOff x="0" y="0"/>
-          <a:chExt cx="0" cy="0"/>
-        </a:xfrm>
-      </p:grpSpPr>
-      <p:sp>
-        <p:nvSpPr>
-          <p:cNvPr id="2" name="Title 1"/>
-          <p:cNvSpPr>
-            <a:spLocks noGrp="1"/>
-          </p:cNvSpPr>
-          <p:nvPr>
-            <p:ph type="title"/>
-          </p:nvPr>
-        </p:nvSpPr>
-        <p:spPr/>
-        <p:txBody>
-          <a:bodyPr/>
-          <a:lstStyle/>
-          <a:p>
-            <a:r>
-              <a:rPr lang="en-US" b="1" dirty="0" smtClean="0"/>
-              <a:t>Pull-up/Pull-down</a:t>
-            </a:r>
-            <a:endParaRPr lang="en-US" dirty="0"/>
-          </a:p>
-        </p:txBody>
-      </p:sp>
-      <p:sp>
-        <p:nvSpPr>
-          <p:cNvPr id="3" name="Content Placeholder 2"/>
-          <p:cNvSpPr>
-            <a:spLocks noGrp="1"/>
-          </p:cNvSpPr>
-          <p:nvPr>
-            <p:ph idx="1"/>
-          </p:nvPr>
-        </p:nvSpPr>
-        <p:spPr>
-          <a:xfrm>
-            <a:off x="369127" y="1543384"/>
-            <a:ext cx="8083562" cy="4739175"/>
-          </a:xfrm>
-        </p:spPr>
-        <p:txBody>
-          <a:bodyPr>
-            <a:normAutofit/>
-          </a:bodyPr>
-          <a:lstStyle/>
-          <a:p>
-            <a:pPr marL="0" indent="0">
-              <a:buNone/>
-            </a:pPr>
-            <a:r>
-              <a:rPr lang="en-US" sz="1800" dirty="0" smtClean="0"/>
-              <a:t>Input was FLOATING!</a:t>
-            </a:r>
-            <a:endParaRPr lang="en-US" sz="1400" dirty="0" smtClean="0">
-              <a:solidFill>
-                <a:schemeClr val="accent2"/>
-              </a:solidFill>
-              <a:latin typeface="Courier New" pitchFamily="49" charset="0"/>
-              <a:cs typeface="Courier New" pitchFamily="49" charset="0"/>
-            </a:endParaRPr>
-          </a:p>
-          <a:p>
-            <a:pPr marL="0" indent="0">
-              <a:buNone/>
-            </a:pPr>
-            <a:endParaRPr lang="en-US" sz="1400" dirty="0" smtClean="0">
-              <a:solidFill>
-                <a:schemeClr val="accent2"/>
-              </a:solidFill>
-              <a:latin typeface="Courier New" pitchFamily="49" charset="0"/>
-              <a:cs typeface="Courier New" pitchFamily="49" charset="0"/>
-            </a:endParaRPr>
-          </a:p>
-        </p:txBody>
-      </p:sp>
-      <p:pic>
-        <p:nvPicPr>
-          <p:cNvPr id="4" name="Picture 3"/>
-          <p:cNvPicPr>
-            <a:picLocks noChangeAspect="1"/>
-          </p:cNvPicPr>
-          <p:nvPr/>
-        </p:nvPicPr>
-        <p:blipFill>
-          <a:blip r:embed="rId2">
-            <a:extLst>
-              <a:ext uri="{28A0092B-C50C-407E-A947-70E740481C1C}">
-                <a14:useLocalDpi xmlns:a14="http://schemas.microsoft.com/office/drawing/2010/main" val="0"/>
-              </a:ext>
-            </a:extLst>
-          </a:blip>
-          <a:stretch>
-            <a:fillRect/>
-          </a:stretch>
-        </p:blipFill>
-        <p:spPr>
-          <a:xfrm>
-            <a:off x="1580305" y="2938632"/>
-            <a:ext cx="5661206" cy="2153801"/>
-          </a:xfrm>
-          <a:prstGeom prst="rect">
-            <a:avLst/>
-          </a:prstGeom>
-        </p:spPr>
-      </p:pic>
-    </p:spTree>
-    <p:extLst>
-      <p:ext uri="{BB962C8B-B14F-4D97-AF65-F5344CB8AC3E}">
-        <p14:creationId xmlns:p14="http://schemas.microsoft.com/office/powerpoint/2010/main" val="1356917651"/>
       </p:ext>
     </p:extLst>
   </p:cSld>
@@ -10167,6 +9228,60 @@
           <a:p>
             <a:pPr algn="l"/>
             <a:endParaRPr lang="en-US" sz="2400" dirty="0" smtClean="0"/>
+          </a:p>
+        </p:txBody>
+      </p:sp>
+      <p:pic>
+        <p:nvPicPr>
+          <p:cNvPr id="4" name="Picture 3"/>
+          <p:cNvPicPr>
+            <a:picLocks noChangeAspect="1"/>
+          </p:cNvPicPr>
+          <p:nvPr/>
+        </p:nvPicPr>
+        <p:blipFill>
+          <a:blip r:embed="rId2"/>
+          <a:stretch>
+            <a:fillRect/>
+          </a:stretch>
+        </p:blipFill>
+        <p:spPr>
+          <a:xfrm>
+            <a:off x="4256910" y="1579437"/>
+            <a:ext cx="3974966" cy="2645159"/>
+          </a:xfrm>
+          <a:prstGeom prst="rect">
+            <a:avLst/>
+          </a:prstGeom>
+        </p:spPr>
+      </p:pic>
+      <p:sp>
+        <p:nvSpPr>
+          <p:cNvPr id="5" name="TextBox 4"/>
+          <p:cNvSpPr txBox="1"/>
+          <p:nvPr/>
+        </p:nvSpPr>
+        <p:spPr>
+          <a:xfrm>
+            <a:off x="4256910" y="4340993"/>
+            <a:ext cx="4521330" cy="1938992"/>
+          </a:xfrm>
+          <a:prstGeom prst="rect">
+            <a:avLst/>
+          </a:prstGeom>
+          <a:noFill/>
+        </p:spPr>
+        <p:txBody>
+          <a:bodyPr wrap="square" rtlCol="0">
+            <a:spAutoFit/>
+          </a:bodyPr>
+          <a:lstStyle/>
+          <a:p>
+            <a:r>
+              <a:rPr lang="en-US" dirty="0" smtClean="0"/>
+              <a:t>In order to be useful, micro controllers need to be able to talk with sensors and other processors/hardware to be truly useful</a:t>
+            </a:r>
+            <a:endParaRPr lang="en-US" dirty="0"/>
           </a:p>
         </p:txBody>
       </p:sp>
@@ -11048,251 +10163,6 @@
           <a:lstStyle/>
           <a:p>
             <a:r>
-              <a:rPr lang="en-US" b="1" dirty="0" smtClean="0"/>
-              <a:t>Multiplexing</a:t>
-            </a:r>
-            <a:endParaRPr lang="en-US" dirty="0"/>
-          </a:p>
-        </p:txBody>
-      </p:sp>
-      <p:sp>
-        <p:nvSpPr>
-          <p:cNvPr id="3" name="Content Placeholder 2"/>
-          <p:cNvSpPr>
-            <a:spLocks noGrp="1"/>
-          </p:cNvSpPr>
-          <p:nvPr>
-            <p:ph idx="1"/>
-          </p:nvPr>
-        </p:nvSpPr>
-        <p:spPr>
-          <a:xfrm>
-            <a:off x="376038" y="1678845"/>
-            <a:ext cx="8493642" cy="4724400"/>
-          </a:xfrm>
-        </p:spPr>
-        <p:txBody>
-          <a:bodyPr/>
-          <a:lstStyle/>
-          <a:p>
-            <a:r>
-              <a:rPr lang="en-US" sz="2000" dirty="0" smtClean="0">
-                <a:solidFill>
-                  <a:schemeClr val="accent2"/>
-                </a:solidFill>
-              </a:rPr>
-              <a:t>Only 20 Pins !!! But want access to many more signals</a:t>
-            </a:r>
-          </a:p>
-          <a:p>
-            <a:pPr lvl="1"/>
-            <a:r>
-              <a:rPr lang="en-US" sz="1600" dirty="0" smtClean="0"/>
-              <a:t>Therefore, each pin shares </a:t>
-            </a:r>
-            <a:r>
-              <a:rPr lang="en-US" sz="1600" dirty="0" smtClean="0">
-                <a:solidFill>
-                  <a:srgbClr val="FF0000"/>
-                </a:solidFill>
-              </a:rPr>
-              <a:t>several</a:t>
-            </a:r>
-            <a:r>
-              <a:rPr lang="en-US" sz="1600" dirty="0" smtClean="0"/>
-              <a:t> signals </a:t>
-            </a:r>
-            <a:r>
-              <a:rPr lang="en-US" sz="1600" dirty="0" smtClean="0">
-                <a:sym typeface="Wingdings" pitchFamily="2" charset="2"/>
-              </a:rPr>
-              <a:t> multiplexing</a:t>
-            </a:r>
-            <a:endParaRPr lang="en-US" sz="1600" dirty="0" smtClean="0"/>
-          </a:p>
-          <a:p>
-            <a:endParaRPr lang="en-US" sz="2000" dirty="0" smtClean="0">
-              <a:solidFill>
-                <a:schemeClr val="accent2"/>
-              </a:solidFill>
-            </a:endParaRPr>
-          </a:p>
-          <a:p>
-            <a:endParaRPr lang="en-US" sz="2000" dirty="0">
-              <a:solidFill>
-                <a:schemeClr val="accent2"/>
-              </a:solidFill>
-            </a:endParaRPr>
-          </a:p>
-          <a:p>
-            <a:endParaRPr lang="en-US" sz="2000" dirty="0" smtClean="0">
-              <a:solidFill>
-                <a:schemeClr val="accent2"/>
-              </a:solidFill>
-            </a:endParaRPr>
-          </a:p>
-          <a:p>
-            <a:endParaRPr lang="en-US" sz="2000" dirty="0">
-              <a:solidFill>
-                <a:schemeClr val="accent2"/>
-              </a:solidFill>
-            </a:endParaRPr>
-          </a:p>
-          <a:p>
-            <a:endParaRPr lang="en-US" sz="2000" dirty="0" smtClean="0">
-              <a:solidFill>
-                <a:schemeClr val="accent2"/>
-              </a:solidFill>
-            </a:endParaRPr>
-          </a:p>
-          <a:p>
-            <a:endParaRPr lang="en-US" sz="2000" dirty="0" smtClean="0">
-              <a:solidFill>
-                <a:schemeClr val="accent2"/>
-              </a:solidFill>
-            </a:endParaRPr>
-          </a:p>
-          <a:p>
-            <a:endParaRPr lang="en-US" sz="2000" dirty="0">
-              <a:solidFill>
-                <a:schemeClr val="accent2"/>
-              </a:solidFill>
-            </a:endParaRPr>
-          </a:p>
-          <a:p>
-            <a:r>
-              <a:rPr lang="en-US" sz="2000" dirty="0" smtClean="0">
-                <a:solidFill>
-                  <a:srgbClr val="FF0000"/>
-                </a:solidFill>
-              </a:rPr>
-              <a:t>You learned about multiplexers in ECE281</a:t>
-            </a:r>
-          </a:p>
-          <a:p>
-            <a:r>
-              <a:rPr lang="en-US" sz="2000" dirty="0" smtClean="0">
-                <a:solidFill>
-                  <a:schemeClr val="accent2"/>
-                </a:solidFill>
-              </a:rPr>
-              <a:t>Use PxSEL1 and PxSEL2 to select signal for each pin</a:t>
-            </a:r>
-          </a:p>
-          <a:p>
-            <a:pPr lvl="1"/>
-            <a:r>
-              <a:rPr lang="en-US" sz="2000" dirty="0"/>
-              <a:t>The details are in the </a:t>
-            </a:r>
-            <a:r>
-              <a:rPr lang="en-US" sz="2000" dirty="0">
-                <a:hlinkClick r:id="rId2" action="ppaction://hlinkfile"/>
-              </a:rPr>
-              <a:t>MSP430G2x53 2x13 Mixed Signal MCU Datasheet</a:t>
-            </a:r>
-            <a:r>
-              <a:rPr lang="en-US" sz="2000" dirty="0"/>
-              <a:t>.</a:t>
-            </a:r>
-            <a:endParaRPr lang="en-US" sz="1600" dirty="0"/>
-          </a:p>
-        </p:txBody>
-      </p:sp>
-      <p:pic>
-        <p:nvPicPr>
-          <p:cNvPr id="4" name="Picture 2" descr="MSP430G2553 Pinout"/>
-          <p:cNvPicPr>
-            <a:picLocks noChangeAspect="1" noChangeArrowheads="1"/>
-          </p:cNvPicPr>
-          <p:nvPr/>
-        </p:nvPicPr>
-        <p:blipFill>
-          <a:blip r:embed="rId3">
-            <a:extLst>
-              <a:ext uri="{28A0092B-C50C-407E-A947-70E740481C1C}">
-                <a14:useLocalDpi xmlns:a14="http://schemas.microsoft.com/office/drawing/2010/main" val="0"/>
-              </a:ext>
-            </a:extLst>
-          </a:blip>
-          <a:srcRect/>
-          <a:stretch>
-            <a:fillRect/>
-          </a:stretch>
-        </p:blipFill>
-        <p:spPr bwMode="auto">
-          <a:xfrm>
-            <a:off x="821679" y="2447026"/>
-            <a:ext cx="6543675" cy="2381250"/>
-          </a:xfrm>
-          <a:prstGeom prst="rect">
-            <a:avLst/>
-          </a:prstGeom>
-          <a:noFill/>
-          <a:extLst>
-            <a:ext uri="{909E8E84-426E-40DD-AFC4-6F175D3DCCD1}">
-              <a14:hiddenFill xmlns:a14="http://schemas.microsoft.com/office/drawing/2010/main">
-                <a:solidFill>
-                  <a:srgbClr val="FFFFFF"/>
-                </a:solidFill>
-              </a14:hiddenFill>
-            </a:ext>
-          </a:extLst>
-        </p:spPr>
-      </p:pic>
-    </p:spTree>
-    <p:extLst>
-      <p:ext uri="{BB962C8B-B14F-4D97-AF65-F5344CB8AC3E}">
-        <p14:creationId xmlns:p14="http://schemas.microsoft.com/office/powerpoint/2010/main" val="4135805253"/>
-      </p:ext>
-    </p:extLst>
-  </p:cSld>
-  <p:clrMapOvr>
-    <a:masterClrMapping/>
-  </p:clrMapOvr>
-  <p:timing>
-    <p:tnLst>
-      <p:par>
-        <p:cTn id="1" dur="indefinite" restart="never" nodeType="tmRoot"/>
-      </p:par>
-    </p:tnLst>
-  </p:timing>
-</p:sld>
-</file>
-
-<file path=ppt/slides/slide6.xml><?xml version="1.0" encoding="utf-8"?>
-<p:sld xmlns:a="http://schemas.openxmlformats.org/drawingml/2006/main" xmlns:r="http://schemas.openxmlformats.org/officeDocument/2006/relationships" xmlns:p="http://schemas.openxmlformats.org/presentationml/2006/main">
-  <p:cSld>
-    <p:spTree>
-      <p:nvGrpSpPr>
-        <p:cNvPr id="1" name=""/>
-        <p:cNvGrpSpPr/>
-        <p:nvPr/>
-      </p:nvGrpSpPr>
-      <p:grpSpPr>
-        <a:xfrm>
-          <a:off x="0" y="0"/>
-          <a:ext cx="0" cy="0"/>
-          <a:chOff x="0" y="0"/>
-          <a:chExt cx="0" cy="0"/>
-        </a:xfrm>
-      </p:grpSpPr>
-      <p:sp>
-        <p:nvSpPr>
-          <p:cNvPr id="2" name="Title 1"/>
-          <p:cNvSpPr>
-            <a:spLocks noGrp="1"/>
-          </p:cNvSpPr>
-          <p:nvPr>
-            <p:ph type="title"/>
-          </p:nvPr>
-        </p:nvSpPr>
-        <p:spPr/>
-        <p:txBody>
-          <a:bodyPr/>
-          <a:lstStyle/>
-          <a:p>
-            <a:r>
               <a:rPr lang="en-US" dirty="0" smtClean="0"/>
               <a:t>Ports</a:t>
             </a:r>
@@ -11454,7 +10324,7 @@
         </p:nvSpPr>
         <p:spPr>
           <a:xfrm>
-            <a:off x="148943" y="1463039"/>
+            <a:off x="127460" y="1536873"/>
             <a:ext cx="1543499" cy="1154162"/>
           </a:xfrm>
           <a:prstGeom prst="rect">
@@ -11726,7 +10596,7 @@
 </p:sld>
 </file>
 
-<file path=ppt/slides/slide7.xml><?xml version="1.0" encoding="utf-8"?>
+<file path=ppt/slides/slide6.xml><?xml version="1.0" encoding="utf-8"?>
 <p:sld xmlns:a="http://schemas.openxmlformats.org/drawingml/2006/main" xmlns:r="http://schemas.openxmlformats.org/officeDocument/2006/relationships" xmlns:p="http://schemas.openxmlformats.org/presentationml/2006/main">
   <p:cSld>
     <p:spTree>
@@ -11937,6 +10807,251 @@
 </p:sld>
 </file>
 
+<file path=ppt/slides/slide7.xml><?xml version="1.0" encoding="utf-8"?>
+<p:sld xmlns:a="http://schemas.openxmlformats.org/drawingml/2006/main" xmlns:r="http://schemas.openxmlformats.org/officeDocument/2006/relationships" xmlns:p="http://schemas.openxmlformats.org/presentationml/2006/main">
+  <p:cSld>
+    <p:spTree>
+      <p:nvGrpSpPr>
+        <p:cNvPr id="1" name=""/>
+        <p:cNvGrpSpPr/>
+        <p:nvPr/>
+      </p:nvGrpSpPr>
+      <p:grpSpPr>
+        <a:xfrm>
+          <a:off x="0" y="0"/>
+          <a:ext cx="0" cy="0"/>
+          <a:chOff x="0" y="0"/>
+          <a:chExt cx="0" cy="0"/>
+        </a:xfrm>
+      </p:grpSpPr>
+      <p:sp>
+        <p:nvSpPr>
+          <p:cNvPr id="2" name="Title 1"/>
+          <p:cNvSpPr>
+            <a:spLocks noGrp="1"/>
+          </p:cNvSpPr>
+          <p:nvPr>
+            <p:ph type="title"/>
+          </p:nvPr>
+        </p:nvSpPr>
+        <p:spPr/>
+        <p:txBody>
+          <a:bodyPr/>
+          <a:lstStyle/>
+          <a:p>
+            <a:r>
+              <a:rPr lang="en-US" b="1" dirty="0" smtClean="0"/>
+              <a:t>Multiplexing</a:t>
+            </a:r>
+            <a:endParaRPr lang="en-US" dirty="0"/>
+          </a:p>
+        </p:txBody>
+      </p:sp>
+      <p:sp>
+        <p:nvSpPr>
+          <p:cNvPr id="3" name="Content Placeholder 2"/>
+          <p:cNvSpPr>
+            <a:spLocks noGrp="1"/>
+          </p:cNvSpPr>
+          <p:nvPr>
+            <p:ph idx="1"/>
+          </p:nvPr>
+        </p:nvSpPr>
+        <p:spPr>
+          <a:xfrm>
+            <a:off x="376038" y="1678845"/>
+            <a:ext cx="8493642" cy="4724400"/>
+          </a:xfrm>
+        </p:spPr>
+        <p:txBody>
+          <a:bodyPr/>
+          <a:lstStyle/>
+          <a:p>
+            <a:r>
+              <a:rPr lang="en-US" sz="2000" dirty="0" smtClean="0">
+                <a:solidFill>
+                  <a:schemeClr val="accent2"/>
+                </a:solidFill>
+              </a:rPr>
+              <a:t>Only 20 Pins !!! But want access to many more signals</a:t>
+            </a:r>
+          </a:p>
+          <a:p>
+            <a:pPr lvl="1"/>
+            <a:r>
+              <a:rPr lang="en-US" sz="1600" dirty="0" smtClean="0"/>
+              <a:t>Therefore, each pin shares </a:t>
+            </a:r>
+            <a:r>
+              <a:rPr lang="en-US" sz="1600" dirty="0" smtClean="0">
+                <a:solidFill>
+                  <a:srgbClr val="FF0000"/>
+                </a:solidFill>
+              </a:rPr>
+              <a:t>several</a:t>
+            </a:r>
+            <a:r>
+              <a:rPr lang="en-US" sz="1600" dirty="0" smtClean="0"/>
+              <a:t> signals </a:t>
+            </a:r>
+            <a:r>
+              <a:rPr lang="en-US" sz="1600" dirty="0" smtClean="0">
+                <a:sym typeface="Wingdings" pitchFamily="2" charset="2"/>
+              </a:rPr>
+              <a:t> multiplexing</a:t>
+            </a:r>
+            <a:endParaRPr lang="en-US" sz="1600" dirty="0" smtClean="0"/>
+          </a:p>
+          <a:p>
+            <a:endParaRPr lang="en-US" sz="2000" dirty="0" smtClean="0">
+              <a:solidFill>
+                <a:schemeClr val="accent2"/>
+              </a:solidFill>
+            </a:endParaRPr>
+          </a:p>
+          <a:p>
+            <a:endParaRPr lang="en-US" sz="2000" dirty="0">
+              <a:solidFill>
+                <a:schemeClr val="accent2"/>
+              </a:solidFill>
+            </a:endParaRPr>
+          </a:p>
+          <a:p>
+            <a:endParaRPr lang="en-US" sz="2000" dirty="0" smtClean="0">
+              <a:solidFill>
+                <a:schemeClr val="accent2"/>
+              </a:solidFill>
+            </a:endParaRPr>
+          </a:p>
+          <a:p>
+            <a:endParaRPr lang="en-US" sz="2000" dirty="0">
+              <a:solidFill>
+                <a:schemeClr val="accent2"/>
+              </a:solidFill>
+            </a:endParaRPr>
+          </a:p>
+          <a:p>
+            <a:endParaRPr lang="en-US" sz="2000" dirty="0" smtClean="0">
+              <a:solidFill>
+                <a:schemeClr val="accent2"/>
+              </a:solidFill>
+            </a:endParaRPr>
+          </a:p>
+          <a:p>
+            <a:endParaRPr lang="en-US" sz="2000" dirty="0" smtClean="0">
+              <a:solidFill>
+                <a:schemeClr val="accent2"/>
+              </a:solidFill>
+            </a:endParaRPr>
+          </a:p>
+          <a:p>
+            <a:endParaRPr lang="en-US" sz="2000" dirty="0">
+              <a:solidFill>
+                <a:schemeClr val="accent2"/>
+              </a:solidFill>
+            </a:endParaRPr>
+          </a:p>
+          <a:p>
+            <a:r>
+              <a:rPr lang="en-US" sz="2000" dirty="0" smtClean="0">
+                <a:solidFill>
+                  <a:srgbClr val="FF0000"/>
+                </a:solidFill>
+              </a:rPr>
+              <a:t>You learned about multiplexers in ECE281</a:t>
+            </a:r>
+          </a:p>
+          <a:p>
+            <a:r>
+              <a:rPr lang="en-US" sz="2000" dirty="0" smtClean="0">
+                <a:solidFill>
+                  <a:schemeClr val="accent2"/>
+                </a:solidFill>
+              </a:rPr>
+              <a:t>Use PxSEL1 and PxSEL2 to select signal for each pin</a:t>
+            </a:r>
+          </a:p>
+          <a:p>
+            <a:pPr lvl="1"/>
+            <a:r>
+              <a:rPr lang="en-US" sz="2000" dirty="0"/>
+              <a:t>The details are in the </a:t>
+            </a:r>
+            <a:r>
+              <a:rPr lang="en-US" sz="2000" dirty="0">
+                <a:hlinkClick r:id="rId2" action="ppaction://hlinkfile"/>
+              </a:rPr>
+              <a:t>MSP430G2x53 2x13 Mixed Signal MCU Datasheet</a:t>
+            </a:r>
+            <a:r>
+              <a:rPr lang="en-US" sz="2000" dirty="0"/>
+              <a:t>.</a:t>
+            </a:r>
+            <a:endParaRPr lang="en-US" sz="1600" dirty="0"/>
+          </a:p>
+        </p:txBody>
+      </p:sp>
+      <p:pic>
+        <p:nvPicPr>
+          <p:cNvPr id="4" name="Picture 2" descr="MSP430G2553 Pinout"/>
+          <p:cNvPicPr>
+            <a:picLocks noChangeAspect="1" noChangeArrowheads="1"/>
+          </p:cNvPicPr>
+          <p:nvPr/>
+        </p:nvPicPr>
+        <p:blipFill>
+          <a:blip r:embed="rId3">
+            <a:extLst>
+              <a:ext uri="{28A0092B-C50C-407E-A947-70E740481C1C}">
+                <a14:useLocalDpi xmlns:a14="http://schemas.microsoft.com/office/drawing/2010/main" val="0"/>
+              </a:ext>
+            </a:extLst>
+          </a:blip>
+          <a:srcRect/>
+          <a:stretch>
+            <a:fillRect/>
+          </a:stretch>
+        </p:blipFill>
+        <p:spPr bwMode="auto">
+          <a:xfrm>
+            <a:off x="821679" y="2447026"/>
+            <a:ext cx="6543675" cy="2381250"/>
+          </a:xfrm>
+          <a:prstGeom prst="rect">
+            <a:avLst/>
+          </a:prstGeom>
+          <a:noFill/>
+          <a:extLst>
+            <a:ext uri="{909E8E84-426E-40DD-AFC4-6F175D3DCCD1}">
+              <a14:hiddenFill xmlns:a14="http://schemas.microsoft.com/office/drawing/2010/main">
+                <a:solidFill>
+                  <a:srgbClr val="FFFFFF"/>
+                </a:solidFill>
+              </a14:hiddenFill>
+            </a:ext>
+          </a:extLst>
+        </p:spPr>
+      </p:pic>
+    </p:spTree>
+    <p:extLst>
+      <p:ext uri="{BB962C8B-B14F-4D97-AF65-F5344CB8AC3E}">
+        <p14:creationId xmlns:p14="http://schemas.microsoft.com/office/powerpoint/2010/main" val="4135805253"/>
+      </p:ext>
+    </p:extLst>
+  </p:cSld>
+  <p:clrMapOvr>
+    <a:masterClrMapping/>
+  </p:clrMapOvr>
+  <p:timing>
+    <p:tnLst>
+      <p:par>
+        <p:cTn id="1" dur="indefinite" restart="never" nodeType="tmRoot"/>
+      </p:par>
+    </p:tnLst>
+  </p:timing>
+</p:sld>
+</file>
+
 <file path=ppt/slides/slide8.xml><?xml version="1.0" encoding="utf-8"?>
 <p:sld xmlns:a="http://schemas.openxmlformats.org/drawingml/2006/main" xmlns:r="http://schemas.openxmlformats.org/officeDocument/2006/relationships" xmlns:p="http://schemas.openxmlformats.org/presentationml/2006/main">
   <p:cSld>
@@ -11989,13 +11104,13 @@
         </p:nvSpPr>
         <p:spPr>
           <a:xfrm>
-            <a:off x="376038" y="1623665"/>
-            <a:ext cx="8493642" cy="2096997"/>
+            <a:off x="372779" y="1607806"/>
+            <a:ext cx="8493642" cy="2763851"/>
           </a:xfrm>
         </p:spPr>
         <p:txBody>
           <a:bodyPr>
-            <a:normAutofit lnSpcReduction="10000"/>
+            <a:normAutofit fontScale="85000" lnSpcReduction="20000"/>
           </a:bodyPr>
           <a:lstStyle/>
           <a:p>
@@ -12089,19 +11204,72 @@
             </a:r>
             <a:r>
               <a:rPr lang="en-US" sz="1800" dirty="0"/>
-              <a:t>configures which pins are input and which pins are output </a:t>
-            </a:r>
+              <a:t>configures </a:t>
+            </a:r>
+            <a:r>
+              <a:rPr lang="en-US" sz="1800" dirty="0" smtClean="0"/>
+              <a:t>a pin as an input (0) or an output (1) </a:t>
+            </a:r>
+            <a:endParaRPr lang="en-US" sz="1800" dirty="0"/>
           </a:p>
           <a:p>
             <a:pPr lvl="2"/>
             <a:r>
-              <a:rPr lang="en-US" sz="1400" dirty="0" smtClean="0"/>
-              <a:t>1 </a:t>
-            </a:r>
-            <a:r>
-              <a:rPr lang="en-US" sz="1400" dirty="0"/>
-              <a:t>corresponds to output, 0 to input</a:t>
-            </a:r>
+              <a:rPr lang="en-US" sz="1400" dirty="0" err="1" smtClean="0">
+                <a:solidFill>
+                  <a:schemeClr val="accent6"/>
+                </a:solidFill>
+              </a:rPr>
+              <a:t>bis.b</a:t>
+            </a:r>
+            <a:r>
+              <a:rPr lang="en-US" sz="1400" dirty="0" smtClean="0">
+                <a:solidFill>
+                  <a:schemeClr val="accent6"/>
+                </a:solidFill>
+              </a:rPr>
+              <a:t>  #BIT0, &amp;P1DIR  </a:t>
+            </a:r>
+            <a:r>
+              <a:rPr lang="en-US" sz="1400" dirty="0" smtClean="0">
+                <a:solidFill>
+                  <a:srgbClr val="00B050"/>
+                </a:solidFill>
+              </a:rPr>
+              <a:t>; port 1, pin 0 is output</a:t>
+            </a:r>
+          </a:p>
+          <a:p>
+            <a:pPr lvl="2"/>
+            <a:r>
+              <a:rPr lang="en-US" sz="1400" dirty="0" err="1" smtClean="0">
+                <a:solidFill>
+                  <a:schemeClr val="accent6"/>
+                </a:solidFill>
+              </a:rPr>
+              <a:t>bic.b</a:t>
+            </a:r>
+            <a:r>
+              <a:rPr lang="en-US" sz="1400" dirty="0" smtClean="0">
+                <a:solidFill>
+                  <a:schemeClr val="accent6"/>
+                </a:solidFill>
+              </a:rPr>
+              <a:t>  #BIT1, &amp;P1DIR  </a:t>
+            </a:r>
+            <a:r>
+              <a:rPr lang="en-US" sz="1400" dirty="0" smtClean="0">
+                <a:solidFill>
+                  <a:srgbClr val="00B050"/>
+                </a:solidFill>
+              </a:rPr>
+              <a:t>; port 1, pin 1 is input </a:t>
+            </a:r>
+            <a:endParaRPr lang="en-US" sz="1400" dirty="0">
+              <a:solidFill>
+                <a:srgbClr val="00B050"/>
+              </a:solidFill>
+            </a:endParaRPr>
           </a:p>
           <a:p>
             <a:pPr lvl="1"/>
@@ -12122,8 +11290,12 @@
               <a:t> </a:t>
             </a:r>
             <a:r>
+              <a:rPr lang="en-US" sz="1800" dirty="0" smtClean="0"/>
+              <a:t>enables pull </a:t>
+            </a:r>
+            <a:r>
               <a:rPr lang="en-US" sz="1800" dirty="0"/>
-              <a:t>controls pull up / pull down resistors to avoid floating inputs</a:t>
+              <a:t>up / pull down resistors to avoid floating inputs</a:t>
             </a:r>
             <a:r>
               <a:rPr lang="en-US" sz="1800" dirty="0" smtClean="0"/>
@@ -12141,7 +11313,7 @@
               <a:t>to </a:t>
             </a:r>
             <a:r>
-              <a:rPr lang="en-US" sz="1800" dirty="0" err="1">
+              <a:rPr lang="en-US" sz="1800" dirty="0" err="1" smtClean="0">
                 <a:solidFill>
                   <a:srgbClr val="FF0000"/>
                 </a:solidFill>
@@ -12149,17 +11321,110 @@
               <a:t>PxOUT</a:t>
             </a:r>
             <a:r>
-              <a:rPr lang="en-US" sz="1800" dirty="0">
+              <a:rPr lang="en-US" sz="1800" dirty="0" smtClean="0">
                 <a:solidFill>
                   <a:srgbClr val="FF0000"/>
                 </a:solidFill>
               </a:rPr>
-              <a:t> </a:t>
-            </a:r>
-            <a:r>
-              <a:rPr lang="en-US" sz="1800" dirty="0"/>
-              <a:t>controls the output of each pin</a:t>
-            </a:r>
+              <a:t>: </a:t>
+            </a:r>
+          </a:p>
+          <a:p>
+            <a:pPr lvl="2"/>
+            <a:r>
+              <a:rPr lang="en-US" sz="1600" dirty="0" smtClean="0">
+                <a:solidFill>
+                  <a:srgbClr val="7030A0"/>
+                </a:solidFill>
+              </a:rPr>
+              <a:t>Output</a:t>
+            </a:r>
+            <a:r>
+              <a:rPr lang="en-US" sz="1600" dirty="0" smtClean="0"/>
+              <a:t>: sets </a:t>
+            </a:r>
+            <a:r>
+              <a:rPr lang="en-US" sz="1600" dirty="0"/>
+              <a:t>the output of each </a:t>
+            </a:r>
+            <a:r>
+              <a:rPr lang="en-US" sz="1600" dirty="0" smtClean="0"/>
+              <a:t>pin either high or low</a:t>
+            </a:r>
+          </a:p>
+          <a:p>
+            <a:pPr lvl="2"/>
+            <a:r>
+              <a:rPr lang="en-US" sz="1600" dirty="0" smtClean="0">
+                <a:solidFill>
+                  <a:srgbClr val="7030A0"/>
+                </a:solidFill>
+              </a:rPr>
+              <a:t>Input</a:t>
+            </a:r>
+            <a:r>
+              <a:rPr lang="en-US" sz="1600" dirty="0" smtClean="0"/>
+              <a:t>: sets the input resistor as a pull-up (1) or a pull-down(0)</a:t>
+            </a:r>
+          </a:p>
+          <a:p>
+            <a:pPr lvl="2"/>
+            <a:r>
+              <a:rPr lang="en-US" sz="1600" dirty="0" err="1" smtClean="0">
+                <a:solidFill>
+                  <a:schemeClr val="accent6"/>
+                </a:solidFill>
+              </a:rPr>
+              <a:t>bis.b</a:t>
+            </a:r>
+            <a:r>
+              <a:rPr lang="en-US" sz="1600" dirty="0" smtClean="0">
+                <a:solidFill>
+                  <a:schemeClr val="accent6"/>
+                </a:solidFill>
+              </a:rPr>
+              <a:t> #BIT1, &amp;P1REN  </a:t>
+            </a:r>
+            <a:r>
+              <a:rPr lang="en-US" sz="1600" dirty="0" smtClean="0">
+                <a:solidFill>
+                  <a:srgbClr val="00B050"/>
+                </a:solidFill>
+              </a:rPr>
+              <a:t>; port 1, resistor enabled</a:t>
+            </a:r>
+          </a:p>
+          <a:p>
+            <a:pPr lvl="2"/>
+            <a:r>
+              <a:rPr lang="en-US" sz="1600" dirty="0" err="1" smtClean="0">
+                <a:solidFill>
+                  <a:schemeClr val="accent6"/>
+                </a:solidFill>
+              </a:rPr>
+              <a:t>bis.b</a:t>
+            </a:r>
+            <a:r>
+              <a:rPr lang="en-US" sz="1600" dirty="0" smtClean="0">
+                <a:solidFill>
+                  <a:schemeClr val="accent6"/>
+                </a:solidFill>
+              </a:rPr>
+              <a:t> #BIT1, &amp;P1OUT  </a:t>
+            </a:r>
+            <a:r>
+              <a:rPr lang="en-US" sz="1600" dirty="0" smtClean="0">
+                <a:solidFill>
+                  <a:srgbClr val="00B050"/>
+                </a:solidFill>
+              </a:rPr>
+              <a:t>; port 1, resistor is pull-up</a:t>
+            </a:r>
+            <a:endParaRPr lang="en-US" sz="1600" dirty="0">
+              <a:solidFill>
+                <a:srgbClr val="00B050"/>
+              </a:solidFill>
+            </a:endParaRPr>
           </a:p>
           <a:p>
             <a:pPr lvl="1"/>
@@ -12186,6 +11451,41 @@
             <a:r>
               <a:rPr lang="en-US" sz="1800" dirty="0" smtClean="0"/>
               <a:t>pins</a:t>
+            </a:r>
+          </a:p>
+          <a:p>
+            <a:pPr lvl="1"/>
+            <a:r>
+              <a:rPr lang="en-US" sz="1800" dirty="0" err="1" smtClean="0">
+                <a:solidFill>
+                  <a:srgbClr val="FF0000"/>
+                </a:solidFill>
+              </a:rPr>
+              <a:t>PxSEL</a:t>
+            </a:r>
+            <a:r>
+              <a:rPr lang="en-US" sz="1800" dirty="0" smtClean="0">
+                <a:solidFill>
+                  <a:srgbClr val="FF0000"/>
+                </a:solidFill>
+              </a:rPr>
+              <a:t> </a:t>
+            </a:r>
+            <a:r>
+              <a:rPr lang="en-US" sz="1800" dirty="0" smtClean="0"/>
+              <a:t>and </a:t>
+            </a:r>
+            <a:r>
+              <a:rPr lang="en-US" sz="1800" dirty="0" smtClean="0">
+                <a:solidFill>
+                  <a:srgbClr val="FF0000"/>
+                </a:solidFill>
+              </a:rPr>
+              <a:t>PSEL2</a:t>
+            </a:r>
+            <a:r>
+              <a:rPr lang="en-US" sz="1800" dirty="0" smtClean="0"/>
+              <a:t> are the MUX pins to select different pin modes</a:t>
             </a:r>
           </a:p>
           <a:p>
@@ -12260,7 +11560,7 @@
         </p:nvSpPr>
         <p:spPr>
           <a:xfrm>
-            <a:off x="9144000" y="3892008"/>
+            <a:off x="7825751" y="4133192"/>
             <a:ext cx="1040670" cy="461665"/>
           </a:xfrm>
           <a:prstGeom prst="rect">
@@ -12302,7 +11602,7 @@
         </p:nvSpPr>
         <p:spPr bwMode="auto">
           <a:xfrm rot="16200000">
-            <a:off x="8712110" y="4614067"/>
+            <a:off x="7455204" y="4855252"/>
             <a:ext cx="1446071" cy="925283"/>
           </a:xfrm>
           <a:prstGeom prst="rightArrow">
@@ -12378,14 +11678,258 @@
         </p:blipFill>
         <p:spPr>
           <a:xfrm>
-            <a:off x="478862" y="3650965"/>
-            <a:ext cx="8390818" cy="2699765"/>
+            <a:off x="546502" y="4270936"/>
+            <a:ext cx="6888480" cy="2216384"/>
           </a:xfrm>
           <a:prstGeom prst="rect">
             <a:avLst/>
           </a:prstGeom>
         </p:spPr>
       </p:pic>
+      <p:sp>
+        <p:nvSpPr>
+          <p:cNvPr id="9" name="TextBox 8"/>
+          <p:cNvSpPr txBox="1"/>
+          <p:nvPr/>
+        </p:nvSpPr>
+        <p:spPr>
+          <a:xfrm>
+            <a:off x="7825751" y="3809271"/>
+            <a:ext cx="1125629" cy="461665"/>
+          </a:xfrm>
+          <a:prstGeom prst="rect">
+            <a:avLst/>
+          </a:prstGeom>
+          <a:noFill/>
+        </p:spPr>
+        <p:txBody>
+          <a:bodyPr wrap="none" rtlCol="0">
+            <a:spAutoFit/>
+          </a:bodyPr>
+          <a:lstStyle/>
+          <a:p>
+            <a:r>
+              <a:rPr lang="en-US" dirty="0" err="1" smtClean="0"/>
+              <a:t>P</a:t>
+            </a:r>
+            <a:r>
+              <a:rPr lang="en-US" dirty="0" err="1" smtClean="0">
+                <a:solidFill>
+                  <a:srgbClr val="FF0000"/>
+                </a:solidFill>
+              </a:rPr>
+              <a:t>x</a:t>
+            </a:r>
+            <a:r>
+              <a:rPr lang="en-US" dirty="0" err="1" smtClean="0"/>
+              <a:t>REN</a:t>
+            </a:r>
+            <a:endParaRPr lang="en-US" dirty="0"/>
+          </a:p>
+        </p:txBody>
+      </p:sp>
+      <p:sp>
+        <p:nvSpPr>
+          <p:cNvPr id="10" name="TextBox 9"/>
+          <p:cNvSpPr txBox="1"/>
+          <p:nvPr/>
+        </p:nvSpPr>
+        <p:spPr>
+          <a:xfrm>
+            <a:off x="7825751" y="3485350"/>
+            <a:ext cx="1143262" cy="461665"/>
+          </a:xfrm>
+          <a:prstGeom prst="rect">
+            <a:avLst/>
+          </a:prstGeom>
+          <a:noFill/>
+        </p:spPr>
+        <p:txBody>
+          <a:bodyPr wrap="none" rtlCol="0">
+            <a:spAutoFit/>
+          </a:bodyPr>
+          <a:lstStyle/>
+          <a:p>
+            <a:r>
+              <a:rPr lang="en-US" dirty="0" err="1" smtClean="0"/>
+              <a:t>P</a:t>
+            </a:r>
+            <a:r>
+              <a:rPr lang="en-US" dirty="0" err="1" smtClean="0">
+                <a:solidFill>
+                  <a:srgbClr val="FF0000"/>
+                </a:solidFill>
+              </a:rPr>
+              <a:t>x</a:t>
+            </a:r>
+            <a:r>
+              <a:rPr lang="en-US" dirty="0" err="1" smtClean="0"/>
+              <a:t>OUT</a:t>
+            </a:r>
+            <a:endParaRPr lang="en-US" dirty="0"/>
+          </a:p>
+        </p:txBody>
+      </p:sp>
+      <p:sp>
+        <p:nvSpPr>
+          <p:cNvPr id="11" name="TextBox 10"/>
+          <p:cNvSpPr txBox="1"/>
+          <p:nvPr/>
+        </p:nvSpPr>
+        <p:spPr>
+          <a:xfrm>
+            <a:off x="7825751" y="3151693"/>
+            <a:ext cx="835485" cy="461665"/>
+          </a:xfrm>
+          <a:prstGeom prst="rect">
+            <a:avLst/>
+          </a:prstGeom>
+          <a:noFill/>
+        </p:spPr>
+        <p:txBody>
+          <a:bodyPr wrap="none" rtlCol="0">
+            <a:spAutoFit/>
+          </a:bodyPr>
+          <a:lstStyle/>
+          <a:p>
+            <a:r>
+              <a:rPr lang="en-US" dirty="0" err="1" smtClean="0"/>
+              <a:t>P</a:t>
+            </a:r>
+            <a:r>
+              <a:rPr lang="en-US" dirty="0" err="1" smtClean="0">
+                <a:solidFill>
+                  <a:srgbClr val="FF0000"/>
+                </a:solidFill>
+              </a:rPr>
+              <a:t>x</a:t>
+            </a:r>
+            <a:r>
+              <a:rPr lang="en-US" dirty="0" err="1" smtClean="0"/>
+              <a:t>IN</a:t>
+            </a:r>
+            <a:endParaRPr lang="en-US" dirty="0"/>
+          </a:p>
+        </p:txBody>
+      </p:sp>
+      <p:sp>
+        <p:nvSpPr>
+          <p:cNvPr id="6" name="TextBox 5"/>
+          <p:cNvSpPr txBox="1"/>
+          <p:nvPr/>
+        </p:nvSpPr>
+        <p:spPr>
+          <a:xfrm>
+            <a:off x="7547088" y="2164189"/>
+            <a:ext cx="1596912" cy="461665"/>
+          </a:xfrm>
+          <a:prstGeom prst="rect">
+            <a:avLst/>
+          </a:prstGeom>
+          <a:noFill/>
+        </p:spPr>
+        <p:txBody>
+          <a:bodyPr wrap="none" rtlCol="0">
+            <a:spAutoFit/>
+          </a:bodyPr>
+          <a:lstStyle/>
+          <a:p>
+            <a:r>
+              <a:rPr lang="en-US" u="sng" dirty="0" smtClean="0"/>
+              <a:t>GPIO </a:t>
+            </a:r>
+            <a:r>
+              <a:rPr lang="en-US" u="sng" dirty="0" err="1" smtClean="0"/>
+              <a:t>Regs</a:t>
+            </a:r>
+            <a:endParaRPr lang="en-US" u="sng" dirty="0"/>
+          </a:p>
+        </p:txBody>
+      </p:sp>
+      <p:sp>
+        <p:nvSpPr>
+          <p:cNvPr id="12" name="TextBox 11"/>
+          <p:cNvSpPr txBox="1"/>
+          <p:nvPr/>
+        </p:nvSpPr>
+        <p:spPr>
+          <a:xfrm>
+            <a:off x="7835979" y="2838313"/>
+            <a:ext cx="1210588" cy="461665"/>
+          </a:xfrm>
+          <a:prstGeom prst="rect">
+            <a:avLst/>
+          </a:prstGeom>
+          <a:noFill/>
+        </p:spPr>
+        <p:txBody>
+          <a:bodyPr wrap="none" rtlCol="0">
+            <a:spAutoFit/>
+          </a:bodyPr>
+          <a:lstStyle/>
+          <a:p>
+            <a:r>
+              <a:rPr lang="en-US" dirty="0" smtClean="0"/>
+              <a:t>P</a:t>
+            </a:r>
+            <a:r>
+              <a:rPr lang="en-US" dirty="0" smtClean="0">
+                <a:solidFill>
+                  <a:srgbClr val="FF0000"/>
+                </a:solidFill>
+              </a:rPr>
+              <a:t>x</a:t>
+            </a:r>
+            <a:r>
+              <a:rPr lang="en-US" dirty="0" smtClean="0"/>
+              <a:t>SEL2</a:t>
+            </a:r>
+            <a:endParaRPr lang="en-US" dirty="0"/>
+          </a:p>
+        </p:txBody>
+      </p:sp>
+      <p:sp>
+        <p:nvSpPr>
+          <p:cNvPr id="13" name="TextBox 12"/>
+          <p:cNvSpPr txBox="1"/>
+          <p:nvPr/>
+        </p:nvSpPr>
+        <p:spPr>
+          <a:xfrm>
+            <a:off x="7835979" y="2528067"/>
+            <a:ext cx="1056700" cy="461665"/>
+          </a:xfrm>
+          <a:prstGeom prst="rect">
+            <a:avLst/>
+          </a:prstGeom>
+          <a:noFill/>
+        </p:spPr>
+        <p:txBody>
+          <a:bodyPr wrap="none" rtlCol="0">
+            <a:spAutoFit/>
+          </a:bodyPr>
+          <a:lstStyle/>
+          <a:p>
+            <a:r>
+              <a:rPr lang="en-US" dirty="0" err="1" smtClean="0"/>
+              <a:t>P</a:t>
+            </a:r>
+            <a:r>
+              <a:rPr lang="en-US" dirty="0" err="1" smtClean="0">
+                <a:solidFill>
+                  <a:srgbClr val="FF0000"/>
+                </a:solidFill>
+              </a:rPr>
+              <a:t>x</a:t>
+            </a:r>
+            <a:r>
+              <a:rPr lang="en-US" dirty="0" err="1" smtClean="0"/>
+              <a:t>SEL</a:t>
+            </a:r>
+            <a:endParaRPr lang="en-US" dirty="0"/>
+          </a:p>
+        </p:txBody>
+      </p:sp>
     </p:spTree>
     <p:extLst>
       <p:ext uri="{BB962C8B-B14F-4D97-AF65-F5344CB8AC3E}">
@@ -12515,7 +12059,7 @@
             </a:r>
             <a:r>
               <a:rPr lang="en-US" b="1" dirty="0" err="1" smtClean="0"/>
-              <a:t>Muxes</a:t>
+              <a:t>MUXes</a:t>
             </a:r>
             <a:r>
               <a:rPr lang="en-US" b="1" dirty="0" smtClean="0"/>
@@ -12548,7 +12092,7 @@
         </p:blipFill>
         <p:spPr bwMode="auto">
           <a:xfrm>
-            <a:off x="1261240" y="1516975"/>
+            <a:off x="1813031" y="1516975"/>
             <a:ext cx="6046077" cy="4340555"/>
           </a:xfrm>
           <a:prstGeom prst="rect">
@@ -12794,7 +12338,7 @@
         </p:nvSpPr>
         <p:spPr bwMode="auto">
           <a:xfrm>
-            <a:off x="1213945" y="3626069"/>
+            <a:off x="1765736" y="3626069"/>
             <a:ext cx="6156434" cy="228600"/>
           </a:xfrm>
           <a:prstGeom prst="rect">
@@ -12975,7 +12519,7 @@
         </p:nvSpPr>
         <p:spPr bwMode="auto">
           <a:xfrm>
-            <a:off x="1947041" y="3537479"/>
+            <a:off x="2498832" y="3537479"/>
             <a:ext cx="346842" cy="299545"/>
           </a:xfrm>
           <a:prstGeom prst="ellipse">
@@ -13103,7 +12647,7 @@
         </p:nvCxnSpPr>
         <p:spPr bwMode="auto">
           <a:xfrm>
-            <a:off x="2243089" y="3793157"/>
+            <a:off x="2794880" y="3793157"/>
             <a:ext cx="1816532" cy="1772071"/>
           </a:xfrm>
           <a:prstGeom prst="straightConnector1">
@@ -13132,8 +12676,8 @@
         </p:nvSpPr>
         <p:spPr>
           <a:xfrm>
-            <a:off x="100334" y="2948587"/>
-            <a:ext cx="1166649" cy="1477328"/>
+            <a:off x="97106" y="3257296"/>
+            <a:ext cx="1625985" cy="923330"/>
           </a:xfrm>
           <a:prstGeom prst="rect">
             <a:avLst/>
@@ -13152,7 +12696,7 @@
                   <a:srgbClr val="FF0000"/>
                 </a:solidFill>
               </a:rPr>
-              <a:t>Let’s setup UCA0SOMI on port 1</a:t>
+              <a:t>Let’s setup UCA0SOMI on port 1, pin 1</a:t>
             </a:r>
             <a:endParaRPr lang="en-US" sz="1800" dirty="0">
               <a:solidFill>

--- a/source/lessons/lsn13/Lsn13.pptx
+++ b/source/lessons/lsn13/Lsn13.pptx
@@ -7,10 +7,10 @@
     <p:sldMasterId id="2147483667" r:id="rId3"/>
   </p:sldMasterIdLst>
   <p:notesMasterIdLst>
-    <p:notesMasterId r:id="rId18"/>
+    <p:notesMasterId r:id="rId19"/>
   </p:notesMasterIdLst>
   <p:handoutMasterIdLst>
-    <p:handoutMasterId r:id="rId19"/>
+    <p:handoutMasterId r:id="rId20"/>
   </p:handoutMasterIdLst>
   <p:sldIdLst>
     <p:sldId id="352" r:id="rId4"/>
@@ -24,9 +24,10 @@
     <p:sldId id="359" r:id="rId12"/>
     <p:sldId id="369" r:id="rId13"/>
     <p:sldId id="364" r:id="rId14"/>
-    <p:sldId id="367" r:id="rId15"/>
-    <p:sldId id="353" r:id="rId16"/>
-    <p:sldId id="363" r:id="rId17"/>
+    <p:sldId id="363" r:id="rId15"/>
+    <p:sldId id="367" r:id="rId16"/>
+    <p:sldId id="353" r:id="rId17"/>
+    <p:sldId id="370" r:id="rId18"/>
   </p:sldIdLst>
   <p:sldSz cx="9144000" cy="6858000" type="screen4x3"/>
   <p:notesSz cx="7010400" cy="9296400"/>
@@ -1387,7 +1388,7 @@
           <a:p>
             <a:fld id="{834513E8-165F-4932-9E2D-FD497CB9A4FD}" type="datetimeFigureOut">
               <a:rPr lang="en-US" smtClean="0"/>
-              <a:t>7/10/2018</a:t>
+              <a:t>7/16/2018</a:t>
             </a:fld>
             <a:endParaRPr lang="en-US"/>
           </a:p>
@@ -1482,7 +1483,7 @@
           <a:p>
             <a:fld id="{834513E8-165F-4932-9E2D-FD497CB9A4FD}" type="datetimeFigureOut">
               <a:rPr lang="en-US" smtClean="0"/>
-              <a:t>7/10/2018</a:t>
+              <a:t>7/16/2018</a:t>
             </a:fld>
             <a:endParaRPr lang="en-US"/>
           </a:p>
@@ -1759,7 +1760,7 @@
           <a:p>
             <a:fld id="{834513E8-165F-4932-9E2D-FD497CB9A4FD}" type="datetimeFigureOut">
               <a:rPr lang="en-US" smtClean="0"/>
-              <a:t>7/10/2018</a:t>
+              <a:t>7/16/2018</a:t>
             </a:fld>
             <a:endParaRPr lang="en-US"/>
           </a:p>
@@ -2012,7 +2013,7 @@
           <a:p>
             <a:fld id="{834513E8-165F-4932-9E2D-FD497CB9A4FD}" type="datetimeFigureOut">
               <a:rPr lang="en-US" smtClean="0"/>
-              <a:t>7/10/2018</a:t>
+              <a:t>7/16/2018</a:t>
             </a:fld>
             <a:endParaRPr lang="en-US"/>
           </a:p>
@@ -2182,7 +2183,7 @@
           <a:p>
             <a:fld id="{834513E8-165F-4932-9E2D-FD497CB9A4FD}" type="datetimeFigureOut">
               <a:rPr lang="en-US" smtClean="0"/>
-              <a:t>7/10/2018</a:t>
+              <a:t>7/16/2018</a:t>
             </a:fld>
             <a:endParaRPr lang="en-US"/>
           </a:p>
@@ -2362,7 +2363,7 @@
           <a:p>
             <a:fld id="{834513E8-165F-4932-9E2D-FD497CB9A4FD}" type="datetimeFigureOut">
               <a:rPr lang="en-US" smtClean="0"/>
-              <a:t>7/10/2018</a:t>
+              <a:t>7/16/2018</a:t>
             </a:fld>
             <a:endParaRPr lang="en-US"/>
           </a:p>
@@ -3182,7 +3183,7 @@
           <a:p>
             <a:fld id="{834513E8-165F-4932-9E2D-FD497CB9A4FD}" type="datetimeFigureOut">
               <a:rPr lang="en-US" smtClean="0"/>
-              <a:t>7/10/2018</a:t>
+              <a:t>7/16/2018</a:t>
             </a:fld>
             <a:endParaRPr lang="en-US"/>
           </a:p>
@@ -3352,7 +3353,7 @@
           <a:p>
             <a:fld id="{834513E8-165F-4932-9E2D-FD497CB9A4FD}" type="datetimeFigureOut">
               <a:rPr lang="en-US" smtClean="0"/>
-              <a:t>7/10/2018</a:t>
+              <a:t>7/16/2018</a:t>
             </a:fld>
             <a:endParaRPr lang="en-US"/>
           </a:p>
@@ -3598,7 +3599,7 @@
           <a:p>
             <a:fld id="{834513E8-165F-4932-9E2D-FD497CB9A4FD}" type="datetimeFigureOut">
               <a:rPr lang="en-US" smtClean="0"/>
-              <a:t>7/10/2018</a:t>
+              <a:t>7/16/2018</a:t>
             </a:fld>
             <a:endParaRPr lang="en-US"/>
           </a:p>
@@ -3830,7 +3831,7 @@
           <a:p>
             <a:fld id="{834513E8-165F-4932-9E2D-FD497CB9A4FD}" type="datetimeFigureOut">
               <a:rPr lang="en-US" smtClean="0"/>
-              <a:t>7/10/2018</a:t>
+              <a:t>7/16/2018</a:t>
             </a:fld>
             <a:endParaRPr lang="en-US"/>
           </a:p>
@@ -4197,7 +4198,7 @@
           <a:p>
             <a:fld id="{834513E8-165F-4932-9E2D-FD497CB9A4FD}" type="datetimeFigureOut">
               <a:rPr lang="en-US" smtClean="0"/>
-              <a:t>7/10/2018</a:t>
+              <a:t>7/16/2018</a:t>
             </a:fld>
             <a:endParaRPr lang="en-US"/>
           </a:p>
@@ -6014,7 +6015,7 @@
           <a:p>
             <a:fld id="{834513E8-165F-4932-9E2D-FD497CB9A4FD}" type="datetimeFigureOut">
               <a:rPr lang="en-US" smtClean="0"/>
-              <a:t>7/10/2018</a:t>
+              <a:t>7/16/2018</a:t>
             </a:fld>
             <a:endParaRPr lang="en-US"/>
           </a:p>
@@ -7617,7 +7618,7 @@
           <a:p>
             <a:r>
               <a:rPr lang="en-US" b="1" dirty="0" smtClean="0"/>
-              <a:t>Toggle LED</a:t>
+              <a:t>Example Program</a:t>
             </a:r>
             <a:endParaRPr lang="en-US" dirty="0"/>
           </a:p>
@@ -7635,34 +7636,26 @@
         </p:nvSpPr>
         <p:spPr>
           <a:xfrm>
-            <a:off x="376038" y="1623665"/>
-            <a:ext cx="8493642" cy="4724400"/>
+            <a:off x="369127" y="1543385"/>
+            <a:ext cx="8083562" cy="4384174"/>
           </a:xfrm>
         </p:spPr>
         <p:txBody>
           <a:bodyPr>
-            <a:normAutofit/>
+            <a:normAutofit fontScale="92500" lnSpcReduction="10000"/>
           </a:bodyPr>
           <a:lstStyle/>
           <a:p>
-            <a:r>
-              <a:rPr lang="en-US" sz="1800" dirty="0" smtClean="0"/>
-              <a:t>Let's </a:t>
-            </a:r>
-            <a:r>
-              <a:rPr lang="en-US" sz="1800" dirty="0"/>
-              <a:t>write a program that controls the onboard LEDs with the onboard push button</a:t>
-            </a:r>
-            <a:r>
-              <a:rPr lang="en-US" sz="1800" dirty="0">
-                <a:solidFill>
-                  <a:schemeClr val="accent2"/>
-                </a:solidFill>
-                <a:latin typeface="Courier New" pitchFamily="49" charset="0"/>
-                <a:cs typeface="Courier New" pitchFamily="49" charset="0"/>
-              </a:rPr>
-              <a:t>  </a:t>
-            </a:r>
+            <a:pPr marL="0" indent="0">
+              <a:buNone/>
+            </a:pPr>
+            <a:endParaRPr lang="en-US" sz="1400" dirty="0" smtClean="0">
+              <a:solidFill>
+                <a:schemeClr val="accent2"/>
+              </a:solidFill>
+              <a:latin typeface="Courier New" pitchFamily="49" charset="0"/>
+              <a:cs typeface="Courier New" pitchFamily="49" charset="0"/>
+            </a:endParaRPr>
           </a:p>
           <a:p>
             <a:pPr marL="0" indent="0">
@@ -7680,71 +7673,13 @@
             <a:pPr marL="0" indent="0">
               <a:buNone/>
             </a:pPr>
-            <a:r>
-              <a:rPr lang="en-US" sz="1400" dirty="0">
-                <a:solidFill>
-                  <a:schemeClr val="accent2"/>
-                </a:solidFill>
-                <a:latin typeface="Courier New" pitchFamily="49" charset="0"/>
-                <a:cs typeface="Courier New" pitchFamily="49" charset="0"/>
-              </a:rPr>
-              <a:t>              </a:t>
-            </a:r>
-            <a:r>
-              <a:rPr lang="en-US" sz="1400" dirty="0" err="1">
-                <a:solidFill>
-                  <a:schemeClr val="accent2"/>
-                </a:solidFill>
-                <a:latin typeface="Courier New" pitchFamily="49" charset="0"/>
-                <a:cs typeface="Courier New" pitchFamily="49" charset="0"/>
-              </a:rPr>
-              <a:t>bis.b</a:t>
-            </a:r>
-            <a:r>
-              <a:rPr lang="en-US" sz="1400" dirty="0">
-                <a:solidFill>
-                  <a:schemeClr val="accent2"/>
-                </a:solidFill>
-                <a:latin typeface="Courier New" pitchFamily="49" charset="0"/>
-                <a:cs typeface="Courier New" pitchFamily="49" charset="0"/>
-              </a:rPr>
-              <a:t>  #BIT0|BIT6, &amp;P1DIR</a:t>
-            </a:r>
-          </a:p>
-          <a:p>
-            <a:pPr marL="0" indent="0">
-              <a:buNone/>
-            </a:pPr>
-            <a:r>
-              <a:rPr lang="en-US" sz="1400" dirty="0">
-                <a:solidFill>
-                  <a:schemeClr val="accent2"/>
-                </a:solidFill>
-                <a:latin typeface="Courier New" pitchFamily="49" charset="0"/>
-                <a:cs typeface="Courier New" pitchFamily="49" charset="0"/>
-              </a:rPr>
-              <a:t>              </a:t>
-            </a:r>
-            <a:r>
-              <a:rPr lang="en-US" sz="1400" dirty="0" err="1">
-                <a:solidFill>
-                  <a:schemeClr val="accent2"/>
-                </a:solidFill>
-                <a:latin typeface="Courier New" pitchFamily="49" charset="0"/>
-                <a:cs typeface="Courier New" pitchFamily="49" charset="0"/>
-              </a:rPr>
-              <a:t>bic.b</a:t>
-            </a:r>
-            <a:r>
-              <a:rPr lang="en-US" sz="1400" dirty="0">
-                <a:solidFill>
-                  <a:schemeClr val="accent2"/>
-                </a:solidFill>
-                <a:latin typeface="Courier New" pitchFamily="49" charset="0"/>
-                <a:cs typeface="Courier New" pitchFamily="49" charset="0"/>
-              </a:rPr>
-              <a:t>  #BIT3, &amp;P1DIR</a:t>
-            </a:r>
+            <a:endParaRPr lang="en-US" sz="1400" dirty="0" smtClean="0">
+              <a:solidFill>
+                <a:schemeClr val="accent2"/>
+              </a:solidFill>
+              <a:latin typeface="Courier New" pitchFamily="49" charset="0"/>
+              <a:cs typeface="Courier New" pitchFamily="49" charset="0"/>
+            </a:endParaRPr>
           </a:p>
           <a:p>
             <a:pPr marL="0" indent="0">
@@ -7762,333 +7697,7 @@
             <a:pPr marL="0" indent="0">
               <a:buNone/>
             </a:pPr>
-            <a:r>
-              <a:rPr lang="en-US" sz="1400" dirty="0" err="1">
-                <a:solidFill>
-                  <a:schemeClr val="accent2"/>
-                </a:solidFill>
-                <a:latin typeface="Courier New" pitchFamily="49" charset="0"/>
-                <a:cs typeface="Courier New" pitchFamily="49" charset="0"/>
-              </a:rPr>
-              <a:t>check_btn</a:t>
-            </a:r>
-            <a:r>
-              <a:rPr lang="en-US" sz="1400" dirty="0">
-                <a:solidFill>
-                  <a:schemeClr val="accent2"/>
-                </a:solidFill>
-                <a:latin typeface="Courier New" pitchFamily="49" charset="0"/>
-                <a:cs typeface="Courier New" pitchFamily="49" charset="0"/>
-              </a:rPr>
-              <a:t>:    </a:t>
-            </a:r>
-            <a:r>
-              <a:rPr lang="en-US" sz="1400" dirty="0" err="1">
-                <a:solidFill>
-                  <a:schemeClr val="accent2"/>
-                </a:solidFill>
-                <a:latin typeface="Courier New" pitchFamily="49" charset="0"/>
-                <a:cs typeface="Courier New" pitchFamily="49" charset="0"/>
-              </a:rPr>
-              <a:t>bit.b</a:t>
-            </a:r>
-            <a:r>
-              <a:rPr lang="en-US" sz="1400" dirty="0">
-                <a:solidFill>
-                  <a:schemeClr val="accent2"/>
-                </a:solidFill>
-                <a:latin typeface="Courier New" pitchFamily="49" charset="0"/>
-                <a:cs typeface="Courier New" pitchFamily="49" charset="0"/>
-              </a:rPr>
-              <a:t>  #BIT3, &amp;</a:t>
-            </a:r>
-            <a:r>
-              <a:rPr lang="en-US" sz="1400" dirty="0" smtClean="0">
-                <a:solidFill>
-                  <a:schemeClr val="accent2"/>
-                </a:solidFill>
-                <a:latin typeface="Courier New" pitchFamily="49" charset="0"/>
-                <a:cs typeface="Courier New" pitchFamily="49" charset="0"/>
-              </a:rPr>
-              <a:t>P1IN</a:t>
-            </a:r>
-            <a:r>
-              <a:rPr lang="en-US" sz="1400" dirty="0">
-                <a:solidFill>
-                  <a:schemeClr val="accent2"/>
-                </a:solidFill>
-                <a:latin typeface="Courier New" pitchFamily="49" charset="0"/>
-                <a:cs typeface="Courier New" pitchFamily="49" charset="0"/>
-              </a:rPr>
-              <a:t> </a:t>
-            </a:r>
-            <a:r>
-              <a:rPr lang="en-US" sz="1400" dirty="0" smtClean="0">
-                <a:solidFill>
-                  <a:schemeClr val="accent2"/>
-                </a:solidFill>
-                <a:latin typeface="Courier New" pitchFamily="49" charset="0"/>
-                <a:cs typeface="Courier New" pitchFamily="49" charset="0"/>
-              </a:rPr>
-              <a:t>          </a:t>
-            </a:r>
-            <a:r>
-              <a:rPr lang="en-US" sz="1400" dirty="0" smtClean="0">
-                <a:solidFill>
-                  <a:srgbClr val="00B050"/>
-                </a:solidFill>
-                <a:latin typeface="Courier New" pitchFamily="49" charset="0"/>
-                <a:cs typeface="Courier New" pitchFamily="49" charset="0"/>
-              </a:rPr>
-              <a:t>;</a:t>
-            </a:r>
-            <a:r>
-              <a:rPr lang="en-US" sz="1400" dirty="0">
-                <a:solidFill>
-                  <a:srgbClr val="00B050"/>
-                </a:solidFill>
-                <a:latin typeface="Courier New" pitchFamily="49" charset="0"/>
-                <a:cs typeface="Courier New" pitchFamily="49" charset="0"/>
-              </a:rPr>
-              <a:t>push button is LOW on push</a:t>
-            </a:r>
-            <a:endParaRPr lang="en-US" sz="1400" dirty="0">
-              <a:solidFill>
-                <a:schemeClr val="accent2"/>
-              </a:solidFill>
-              <a:latin typeface="Courier New" pitchFamily="49" charset="0"/>
-              <a:cs typeface="Courier New" pitchFamily="49" charset="0"/>
-            </a:endParaRPr>
-          </a:p>
-          <a:p>
-            <a:pPr marL="0" indent="0">
-              <a:buNone/>
-            </a:pPr>
-            <a:r>
-              <a:rPr lang="en-US" sz="1400" dirty="0">
-                <a:solidFill>
-                  <a:schemeClr val="accent2"/>
-                </a:solidFill>
-                <a:latin typeface="Courier New" pitchFamily="49" charset="0"/>
-                <a:cs typeface="Courier New" pitchFamily="49" charset="0"/>
-              </a:rPr>
-              <a:t>              </a:t>
-            </a:r>
-            <a:r>
-              <a:rPr lang="en-US" sz="1400" dirty="0" err="1">
-                <a:solidFill>
-                  <a:schemeClr val="accent2"/>
-                </a:solidFill>
-                <a:latin typeface="Courier New" pitchFamily="49" charset="0"/>
-                <a:cs typeface="Courier New" pitchFamily="49" charset="0"/>
-              </a:rPr>
-              <a:t>jz</a:t>
-            </a:r>
-            <a:r>
-              <a:rPr lang="en-US" sz="1400" dirty="0">
-                <a:solidFill>
-                  <a:schemeClr val="accent2"/>
-                </a:solidFill>
-                <a:latin typeface="Courier New" pitchFamily="49" charset="0"/>
-                <a:cs typeface="Courier New" pitchFamily="49" charset="0"/>
-              </a:rPr>
-              <a:t>     </a:t>
-            </a:r>
-            <a:r>
-              <a:rPr lang="en-US" sz="1400" dirty="0" err="1">
-                <a:solidFill>
-                  <a:schemeClr val="accent2"/>
-                </a:solidFill>
-                <a:latin typeface="Courier New" pitchFamily="49" charset="0"/>
-                <a:cs typeface="Courier New" pitchFamily="49" charset="0"/>
-              </a:rPr>
-              <a:t>set_lights</a:t>
-            </a:r>
-            <a:endParaRPr lang="en-US" sz="1400" dirty="0">
-              <a:solidFill>
-                <a:schemeClr val="accent2"/>
-              </a:solidFill>
-              <a:latin typeface="Courier New" pitchFamily="49" charset="0"/>
-              <a:cs typeface="Courier New" pitchFamily="49" charset="0"/>
-            </a:endParaRPr>
-          </a:p>
-          <a:p>
-            <a:pPr marL="0" indent="0">
-              <a:buNone/>
-            </a:pPr>
-            <a:r>
-              <a:rPr lang="en-US" sz="1400" dirty="0">
-                <a:solidFill>
-                  <a:schemeClr val="accent2"/>
-                </a:solidFill>
-                <a:latin typeface="Courier New" pitchFamily="49" charset="0"/>
-                <a:cs typeface="Courier New" pitchFamily="49" charset="0"/>
-              </a:rPr>
-              <a:t>              </a:t>
-            </a:r>
-            <a:r>
-              <a:rPr lang="en-US" sz="1400" dirty="0" err="1">
-                <a:solidFill>
-                  <a:schemeClr val="accent2"/>
-                </a:solidFill>
-                <a:latin typeface="Courier New" pitchFamily="49" charset="0"/>
-                <a:cs typeface="Courier New" pitchFamily="49" charset="0"/>
-              </a:rPr>
-              <a:t>bic.b</a:t>
-            </a:r>
-            <a:r>
-              <a:rPr lang="en-US" sz="1400" dirty="0">
-                <a:solidFill>
-                  <a:schemeClr val="accent2"/>
-                </a:solidFill>
-                <a:latin typeface="Courier New" pitchFamily="49" charset="0"/>
-                <a:cs typeface="Courier New" pitchFamily="49" charset="0"/>
-              </a:rPr>
-              <a:t>  #BIT0|BIT6, &amp;P1OUT</a:t>
-            </a:r>
-          </a:p>
-          <a:p>
-            <a:pPr marL="0" indent="0">
-              <a:buNone/>
-            </a:pPr>
-            <a:r>
-              <a:rPr lang="en-US" sz="1400" dirty="0">
-                <a:solidFill>
-                  <a:schemeClr val="accent2"/>
-                </a:solidFill>
-                <a:latin typeface="Courier New" pitchFamily="49" charset="0"/>
-                <a:cs typeface="Courier New" pitchFamily="49" charset="0"/>
-              </a:rPr>
-              <a:t>              </a:t>
-            </a:r>
-            <a:r>
-              <a:rPr lang="en-US" sz="1400" dirty="0" err="1">
-                <a:solidFill>
-                  <a:schemeClr val="accent2"/>
-                </a:solidFill>
-                <a:latin typeface="Courier New" pitchFamily="49" charset="0"/>
-                <a:cs typeface="Courier New" pitchFamily="49" charset="0"/>
-              </a:rPr>
-              <a:t>jmp</a:t>
-            </a:r>
-            <a:r>
-              <a:rPr lang="en-US" sz="1400" dirty="0">
-                <a:solidFill>
-                  <a:schemeClr val="accent2"/>
-                </a:solidFill>
-                <a:latin typeface="Courier New" pitchFamily="49" charset="0"/>
-                <a:cs typeface="Courier New" pitchFamily="49" charset="0"/>
-              </a:rPr>
-              <a:t>    </a:t>
-            </a:r>
-            <a:r>
-              <a:rPr lang="en-US" sz="1400" dirty="0" err="1">
-                <a:solidFill>
-                  <a:schemeClr val="accent2"/>
-                </a:solidFill>
-                <a:latin typeface="Courier New" pitchFamily="49" charset="0"/>
-                <a:cs typeface="Courier New" pitchFamily="49" charset="0"/>
-              </a:rPr>
-              <a:t>check_btn</a:t>
-            </a:r>
-            <a:endParaRPr lang="en-US" sz="1400" dirty="0">
-              <a:solidFill>
-                <a:schemeClr val="accent2"/>
-              </a:solidFill>
-              <a:latin typeface="Courier New" pitchFamily="49" charset="0"/>
-              <a:cs typeface="Courier New" pitchFamily="49" charset="0"/>
-            </a:endParaRPr>
-          </a:p>
-          <a:p>
-            <a:pPr marL="0" indent="0">
-              <a:buNone/>
-            </a:pPr>
-            <a:r>
-              <a:rPr lang="en-US" sz="1400" dirty="0" err="1">
-                <a:solidFill>
-                  <a:schemeClr val="accent2"/>
-                </a:solidFill>
-                <a:latin typeface="Courier New" pitchFamily="49" charset="0"/>
-                <a:cs typeface="Courier New" pitchFamily="49" charset="0"/>
-              </a:rPr>
-              <a:t>set_lights</a:t>
-            </a:r>
-            <a:r>
-              <a:rPr lang="en-US" sz="1400" dirty="0">
-                <a:solidFill>
-                  <a:schemeClr val="accent2"/>
-                </a:solidFill>
-                <a:latin typeface="Courier New" pitchFamily="49" charset="0"/>
-                <a:cs typeface="Courier New" pitchFamily="49" charset="0"/>
-              </a:rPr>
-              <a:t>:   </a:t>
-            </a:r>
-            <a:r>
-              <a:rPr lang="en-US" sz="1400" dirty="0" err="1">
-                <a:solidFill>
-                  <a:schemeClr val="accent2"/>
-                </a:solidFill>
-                <a:latin typeface="Courier New" pitchFamily="49" charset="0"/>
-                <a:cs typeface="Courier New" pitchFamily="49" charset="0"/>
-              </a:rPr>
-              <a:t>bis.b</a:t>
-            </a:r>
-            <a:r>
-              <a:rPr lang="en-US" sz="1400" dirty="0">
-                <a:solidFill>
-                  <a:schemeClr val="accent2"/>
-                </a:solidFill>
-                <a:latin typeface="Courier New" pitchFamily="49" charset="0"/>
-                <a:cs typeface="Courier New" pitchFamily="49" charset="0"/>
-              </a:rPr>
-              <a:t>  #BIT0|BIT6, &amp;P1OUT</a:t>
-            </a:r>
-          </a:p>
-          <a:p>
-            <a:pPr marL="0" indent="0">
-              <a:buNone/>
-            </a:pPr>
-            <a:r>
-              <a:rPr lang="en-US" sz="1400" dirty="0">
-                <a:solidFill>
-                  <a:schemeClr val="accent2"/>
-                </a:solidFill>
-                <a:latin typeface="Courier New" pitchFamily="49" charset="0"/>
-                <a:cs typeface="Courier New" pitchFamily="49" charset="0"/>
-              </a:rPr>
-              <a:t>              </a:t>
-            </a:r>
-            <a:r>
-              <a:rPr lang="en-US" sz="1400" dirty="0" err="1">
-                <a:solidFill>
-                  <a:schemeClr val="accent2"/>
-                </a:solidFill>
-                <a:latin typeface="Courier New" pitchFamily="49" charset="0"/>
-                <a:cs typeface="Courier New" pitchFamily="49" charset="0"/>
-              </a:rPr>
-              <a:t>jmp</a:t>
-            </a:r>
-            <a:r>
-              <a:rPr lang="en-US" sz="1400" dirty="0">
-                <a:solidFill>
-                  <a:schemeClr val="accent2"/>
-                </a:solidFill>
-                <a:latin typeface="Courier New" pitchFamily="49" charset="0"/>
-                <a:cs typeface="Courier New" pitchFamily="49" charset="0"/>
-              </a:rPr>
-              <a:t>    </a:t>
-            </a:r>
-            <a:r>
-              <a:rPr lang="en-US" sz="1400" dirty="0" err="1">
-                <a:solidFill>
-                  <a:schemeClr val="accent2"/>
-                </a:solidFill>
-                <a:latin typeface="Courier New" pitchFamily="49" charset="0"/>
-                <a:cs typeface="Courier New" pitchFamily="49" charset="0"/>
-              </a:rPr>
-              <a:t>check_btn</a:t>
-            </a:r>
-            <a:endParaRPr lang="en-US" sz="1400" dirty="0">
+            <a:endParaRPr lang="en-US" sz="1400" dirty="0" smtClean="0">
               <a:solidFill>
                 <a:schemeClr val="accent2"/>
               </a:solidFill>
@@ -8109,16 +7718,889 @@
             </a:endParaRPr>
           </a:p>
           <a:p>
-            <a:pPr marL="406400" lvl="1" indent="0">
+            <a:pPr marL="0" indent="0">
               <a:buNone/>
             </a:pPr>
-            <a:endParaRPr lang="en-US" sz="2200" dirty="0"/>
-          </a:p>
-          <a:p>
-            <a:endParaRPr lang="en-US" sz="2000" dirty="0">
+            <a:endParaRPr lang="en-US" sz="1400" dirty="0" smtClean="0">
               <a:solidFill>
                 <a:schemeClr val="accent2"/>
               </a:solidFill>
+              <a:latin typeface="Courier New" pitchFamily="49" charset="0"/>
+              <a:cs typeface="Courier New" pitchFamily="49" charset="0"/>
+            </a:endParaRPr>
+          </a:p>
+          <a:p>
+            <a:pPr marL="0" indent="0">
+              <a:buNone/>
+            </a:pPr>
+            <a:endParaRPr lang="en-US" sz="1400" dirty="0">
+              <a:solidFill>
+                <a:schemeClr val="accent2"/>
+              </a:solidFill>
+              <a:latin typeface="Courier New" pitchFamily="49" charset="0"/>
+              <a:cs typeface="Courier New" pitchFamily="49" charset="0"/>
+            </a:endParaRPr>
+          </a:p>
+          <a:p>
+            <a:pPr marL="0" indent="0">
+              <a:buNone/>
+            </a:pPr>
+            <a:r>
+              <a:rPr lang="en-US" sz="1400" dirty="0" smtClean="0">
+                <a:solidFill>
+                  <a:schemeClr val="accent2"/>
+                </a:solidFill>
+                <a:latin typeface="Courier New" pitchFamily="49" charset="0"/>
+                <a:cs typeface="Courier New" pitchFamily="49" charset="0"/>
+              </a:rPr>
+              <a:t>              </a:t>
+            </a:r>
+            <a:r>
+              <a:rPr lang="en-US" sz="1400" dirty="0" err="1" smtClean="0">
+                <a:solidFill>
+                  <a:schemeClr val="accent2"/>
+                </a:solidFill>
+                <a:latin typeface="Courier New" pitchFamily="49" charset="0"/>
+                <a:cs typeface="Courier New" pitchFamily="49" charset="0"/>
+              </a:rPr>
+              <a:t>bis.b</a:t>
+            </a:r>
+            <a:r>
+              <a:rPr lang="en-US" sz="1400" dirty="0" smtClean="0">
+                <a:solidFill>
+                  <a:schemeClr val="accent2"/>
+                </a:solidFill>
+                <a:latin typeface="Courier New" pitchFamily="49" charset="0"/>
+                <a:cs typeface="Courier New" pitchFamily="49" charset="0"/>
+              </a:rPr>
+              <a:t>  </a:t>
+            </a:r>
+            <a:r>
+              <a:rPr lang="en-US" sz="1400" dirty="0">
+                <a:solidFill>
+                  <a:schemeClr val="accent2"/>
+                </a:solidFill>
+                <a:latin typeface="Courier New" pitchFamily="49" charset="0"/>
+                <a:cs typeface="Courier New" pitchFamily="49" charset="0"/>
+              </a:rPr>
+              <a:t>#BIT0|BIT6, &amp;</a:t>
+            </a:r>
+            <a:r>
+              <a:rPr lang="en-US" sz="1400" dirty="0" smtClean="0">
+                <a:solidFill>
+                  <a:schemeClr val="accent2"/>
+                </a:solidFill>
+                <a:latin typeface="Courier New" pitchFamily="49" charset="0"/>
+                <a:cs typeface="Courier New" pitchFamily="49" charset="0"/>
+              </a:rPr>
+              <a:t>P1DIR   </a:t>
+            </a:r>
+            <a:r>
+              <a:rPr lang="en-US" sz="1400" dirty="0" smtClean="0">
+                <a:solidFill>
+                  <a:srgbClr val="00B050"/>
+                </a:solidFill>
+                <a:latin typeface="Courier New" pitchFamily="49" charset="0"/>
+                <a:cs typeface="Courier New" pitchFamily="49" charset="0"/>
+              </a:rPr>
+              <a:t>; output pin </a:t>
+            </a:r>
+            <a:r>
+              <a:rPr lang="en-US" sz="1400" dirty="0" err="1" smtClean="0">
+                <a:solidFill>
+                  <a:srgbClr val="00B050"/>
+                </a:solidFill>
+                <a:latin typeface="Courier New" pitchFamily="49" charset="0"/>
+                <a:cs typeface="Courier New" pitchFamily="49" charset="0"/>
+              </a:rPr>
+              <a:t>dir</a:t>
+            </a:r>
+            <a:r>
+              <a:rPr lang="en-US" sz="1400" dirty="0" smtClean="0">
+                <a:solidFill>
+                  <a:srgbClr val="00B050"/>
+                </a:solidFill>
+                <a:latin typeface="Courier New" pitchFamily="49" charset="0"/>
+                <a:cs typeface="Courier New" pitchFamily="49" charset="0"/>
+              </a:rPr>
+              <a:t> (see next slide)</a:t>
+            </a:r>
+            <a:endParaRPr lang="en-US" sz="1400" dirty="0">
+              <a:solidFill>
+                <a:srgbClr val="00B050"/>
+              </a:solidFill>
+              <a:latin typeface="Courier New" pitchFamily="49" charset="0"/>
+              <a:cs typeface="Courier New" pitchFamily="49" charset="0"/>
+            </a:endParaRPr>
+          </a:p>
+          <a:p>
+            <a:pPr marL="0" indent="0">
+              <a:buNone/>
+            </a:pPr>
+            <a:r>
+              <a:rPr lang="en-US" sz="1400" dirty="0" smtClean="0">
+                <a:solidFill>
+                  <a:schemeClr val="accent2"/>
+                </a:solidFill>
+                <a:latin typeface="Courier New" pitchFamily="49" charset="0"/>
+                <a:cs typeface="Courier New" pitchFamily="49" charset="0"/>
+              </a:rPr>
+              <a:t>              </a:t>
+            </a:r>
+            <a:r>
+              <a:rPr lang="en-US" sz="1400" dirty="0" err="1" smtClean="0">
+                <a:solidFill>
+                  <a:schemeClr val="accent2"/>
+                </a:solidFill>
+                <a:latin typeface="Courier New" pitchFamily="49" charset="0"/>
+                <a:cs typeface="Courier New" pitchFamily="49" charset="0"/>
+              </a:rPr>
+              <a:t>bic.b</a:t>
+            </a:r>
+            <a:r>
+              <a:rPr lang="en-US" sz="1400" dirty="0" smtClean="0">
+                <a:solidFill>
+                  <a:schemeClr val="accent2"/>
+                </a:solidFill>
+                <a:latin typeface="Courier New" pitchFamily="49" charset="0"/>
+                <a:cs typeface="Courier New" pitchFamily="49" charset="0"/>
+              </a:rPr>
+              <a:t>  </a:t>
+            </a:r>
+            <a:r>
+              <a:rPr lang="en-US" sz="1400" dirty="0">
+                <a:solidFill>
+                  <a:schemeClr val="accent2"/>
+                </a:solidFill>
+                <a:latin typeface="Courier New" pitchFamily="49" charset="0"/>
+                <a:cs typeface="Courier New" pitchFamily="49" charset="0"/>
+              </a:rPr>
+              <a:t>#BIT3, &amp;</a:t>
+            </a:r>
+            <a:r>
+              <a:rPr lang="en-US" sz="1400" dirty="0" smtClean="0">
+                <a:solidFill>
+                  <a:schemeClr val="accent2"/>
+                </a:solidFill>
+                <a:latin typeface="Courier New" pitchFamily="49" charset="0"/>
+                <a:cs typeface="Courier New" pitchFamily="49" charset="0"/>
+              </a:rPr>
+              <a:t>P1DIR</a:t>
+            </a:r>
+            <a:r>
+              <a:rPr lang="en-US" sz="1400" dirty="0">
+                <a:solidFill>
+                  <a:srgbClr val="00B050"/>
+                </a:solidFill>
+                <a:latin typeface="Courier New" pitchFamily="49" charset="0"/>
+                <a:cs typeface="Courier New" pitchFamily="49" charset="0"/>
+              </a:rPr>
+              <a:t> </a:t>
+            </a:r>
+            <a:r>
+              <a:rPr lang="en-US" sz="1400" dirty="0" smtClean="0">
+                <a:solidFill>
+                  <a:srgbClr val="00B050"/>
+                </a:solidFill>
+                <a:latin typeface="Courier New" pitchFamily="49" charset="0"/>
+                <a:cs typeface="Courier New" pitchFamily="49" charset="0"/>
+              </a:rPr>
+              <a:t>       ; </a:t>
+            </a:r>
+            <a:r>
+              <a:rPr lang="en-US" sz="1400" dirty="0" smtClean="0">
+                <a:solidFill>
+                  <a:srgbClr val="00B050"/>
+                </a:solidFill>
+                <a:latin typeface="Courier New" pitchFamily="49" charset="0"/>
+                <a:cs typeface="Courier New" pitchFamily="49" charset="0"/>
+              </a:rPr>
+              <a:t>what is on pin 3? Input or output?</a:t>
+            </a:r>
+            <a:endParaRPr lang="en-US" sz="1400" dirty="0">
+              <a:solidFill>
+                <a:schemeClr val="accent2"/>
+              </a:solidFill>
+              <a:latin typeface="Courier New" pitchFamily="49" charset="0"/>
+              <a:cs typeface="Courier New" pitchFamily="49" charset="0"/>
+            </a:endParaRPr>
+          </a:p>
+          <a:p>
+            <a:pPr marL="0" indent="0">
+              <a:buNone/>
+            </a:pPr>
+            <a:r>
+              <a:rPr lang="en-US" sz="1400" dirty="0" smtClean="0">
+                <a:solidFill>
+                  <a:schemeClr val="accent2"/>
+                </a:solidFill>
+                <a:latin typeface="Courier New" pitchFamily="49" charset="0"/>
+                <a:cs typeface="Courier New" pitchFamily="49" charset="0"/>
+              </a:rPr>
+              <a:t>              </a:t>
+            </a:r>
+            <a:r>
+              <a:rPr lang="en-US" sz="1400" dirty="0" err="1" smtClean="0">
+                <a:solidFill>
+                  <a:schemeClr val="accent2"/>
+                </a:solidFill>
+                <a:latin typeface="Courier New" pitchFamily="49" charset="0"/>
+                <a:cs typeface="Courier New" pitchFamily="49" charset="0"/>
+              </a:rPr>
+              <a:t>bis.b</a:t>
+            </a:r>
+            <a:r>
+              <a:rPr lang="en-US" sz="1400" dirty="0" smtClean="0">
+                <a:solidFill>
+                  <a:schemeClr val="accent2"/>
+                </a:solidFill>
+                <a:latin typeface="Courier New" pitchFamily="49" charset="0"/>
+                <a:cs typeface="Courier New" pitchFamily="49" charset="0"/>
+              </a:rPr>
+              <a:t>  </a:t>
+            </a:r>
+            <a:r>
+              <a:rPr lang="en-US" sz="1400" dirty="0">
+                <a:solidFill>
+                  <a:schemeClr val="accent2"/>
+                </a:solidFill>
+                <a:latin typeface="Courier New" pitchFamily="49" charset="0"/>
+                <a:cs typeface="Courier New" pitchFamily="49" charset="0"/>
+              </a:rPr>
+              <a:t>#BIT3, &amp;</a:t>
+            </a:r>
+            <a:r>
+              <a:rPr lang="en-US" sz="1400" dirty="0" smtClean="0">
+                <a:solidFill>
+                  <a:schemeClr val="accent2"/>
+                </a:solidFill>
+                <a:latin typeface="Courier New" pitchFamily="49" charset="0"/>
+                <a:cs typeface="Courier New" pitchFamily="49" charset="0"/>
+              </a:rPr>
+              <a:t>P1REN        </a:t>
+            </a:r>
+            <a:r>
+              <a:rPr lang="en-US" sz="1400" dirty="0" smtClean="0">
+                <a:solidFill>
+                  <a:srgbClr val="00B050"/>
+                </a:solidFill>
+                <a:latin typeface="Courier New" pitchFamily="49" charset="0"/>
+                <a:cs typeface="Courier New" pitchFamily="49" charset="0"/>
+              </a:rPr>
+              <a:t>; enable pin 3’s resistor</a:t>
+            </a:r>
+            <a:endParaRPr lang="en-US" sz="1400" dirty="0">
+              <a:solidFill>
+                <a:schemeClr val="accent2"/>
+              </a:solidFill>
+              <a:latin typeface="Courier New" pitchFamily="49" charset="0"/>
+              <a:cs typeface="Courier New" pitchFamily="49" charset="0"/>
+            </a:endParaRPr>
+          </a:p>
+          <a:p>
+            <a:pPr marL="0" indent="0">
+              <a:buNone/>
+            </a:pPr>
+            <a:r>
+              <a:rPr lang="en-US" sz="1400" dirty="0" smtClean="0">
+                <a:solidFill>
+                  <a:schemeClr val="accent2"/>
+                </a:solidFill>
+                <a:latin typeface="Courier New" pitchFamily="49" charset="0"/>
+                <a:cs typeface="Courier New" pitchFamily="49" charset="0"/>
+              </a:rPr>
+              <a:t>              </a:t>
+            </a:r>
+            <a:r>
+              <a:rPr lang="en-US" sz="1400" dirty="0" err="1" smtClean="0">
+                <a:solidFill>
+                  <a:schemeClr val="accent2"/>
+                </a:solidFill>
+                <a:latin typeface="Courier New" pitchFamily="49" charset="0"/>
+                <a:cs typeface="Courier New" pitchFamily="49" charset="0"/>
+              </a:rPr>
+              <a:t>bis.b</a:t>
+            </a:r>
+            <a:r>
+              <a:rPr lang="en-US" sz="1400" dirty="0" smtClean="0">
+                <a:solidFill>
+                  <a:schemeClr val="accent2"/>
+                </a:solidFill>
+                <a:latin typeface="Courier New" pitchFamily="49" charset="0"/>
+                <a:cs typeface="Courier New" pitchFamily="49" charset="0"/>
+              </a:rPr>
+              <a:t>  </a:t>
+            </a:r>
+            <a:r>
+              <a:rPr lang="en-US" sz="1400" dirty="0">
+                <a:solidFill>
+                  <a:schemeClr val="accent2"/>
+                </a:solidFill>
+                <a:latin typeface="Courier New" pitchFamily="49" charset="0"/>
+                <a:cs typeface="Courier New" pitchFamily="49" charset="0"/>
+              </a:rPr>
+              <a:t>#BIT3, &amp;</a:t>
+            </a:r>
+            <a:r>
+              <a:rPr lang="en-US" sz="1400" dirty="0" smtClean="0">
+                <a:solidFill>
+                  <a:schemeClr val="accent2"/>
+                </a:solidFill>
+                <a:latin typeface="Courier New" pitchFamily="49" charset="0"/>
+                <a:cs typeface="Courier New" pitchFamily="49" charset="0"/>
+              </a:rPr>
+              <a:t>P1OUT        </a:t>
+            </a:r>
+            <a:r>
+              <a:rPr lang="en-US" sz="1400" dirty="0" smtClean="0">
+                <a:solidFill>
+                  <a:srgbClr val="00B050"/>
+                </a:solidFill>
+                <a:latin typeface="Courier New" pitchFamily="49" charset="0"/>
+                <a:cs typeface="Courier New" pitchFamily="49" charset="0"/>
+              </a:rPr>
+              <a:t>; </a:t>
+            </a:r>
+            <a:r>
+              <a:rPr lang="en-US" sz="1400" dirty="0" smtClean="0">
+                <a:solidFill>
+                  <a:srgbClr val="00B050"/>
+                </a:solidFill>
+                <a:latin typeface="Courier New" pitchFamily="49" charset="0"/>
+                <a:cs typeface="Courier New" pitchFamily="49" charset="0"/>
+              </a:rPr>
+              <a:t>pull-up or pull-down?</a:t>
+            </a:r>
+            <a:endParaRPr lang="en-US" sz="1400" dirty="0">
+              <a:solidFill>
+                <a:srgbClr val="00B050"/>
+              </a:solidFill>
+              <a:latin typeface="Courier New" pitchFamily="49" charset="0"/>
+              <a:cs typeface="Courier New" pitchFamily="49" charset="0"/>
+            </a:endParaRPr>
+          </a:p>
+          <a:p>
+            <a:pPr marL="0" indent="0">
+              <a:buNone/>
+            </a:pPr>
+            <a:endParaRPr lang="en-US" sz="1400" dirty="0">
+              <a:solidFill>
+                <a:schemeClr val="accent2"/>
+              </a:solidFill>
+              <a:latin typeface="Courier New" pitchFamily="49" charset="0"/>
+              <a:cs typeface="Courier New" pitchFamily="49" charset="0"/>
+            </a:endParaRPr>
+          </a:p>
+          <a:p>
+            <a:pPr marL="0" indent="0">
+              <a:buNone/>
+            </a:pPr>
+            <a:r>
+              <a:rPr lang="en-US" sz="1400" dirty="0" err="1">
+                <a:solidFill>
+                  <a:schemeClr val="accent2"/>
+                </a:solidFill>
+                <a:latin typeface="Courier New" pitchFamily="49" charset="0"/>
+                <a:cs typeface="Courier New" pitchFamily="49" charset="0"/>
+              </a:rPr>
+              <a:t>check_btn</a:t>
+            </a:r>
+            <a:r>
+              <a:rPr lang="en-US" sz="1400" dirty="0">
+                <a:solidFill>
+                  <a:schemeClr val="accent2"/>
+                </a:solidFill>
+                <a:latin typeface="Courier New" pitchFamily="49" charset="0"/>
+                <a:cs typeface="Courier New" pitchFamily="49" charset="0"/>
+              </a:rPr>
+              <a:t>:    </a:t>
+            </a:r>
+            <a:r>
+              <a:rPr lang="en-US" sz="1400" dirty="0" err="1">
+                <a:solidFill>
+                  <a:schemeClr val="accent2"/>
+                </a:solidFill>
+                <a:latin typeface="Courier New" pitchFamily="49" charset="0"/>
+                <a:cs typeface="Courier New" pitchFamily="49" charset="0"/>
+              </a:rPr>
+              <a:t>bit.b</a:t>
+            </a:r>
+            <a:r>
+              <a:rPr lang="en-US" sz="1400" dirty="0">
+                <a:solidFill>
+                  <a:schemeClr val="accent2"/>
+                </a:solidFill>
+                <a:latin typeface="Courier New" pitchFamily="49" charset="0"/>
+                <a:cs typeface="Courier New" pitchFamily="49" charset="0"/>
+              </a:rPr>
+              <a:t>  #BIT3, &amp;</a:t>
+            </a:r>
+            <a:r>
+              <a:rPr lang="en-US" sz="1400" dirty="0" smtClean="0">
+                <a:solidFill>
+                  <a:schemeClr val="accent2"/>
+                </a:solidFill>
+                <a:latin typeface="Courier New" pitchFamily="49" charset="0"/>
+                <a:cs typeface="Courier New" pitchFamily="49" charset="0"/>
+              </a:rPr>
+              <a:t>P1IN        </a:t>
+            </a:r>
+            <a:endParaRPr lang="en-US" sz="1400" dirty="0">
+              <a:solidFill>
+                <a:schemeClr val="accent2"/>
+              </a:solidFill>
+              <a:latin typeface="Courier New" pitchFamily="49" charset="0"/>
+              <a:cs typeface="Courier New" pitchFamily="49" charset="0"/>
+            </a:endParaRPr>
+          </a:p>
+          <a:p>
+            <a:pPr marL="0" indent="0">
+              <a:buNone/>
+            </a:pPr>
+            <a:r>
+              <a:rPr lang="en-US" sz="1400" dirty="0" smtClean="0">
+                <a:solidFill>
+                  <a:schemeClr val="accent2"/>
+                </a:solidFill>
+                <a:latin typeface="Courier New" pitchFamily="49" charset="0"/>
+                <a:cs typeface="Courier New" pitchFamily="49" charset="0"/>
+              </a:rPr>
+              <a:t>              </a:t>
+            </a:r>
+            <a:r>
+              <a:rPr lang="en-US" sz="1400" dirty="0" err="1" smtClean="0">
+                <a:solidFill>
+                  <a:schemeClr val="accent2"/>
+                </a:solidFill>
+                <a:latin typeface="Courier New" pitchFamily="49" charset="0"/>
+                <a:cs typeface="Courier New" pitchFamily="49" charset="0"/>
+              </a:rPr>
+              <a:t>jz</a:t>
+            </a:r>
+            <a:r>
+              <a:rPr lang="en-US" sz="1400" dirty="0" smtClean="0">
+                <a:solidFill>
+                  <a:schemeClr val="accent2"/>
+                </a:solidFill>
+                <a:latin typeface="Courier New" pitchFamily="49" charset="0"/>
+                <a:cs typeface="Courier New" pitchFamily="49" charset="0"/>
+              </a:rPr>
+              <a:t>     </a:t>
+            </a:r>
+            <a:r>
+              <a:rPr lang="en-US" sz="1400" dirty="0" err="1" smtClean="0">
+                <a:solidFill>
+                  <a:schemeClr val="accent2"/>
+                </a:solidFill>
+                <a:latin typeface="Courier New" pitchFamily="49" charset="0"/>
+                <a:cs typeface="Courier New" pitchFamily="49" charset="0"/>
+              </a:rPr>
+              <a:t>set_lights</a:t>
+            </a:r>
+            <a:endParaRPr lang="en-US" sz="1400" dirty="0">
+              <a:solidFill>
+                <a:schemeClr val="accent2"/>
+              </a:solidFill>
+              <a:latin typeface="Courier New" pitchFamily="49" charset="0"/>
+              <a:cs typeface="Courier New" pitchFamily="49" charset="0"/>
+            </a:endParaRPr>
+          </a:p>
+          <a:p>
+            <a:pPr marL="0" indent="0">
+              <a:buNone/>
+            </a:pPr>
+            <a:r>
+              <a:rPr lang="en-US" sz="1400" dirty="0" smtClean="0">
+                <a:solidFill>
+                  <a:schemeClr val="accent2"/>
+                </a:solidFill>
+                <a:latin typeface="Courier New" pitchFamily="49" charset="0"/>
+                <a:cs typeface="Courier New" pitchFamily="49" charset="0"/>
+              </a:rPr>
+              <a:t>              </a:t>
+            </a:r>
+            <a:r>
+              <a:rPr lang="en-US" sz="1400" dirty="0" err="1" smtClean="0">
+                <a:solidFill>
+                  <a:schemeClr val="accent2"/>
+                </a:solidFill>
+                <a:latin typeface="Courier New" pitchFamily="49" charset="0"/>
+                <a:cs typeface="Courier New" pitchFamily="49" charset="0"/>
+              </a:rPr>
+              <a:t>bic.b</a:t>
+            </a:r>
+            <a:r>
+              <a:rPr lang="en-US" sz="1400" dirty="0" smtClean="0">
+                <a:solidFill>
+                  <a:schemeClr val="accent2"/>
+                </a:solidFill>
+                <a:latin typeface="Courier New" pitchFamily="49" charset="0"/>
+                <a:cs typeface="Courier New" pitchFamily="49" charset="0"/>
+              </a:rPr>
+              <a:t>  </a:t>
+            </a:r>
+            <a:r>
+              <a:rPr lang="en-US" sz="1400" dirty="0">
+                <a:solidFill>
+                  <a:schemeClr val="accent2"/>
+                </a:solidFill>
+                <a:latin typeface="Courier New" pitchFamily="49" charset="0"/>
+                <a:cs typeface="Courier New" pitchFamily="49" charset="0"/>
+              </a:rPr>
+              <a:t>#BIT0|BIT6, &amp;P1OUT</a:t>
+            </a:r>
+          </a:p>
+          <a:p>
+            <a:pPr marL="0" indent="0">
+              <a:buNone/>
+            </a:pPr>
+            <a:r>
+              <a:rPr lang="en-US" sz="1400" dirty="0" smtClean="0">
+                <a:solidFill>
+                  <a:schemeClr val="accent2"/>
+                </a:solidFill>
+                <a:latin typeface="Courier New" pitchFamily="49" charset="0"/>
+                <a:cs typeface="Courier New" pitchFamily="49" charset="0"/>
+              </a:rPr>
+              <a:t>              </a:t>
+            </a:r>
+            <a:r>
+              <a:rPr lang="en-US" sz="1400" dirty="0" err="1" smtClean="0">
+                <a:solidFill>
+                  <a:schemeClr val="accent2"/>
+                </a:solidFill>
+                <a:latin typeface="Courier New" pitchFamily="49" charset="0"/>
+                <a:cs typeface="Courier New" pitchFamily="49" charset="0"/>
+              </a:rPr>
+              <a:t>jmp</a:t>
+            </a:r>
+            <a:r>
+              <a:rPr lang="en-US" sz="1400" dirty="0" smtClean="0">
+                <a:solidFill>
+                  <a:schemeClr val="accent2"/>
+                </a:solidFill>
+                <a:latin typeface="Courier New" pitchFamily="49" charset="0"/>
+                <a:cs typeface="Courier New" pitchFamily="49" charset="0"/>
+              </a:rPr>
+              <a:t>    </a:t>
+            </a:r>
+            <a:r>
+              <a:rPr lang="en-US" sz="1400" dirty="0" err="1" smtClean="0">
+                <a:solidFill>
+                  <a:schemeClr val="accent2"/>
+                </a:solidFill>
+                <a:latin typeface="Courier New" pitchFamily="49" charset="0"/>
+                <a:cs typeface="Courier New" pitchFamily="49" charset="0"/>
+              </a:rPr>
+              <a:t>check_btn</a:t>
+            </a:r>
+            <a:endParaRPr lang="en-US" sz="1400" dirty="0">
+              <a:solidFill>
+                <a:schemeClr val="accent2"/>
+              </a:solidFill>
+              <a:latin typeface="Courier New" pitchFamily="49" charset="0"/>
+              <a:cs typeface="Courier New" pitchFamily="49" charset="0"/>
+            </a:endParaRPr>
+          </a:p>
+          <a:p>
+            <a:pPr marL="0" indent="0">
+              <a:buNone/>
+            </a:pPr>
+            <a:r>
+              <a:rPr lang="en-US" sz="1400" dirty="0" err="1">
+                <a:solidFill>
+                  <a:schemeClr val="accent2"/>
+                </a:solidFill>
+                <a:latin typeface="Courier New" pitchFamily="49" charset="0"/>
+                <a:cs typeface="Courier New" pitchFamily="49" charset="0"/>
+              </a:rPr>
+              <a:t>set_lights</a:t>
+            </a:r>
+            <a:r>
+              <a:rPr lang="en-US" sz="1400" dirty="0">
+                <a:solidFill>
+                  <a:schemeClr val="accent2"/>
+                </a:solidFill>
+                <a:latin typeface="Courier New" pitchFamily="49" charset="0"/>
+                <a:cs typeface="Courier New" pitchFamily="49" charset="0"/>
+              </a:rPr>
+              <a:t>:   </a:t>
+            </a:r>
+            <a:r>
+              <a:rPr lang="en-US" sz="1400" dirty="0" err="1">
+                <a:solidFill>
+                  <a:schemeClr val="accent2"/>
+                </a:solidFill>
+                <a:latin typeface="Courier New" pitchFamily="49" charset="0"/>
+                <a:cs typeface="Courier New" pitchFamily="49" charset="0"/>
+              </a:rPr>
+              <a:t>bis.b</a:t>
+            </a:r>
+            <a:r>
+              <a:rPr lang="en-US" sz="1400" dirty="0">
+                <a:solidFill>
+                  <a:schemeClr val="accent2"/>
+                </a:solidFill>
+                <a:latin typeface="Courier New" pitchFamily="49" charset="0"/>
+                <a:cs typeface="Courier New" pitchFamily="49" charset="0"/>
+              </a:rPr>
+              <a:t>  #BIT0|BIT6, &amp;P1OUT</a:t>
+            </a:r>
+          </a:p>
+          <a:p>
+            <a:pPr marL="0" indent="0">
+              <a:buNone/>
+            </a:pPr>
+            <a:r>
+              <a:rPr lang="en-US" sz="1400" dirty="0" smtClean="0">
+                <a:solidFill>
+                  <a:schemeClr val="accent2"/>
+                </a:solidFill>
+                <a:latin typeface="Courier New" pitchFamily="49" charset="0"/>
+                <a:cs typeface="Courier New" pitchFamily="49" charset="0"/>
+              </a:rPr>
+              <a:t>              </a:t>
+            </a:r>
+            <a:r>
+              <a:rPr lang="en-US" sz="1400" dirty="0" err="1" smtClean="0">
+                <a:solidFill>
+                  <a:schemeClr val="accent2"/>
+                </a:solidFill>
+                <a:latin typeface="Courier New" pitchFamily="49" charset="0"/>
+                <a:cs typeface="Courier New" pitchFamily="49" charset="0"/>
+              </a:rPr>
+              <a:t>jmp</a:t>
+            </a:r>
+            <a:r>
+              <a:rPr lang="en-US" sz="1400" dirty="0" smtClean="0">
+                <a:solidFill>
+                  <a:schemeClr val="accent2"/>
+                </a:solidFill>
+                <a:latin typeface="Courier New" pitchFamily="49" charset="0"/>
+                <a:cs typeface="Courier New" pitchFamily="49" charset="0"/>
+              </a:rPr>
+              <a:t>    </a:t>
+            </a:r>
+            <a:r>
+              <a:rPr lang="en-US" sz="1400" dirty="0" err="1" smtClean="0">
+                <a:solidFill>
+                  <a:schemeClr val="accent2"/>
+                </a:solidFill>
+                <a:latin typeface="Courier New" pitchFamily="49" charset="0"/>
+                <a:cs typeface="Courier New" pitchFamily="49" charset="0"/>
+              </a:rPr>
+              <a:t>check_btn</a:t>
+            </a:r>
+            <a:endParaRPr lang="en-US" sz="1400" dirty="0" smtClean="0">
+              <a:solidFill>
+                <a:schemeClr val="accent2"/>
+              </a:solidFill>
+              <a:latin typeface="Courier New" pitchFamily="49" charset="0"/>
+              <a:cs typeface="Courier New" pitchFamily="49" charset="0"/>
+            </a:endParaRPr>
+          </a:p>
+        </p:txBody>
+      </p:sp>
+      <p:pic>
+        <p:nvPicPr>
+          <p:cNvPr id="4" name="Picture 3"/>
+          <p:cNvPicPr>
+            <a:picLocks noChangeAspect="1"/>
+          </p:cNvPicPr>
+          <p:nvPr/>
+        </p:nvPicPr>
+        <p:blipFill>
+          <a:blip r:embed="rId2">
+            <a:extLst>
+              <a:ext uri="{28A0092B-C50C-407E-A947-70E740481C1C}">
+                <a14:useLocalDpi xmlns:a14="http://schemas.microsoft.com/office/drawing/2010/main" val="0"/>
+              </a:ext>
+            </a:extLst>
+          </a:blip>
+          <a:stretch>
+            <a:fillRect/>
+          </a:stretch>
+        </p:blipFill>
+        <p:spPr>
+          <a:xfrm>
+            <a:off x="1729308" y="1482963"/>
+            <a:ext cx="4350651" cy="1655201"/>
+          </a:xfrm>
+          <a:prstGeom prst="rect">
+            <a:avLst/>
+          </a:prstGeom>
+        </p:spPr>
+      </p:pic>
+      <p:sp>
+        <p:nvSpPr>
+          <p:cNvPr id="5" name="Right Brace 4"/>
+          <p:cNvSpPr/>
+          <p:nvPr/>
+        </p:nvSpPr>
+        <p:spPr bwMode="auto">
+          <a:xfrm>
+            <a:off x="4603808" y="4318093"/>
+            <a:ext cx="512379" cy="1347952"/>
+          </a:xfrm>
+          <a:prstGeom prst="rightBrace">
+            <a:avLst/>
+          </a:prstGeom>
+          <a:noFill/>
+          <a:ln w="12700" cap="flat" cmpd="sng" algn="ctr">
+            <a:solidFill>
+              <a:schemeClr val="tx1"/>
+            </a:solidFill>
+            <a:prstDash val="solid"/>
+            <a:round/>
+            <a:headEnd type="none" w="med" len="med"/>
+            <a:tailEnd type="none" w="med" len="med"/>
+          </a:ln>
+          <a:effectLst/>
+        </p:spPr>
+        <p:txBody>
+          <a:bodyPr vert="horz" wrap="square" lIns="91440" tIns="45720" rIns="91440" bIns="45720" numCol="1" rtlCol="0" anchor="t" anchorCtr="0" compatLnSpc="1">
+            <a:prstTxWarp prst="textNoShape">
+              <a:avLst/>
+            </a:prstTxWarp>
+          </a:bodyPr>
+          <a:lstStyle/>
+          <a:p>
+            <a:pPr marL="0" marR="0" indent="0" algn="ctr" defTabSz="914400" rtl="0" eaLnBrk="0" fontAlgn="base" latinLnBrk="0" hangingPunct="0">
+              <a:lnSpc>
+                <a:spcPct val="100000"/>
+              </a:lnSpc>
+              <a:spcBef>
+                <a:spcPct val="0"/>
+              </a:spcBef>
+              <a:spcAft>
+                <a:spcPct val="0"/>
+              </a:spcAft>
+              <a:buClrTx/>
+              <a:buSzTx/>
+              <a:buFontTx/>
+              <a:buNone/>
+              <a:tabLst/>
+            </a:pPr>
+            <a:endParaRPr kumimoji="0" lang="en-US" sz="1600" b="0" i="0" u="none" strike="noStrike" cap="none" normalizeH="0" baseline="0" smtClean="0">
+              <a:ln>
+                <a:noFill/>
+              </a:ln>
+              <a:solidFill>
+                <a:schemeClr val="tx1"/>
+              </a:solidFill>
+              <a:effectLst/>
+              <a:latin typeface="Arial" charset="0"/>
+            </a:endParaRPr>
+          </a:p>
+        </p:txBody>
+      </p:sp>
+      <p:sp>
+        <p:nvSpPr>
+          <p:cNvPr id="6" name="TextBox 5"/>
+          <p:cNvSpPr txBox="1"/>
+          <p:nvPr/>
+        </p:nvSpPr>
+        <p:spPr>
+          <a:xfrm>
+            <a:off x="5116187" y="4761236"/>
+            <a:ext cx="3036409" cy="461665"/>
+          </a:xfrm>
+          <a:prstGeom prst="rect">
+            <a:avLst/>
+          </a:prstGeom>
+          <a:noFill/>
+        </p:spPr>
+        <p:txBody>
+          <a:bodyPr wrap="none" rtlCol="0">
+            <a:spAutoFit/>
+          </a:bodyPr>
+          <a:lstStyle/>
+          <a:p>
+            <a:r>
+              <a:rPr lang="en-US" dirty="0" smtClean="0"/>
+              <a:t>What is going on here?</a:t>
+            </a:r>
+            <a:endParaRPr lang="en-US" dirty="0"/>
+          </a:p>
+        </p:txBody>
+      </p:sp>
+      <p:sp>
+        <p:nvSpPr>
+          <p:cNvPr id="7" name="Rectangle 6"/>
+          <p:cNvSpPr/>
+          <p:nvPr/>
+        </p:nvSpPr>
+        <p:spPr bwMode="auto">
+          <a:xfrm>
+            <a:off x="922421" y="5927559"/>
+            <a:ext cx="7230175" cy="433136"/>
+          </a:xfrm>
+          <a:prstGeom prst="rect">
+            <a:avLst/>
+          </a:prstGeom>
+          <a:solidFill>
+            <a:srgbClr val="0C2D83"/>
+          </a:solidFill>
+          <a:ln w="12700" cap="flat" cmpd="sng" algn="ctr">
+            <a:solidFill>
+              <a:schemeClr val="accent6">
+                <a:lumMod val="40000"/>
+                <a:lumOff val="60000"/>
+              </a:schemeClr>
+            </a:solidFill>
+            <a:prstDash val="solid"/>
+            <a:round/>
+            <a:headEnd type="none" w="med" len="med"/>
+            <a:tailEnd type="none" w="med" len="med"/>
+          </a:ln>
+          <a:effectLst/>
+        </p:spPr>
+        <p:txBody>
+          <a:bodyPr vert="horz" wrap="square" lIns="91440" tIns="45720" rIns="91440" bIns="45720" numCol="1" rtlCol="0" anchor="ctr" anchorCtr="0" compatLnSpc="1">
+            <a:prstTxWarp prst="textNoShape">
+              <a:avLst/>
+            </a:prstTxWarp>
+          </a:bodyPr>
+          <a:lstStyle/>
+          <a:p>
+            <a:pPr marL="0" marR="0" indent="0" algn="ctr" defTabSz="914400" rtl="0" eaLnBrk="0" fontAlgn="base" latinLnBrk="0" hangingPunct="0">
+              <a:lnSpc>
+                <a:spcPct val="100000"/>
+              </a:lnSpc>
+              <a:spcBef>
+                <a:spcPct val="0"/>
+              </a:spcBef>
+              <a:spcAft>
+                <a:spcPct val="0"/>
+              </a:spcAft>
+              <a:buClrTx/>
+              <a:buSzTx/>
+              <a:buFontTx/>
+              <a:buNone/>
+              <a:tabLst/>
+            </a:pPr>
+            <a:r>
+              <a:rPr kumimoji="0" lang="en-US" sz="1600" b="0" i="0" u="none" strike="noStrike" cap="none" normalizeH="0" baseline="0" dirty="0" smtClean="0">
+                <a:ln>
+                  <a:noFill/>
+                </a:ln>
+                <a:solidFill>
+                  <a:schemeClr val="bg1"/>
+                </a:solidFill>
+                <a:effectLst/>
+                <a:latin typeface="Arial" charset="0"/>
+              </a:rPr>
+              <a:t>Time permitting, let’s run this on your processor</a:t>
+            </a:r>
+            <a:endParaRPr kumimoji="0" lang="en-US" sz="1600" b="0" i="0" u="none" strike="noStrike" cap="none" normalizeH="0" baseline="0" dirty="0" smtClean="0">
+              <a:ln>
+                <a:noFill/>
+              </a:ln>
+              <a:solidFill>
+                <a:schemeClr val="bg1"/>
+              </a:solidFill>
+              <a:effectLst/>
+              <a:latin typeface="Arial" charset="0"/>
             </a:endParaRPr>
           </a:p>
         </p:txBody>
@@ -8126,7 +8608,7 @@
     </p:spTree>
     <p:extLst>
       <p:ext uri="{BB962C8B-B14F-4D97-AF65-F5344CB8AC3E}">
-        <p14:creationId xmlns:p14="http://schemas.microsoft.com/office/powerpoint/2010/main" val="3783551276"/>
+        <p14:creationId xmlns:p14="http://schemas.microsoft.com/office/powerpoint/2010/main" val="1575778019"/>
       </p:ext>
     </p:extLst>
   </p:cSld>
@@ -8162,26 +8644,7 @@
       </p:grpSpPr>
       <p:sp>
         <p:nvSpPr>
-          <p:cNvPr id="5" name="Subtitle 4"/>
-          <p:cNvSpPr>
-            <a:spLocks noGrp="1"/>
-          </p:cNvSpPr>
-          <p:nvPr>
-            <p:ph type="subTitle" idx="1"/>
-          </p:nvPr>
-        </p:nvSpPr>
-        <p:spPr/>
-        <p:txBody>
-          <a:bodyPr/>
-          <a:lstStyle/>
-          <a:p>
-            <a:endParaRPr lang="en-US" dirty="0"/>
-          </a:p>
-        </p:txBody>
-      </p:sp>
-      <p:sp>
-        <p:nvSpPr>
-          <p:cNvPr id="4" name="Title 3"/>
+          <p:cNvPr id="2" name="Title 1"/>
           <p:cNvSpPr>
             <a:spLocks noGrp="1"/>
           </p:cNvSpPr>
@@ -8195,24 +8658,959 @@
           <a:lstStyle/>
           <a:p>
             <a:r>
+              <a:rPr lang="en-US" b="1" dirty="0" smtClean="0"/>
+              <a:t>Toggle LED</a:t>
+            </a:r>
+            <a:endParaRPr lang="en-US" dirty="0"/>
+          </a:p>
+        </p:txBody>
+      </p:sp>
+      <p:sp>
+        <p:nvSpPr>
+          <p:cNvPr id="3" name="Content Placeholder 2"/>
+          <p:cNvSpPr>
+            <a:spLocks noGrp="1"/>
+          </p:cNvSpPr>
+          <p:nvPr>
+            <p:ph idx="1"/>
+          </p:nvPr>
+        </p:nvSpPr>
+        <p:spPr>
+          <a:xfrm>
+            <a:off x="376038" y="1623665"/>
+            <a:ext cx="8493642" cy="4724400"/>
+          </a:xfrm>
+        </p:spPr>
+        <p:txBody>
+          <a:bodyPr>
+            <a:normAutofit/>
+          </a:bodyPr>
+          <a:lstStyle/>
+          <a:p>
+            <a:r>
+              <a:rPr lang="en-US" sz="1800" dirty="0" smtClean="0"/>
+              <a:t>Let's </a:t>
+            </a:r>
+            <a:r>
+              <a:rPr lang="en-US" sz="1800" dirty="0"/>
+              <a:t>write a program that controls the </a:t>
+            </a:r>
+            <a:r>
+              <a:rPr lang="en-US" sz="1800" dirty="0" smtClean="0"/>
+              <a:t>2 onboard </a:t>
+            </a:r>
+            <a:r>
+              <a:rPr lang="en-US" sz="1800" dirty="0"/>
+              <a:t>LEDs with the onboard push button</a:t>
+            </a:r>
+            <a:r>
+              <a:rPr lang="en-US" sz="1800" dirty="0">
+                <a:solidFill>
+                  <a:schemeClr val="accent2"/>
+                </a:solidFill>
+                <a:latin typeface="Courier New" pitchFamily="49" charset="0"/>
+                <a:cs typeface="Courier New" pitchFamily="49" charset="0"/>
+              </a:rPr>
+              <a:t>  </a:t>
+            </a:r>
+          </a:p>
+          <a:p>
+            <a:pPr marL="0" indent="0">
+              <a:buNone/>
+            </a:pPr>
+            <a:endParaRPr lang="en-US" sz="1400" dirty="0">
+              <a:solidFill>
+                <a:schemeClr val="accent2"/>
+              </a:solidFill>
+              <a:latin typeface="Courier New" pitchFamily="49" charset="0"/>
+              <a:cs typeface="Courier New" pitchFamily="49" charset="0"/>
+            </a:endParaRPr>
+          </a:p>
+          <a:p>
+            <a:pPr marL="0" indent="0">
+              <a:buNone/>
+            </a:pPr>
+            <a:r>
+              <a:rPr lang="en-US" sz="1400" dirty="0">
+                <a:solidFill>
+                  <a:schemeClr val="accent2"/>
+                </a:solidFill>
+                <a:latin typeface="Courier New" pitchFamily="49" charset="0"/>
+                <a:cs typeface="Courier New" pitchFamily="49" charset="0"/>
+              </a:rPr>
+              <a:t>              </a:t>
+            </a:r>
+            <a:r>
+              <a:rPr lang="en-US" sz="1400" dirty="0" err="1">
+                <a:solidFill>
+                  <a:schemeClr val="accent2"/>
+                </a:solidFill>
+                <a:latin typeface="Courier New" pitchFamily="49" charset="0"/>
+                <a:cs typeface="Courier New" pitchFamily="49" charset="0"/>
+              </a:rPr>
+              <a:t>bis.b</a:t>
+            </a:r>
+            <a:r>
+              <a:rPr lang="en-US" sz="1400" dirty="0">
+                <a:solidFill>
+                  <a:schemeClr val="accent2"/>
+                </a:solidFill>
+                <a:latin typeface="Courier New" pitchFamily="49" charset="0"/>
+                <a:cs typeface="Courier New" pitchFamily="49" charset="0"/>
+              </a:rPr>
+              <a:t>  #BIT0|BIT6, &amp;</a:t>
+            </a:r>
+            <a:r>
+              <a:rPr lang="en-US" sz="1400" dirty="0" smtClean="0">
+                <a:solidFill>
+                  <a:schemeClr val="accent2"/>
+                </a:solidFill>
+                <a:latin typeface="Courier New" pitchFamily="49" charset="0"/>
+                <a:cs typeface="Courier New" pitchFamily="49" charset="0"/>
+              </a:rPr>
+              <a:t>P1DIR  ; ???? See next slide</a:t>
+            </a:r>
+            <a:endParaRPr lang="en-US" sz="1400" dirty="0">
+              <a:solidFill>
+                <a:schemeClr val="accent2"/>
+              </a:solidFill>
+              <a:latin typeface="Courier New" pitchFamily="49" charset="0"/>
+              <a:cs typeface="Courier New" pitchFamily="49" charset="0"/>
+            </a:endParaRPr>
+          </a:p>
+          <a:p>
+            <a:pPr marL="0" indent="0">
+              <a:buNone/>
+            </a:pPr>
+            <a:r>
+              <a:rPr lang="en-US" sz="1400" dirty="0">
+                <a:solidFill>
+                  <a:schemeClr val="accent2"/>
+                </a:solidFill>
+                <a:latin typeface="Courier New" pitchFamily="49" charset="0"/>
+                <a:cs typeface="Courier New" pitchFamily="49" charset="0"/>
+              </a:rPr>
+              <a:t>              </a:t>
+            </a:r>
+            <a:r>
+              <a:rPr lang="en-US" sz="1400" dirty="0" err="1">
+                <a:solidFill>
+                  <a:schemeClr val="accent2"/>
+                </a:solidFill>
+                <a:latin typeface="Courier New" pitchFamily="49" charset="0"/>
+                <a:cs typeface="Courier New" pitchFamily="49" charset="0"/>
+              </a:rPr>
+              <a:t>bic.b</a:t>
+            </a:r>
+            <a:r>
+              <a:rPr lang="en-US" sz="1400" dirty="0">
+                <a:solidFill>
+                  <a:schemeClr val="accent2"/>
+                </a:solidFill>
+                <a:latin typeface="Courier New" pitchFamily="49" charset="0"/>
+                <a:cs typeface="Courier New" pitchFamily="49" charset="0"/>
+              </a:rPr>
+              <a:t>  #BIT3, &amp;P1DIR</a:t>
+            </a:r>
+          </a:p>
+          <a:p>
+            <a:pPr marL="0" indent="0">
+              <a:buNone/>
+            </a:pPr>
+            <a:endParaRPr lang="en-US" sz="1400" dirty="0">
+              <a:solidFill>
+                <a:schemeClr val="accent2"/>
+              </a:solidFill>
+              <a:latin typeface="Courier New" pitchFamily="49" charset="0"/>
+              <a:cs typeface="Courier New" pitchFamily="49" charset="0"/>
+            </a:endParaRPr>
+          </a:p>
+          <a:p>
+            <a:pPr marL="0" indent="0">
+              <a:buNone/>
+            </a:pPr>
+            <a:r>
+              <a:rPr lang="en-US" sz="1400" dirty="0" err="1">
+                <a:solidFill>
+                  <a:schemeClr val="accent2"/>
+                </a:solidFill>
+                <a:latin typeface="Courier New" pitchFamily="49" charset="0"/>
+                <a:cs typeface="Courier New" pitchFamily="49" charset="0"/>
+              </a:rPr>
+              <a:t>check_btn</a:t>
+            </a:r>
+            <a:r>
+              <a:rPr lang="en-US" sz="1400" dirty="0">
+                <a:solidFill>
+                  <a:schemeClr val="accent2"/>
+                </a:solidFill>
+                <a:latin typeface="Courier New" pitchFamily="49" charset="0"/>
+                <a:cs typeface="Courier New" pitchFamily="49" charset="0"/>
+              </a:rPr>
+              <a:t>:    </a:t>
+            </a:r>
+            <a:r>
+              <a:rPr lang="en-US" sz="1400" dirty="0" err="1">
+                <a:solidFill>
+                  <a:schemeClr val="accent2"/>
+                </a:solidFill>
+                <a:latin typeface="Courier New" pitchFamily="49" charset="0"/>
+                <a:cs typeface="Courier New" pitchFamily="49" charset="0"/>
+              </a:rPr>
+              <a:t>bit.b</a:t>
+            </a:r>
+            <a:r>
+              <a:rPr lang="en-US" sz="1400" dirty="0">
+                <a:solidFill>
+                  <a:schemeClr val="accent2"/>
+                </a:solidFill>
+                <a:latin typeface="Courier New" pitchFamily="49" charset="0"/>
+                <a:cs typeface="Courier New" pitchFamily="49" charset="0"/>
+              </a:rPr>
+              <a:t>  #BIT3, &amp;</a:t>
+            </a:r>
+            <a:r>
+              <a:rPr lang="en-US" sz="1400" dirty="0" smtClean="0">
+                <a:solidFill>
+                  <a:schemeClr val="accent2"/>
+                </a:solidFill>
+                <a:latin typeface="Courier New" pitchFamily="49" charset="0"/>
+                <a:cs typeface="Courier New" pitchFamily="49" charset="0"/>
+              </a:rPr>
+              <a:t>P1IN</a:t>
+            </a:r>
+            <a:r>
+              <a:rPr lang="en-US" sz="1400" dirty="0">
+                <a:solidFill>
+                  <a:schemeClr val="accent2"/>
+                </a:solidFill>
+                <a:latin typeface="Courier New" pitchFamily="49" charset="0"/>
+                <a:cs typeface="Courier New" pitchFamily="49" charset="0"/>
+              </a:rPr>
+              <a:t> </a:t>
+            </a:r>
+            <a:r>
+              <a:rPr lang="en-US" sz="1400" dirty="0" smtClean="0">
+                <a:solidFill>
+                  <a:schemeClr val="accent2"/>
+                </a:solidFill>
+                <a:latin typeface="Courier New" pitchFamily="49" charset="0"/>
+                <a:cs typeface="Courier New" pitchFamily="49" charset="0"/>
+              </a:rPr>
+              <a:t>          </a:t>
+            </a:r>
+            <a:r>
+              <a:rPr lang="en-US" sz="1400" dirty="0" smtClean="0">
+                <a:solidFill>
+                  <a:srgbClr val="00B050"/>
+                </a:solidFill>
+                <a:latin typeface="Courier New" pitchFamily="49" charset="0"/>
+                <a:cs typeface="Courier New" pitchFamily="49" charset="0"/>
+              </a:rPr>
+              <a:t>;</a:t>
+            </a:r>
+            <a:r>
+              <a:rPr lang="en-US" sz="1400" dirty="0">
+                <a:solidFill>
+                  <a:srgbClr val="00B050"/>
+                </a:solidFill>
+                <a:latin typeface="Courier New" pitchFamily="49" charset="0"/>
+                <a:cs typeface="Courier New" pitchFamily="49" charset="0"/>
+              </a:rPr>
+              <a:t>push button is LOW on push</a:t>
+            </a:r>
+            <a:endParaRPr lang="en-US" sz="1400" dirty="0">
+              <a:solidFill>
+                <a:schemeClr val="accent2"/>
+              </a:solidFill>
+              <a:latin typeface="Courier New" pitchFamily="49" charset="0"/>
+              <a:cs typeface="Courier New" pitchFamily="49" charset="0"/>
+            </a:endParaRPr>
+          </a:p>
+          <a:p>
+            <a:pPr marL="0" indent="0">
+              <a:buNone/>
+            </a:pPr>
+            <a:r>
+              <a:rPr lang="en-US" sz="1400" dirty="0">
+                <a:solidFill>
+                  <a:schemeClr val="accent2"/>
+                </a:solidFill>
+                <a:latin typeface="Courier New" pitchFamily="49" charset="0"/>
+                <a:cs typeface="Courier New" pitchFamily="49" charset="0"/>
+              </a:rPr>
+              <a:t>              </a:t>
+            </a:r>
+            <a:r>
+              <a:rPr lang="en-US" sz="1400" dirty="0" err="1">
+                <a:solidFill>
+                  <a:schemeClr val="accent2"/>
+                </a:solidFill>
+                <a:latin typeface="Courier New" pitchFamily="49" charset="0"/>
+                <a:cs typeface="Courier New" pitchFamily="49" charset="0"/>
+              </a:rPr>
+              <a:t>jz</a:t>
+            </a:r>
+            <a:r>
+              <a:rPr lang="en-US" sz="1400" dirty="0">
+                <a:solidFill>
+                  <a:schemeClr val="accent2"/>
+                </a:solidFill>
+                <a:latin typeface="Courier New" pitchFamily="49" charset="0"/>
+                <a:cs typeface="Courier New" pitchFamily="49" charset="0"/>
+              </a:rPr>
+              <a:t>     </a:t>
+            </a:r>
+            <a:r>
+              <a:rPr lang="en-US" sz="1400" dirty="0" err="1">
+                <a:solidFill>
+                  <a:schemeClr val="accent2"/>
+                </a:solidFill>
+                <a:latin typeface="Courier New" pitchFamily="49" charset="0"/>
+                <a:cs typeface="Courier New" pitchFamily="49" charset="0"/>
+              </a:rPr>
+              <a:t>set_lights</a:t>
+            </a:r>
+            <a:endParaRPr lang="en-US" sz="1400" dirty="0">
+              <a:solidFill>
+                <a:schemeClr val="accent2"/>
+              </a:solidFill>
+              <a:latin typeface="Courier New" pitchFamily="49" charset="0"/>
+              <a:cs typeface="Courier New" pitchFamily="49" charset="0"/>
+            </a:endParaRPr>
+          </a:p>
+          <a:p>
+            <a:pPr marL="0" indent="0">
+              <a:buNone/>
+            </a:pPr>
+            <a:r>
+              <a:rPr lang="en-US" sz="1400" dirty="0">
+                <a:solidFill>
+                  <a:schemeClr val="accent2"/>
+                </a:solidFill>
+                <a:latin typeface="Courier New" pitchFamily="49" charset="0"/>
+                <a:cs typeface="Courier New" pitchFamily="49" charset="0"/>
+              </a:rPr>
+              <a:t>              </a:t>
+            </a:r>
+            <a:r>
+              <a:rPr lang="en-US" sz="1400" dirty="0" err="1">
+                <a:solidFill>
+                  <a:schemeClr val="accent2"/>
+                </a:solidFill>
+                <a:latin typeface="Courier New" pitchFamily="49" charset="0"/>
+                <a:cs typeface="Courier New" pitchFamily="49" charset="0"/>
+              </a:rPr>
+              <a:t>bic.b</a:t>
+            </a:r>
+            <a:r>
+              <a:rPr lang="en-US" sz="1400" dirty="0">
+                <a:solidFill>
+                  <a:schemeClr val="accent2"/>
+                </a:solidFill>
+                <a:latin typeface="Courier New" pitchFamily="49" charset="0"/>
+                <a:cs typeface="Courier New" pitchFamily="49" charset="0"/>
+              </a:rPr>
+              <a:t>  #BIT0|BIT6, &amp;P1OUT</a:t>
+            </a:r>
+          </a:p>
+          <a:p>
+            <a:pPr marL="0" indent="0">
+              <a:buNone/>
+            </a:pPr>
+            <a:r>
+              <a:rPr lang="en-US" sz="1400" dirty="0">
+                <a:solidFill>
+                  <a:schemeClr val="accent2"/>
+                </a:solidFill>
+                <a:latin typeface="Courier New" pitchFamily="49" charset="0"/>
+                <a:cs typeface="Courier New" pitchFamily="49" charset="0"/>
+              </a:rPr>
+              <a:t>              </a:t>
+            </a:r>
+            <a:r>
+              <a:rPr lang="en-US" sz="1400" dirty="0" err="1">
+                <a:solidFill>
+                  <a:schemeClr val="accent2"/>
+                </a:solidFill>
+                <a:latin typeface="Courier New" pitchFamily="49" charset="0"/>
+                <a:cs typeface="Courier New" pitchFamily="49" charset="0"/>
+              </a:rPr>
+              <a:t>jmp</a:t>
+            </a:r>
+            <a:r>
+              <a:rPr lang="en-US" sz="1400" dirty="0">
+                <a:solidFill>
+                  <a:schemeClr val="accent2"/>
+                </a:solidFill>
+                <a:latin typeface="Courier New" pitchFamily="49" charset="0"/>
+                <a:cs typeface="Courier New" pitchFamily="49" charset="0"/>
+              </a:rPr>
+              <a:t>    </a:t>
+            </a:r>
+            <a:r>
+              <a:rPr lang="en-US" sz="1400" dirty="0" err="1">
+                <a:solidFill>
+                  <a:schemeClr val="accent2"/>
+                </a:solidFill>
+                <a:latin typeface="Courier New" pitchFamily="49" charset="0"/>
+                <a:cs typeface="Courier New" pitchFamily="49" charset="0"/>
+              </a:rPr>
+              <a:t>check_btn</a:t>
+            </a:r>
+            <a:endParaRPr lang="en-US" sz="1400" dirty="0">
+              <a:solidFill>
+                <a:schemeClr val="accent2"/>
+              </a:solidFill>
+              <a:latin typeface="Courier New" pitchFamily="49" charset="0"/>
+              <a:cs typeface="Courier New" pitchFamily="49" charset="0"/>
+            </a:endParaRPr>
+          </a:p>
+          <a:p>
+            <a:pPr marL="0" indent="0">
+              <a:buNone/>
+            </a:pPr>
+            <a:r>
+              <a:rPr lang="en-US" sz="1400" dirty="0" err="1">
+                <a:solidFill>
+                  <a:schemeClr val="accent2"/>
+                </a:solidFill>
+                <a:latin typeface="Courier New" pitchFamily="49" charset="0"/>
+                <a:cs typeface="Courier New" pitchFamily="49" charset="0"/>
+              </a:rPr>
+              <a:t>set_lights</a:t>
+            </a:r>
+            <a:r>
+              <a:rPr lang="en-US" sz="1400" dirty="0">
+                <a:solidFill>
+                  <a:schemeClr val="accent2"/>
+                </a:solidFill>
+                <a:latin typeface="Courier New" pitchFamily="49" charset="0"/>
+                <a:cs typeface="Courier New" pitchFamily="49" charset="0"/>
+              </a:rPr>
+              <a:t>:   </a:t>
+            </a:r>
+            <a:r>
+              <a:rPr lang="en-US" sz="1400" dirty="0" err="1">
+                <a:solidFill>
+                  <a:schemeClr val="accent2"/>
+                </a:solidFill>
+                <a:latin typeface="Courier New" pitchFamily="49" charset="0"/>
+                <a:cs typeface="Courier New" pitchFamily="49" charset="0"/>
+              </a:rPr>
+              <a:t>bis.b</a:t>
+            </a:r>
+            <a:r>
+              <a:rPr lang="en-US" sz="1400" dirty="0">
+                <a:solidFill>
+                  <a:schemeClr val="accent2"/>
+                </a:solidFill>
+                <a:latin typeface="Courier New" pitchFamily="49" charset="0"/>
+                <a:cs typeface="Courier New" pitchFamily="49" charset="0"/>
+              </a:rPr>
+              <a:t>  #BIT0|BIT6, &amp;P1OUT</a:t>
+            </a:r>
+          </a:p>
+          <a:p>
+            <a:pPr marL="0" indent="0">
+              <a:buNone/>
+            </a:pPr>
+            <a:r>
+              <a:rPr lang="en-US" sz="1400" dirty="0">
+                <a:solidFill>
+                  <a:schemeClr val="accent2"/>
+                </a:solidFill>
+                <a:latin typeface="Courier New" pitchFamily="49" charset="0"/>
+                <a:cs typeface="Courier New" pitchFamily="49" charset="0"/>
+              </a:rPr>
+              <a:t>              </a:t>
+            </a:r>
+            <a:r>
+              <a:rPr lang="en-US" sz="1400" dirty="0" err="1">
+                <a:solidFill>
+                  <a:schemeClr val="accent2"/>
+                </a:solidFill>
+                <a:latin typeface="Courier New" pitchFamily="49" charset="0"/>
+                <a:cs typeface="Courier New" pitchFamily="49" charset="0"/>
+              </a:rPr>
+              <a:t>jmp</a:t>
+            </a:r>
+            <a:r>
+              <a:rPr lang="en-US" sz="1400" dirty="0">
+                <a:solidFill>
+                  <a:schemeClr val="accent2"/>
+                </a:solidFill>
+                <a:latin typeface="Courier New" pitchFamily="49" charset="0"/>
+                <a:cs typeface="Courier New" pitchFamily="49" charset="0"/>
+              </a:rPr>
+              <a:t>    </a:t>
+            </a:r>
+            <a:r>
+              <a:rPr lang="en-US" sz="1400" dirty="0" err="1">
+                <a:solidFill>
+                  <a:schemeClr val="accent2"/>
+                </a:solidFill>
+                <a:latin typeface="Courier New" pitchFamily="49" charset="0"/>
+                <a:cs typeface="Courier New" pitchFamily="49" charset="0"/>
+              </a:rPr>
+              <a:t>check_btn</a:t>
+            </a:r>
+            <a:endParaRPr lang="en-US" sz="1400" dirty="0">
+              <a:solidFill>
+                <a:schemeClr val="accent2"/>
+              </a:solidFill>
+              <a:latin typeface="Courier New" pitchFamily="49" charset="0"/>
+              <a:cs typeface="Courier New" pitchFamily="49" charset="0"/>
+            </a:endParaRPr>
+          </a:p>
+          <a:p>
+            <a:pPr marL="0" indent="0">
+              <a:buNone/>
+            </a:pPr>
+            <a:endParaRPr lang="en-US" sz="1400" dirty="0">
+              <a:solidFill>
+                <a:schemeClr val="accent2"/>
+              </a:solidFill>
+              <a:latin typeface="Courier New" pitchFamily="49" charset="0"/>
+              <a:cs typeface="Courier New" pitchFamily="49" charset="0"/>
+            </a:endParaRPr>
+          </a:p>
+          <a:p>
+            <a:pPr marL="406400" lvl="1" indent="0">
+              <a:buNone/>
+            </a:pPr>
+            <a:endParaRPr lang="en-US" sz="2200" dirty="0"/>
+          </a:p>
+          <a:p>
+            <a:endParaRPr lang="en-US" sz="2000" dirty="0">
+              <a:solidFill>
+                <a:schemeClr val="accent2"/>
+              </a:solidFill>
+            </a:endParaRPr>
+          </a:p>
+        </p:txBody>
+      </p:sp>
+      <p:pic>
+        <p:nvPicPr>
+          <p:cNvPr id="4" name="Picture 2" descr="Image result for minimal msp430 design"/>
+          <p:cNvPicPr>
+            <a:picLocks noChangeAspect="1" noChangeArrowheads="1"/>
+          </p:cNvPicPr>
+          <p:nvPr/>
+        </p:nvPicPr>
+        <p:blipFill rotWithShape="1">
+          <a:blip r:embed="rId2" cstate="print">
+            <a:extLst>
+              <a:ext uri="{28A0092B-C50C-407E-A947-70E740481C1C}">
+                <a14:useLocalDpi xmlns:a14="http://schemas.microsoft.com/office/drawing/2010/main" val="0"/>
+              </a:ext>
+            </a:extLst>
+          </a:blip>
+          <a:srcRect l="6607" t="10220" r="4837" b="9367"/>
+          <a:stretch/>
+        </p:blipFill>
+        <p:spPr bwMode="auto">
+          <a:xfrm>
+            <a:off x="433551" y="1458311"/>
+            <a:ext cx="8182304" cy="4948815"/>
+          </a:xfrm>
+          <a:prstGeom prst="rect">
+            <a:avLst/>
+          </a:prstGeom>
+          <a:noFill/>
+          <a:extLst>
+            <a:ext uri="{909E8E84-426E-40DD-AFC4-6F175D3DCCD1}">
+              <a14:hiddenFill xmlns:a14="http://schemas.microsoft.com/office/drawing/2010/main">
+                <a:solidFill>
+                  <a:srgbClr val="FFFFFF"/>
+                </a:solidFill>
+              </a14:hiddenFill>
+            </a:ext>
+          </a:extLst>
+        </p:spPr>
+      </p:pic>
+      <p:sp>
+        <p:nvSpPr>
+          <p:cNvPr id="5" name="Oval 4"/>
+          <p:cNvSpPr/>
+          <p:nvPr/>
+        </p:nvSpPr>
+        <p:spPr bwMode="auto">
+          <a:xfrm>
+            <a:off x="248653" y="4146884"/>
+            <a:ext cx="1034715" cy="280737"/>
+          </a:xfrm>
+          <a:prstGeom prst="ellipse">
+            <a:avLst/>
+          </a:prstGeom>
+          <a:noFill/>
+          <a:ln w="12700" cap="flat" cmpd="sng" algn="ctr">
+            <a:solidFill>
+              <a:schemeClr val="tx1"/>
+            </a:solidFill>
+            <a:prstDash val="solid"/>
+            <a:round/>
+            <a:headEnd type="none" w="med" len="med"/>
+            <a:tailEnd type="none" w="med" len="med"/>
+          </a:ln>
+          <a:effectLst/>
+        </p:spPr>
+        <p:txBody>
+          <a:bodyPr vert="horz" wrap="square" lIns="91440" tIns="45720" rIns="91440" bIns="45720" numCol="1" rtlCol="0" anchor="t" anchorCtr="0" compatLnSpc="1">
+            <a:prstTxWarp prst="textNoShape">
+              <a:avLst/>
+            </a:prstTxWarp>
+          </a:bodyPr>
+          <a:lstStyle/>
+          <a:p>
+            <a:pPr marL="0" marR="0" indent="0" algn="ctr" defTabSz="914400" rtl="0" eaLnBrk="0" fontAlgn="base" latinLnBrk="0" hangingPunct="0">
+              <a:lnSpc>
+                <a:spcPct val="100000"/>
+              </a:lnSpc>
+              <a:spcBef>
+                <a:spcPct val="0"/>
+              </a:spcBef>
+              <a:spcAft>
+                <a:spcPct val="0"/>
+              </a:spcAft>
+              <a:buClrTx/>
+              <a:buSzTx/>
+              <a:buFontTx/>
+              <a:buNone/>
+              <a:tabLst/>
+            </a:pPr>
+            <a:endParaRPr kumimoji="0" lang="en-US" sz="1600" b="0" i="0" u="none" strike="noStrike" cap="none" normalizeH="0" baseline="0" smtClean="0">
+              <a:ln>
+                <a:noFill/>
+              </a:ln>
+              <a:solidFill>
+                <a:schemeClr val="tx1"/>
+              </a:solidFill>
+              <a:effectLst/>
+              <a:latin typeface="Arial" charset="0"/>
+            </a:endParaRPr>
+          </a:p>
+        </p:txBody>
+      </p:sp>
+      <p:sp>
+        <p:nvSpPr>
+          <p:cNvPr id="6" name="Oval 5"/>
+          <p:cNvSpPr/>
+          <p:nvPr/>
+        </p:nvSpPr>
+        <p:spPr bwMode="auto">
+          <a:xfrm>
+            <a:off x="7708525" y="4900863"/>
+            <a:ext cx="1034715" cy="280737"/>
+          </a:xfrm>
+          <a:prstGeom prst="ellipse">
+            <a:avLst/>
+          </a:prstGeom>
+          <a:noFill/>
+          <a:ln w="12700" cap="flat" cmpd="sng" algn="ctr">
+            <a:solidFill>
+              <a:schemeClr val="tx1"/>
+            </a:solidFill>
+            <a:prstDash val="solid"/>
+            <a:round/>
+            <a:headEnd type="none" w="med" len="med"/>
+            <a:tailEnd type="none" w="med" len="med"/>
+          </a:ln>
+          <a:effectLst/>
+        </p:spPr>
+        <p:txBody>
+          <a:bodyPr vert="horz" wrap="square" lIns="91440" tIns="45720" rIns="91440" bIns="45720" numCol="1" rtlCol="0" anchor="t" anchorCtr="0" compatLnSpc="1">
+            <a:prstTxWarp prst="textNoShape">
+              <a:avLst/>
+            </a:prstTxWarp>
+          </a:bodyPr>
+          <a:lstStyle/>
+          <a:p>
+            <a:pPr marL="0" marR="0" indent="0" algn="ctr" defTabSz="914400" rtl="0" eaLnBrk="0" fontAlgn="base" latinLnBrk="0" hangingPunct="0">
+              <a:lnSpc>
+                <a:spcPct val="100000"/>
+              </a:lnSpc>
+              <a:spcBef>
+                <a:spcPct val="0"/>
+              </a:spcBef>
+              <a:spcAft>
+                <a:spcPct val="0"/>
+              </a:spcAft>
+              <a:buClrTx/>
+              <a:buSzTx/>
+              <a:buFontTx/>
+              <a:buNone/>
+              <a:tabLst/>
+            </a:pPr>
+            <a:endParaRPr kumimoji="0" lang="en-US" sz="1600" b="0" i="0" u="none" strike="noStrike" cap="none" normalizeH="0" baseline="0" smtClean="0">
+              <a:ln>
+                <a:noFill/>
+              </a:ln>
+              <a:solidFill>
+                <a:schemeClr val="tx1"/>
+              </a:solidFill>
+              <a:effectLst/>
+              <a:latin typeface="Arial" charset="0"/>
+            </a:endParaRPr>
+          </a:p>
+        </p:txBody>
+      </p:sp>
+      <p:sp>
+        <p:nvSpPr>
+          <p:cNvPr id="7" name="TextBox 6"/>
+          <p:cNvSpPr txBox="1"/>
+          <p:nvPr/>
+        </p:nvSpPr>
+        <p:spPr>
+          <a:xfrm>
+            <a:off x="7876611" y="5181600"/>
+            <a:ext cx="662361" cy="461665"/>
+          </a:xfrm>
+          <a:prstGeom prst="rect">
+            <a:avLst/>
+          </a:prstGeom>
+          <a:noFill/>
+        </p:spPr>
+        <p:txBody>
+          <a:bodyPr wrap="none" rtlCol="0">
+            <a:spAutoFit/>
+          </a:bodyPr>
+          <a:lstStyle/>
+          <a:p>
+            <a:r>
               <a:rPr lang="en-US" dirty="0" smtClean="0"/>
-              <a:t>BACKUPS</a:t>
+              <a:t>bit6</a:t>
             </a:r>
             <a:endParaRPr lang="en-US" dirty="0"/>
           </a:p>
         </p:txBody>
       </p:sp>
+      <p:sp>
+        <p:nvSpPr>
+          <p:cNvPr id="8" name="TextBox 7"/>
+          <p:cNvSpPr txBox="1"/>
+          <p:nvPr/>
+        </p:nvSpPr>
+        <p:spPr>
+          <a:xfrm>
+            <a:off x="416739" y="3685219"/>
+            <a:ext cx="662361" cy="461665"/>
+          </a:xfrm>
+          <a:prstGeom prst="rect">
+            <a:avLst/>
+          </a:prstGeom>
+          <a:noFill/>
+        </p:spPr>
+        <p:txBody>
+          <a:bodyPr wrap="none" rtlCol="0">
+            <a:spAutoFit/>
+          </a:bodyPr>
+          <a:lstStyle/>
+          <a:p>
+            <a:r>
+              <a:rPr lang="en-US" dirty="0" smtClean="0"/>
+              <a:t>bit0</a:t>
+            </a:r>
+            <a:endParaRPr lang="en-US" dirty="0"/>
+          </a:p>
+        </p:txBody>
+      </p:sp>
+      <p:cxnSp>
+        <p:nvCxnSpPr>
+          <p:cNvPr id="10" name="Straight Arrow Connector 9"/>
+          <p:cNvCxnSpPr>
+            <a:stCxn id="8" idx="3"/>
+          </p:cNvCxnSpPr>
+          <p:nvPr/>
+        </p:nvCxnSpPr>
+        <p:spPr bwMode="auto">
+          <a:xfrm>
+            <a:off x="1079100" y="3916052"/>
+            <a:ext cx="1070542" cy="286980"/>
+          </a:xfrm>
+          <a:prstGeom prst="straightConnector1">
+            <a:avLst/>
+          </a:prstGeom>
+          <a:solidFill>
+            <a:srgbClr val="0C2D83"/>
+          </a:solidFill>
+          <a:ln w="12700" cap="flat" cmpd="sng" algn="ctr">
+            <a:solidFill>
+              <a:schemeClr val="tx1"/>
+            </a:solidFill>
+            <a:prstDash val="solid"/>
+            <a:round/>
+            <a:headEnd type="none" w="med" len="med"/>
+            <a:tailEnd type="triangle"/>
+          </a:ln>
+          <a:effectLst/>
+        </p:spPr>
+      </p:cxnSp>
+      <p:cxnSp>
+        <p:nvCxnSpPr>
+          <p:cNvPr id="12" name="Straight Arrow Connector 11"/>
+          <p:cNvCxnSpPr>
+            <a:stCxn id="6" idx="2"/>
+          </p:cNvCxnSpPr>
+          <p:nvPr/>
+        </p:nvCxnSpPr>
+        <p:spPr bwMode="auto">
+          <a:xfrm flipH="1" flipV="1">
+            <a:off x="6537158" y="5041231"/>
+            <a:ext cx="1171367" cy="1"/>
+          </a:xfrm>
+          <a:prstGeom prst="straightConnector1">
+            <a:avLst/>
+          </a:prstGeom>
+          <a:solidFill>
+            <a:srgbClr val="0C2D83"/>
+          </a:solidFill>
+          <a:ln w="12700" cap="flat" cmpd="sng" algn="ctr">
+            <a:solidFill>
+              <a:schemeClr val="tx1"/>
+            </a:solidFill>
+            <a:prstDash val="solid"/>
+            <a:round/>
+            <a:headEnd type="none" w="med" len="med"/>
+            <a:tailEnd type="triangle"/>
+          </a:ln>
+          <a:effectLst/>
+        </p:spPr>
+      </p:cxnSp>
+      <p:sp>
+        <p:nvSpPr>
+          <p:cNvPr id="13" name="Oval 12"/>
+          <p:cNvSpPr/>
+          <p:nvPr/>
+        </p:nvSpPr>
+        <p:spPr bwMode="auto">
+          <a:xfrm>
+            <a:off x="220848" y="4592975"/>
+            <a:ext cx="1034715" cy="280737"/>
+          </a:xfrm>
+          <a:prstGeom prst="ellipse">
+            <a:avLst/>
+          </a:prstGeom>
+          <a:noFill/>
+          <a:ln w="12700" cap="flat" cmpd="sng" algn="ctr">
+            <a:solidFill>
+              <a:schemeClr val="tx1"/>
+            </a:solidFill>
+            <a:prstDash val="solid"/>
+            <a:round/>
+            <a:headEnd type="none" w="med" len="med"/>
+            <a:tailEnd type="none" w="med" len="med"/>
+          </a:ln>
+          <a:effectLst/>
+        </p:spPr>
+        <p:txBody>
+          <a:bodyPr vert="horz" wrap="square" lIns="91440" tIns="45720" rIns="91440" bIns="45720" numCol="1" rtlCol="0" anchor="t" anchorCtr="0" compatLnSpc="1">
+            <a:prstTxWarp prst="textNoShape">
+              <a:avLst/>
+            </a:prstTxWarp>
+          </a:bodyPr>
+          <a:lstStyle/>
+          <a:p>
+            <a:pPr marL="0" marR="0" indent="0" algn="ctr" defTabSz="914400" rtl="0" eaLnBrk="0" fontAlgn="base" latinLnBrk="0" hangingPunct="0">
+              <a:lnSpc>
+                <a:spcPct val="100000"/>
+              </a:lnSpc>
+              <a:spcBef>
+                <a:spcPct val="0"/>
+              </a:spcBef>
+              <a:spcAft>
+                <a:spcPct val="0"/>
+              </a:spcAft>
+              <a:buClrTx/>
+              <a:buSzTx/>
+              <a:buFontTx/>
+              <a:buNone/>
+              <a:tabLst/>
+            </a:pPr>
+            <a:endParaRPr kumimoji="0" lang="en-US" sz="1600" b="0" i="0" u="none" strike="noStrike" cap="none" normalizeH="0" baseline="0" smtClean="0">
+              <a:ln>
+                <a:noFill/>
+              </a:ln>
+              <a:solidFill>
+                <a:schemeClr val="tx1"/>
+              </a:solidFill>
+              <a:effectLst/>
+              <a:latin typeface="Arial" charset="0"/>
+            </a:endParaRPr>
+          </a:p>
+        </p:txBody>
+      </p:sp>
+      <p:sp>
+        <p:nvSpPr>
+          <p:cNvPr id="14" name="TextBox 13"/>
+          <p:cNvSpPr txBox="1"/>
+          <p:nvPr/>
+        </p:nvSpPr>
+        <p:spPr>
+          <a:xfrm>
+            <a:off x="376038" y="4808233"/>
+            <a:ext cx="662361" cy="461665"/>
+          </a:xfrm>
+          <a:prstGeom prst="rect">
+            <a:avLst/>
+          </a:prstGeom>
+          <a:noFill/>
+        </p:spPr>
+        <p:txBody>
+          <a:bodyPr wrap="none" rtlCol="0">
+            <a:spAutoFit/>
+          </a:bodyPr>
+          <a:lstStyle/>
+          <a:p>
+            <a:r>
+              <a:rPr lang="en-US" dirty="0" smtClean="0"/>
+              <a:t>bit3</a:t>
+            </a:r>
+            <a:endParaRPr lang="en-US" dirty="0"/>
+          </a:p>
+        </p:txBody>
+      </p:sp>
+      <p:cxnSp>
+        <p:nvCxnSpPr>
+          <p:cNvPr id="15" name="Straight Arrow Connector 14"/>
+          <p:cNvCxnSpPr>
+            <a:stCxn id="13" idx="6"/>
+          </p:cNvCxnSpPr>
+          <p:nvPr/>
+        </p:nvCxnSpPr>
+        <p:spPr bwMode="auto">
+          <a:xfrm flipV="1">
+            <a:off x="1255563" y="4733343"/>
+            <a:ext cx="781784" cy="1"/>
+          </a:xfrm>
+          <a:prstGeom prst="straightConnector1">
+            <a:avLst/>
+          </a:prstGeom>
+          <a:solidFill>
+            <a:srgbClr val="0C2D83"/>
+          </a:solidFill>
+          <a:ln w="12700" cap="flat" cmpd="sng" algn="ctr">
+            <a:solidFill>
+              <a:schemeClr val="tx1"/>
+            </a:solidFill>
+            <a:prstDash val="solid"/>
+            <a:round/>
+            <a:headEnd type="none" w="med" len="med"/>
+            <a:tailEnd type="triangle"/>
+          </a:ln>
+          <a:effectLst/>
+        </p:spPr>
+      </p:cxnSp>
     </p:spTree>
     <p:extLst>
       <p:ext uri="{BB962C8B-B14F-4D97-AF65-F5344CB8AC3E}">
-        <p14:creationId xmlns:p14="http://schemas.microsoft.com/office/powerpoint/2010/main" val="3003632033"/>
+        <p14:creationId xmlns:p14="http://schemas.microsoft.com/office/powerpoint/2010/main" val="3783551276"/>
       </p:ext>
     </p:extLst>
   </p:cSld>
   <p:clrMapOvr>
     <a:masterClrMapping/>
   </p:clrMapOvr>
-  <p:transition spd="med"/>
   <p:timing>
     <p:tnLst>
       <p:par>
@@ -8242,6 +9640,86 @@
       </p:grpSpPr>
       <p:sp>
         <p:nvSpPr>
+          <p:cNvPr id="5" name="Subtitle 4"/>
+          <p:cNvSpPr>
+            <a:spLocks noGrp="1"/>
+          </p:cNvSpPr>
+          <p:nvPr>
+            <p:ph type="subTitle" idx="1"/>
+          </p:nvPr>
+        </p:nvSpPr>
+        <p:spPr/>
+        <p:txBody>
+          <a:bodyPr/>
+          <a:lstStyle/>
+          <a:p>
+            <a:endParaRPr lang="en-US" dirty="0"/>
+          </a:p>
+        </p:txBody>
+      </p:sp>
+      <p:sp>
+        <p:nvSpPr>
+          <p:cNvPr id="4" name="Title 3"/>
+          <p:cNvSpPr>
+            <a:spLocks noGrp="1"/>
+          </p:cNvSpPr>
+          <p:nvPr>
+            <p:ph type="title"/>
+          </p:nvPr>
+        </p:nvSpPr>
+        <p:spPr/>
+        <p:txBody>
+          <a:bodyPr/>
+          <a:lstStyle/>
+          <a:p>
+            <a:r>
+              <a:rPr lang="en-US" dirty="0" smtClean="0"/>
+              <a:t>BACKUPS</a:t>
+            </a:r>
+            <a:endParaRPr lang="en-US" dirty="0"/>
+          </a:p>
+        </p:txBody>
+      </p:sp>
+    </p:spTree>
+    <p:extLst>
+      <p:ext uri="{BB962C8B-B14F-4D97-AF65-F5344CB8AC3E}">
+        <p14:creationId xmlns:p14="http://schemas.microsoft.com/office/powerpoint/2010/main" val="3003632033"/>
+      </p:ext>
+    </p:extLst>
+  </p:cSld>
+  <p:clrMapOvr>
+    <a:masterClrMapping/>
+  </p:clrMapOvr>
+  <p:transition spd="med"/>
+  <p:timing>
+    <p:tnLst>
+      <p:par>
+        <p:cTn id="1" dur="indefinite" restart="never" nodeType="tmRoot"/>
+      </p:par>
+    </p:tnLst>
+  </p:timing>
+</p:sld>
+</file>
+
+<file path=ppt/slides/slide15.xml><?xml version="1.0" encoding="utf-8"?>
+<p:sld xmlns:a="http://schemas.openxmlformats.org/drawingml/2006/main" xmlns:r="http://schemas.openxmlformats.org/officeDocument/2006/relationships" xmlns:p="http://schemas.openxmlformats.org/presentationml/2006/main">
+  <p:cSld>
+    <p:spTree>
+      <p:nvGrpSpPr>
+        <p:cNvPr id="1" name=""/>
+        <p:cNvGrpSpPr/>
+        <p:nvPr/>
+      </p:nvGrpSpPr>
+      <p:grpSpPr>
+        <a:xfrm>
+          <a:off x="0" y="0"/>
+          <a:ext cx="0" cy="0"/>
+          <a:chOff x="0" y="0"/>
+          <a:chExt cx="0" cy="0"/>
+        </a:xfrm>
+      </p:grpSpPr>
+      <p:sp>
+        <p:nvSpPr>
           <p:cNvPr id="2" name="Title 1"/>
           <p:cNvSpPr>
             <a:spLocks noGrp="1"/>
@@ -8257,7 +9735,7 @@
           <a:p>
             <a:r>
               <a:rPr lang="en-US" b="1" dirty="0" smtClean="0"/>
-              <a:t>Example Program</a:t>
+              <a:t>Toggle LED</a:t>
             </a:r>
             <a:endParaRPr lang="en-US" dirty="0"/>
           </a:p>
@@ -8275,26 +9753,42 @@
         </p:nvSpPr>
         <p:spPr>
           <a:xfrm>
-            <a:off x="369127" y="1543384"/>
-            <a:ext cx="8083562" cy="4739175"/>
+            <a:off x="376038" y="1623665"/>
+            <a:ext cx="8493642" cy="4724400"/>
           </a:xfrm>
         </p:spPr>
         <p:txBody>
           <a:bodyPr>
-            <a:normAutofit fontScale="92500" lnSpcReduction="10000"/>
+            <a:normAutofit/>
           </a:bodyPr>
           <a:lstStyle/>
           <a:p>
-            <a:pPr marL="0" indent="0">
-              <a:buNone/>
-            </a:pPr>
-            <a:endParaRPr lang="en-US" sz="1400" dirty="0" smtClean="0">
-              <a:solidFill>
-                <a:schemeClr val="accent2"/>
-              </a:solidFill>
-              <a:latin typeface="Courier New" pitchFamily="49" charset="0"/>
-              <a:cs typeface="Courier New" pitchFamily="49" charset="0"/>
-            </a:endParaRPr>
+            <a:r>
+              <a:rPr lang="en-US" sz="1800" dirty="0" smtClean="0"/>
+              <a:t>Let's </a:t>
+            </a:r>
+            <a:r>
+              <a:rPr lang="en-US" sz="1800" dirty="0"/>
+              <a:t>write a program that controls the </a:t>
+            </a:r>
+            <a:r>
+              <a:rPr lang="en-US" sz="1800" dirty="0" smtClean="0"/>
+              <a:t>2 onboard </a:t>
+            </a:r>
+            <a:r>
+              <a:rPr lang="en-US" sz="1800" dirty="0"/>
+              <a:t>LEDs with the onboard push button</a:t>
+            </a:r>
+            <a:r>
+              <a:rPr lang="en-US" sz="1800" dirty="0">
+                <a:solidFill>
+                  <a:schemeClr val="accent2"/>
+                </a:solidFill>
+                <a:latin typeface="Courier New" pitchFamily="49" charset="0"/>
+                <a:cs typeface="Courier New" pitchFamily="49" charset="0"/>
+              </a:rPr>
+              <a:t>  </a:t>
+            </a:r>
           </a:p>
           <a:p>
             <a:pPr marL="0" indent="0">
@@ -8312,13 +9806,88 @@
             <a:pPr marL="0" indent="0">
               <a:buNone/>
             </a:pPr>
-            <a:endParaRPr lang="en-US" sz="1400" dirty="0" smtClean="0">
+            <a:r>
+              <a:rPr lang="en-US" sz="1400" dirty="0">
+                <a:solidFill>
+                  <a:schemeClr val="accent2"/>
+                </a:solidFill>
+                <a:latin typeface="Courier New" pitchFamily="49" charset="0"/>
+                <a:cs typeface="Courier New" pitchFamily="49" charset="0"/>
+              </a:rPr>
+              <a:t>              </a:t>
+            </a:r>
+            <a:r>
+              <a:rPr lang="en-US" sz="1400" dirty="0" err="1">
+                <a:solidFill>
+                  <a:schemeClr val="accent2"/>
+                </a:solidFill>
+                <a:latin typeface="Courier New" pitchFamily="49" charset="0"/>
+                <a:cs typeface="Courier New" pitchFamily="49" charset="0"/>
+              </a:rPr>
+              <a:t>bis.b</a:t>
+            </a:r>
+            <a:r>
+              <a:rPr lang="en-US" sz="1400" dirty="0">
+                <a:solidFill>
+                  <a:schemeClr val="accent2"/>
+                </a:solidFill>
+                <a:latin typeface="Courier New" pitchFamily="49" charset="0"/>
+                <a:cs typeface="Courier New" pitchFamily="49" charset="0"/>
+              </a:rPr>
+              <a:t>  #BIT0|BIT6, &amp;</a:t>
+            </a:r>
+            <a:r>
+              <a:rPr lang="en-US" sz="1400" dirty="0" smtClean="0">
+                <a:solidFill>
+                  <a:schemeClr val="accent2"/>
+                </a:solidFill>
+                <a:latin typeface="Courier New" pitchFamily="49" charset="0"/>
+                <a:cs typeface="Courier New" pitchFamily="49" charset="0"/>
+              </a:rPr>
+              <a:t>P1DIR  ; ???? See next slide</a:t>
+            </a:r>
+            <a:endParaRPr lang="en-US" sz="1400" dirty="0">
               <a:solidFill>
                 <a:schemeClr val="accent2"/>
               </a:solidFill>
               <a:latin typeface="Courier New" pitchFamily="49" charset="0"/>
               <a:cs typeface="Courier New" pitchFamily="49" charset="0"/>
             </a:endParaRPr>
+          </a:p>
+          <a:p>
+            <a:pPr marL="0" indent="0">
+              <a:buNone/>
+            </a:pPr>
+            <a:r>
+              <a:rPr lang="en-US" sz="1400" dirty="0">
+                <a:solidFill>
+                  <a:schemeClr val="accent2"/>
+                </a:solidFill>
+                <a:latin typeface="Courier New" pitchFamily="49" charset="0"/>
+                <a:cs typeface="Courier New" pitchFamily="49" charset="0"/>
+              </a:rPr>
+              <a:t>              </a:t>
+            </a:r>
+            <a:r>
+              <a:rPr lang="en-US" sz="1400" dirty="0" err="1">
+                <a:solidFill>
+                  <a:schemeClr val="accent2"/>
+                </a:solidFill>
+                <a:latin typeface="Courier New" pitchFamily="49" charset="0"/>
+                <a:cs typeface="Courier New" pitchFamily="49" charset="0"/>
+              </a:rPr>
+              <a:t>bic.b</a:t>
+            </a:r>
+            <a:r>
+              <a:rPr lang="en-US" sz="1400" dirty="0">
+                <a:solidFill>
+                  <a:schemeClr val="accent2"/>
+                </a:solidFill>
+                <a:latin typeface="Courier New" pitchFamily="49" charset="0"/>
+                <a:cs typeface="Courier New" pitchFamily="49" charset="0"/>
+              </a:rPr>
+              <a:t>  #BIT3, &amp;P1DIR</a:t>
+            </a:r>
           </a:p>
           <a:p>
             <a:pPr marL="0" indent="0">
@@ -8336,7 +9905,333 @@
             <a:pPr marL="0" indent="0">
               <a:buNone/>
             </a:pPr>
-            <a:endParaRPr lang="en-US" sz="1400" dirty="0" smtClean="0">
+            <a:r>
+              <a:rPr lang="en-US" sz="1400" dirty="0" err="1">
+                <a:solidFill>
+                  <a:schemeClr val="accent2"/>
+                </a:solidFill>
+                <a:latin typeface="Courier New" pitchFamily="49" charset="0"/>
+                <a:cs typeface="Courier New" pitchFamily="49" charset="0"/>
+              </a:rPr>
+              <a:t>check_btn</a:t>
+            </a:r>
+            <a:r>
+              <a:rPr lang="en-US" sz="1400" dirty="0">
+                <a:solidFill>
+                  <a:schemeClr val="accent2"/>
+                </a:solidFill>
+                <a:latin typeface="Courier New" pitchFamily="49" charset="0"/>
+                <a:cs typeface="Courier New" pitchFamily="49" charset="0"/>
+              </a:rPr>
+              <a:t>:    </a:t>
+            </a:r>
+            <a:r>
+              <a:rPr lang="en-US" sz="1400" dirty="0" err="1">
+                <a:solidFill>
+                  <a:schemeClr val="accent2"/>
+                </a:solidFill>
+                <a:latin typeface="Courier New" pitchFamily="49" charset="0"/>
+                <a:cs typeface="Courier New" pitchFamily="49" charset="0"/>
+              </a:rPr>
+              <a:t>bit.b</a:t>
+            </a:r>
+            <a:r>
+              <a:rPr lang="en-US" sz="1400" dirty="0">
+                <a:solidFill>
+                  <a:schemeClr val="accent2"/>
+                </a:solidFill>
+                <a:latin typeface="Courier New" pitchFamily="49" charset="0"/>
+                <a:cs typeface="Courier New" pitchFamily="49" charset="0"/>
+              </a:rPr>
+              <a:t>  #BIT3, &amp;</a:t>
+            </a:r>
+            <a:r>
+              <a:rPr lang="en-US" sz="1400" dirty="0" smtClean="0">
+                <a:solidFill>
+                  <a:schemeClr val="accent2"/>
+                </a:solidFill>
+                <a:latin typeface="Courier New" pitchFamily="49" charset="0"/>
+                <a:cs typeface="Courier New" pitchFamily="49" charset="0"/>
+              </a:rPr>
+              <a:t>P1IN</a:t>
+            </a:r>
+            <a:r>
+              <a:rPr lang="en-US" sz="1400" dirty="0">
+                <a:solidFill>
+                  <a:schemeClr val="accent2"/>
+                </a:solidFill>
+                <a:latin typeface="Courier New" pitchFamily="49" charset="0"/>
+                <a:cs typeface="Courier New" pitchFamily="49" charset="0"/>
+              </a:rPr>
+              <a:t> </a:t>
+            </a:r>
+            <a:r>
+              <a:rPr lang="en-US" sz="1400" dirty="0" smtClean="0">
+                <a:solidFill>
+                  <a:schemeClr val="accent2"/>
+                </a:solidFill>
+                <a:latin typeface="Courier New" pitchFamily="49" charset="0"/>
+                <a:cs typeface="Courier New" pitchFamily="49" charset="0"/>
+              </a:rPr>
+              <a:t>          </a:t>
+            </a:r>
+            <a:r>
+              <a:rPr lang="en-US" sz="1400" dirty="0" smtClean="0">
+                <a:solidFill>
+                  <a:srgbClr val="00B050"/>
+                </a:solidFill>
+                <a:latin typeface="Courier New" pitchFamily="49" charset="0"/>
+                <a:cs typeface="Courier New" pitchFamily="49" charset="0"/>
+              </a:rPr>
+              <a:t>;</a:t>
+            </a:r>
+            <a:r>
+              <a:rPr lang="en-US" sz="1400" dirty="0">
+                <a:solidFill>
+                  <a:srgbClr val="00B050"/>
+                </a:solidFill>
+                <a:latin typeface="Courier New" pitchFamily="49" charset="0"/>
+                <a:cs typeface="Courier New" pitchFamily="49" charset="0"/>
+              </a:rPr>
+              <a:t>push button is LOW on push</a:t>
+            </a:r>
+            <a:endParaRPr lang="en-US" sz="1400" dirty="0">
+              <a:solidFill>
+                <a:schemeClr val="accent2"/>
+              </a:solidFill>
+              <a:latin typeface="Courier New" pitchFamily="49" charset="0"/>
+              <a:cs typeface="Courier New" pitchFamily="49" charset="0"/>
+            </a:endParaRPr>
+          </a:p>
+          <a:p>
+            <a:pPr marL="0" indent="0">
+              <a:buNone/>
+            </a:pPr>
+            <a:r>
+              <a:rPr lang="en-US" sz="1400" dirty="0">
+                <a:solidFill>
+                  <a:schemeClr val="accent2"/>
+                </a:solidFill>
+                <a:latin typeface="Courier New" pitchFamily="49" charset="0"/>
+                <a:cs typeface="Courier New" pitchFamily="49" charset="0"/>
+              </a:rPr>
+              <a:t>              </a:t>
+            </a:r>
+            <a:r>
+              <a:rPr lang="en-US" sz="1400" dirty="0" err="1">
+                <a:solidFill>
+                  <a:schemeClr val="accent2"/>
+                </a:solidFill>
+                <a:latin typeface="Courier New" pitchFamily="49" charset="0"/>
+                <a:cs typeface="Courier New" pitchFamily="49" charset="0"/>
+              </a:rPr>
+              <a:t>jz</a:t>
+            </a:r>
+            <a:r>
+              <a:rPr lang="en-US" sz="1400" dirty="0">
+                <a:solidFill>
+                  <a:schemeClr val="accent2"/>
+                </a:solidFill>
+                <a:latin typeface="Courier New" pitchFamily="49" charset="0"/>
+                <a:cs typeface="Courier New" pitchFamily="49" charset="0"/>
+              </a:rPr>
+              <a:t>     </a:t>
+            </a:r>
+            <a:r>
+              <a:rPr lang="en-US" sz="1400" dirty="0" err="1">
+                <a:solidFill>
+                  <a:schemeClr val="accent2"/>
+                </a:solidFill>
+                <a:latin typeface="Courier New" pitchFamily="49" charset="0"/>
+                <a:cs typeface="Courier New" pitchFamily="49" charset="0"/>
+              </a:rPr>
+              <a:t>set_lights</a:t>
+            </a:r>
+            <a:endParaRPr lang="en-US" sz="1400" dirty="0">
+              <a:solidFill>
+                <a:schemeClr val="accent2"/>
+              </a:solidFill>
+              <a:latin typeface="Courier New" pitchFamily="49" charset="0"/>
+              <a:cs typeface="Courier New" pitchFamily="49" charset="0"/>
+            </a:endParaRPr>
+          </a:p>
+          <a:p>
+            <a:pPr marL="0" indent="0">
+              <a:buNone/>
+            </a:pPr>
+            <a:r>
+              <a:rPr lang="en-US" sz="1400" dirty="0">
+                <a:solidFill>
+                  <a:schemeClr val="accent2"/>
+                </a:solidFill>
+                <a:latin typeface="Courier New" pitchFamily="49" charset="0"/>
+                <a:cs typeface="Courier New" pitchFamily="49" charset="0"/>
+              </a:rPr>
+              <a:t>              </a:t>
+            </a:r>
+            <a:r>
+              <a:rPr lang="en-US" sz="1400" dirty="0" err="1">
+                <a:solidFill>
+                  <a:schemeClr val="accent2"/>
+                </a:solidFill>
+                <a:latin typeface="Courier New" pitchFamily="49" charset="0"/>
+                <a:cs typeface="Courier New" pitchFamily="49" charset="0"/>
+              </a:rPr>
+              <a:t>bic.b</a:t>
+            </a:r>
+            <a:r>
+              <a:rPr lang="en-US" sz="1400" dirty="0">
+                <a:solidFill>
+                  <a:schemeClr val="accent2"/>
+                </a:solidFill>
+                <a:latin typeface="Courier New" pitchFamily="49" charset="0"/>
+                <a:cs typeface="Courier New" pitchFamily="49" charset="0"/>
+              </a:rPr>
+              <a:t>  #BIT0|BIT6, &amp;P1OUT</a:t>
+            </a:r>
+          </a:p>
+          <a:p>
+            <a:pPr marL="0" indent="0">
+              <a:buNone/>
+            </a:pPr>
+            <a:r>
+              <a:rPr lang="en-US" sz="1400" dirty="0">
+                <a:solidFill>
+                  <a:schemeClr val="accent2"/>
+                </a:solidFill>
+                <a:latin typeface="Courier New" pitchFamily="49" charset="0"/>
+                <a:cs typeface="Courier New" pitchFamily="49" charset="0"/>
+              </a:rPr>
+              <a:t>              </a:t>
+            </a:r>
+            <a:r>
+              <a:rPr lang="en-US" sz="1400" dirty="0" err="1">
+                <a:solidFill>
+                  <a:schemeClr val="accent2"/>
+                </a:solidFill>
+                <a:latin typeface="Courier New" pitchFamily="49" charset="0"/>
+                <a:cs typeface="Courier New" pitchFamily="49" charset="0"/>
+              </a:rPr>
+              <a:t>jmp</a:t>
+            </a:r>
+            <a:r>
+              <a:rPr lang="en-US" sz="1400" dirty="0">
+                <a:solidFill>
+                  <a:schemeClr val="accent2"/>
+                </a:solidFill>
+                <a:latin typeface="Courier New" pitchFamily="49" charset="0"/>
+                <a:cs typeface="Courier New" pitchFamily="49" charset="0"/>
+              </a:rPr>
+              <a:t>    </a:t>
+            </a:r>
+            <a:r>
+              <a:rPr lang="en-US" sz="1400" dirty="0" err="1">
+                <a:solidFill>
+                  <a:schemeClr val="accent2"/>
+                </a:solidFill>
+                <a:latin typeface="Courier New" pitchFamily="49" charset="0"/>
+                <a:cs typeface="Courier New" pitchFamily="49" charset="0"/>
+              </a:rPr>
+              <a:t>check_btn</a:t>
+            </a:r>
+            <a:endParaRPr lang="en-US" sz="1400" dirty="0">
+              <a:solidFill>
+                <a:schemeClr val="accent2"/>
+              </a:solidFill>
+              <a:latin typeface="Courier New" pitchFamily="49" charset="0"/>
+              <a:cs typeface="Courier New" pitchFamily="49" charset="0"/>
+            </a:endParaRPr>
+          </a:p>
+          <a:p>
+            <a:pPr marL="0" indent="0">
+              <a:buNone/>
+            </a:pPr>
+            <a:r>
+              <a:rPr lang="en-US" sz="1400" dirty="0" err="1">
+                <a:solidFill>
+                  <a:schemeClr val="accent2"/>
+                </a:solidFill>
+                <a:latin typeface="Courier New" pitchFamily="49" charset="0"/>
+                <a:cs typeface="Courier New" pitchFamily="49" charset="0"/>
+              </a:rPr>
+              <a:t>set_lights</a:t>
+            </a:r>
+            <a:r>
+              <a:rPr lang="en-US" sz="1400" dirty="0">
+                <a:solidFill>
+                  <a:schemeClr val="accent2"/>
+                </a:solidFill>
+                <a:latin typeface="Courier New" pitchFamily="49" charset="0"/>
+                <a:cs typeface="Courier New" pitchFamily="49" charset="0"/>
+              </a:rPr>
+              <a:t>:   </a:t>
+            </a:r>
+            <a:r>
+              <a:rPr lang="en-US" sz="1400" dirty="0" err="1">
+                <a:solidFill>
+                  <a:schemeClr val="accent2"/>
+                </a:solidFill>
+                <a:latin typeface="Courier New" pitchFamily="49" charset="0"/>
+                <a:cs typeface="Courier New" pitchFamily="49" charset="0"/>
+              </a:rPr>
+              <a:t>bis.b</a:t>
+            </a:r>
+            <a:r>
+              <a:rPr lang="en-US" sz="1400" dirty="0">
+                <a:solidFill>
+                  <a:schemeClr val="accent2"/>
+                </a:solidFill>
+                <a:latin typeface="Courier New" pitchFamily="49" charset="0"/>
+                <a:cs typeface="Courier New" pitchFamily="49" charset="0"/>
+              </a:rPr>
+              <a:t>  #BIT0|BIT6, &amp;P1OUT</a:t>
+            </a:r>
+          </a:p>
+          <a:p>
+            <a:pPr marL="0" indent="0">
+              <a:buNone/>
+            </a:pPr>
+            <a:r>
+              <a:rPr lang="en-US" sz="1400" dirty="0">
+                <a:solidFill>
+                  <a:schemeClr val="accent2"/>
+                </a:solidFill>
+                <a:latin typeface="Courier New" pitchFamily="49" charset="0"/>
+                <a:cs typeface="Courier New" pitchFamily="49" charset="0"/>
+              </a:rPr>
+              <a:t>              </a:t>
+            </a:r>
+            <a:r>
+              <a:rPr lang="en-US" sz="1400" dirty="0" err="1">
+                <a:solidFill>
+                  <a:schemeClr val="accent2"/>
+                </a:solidFill>
+                <a:latin typeface="Courier New" pitchFamily="49" charset="0"/>
+                <a:cs typeface="Courier New" pitchFamily="49" charset="0"/>
+              </a:rPr>
+              <a:t>jmp</a:t>
+            </a:r>
+            <a:r>
+              <a:rPr lang="en-US" sz="1400" dirty="0">
+                <a:solidFill>
+                  <a:schemeClr val="accent2"/>
+                </a:solidFill>
+                <a:latin typeface="Courier New" pitchFamily="49" charset="0"/>
+                <a:cs typeface="Courier New" pitchFamily="49" charset="0"/>
+              </a:rPr>
+              <a:t>    </a:t>
+            </a:r>
+            <a:r>
+              <a:rPr lang="en-US" sz="1400" dirty="0" err="1">
+                <a:solidFill>
+                  <a:schemeClr val="accent2"/>
+                </a:solidFill>
+                <a:latin typeface="Courier New" pitchFamily="49" charset="0"/>
+                <a:cs typeface="Courier New" pitchFamily="49" charset="0"/>
+              </a:rPr>
+              <a:t>check_btn</a:t>
+            </a:r>
+            <a:endParaRPr lang="en-US" sz="1400" dirty="0">
               <a:solidFill>
                 <a:schemeClr val="accent2"/>
               </a:solidFill>
@@ -8357,717 +10252,24 @@
             </a:endParaRPr>
           </a:p>
           <a:p>
-            <a:pPr marL="0" indent="0">
+            <a:pPr marL="406400" lvl="1" indent="0">
               <a:buNone/>
             </a:pPr>
-            <a:endParaRPr lang="en-US" sz="1400" dirty="0" smtClean="0">
+            <a:endParaRPr lang="en-US" sz="2200" dirty="0"/>
+          </a:p>
+          <a:p>
+            <a:endParaRPr lang="en-US" sz="2000" dirty="0">
               <a:solidFill>
                 <a:schemeClr val="accent2"/>
               </a:solidFill>
-              <a:latin typeface="Courier New" pitchFamily="49" charset="0"/>
-              <a:cs typeface="Courier New" pitchFamily="49" charset="0"/>
             </a:endParaRPr>
           </a:p>
-          <a:p>
-            <a:pPr marL="0" indent="0">
-              <a:buNone/>
-            </a:pPr>
-            <a:endParaRPr lang="en-US" sz="1400" dirty="0">
-              <a:solidFill>
-                <a:schemeClr val="accent2"/>
-              </a:solidFill>
-              <a:latin typeface="Courier New" pitchFamily="49" charset="0"/>
-              <a:cs typeface="Courier New" pitchFamily="49" charset="0"/>
-            </a:endParaRPr>
-          </a:p>
-          <a:p>
-            <a:pPr marL="0" indent="0">
-              <a:buNone/>
-            </a:pPr>
-            <a:endParaRPr lang="en-US" sz="1400" dirty="0" smtClean="0">
-              <a:solidFill>
-                <a:schemeClr val="accent2"/>
-              </a:solidFill>
-              <a:latin typeface="Courier New" pitchFamily="49" charset="0"/>
-              <a:cs typeface="Courier New" pitchFamily="49" charset="0"/>
-            </a:endParaRPr>
-          </a:p>
-          <a:p>
-            <a:pPr marL="0" indent="0">
-              <a:buNone/>
-            </a:pPr>
-            <a:endParaRPr lang="en-US" sz="1400" dirty="0">
-              <a:solidFill>
-                <a:schemeClr val="accent2"/>
-              </a:solidFill>
-              <a:latin typeface="Courier New" pitchFamily="49" charset="0"/>
-              <a:cs typeface="Courier New" pitchFamily="49" charset="0"/>
-            </a:endParaRPr>
-          </a:p>
-          <a:p>
-            <a:pPr marL="0" indent="0">
-              <a:buNone/>
-            </a:pPr>
-            <a:r>
-              <a:rPr lang="en-US" sz="1400" dirty="0" smtClean="0">
-                <a:solidFill>
-                  <a:schemeClr val="accent2"/>
-                </a:solidFill>
-                <a:latin typeface="Courier New" pitchFamily="49" charset="0"/>
-                <a:cs typeface="Courier New" pitchFamily="49" charset="0"/>
-              </a:rPr>
-              <a:t>              </a:t>
-            </a:r>
-            <a:r>
-              <a:rPr lang="en-US" sz="1400" dirty="0" err="1" smtClean="0">
-                <a:solidFill>
-                  <a:schemeClr val="accent2"/>
-                </a:solidFill>
-                <a:latin typeface="Courier New" pitchFamily="49" charset="0"/>
-                <a:cs typeface="Courier New" pitchFamily="49" charset="0"/>
-              </a:rPr>
-              <a:t>bis.b</a:t>
-            </a:r>
-            <a:r>
-              <a:rPr lang="en-US" sz="1400" dirty="0" smtClean="0">
-                <a:solidFill>
-                  <a:schemeClr val="accent2"/>
-                </a:solidFill>
-                <a:latin typeface="Courier New" pitchFamily="49" charset="0"/>
-                <a:cs typeface="Courier New" pitchFamily="49" charset="0"/>
-              </a:rPr>
-              <a:t>  </a:t>
-            </a:r>
-            <a:r>
-              <a:rPr lang="en-US" sz="1400" dirty="0">
-                <a:solidFill>
-                  <a:schemeClr val="accent2"/>
-                </a:solidFill>
-                <a:latin typeface="Courier New" pitchFamily="49" charset="0"/>
-                <a:cs typeface="Courier New" pitchFamily="49" charset="0"/>
-              </a:rPr>
-              <a:t>#BIT0|BIT6, &amp;</a:t>
-            </a:r>
-            <a:r>
-              <a:rPr lang="en-US" sz="1400" dirty="0" smtClean="0">
-                <a:solidFill>
-                  <a:schemeClr val="accent2"/>
-                </a:solidFill>
-                <a:latin typeface="Courier New" pitchFamily="49" charset="0"/>
-                <a:cs typeface="Courier New" pitchFamily="49" charset="0"/>
-              </a:rPr>
-              <a:t>P1DIR   </a:t>
-            </a:r>
-            <a:r>
-              <a:rPr lang="en-US" sz="1400" dirty="0" smtClean="0">
-                <a:solidFill>
-                  <a:srgbClr val="00B050"/>
-                </a:solidFill>
-                <a:latin typeface="Courier New" pitchFamily="49" charset="0"/>
-                <a:cs typeface="Courier New" pitchFamily="49" charset="0"/>
-              </a:rPr>
-              <a:t>; output pin direction</a:t>
-            </a:r>
-            <a:endParaRPr lang="en-US" sz="1400" dirty="0">
-              <a:solidFill>
-                <a:srgbClr val="00B050"/>
-              </a:solidFill>
-              <a:latin typeface="Courier New" pitchFamily="49" charset="0"/>
-              <a:cs typeface="Courier New" pitchFamily="49" charset="0"/>
-            </a:endParaRPr>
-          </a:p>
-          <a:p>
-            <a:pPr marL="0" indent="0">
-              <a:buNone/>
-            </a:pPr>
-            <a:r>
-              <a:rPr lang="en-US" sz="1400" dirty="0" smtClean="0">
-                <a:solidFill>
-                  <a:schemeClr val="accent2"/>
-                </a:solidFill>
-                <a:latin typeface="Courier New" pitchFamily="49" charset="0"/>
-                <a:cs typeface="Courier New" pitchFamily="49" charset="0"/>
-              </a:rPr>
-              <a:t>              </a:t>
-            </a:r>
-            <a:r>
-              <a:rPr lang="en-US" sz="1400" dirty="0" err="1" smtClean="0">
-                <a:solidFill>
-                  <a:schemeClr val="accent2"/>
-                </a:solidFill>
-                <a:latin typeface="Courier New" pitchFamily="49" charset="0"/>
-                <a:cs typeface="Courier New" pitchFamily="49" charset="0"/>
-              </a:rPr>
-              <a:t>bic.b</a:t>
-            </a:r>
-            <a:r>
-              <a:rPr lang="en-US" sz="1400" dirty="0" smtClean="0">
-                <a:solidFill>
-                  <a:schemeClr val="accent2"/>
-                </a:solidFill>
-                <a:latin typeface="Courier New" pitchFamily="49" charset="0"/>
-                <a:cs typeface="Courier New" pitchFamily="49" charset="0"/>
-              </a:rPr>
-              <a:t>  </a:t>
-            </a:r>
-            <a:r>
-              <a:rPr lang="en-US" sz="1400" dirty="0">
-                <a:solidFill>
-                  <a:schemeClr val="accent2"/>
-                </a:solidFill>
-                <a:latin typeface="Courier New" pitchFamily="49" charset="0"/>
-                <a:cs typeface="Courier New" pitchFamily="49" charset="0"/>
-              </a:rPr>
-              <a:t>#BIT3, &amp;</a:t>
-            </a:r>
-            <a:r>
-              <a:rPr lang="en-US" sz="1400" dirty="0" smtClean="0">
-                <a:solidFill>
-                  <a:schemeClr val="accent2"/>
-                </a:solidFill>
-                <a:latin typeface="Courier New" pitchFamily="49" charset="0"/>
-                <a:cs typeface="Courier New" pitchFamily="49" charset="0"/>
-              </a:rPr>
-              <a:t>P1DIR</a:t>
-            </a:r>
-            <a:r>
-              <a:rPr lang="en-US" sz="1400" dirty="0">
-                <a:solidFill>
-                  <a:srgbClr val="00B050"/>
-                </a:solidFill>
-                <a:latin typeface="Courier New" pitchFamily="49" charset="0"/>
-                <a:cs typeface="Courier New" pitchFamily="49" charset="0"/>
-              </a:rPr>
-              <a:t> </a:t>
-            </a:r>
-            <a:r>
-              <a:rPr lang="en-US" sz="1400" dirty="0" smtClean="0">
-                <a:solidFill>
-                  <a:srgbClr val="00B050"/>
-                </a:solidFill>
-                <a:latin typeface="Courier New" pitchFamily="49" charset="0"/>
-                <a:cs typeface="Courier New" pitchFamily="49" charset="0"/>
-              </a:rPr>
-              <a:t>       ; input </a:t>
-            </a:r>
-            <a:r>
-              <a:rPr lang="en-US" sz="1400" dirty="0">
-                <a:solidFill>
-                  <a:srgbClr val="00B050"/>
-                </a:solidFill>
-                <a:latin typeface="Courier New" pitchFamily="49" charset="0"/>
-                <a:cs typeface="Courier New" pitchFamily="49" charset="0"/>
-              </a:rPr>
-              <a:t>pin direction</a:t>
-            </a:r>
-            <a:endParaRPr lang="en-US" sz="1400" dirty="0">
-              <a:solidFill>
-                <a:schemeClr val="accent2"/>
-              </a:solidFill>
-              <a:latin typeface="Courier New" pitchFamily="49" charset="0"/>
-              <a:cs typeface="Courier New" pitchFamily="49" charset="0"/>
-            </a:endParaRPr>
-          </a:p>
-          <a:p>
-            <a:pPr marL="0" indent="0">
-              <a:buNone/>
-            </a:pPr>
-            <a:r>
-              <a:rPr lang="en-US" sz="1400" dirty="0" smtClean="0">
-                <a:solidFill>
-                  <a:schemeClr val="accent2"/>
-                </a:solidFill>
-                <a:latin typeface="Courier New" pitchFamily="49" charset="0"/>
-                <a:cs typeface="Courier New" pitchFamily="49" charset="0"/>
-              </a:rPr>
-              <a:t>              </a:t>
-            </a:r>
-            <a:r>
-              <a:rPr lang="en-US" sz="1400" dirty="0" err="1" smtClean="0">
-                <a:solidFill>
-                  <a:schemeClr val="accent2"/>
-                </a:solidFill>
-                <a:latin typeface="Courier New" pitchFamily="49" charset="0"/>
-                <a:cs typeface="Courier New" pitchFamily="49" charset="0"/>
-              </a:rPr>
-              <a:t>bis.b</a:t>
-            </a:r>
-            <a:r>
-              <a:rPr lang="en-US" sz="1400" dirty="0" smtClean="0">
-                <a:solidFill>
-                  <a:schemeClr val="accent2"/>
-                </a:solidFill>
-                <a:latin typeface="Courier New" pitchFamily="49" charset="0"/>
-                <a:cs typeface="Courier New" pitchFamily="49" charset="0"/>
-              </a:rPr>
-              <a:t>  </a:t>
-            </a:r>
-            <a:r>
-              <a:rPr lang="en-US" sz="1400" dirty="0">
-                <a:solidFill>
-                  <a:schemeClr val="accent2"/>
-                </a:solidFill>
-                <a:latin typeface="Courier New" pitchFamily="49" charset="0"/>
-                <a:cs typeface="Courier New" pitchFamily="49" charset="0"/>
-              </a:rPr>
-              <a:t>#BIT3, &amp;</a:t>
-            </a:r>
-            <a:r>
-              <a:rPr lang="en-US" sz="1400" dirty="0" smtClean="0">
-                <a:solidFill>
-                  <a:schemeClr val="accent2"/>
-                </a:solidFill>
-                <a:latin typeface="Courier New" pitchFamily="49" charset="0"/>
-                <a:cs typeface="Courier New" pitchFamily="49" charset="0"/>
-              </a:rPr>
-              <a:t>P1REN        </a:t>
-            </a:r>
-            <a:r>
-              <a:rPr lang="en-US" sz="1400" dirty="0" smtClean="0">
-                <a:solidFill>
-                  <a:srgbClr val="00B050"/>
-                </a:solidFill>
-                <a:latin typeface="Courier New" pitchFamily="49" charset="0"/>
-                <a:cs typeface="Courier New" pitchFamily="49" charset="0"/>
-              </a:rPr>
-              <a:t>; enable pin 3’s resistor</a:t>
-            </a:r>
-            <a:endParaRPr lang="en-US" sz="1400" dirty="0">
-              <a:solidFill>
-                <a:schemeClr val="accent2"/>
-              </a:solidFill>
-              <a:latin typeface="Courier New" pitchFamily="49" charset="0"/>
-              <a:cs typeface="Courier New" pitchFamily="49" charset="0"/>
-            </a:endParaRPr>
-          </a:p>
-          <a:p>
-            <a:pPr marL="0" indent="0">
-              <a:buNone/>
-            </a:pPr>
-            <a:r>
-              <a:rPr lang="en-US" sz="1400" dirty="0" smtClean="0">
-                <a:solidFill>
-                  <a:schemeClr val="accent2"/>
-                </a:solidFill>
-                <a:latin typeface="Courier New" pitchFamily="49" charset="0"/>
-                <a:cs typeface="Courier New" pitchFamily="49" charset="0"/>
-              </a:rPr>
-              <a:t>              </a:t>
-            </a:r>
-            <a:r>
-              <a:rPr lang="en-US" sz="1400" dirty="0" err="1" smtClean="0">
-                <a:solidFill>
-                  <a:schemeClr val="accent2"/>
-                </a:solidFill>
-                <a:latin typeface="Courier New" pitchFamily="49" charset="0"/>
-                <a:cs typeface="Courier New" pitchFamily="49" charset="0"/>
-              </a:rPr>
-              <a:t>bis.b</a:t>
-            </a:r>
-            <a:r>
-              <a:rPr lang="en-US" sz="1400" dirty="0" smtClean="0">
-                <a:solidFill>
-                  <a:schemeClr val="accent2"/>
-                </a:solidFill>
-                <a:latin typeface="Courier New" pitchFamily="49" charset="0"/>
-                <a:cs typeface="Courier New" pitchFamily="49" charset="0"/>
-              </a:rPr>
-              <a:t>  </a:t>
-            </a:r>
-            <a:r>
-              <a:rPr lang="en-US" sz="1400" dirty="0">
-                <a:solidFill>
-                  <a:schemeClr val="accent2"/>
-                </a:solidFill>
-                <a:latin typeface="Courier New" pitchFamily="49" charset="0"/>
-                <a:cs typeface="Courier New" pitchFamily="49" charset="0"/>
-              </a:rPr>
-              <a:t>#BIT3, &amp;</a:t>
-            </a:r>
-            <a:r>
-              <a:rPr lang="en-US" sz="1400" dirty="0" smtClean="0">
-                <a:solidFill>
-                  <a:schemeClr val="accent2"/>
-                </a:solidFill>
-                <a:latin typeface="Courier New" pitchFamily="49" charset="0"/>
-                <a:cs typeface="Courier New" pitchFamily="49" charset="0"/>
-              </a:rPr>
-              <a:t>P1OUT        </a:t>
-            </a:r>
-            <a:r>
-              <a:rPr lang="en-US" sz="1400" dirty="0" smtClean="0">
-                <a:solidFill>
-                  <a:srgbClr val="00B050"/>
-                </a:solidFill>
-                <a:latin typeface="Courier New" pitchFamily="49" charset="0"/>
-                <a:cs typeface="Courier New" pitchFamily="49" charset="0"/>
-              </a:rPr>
-              <a:t>; make it a pull-up? (trick)</a:t>
-            </a:r>
-            <a:endParaRPr lang="en-US" sz="1400" dirty="0">
-              <a:solidFill>
-                <a:srgbClr val="00B050"/>
-              </a:solidFill>
-              <a:latin typeface="Courier New" pitchFamily="49" charset="0"/>
-              <a:cs typeface="Courier New" pitchFamily="49" charset="0"/>
-            </a:endParaRPr>
-          </a:p>
-          <a:p>
-            <a:pPr marL="0" indent="0">
-              <a:buNone/>
-            </a:pPr>
-            <a:endParaRPr lang="en-US" sz="1400" dirty="0">
-              <a:solidFill>
-                <a:schemeClr val="accent2"/>
-              </a:solidFill>
-              <a:latin typeface="Courier New" pitchFamily="49" charset="0"/>
-              <a:cs typeface="Courier New" pitchFamily="49" charset="0"/>
-            </a:endParaRPr>
-          </a:p>
-          <a:p>
-            <a:pPr marL="0" indent="0">
-              <a:buNone/>
-            </a:pPr>
-            <a:r>
-              <a:rPr lang="en-US" sz="1400" dirty="0" err="1">
-                <a:solidFill>
-                  <a:schemeClr val="accent2"/>
-                </a:solidFill>
-                <a:latin typeface="Courier New" pitchFamily="49" charset="0"/>
-                <a:cs typeface="Courier New" pitchFamily="49" charset="0"/>
-              </a:rPr>
-              <a:t>check_btn</a:t>
-            </a:r>
-            <a:r>
-              <a:rPr lang="en-US" sz="1400" dirty="0">
-                <a:solidFill>
-                  <a:schemeClr val="accent2"/>
-                </a:solidFill>
-                <a:latin typeface="Courier New" pitchFamily="49" charset="0"/>
-                <a:cs typeface="Courier New" pitchFamily="49" charset="0"/>
-              </a:rPr>
-              <a:t>:    </a:t>
-            </a:r>
-            <a:r>
-              <a:rPr lang="en-US" sz="1400" dirty="0" err="1">
-                <a:solidFill>
-                  <a:schemeClr val="accent2"/>
-                </a:solidFill>
-                <a:latin typeface="Courier New" pitchFamily="49" charset="0"/>
-                <a:cs typeface="Courier New" pitchFamily="49" charset="0"/>
-              </a:rPr>
-              <a:t>bit.b</a:t>
-            </a:r>
-            <a:r>
-              <a:rPr lang="en-US" sz="1400" dirty="0">
-                <a:solidFill>
-                  <a:schemeClr val="accent2"/>
-                </a:solidFill>
-                <a:latin typeface="Courier New" pitchFamily="49" charset="0"/>
-                <a:cs typeface="Courier New" pitchFamily="49" charset="0"/>
-              </a:rPr>
-              <a:t>  #BIT3, &amp;</a:t>
-            </a:r>
-            <a:r>
-              <a:rPr lang="en-US" sz="1400" dirty="0" smtClean="0">
-                <a:solidFill>
-                  <a:schemeClr val="accent2"/>
-                </a:solidFill>
-                <a:latin typeface="Courier New" pitchFamily="49" charset="0"/>
-                <a:cs typeface="Courier New" pitchFamily="49" charset="0"/>
-              </a:rPr>
-              <a:t>P1IN        </a:t>
-            </a:r>
-            <a:endParaRPr lang="en-US" sz="1400" dirty="0">
-              <a:solidFill>
-                <a:schemeClr val="accent2"/>
-              </a:solidFill>
-              <a:latin typeface="Courier New" pitchFamily="49" charset="0"/>
-              <a:cs typeface="Courier New" pitchFamily="49" charset="0"/>
-            </a:endParaRPr>
-          </a:p>
-          <a:p>
-            <a:pPr marL="0" indent="0">
-              <a:buNone/>
-            </a:pPr>
-            <a:r>
-              <a:rPr lang="en-US" sz="1400" dirty="0" smtClean="0">
-                <a:solidFill>
-                  <a:schemeClr val="accent2"/>
-                </a:solidFill>
-                <a:latin typeface="Courier New" pitchFamily="49" charset="0"/>
-                <a:cs typeface="Courier New" pitchFamily="49" charset="0"/>
-              </a:rPr>
-              <a:t>              </a:t>
-            </a:r>
-            <a:r>
-              <a:rPr lang="en-US" sz="1400" dirty="0" err="1" smtClean="0">
-                <a:solidFill>
-                  <a:schemeClr val="accent2"/>
-                </a:solidFill>
-                <a:latin typeface="Courier New" pitchFamily="49" charset="0"/>
-                <a:cs typeface="Courier New" pitchFamily="49" charset="0"/>
-              </a:rPr>
-              <a:t>jz</a:t>
-            </a:r>
-            <a:r>
-              <a:rPr lang="en-US" sz="1400" dirty="0" smtClean="0">
-                <a:solidFill>
-                  <a:schemeClr val="accent2"/>
-                </a:solidFill>
-                <a:latin typeface="Courier New" pitchFamily="49" charset="0"/>
-                <a:cs typeface="Courier New" pitchFamily="49" charset="0"/>
-              </a:rPr>
-              <a:t>     </a:t>
-            </a:r>
-            <a:r>
-              <a:rPr lang="en-US" sz="1400" dirty="0" err="1" smtClean="0">
-                <a:solidFill>
-                  <a:schemeClr val="accent2"/>
-                </a:solidFill>
-                <a:latin typeface="Courier New" pitchFamily="49" charset="0"/>
-                <a:cs typeface="Courier New" pitchFamily="49" charset="0"/>
-              </a:rPr>
-              <a:t>set_lights</a:t>
-            </a:r>
-            <a:endParaRPr lang="en-US" sz="1400" dirty="0">
-              <a:solidFill>
-                <a:schemeClr val="accent2"/>
-              </a:solidFill>
-              <a:latin typeface="Courier New" pitchFamily="49" charset="0"/>
-              <a:cs typeface="Courier New" pitchFamily="49" charset="0"/>
-            </a:endParaRPr>
-          </a:p>
-          <a:p>
-            <a:pPr marL="0" indent="0">
-              <a:buNone/>
-            </a:pPr>
-            <a:r>
-              <a:rPr lang="en-US" sz="1400" dirty="0" smtClean="0">
-                <a:solidFill>
-                  <a:schemeClr val="accent2"/>
-                </a:solidFill>
-                <a:latin typeface="Courier New" pitchFamily="49" charset="0"/>
-                <a:cs typeface="Courier New" pitchFamily="49" charset="0"/>
-              </a:rPr>
-              <a:t>              </a:t>
-            </a:r>
-            <a:r>
-              <a:rPr lang="en-US" sz="1400" dirty="0" err="1" smtClean="0">
-                <a:solidFill>
-                  <a:schemeClr val="accent2"/>
-                </a:solidFill>
-                <a:latin typeface="Courier New" pitchFamily="49" charset="0"/>
-                <a:cs typeface="Courier New" pitchFamily="49" charset="0"/>
-              </a:rPr>
-              <a:t>bic.b</a:t>
-            </a:r>
-            <a:r>
-              <a:rPr lang="en-US" sz="1400" dirty="0" smtClean="0">
-                <a:solidFill>
-                  <a:schemeClr val="accent2"/>
-                </a:solidFill>
-                <a:latin typeface="Courier New" pitchFamily="49" charset="0"/>
-                <a:cs typeface="Courier New" pitchFamily="49" charset="0"/>
-              </a:rPr>
-              <a:t>  </a:t>
-            </a:r>
-            <a:r>
-              <a:rPr lang="en-US" sz="1400" dirty="0">
-                <a:solidFill>
-                  <a:schemeClr val="accent2"/>
-                </a:solidFill>
-                <a:latin typeface="Courier New" pitchFamily="49" charset="0"/>
-                <a:cs typeface="Courier New" pitchFamily="49" charset="0"/>
-              </a:rPr>
-              <a:t>#BIT0|BIT6, &amp;P1OUT</a:t>
-            </a:r>
-          </a:p>
-          <a:p>
-            <a:pPr marL="0" indent="0">
-              <a:buNone/>
-            </a:pPr>
-            <a:r>
-              <a:rPr lang="en-US" sz="1400" dirty="0" smtClean="0">
-                <a:solidFill>
-                  <a:schemeClr val="accent2"/>
-                </a:solidFill>
-                <a:latin typeface="Courier New" pitchFamily="49" charset="0"/>
-                <a:cs typeface="Courier New" pitchFamily="49" charset="0"/>
-              </a:rPr>
-              <a:t>              </a:t>
-            </a:r>
-            <a:r>
-              <a:rPr lang="en-US" sz="1400" dirty="0" err="1" smtClean="0">
-                <a:solidFill>
-                  <a:schemeClr val="accent2"/>
-                </a:solidFill>
-                <a:latin typeface="Courier New" pitchFamily="49" charset="0"/>
-                <a:cs typeface="Courier New" pitchFamily="49" charset="0"/>
-              </a:rPr>
-              <a:t>jmp</a:t>
-            </a:r>
-            <a:r>
-              <a:rPr lang="en-US" sz="1400" dirty="0" smtClean="0">
-                <a:solidFill>
-                  <a:schemeClr val="accent2"/>
-                </a:solidFill>
-                <a:latin typeface="Courier New" pitchFamily="49" charset="0"/>
-                <a:cs typeface="Courier New" pitchFamily="49" charset="0"/>
-              </a:rPr>
-              <a:t>    </a:t>
-            </a:r>
-            <a:r>
-              <a:rPr lang="en-US" sz="1400" dirty="0" err="1" smtClean="0">
-                <a:solidFill>
-                  <a:schemeClr val="accent2"/>
-                </a:solidFill>
-                <a:latin typeface="Courier New" pitchFamily="49" charset="0"/>
-                <a:cs typeface="Courier New" pitchFamily="49" charset="0"/>
-              </a:rPr>
-              <a:t>check_btn</a:t>
-            </a:r>
-            <a:endParaRPr lang="en-US" sz="1400" dirty="0">
-              <a:solidFill>
-                <a:schemeClr val="accent2"/>
-              </a:solidFill>
-              <a:latin typeface="Courier New" pitchFamily="49" charset="0"/>
-              <a:cs typeface="Courier New" pitchFamily="49" charset="0"/>
-            </a:endParaRPr>
-          </a:p>
-          <a:p>
-            <a:pPr marL="0" indent="0">
-              <a:buNone/>
-            </a:pPr>
-            <a:r>
-              <a:rPr lang="en-US" sz="1400" dirty="0" err="1">
-                <a:solidFill>
-                  <a:schemeClr val="accent2"/>
-                </a:solidFill>
-                <a:latin typeface="Courier New" pitchFamily="49" charset="0"/>
-                <a:cs typeface="Courier New" pitchFamily="49" charset="0"/>
-              </a:rPr>
-              <a:t>set_lights</a:t>
-            </a:r>
-            <a:r>
-              <a:rPr lang="en-US" sz="1400" dirty="0">
-                <a:solidFill>
-                  <a:schemeClr val="accent2"/>
-                </a:solidFill>
-                <a:latin typeface="Courier New" pitchFamily="49" charset="0"/>
-                <a:cs typeface="Courier New" pitchFamily="49" charset="0"/>
-              </a:rPr>
-              <a:t>:   </a:t>
-            </a:r>
-            <a:r>
-              <a:rPr lang="en-US" sz="1400" dirty="0" err="1">
-                <a:solidFill>
-                  <a:schemeClr val="accent2"/>
-                </a:solidFill>
-                <a:latin typeface="Courier New" pitchFamily="49" charset="0"/>
-                <a:cs typeface="Courier New" pitchFamily="49" charset="0"/>
-              </a:rPr>
-              <a:t>bis.b</a:t>
-            </a:r>
-            <a:r>
-              <a:rPr lang="en-US" sz="1400" dirty="0">
-                <a:solidFill>
-                  <a:schemeClr val="accent2"/>
-                </a:solidFill>
-                <a:latin typeface="Courier New" pitchFamily="49" charset="0"/>
-                <a:cs typeface="Courier New" pitchFamily="49" charset="0"/>
-              </a:rPr>
-              <a:t>  #BIT0|BIT6, &amp;P1OUT</a:t>
-            </a:r>
-          </a:p>
-          <a:p>
-            <a:pPr marL="0" indent="0">
-              <a:buNone/>
-            </a:pPr>
-            <a:r>
-              <a:rPr lang="en-US" sz="1400" dirty="0" smtClean="0">
-                <a:solidFill>
-                  <a:schemeClr val="accent2"/>
-                </a:solidFill>
-                <a:latin typeface="Courier New" pitchFamily="49" charset="0"/>
-                <a:cs typeface="Courier New" pitchFamily="49" charset="0"/>
-              </a:rPr>
-              <a:t>              </a:t>
-            </a:r>
-            <a:r>
-              <a:rPr lang="en-US" sz="1400" dirty="0" err="1" smtClean="0">
-                <a:solidFill>
-                  <a:schemeClr val="accent2"/>
-                </a:solidFill>
-                <a:latin typeface="Courier New" pitchFamily="49" charset="0"/>
-                <a:cs typeface="Courier New" pitchFamily="49" charset="0"/>
-              </a:rPr>
-              <a:t>jmp</a:t>
-            </a:r>
-            <a:r>
-              <a:rPr lang="en-US" sz="1400" dirty="0" smtClean="0">
-                <a:solidFill>
-                  <a:schemeClr val="accent2"/>
-                </a:solidFill>
-                <a:latin typeface="Courier New" pitchFamily="49" charset="0"/>
-                <a:cs typeface="Courier New" pitchFamily="49" charset="0"/>
-              </a:rPr>
-              <a:t>    </a:t>
-            </a:r>
-            <a:r>
-              <a:rPr lang="en-US" sz="1400" dirty="0" err="1" smtClean="0">
-                <a:solidFill>
-                  <a:schemeClr val="accent2"/>
-                </a:solidFill>
-                <a:latin typeface="Courier New" pitchFamily="49" charset="0"/>
-                <a:cs typeface="Courier New" pitchFamily="49" charset="0"/>
-              </a:rPr>
-              <a:t>check_btn</a:t>
-            </a:r>
-            <a:endParaRPr lang="en-US" sz="1400" dirty="0" smtClean="0">
-              <a:solidFill>
-                <a:schemeClr val="accent2"/>
-              </a:solidFill>
-              <a:latin typeface="Courier New" pitchFamily="49" charset="0"/>
-              <a:cs typeface="Courier New" pitchFamily="49" charset="0"/>
-            </a:endParaRPr>
-          </a:p>
-        </p:txBody>
-      </p:sp>
-      <p:pic>
-        <p:nvPicPr>
-          <p:cNvPr id="4" name="Picture 3"/>
-          <p:cNvPicPr>
-            <a:picLocks noChangeAspect="1"/>
-          </p:cNvPicPr>
-          <p:nvPr/>
-        </p:nvPicPr>
-        <p:blipFill>
-          <a:blip r:embed="rId2">
-            <a:extLst>
-              <a:ext uri="{28A0092B-C50C-407E-A947-70E740481C1C}">
-                <a14:useLocalDpi xmlns:a14="http://schemas.microsoft.com/office/drawing/2010/main" val="0"/>
-              </a:ext>
-            </a:extLst>
-          </a:blip>
-          <a:stretch>
-            <a:fillRect/>
-          </a:stretch>
-        </p:blipFill>
-        <p:spPr>
-          <a:xfrm>
-            <a:off x="1385370" y="1543384"/>
-            <a:ext cx="5661206" cy="2153801"/>
-          </a:xfrm>
-          <a:prstGeom prst="rect">
-            <a:avLst/>
-          </a:prstGeom>
-        </p:spPr>
-      </p:pic>
+        </p:txBody>
+      </p:sp>
     </p:spTree>
     <p:extLst>
       <p:ext uri="{BB962C8B-B14F-4D97-AF65-F5344CB8AC3E}">
-        <p14:creationId xmlns:p14="http://schemas.microsoft.com/office/powerpoint/2010/main" val="1575778019"/>
+        <p14:creationId xmlns:p14="http://schemas.microsoft.com/office/powerpoint/2010/main" val="3769874708"/>
       </p:ext>
     </p:extLst>
   </p:cSld>
@@ -9264,7 +10466,7 @@
         <p:spPr>
           <a:xfrm>
             <a:off x="4256910" y="4340993"/>
-            <a:ext cx="4521330" cy="1938992"/>
+            <a:ext cx="4521330" cy="1569660"/>
           </a:xfrm>
           <a:prstGeom prst="rect">
             <a:avLst/>
@@ -9279,7 +10481,11 @@
           <a:p>
             <a:r>
               <a:rPr lang="en-US" dirty="0" smtClean="0"/>
-              <a:t>In order to be useful, micro controllers need to be able to talk with sensors and other processors/hardware to be truly useful</a:t>
+              <a:t>In order to be useful, micro controllers need to be able to talk with sensors and other </a:t>
+            </a:r>
+            <a:r>
+              <a:rPr lang="en-US" dirty="0" smtClean="0"/>
+              <a:t>processors/hardware</a:t>
             </a:r>
             <a:endParaRPr lang="en-US" dirty="0"/>
           </a:p>
@@ -9553,116 +10759,6 @@
           <a:chExt cx="0" cy="0"/>
         </a:xfrm>
       </p:grpSpPr>
-      <p:sp>
-        <p:nvSpPr>
-          <p:cNvPr id="2" name="Title 1"/>
-          <p:cNvSpPr>
-            <a:spLocks noGrp="1"/>
-          </p:cNvSpPr>
-          <p:nvPr>
-            <p:ph type="title"/>
-          </p:nvPr>
-        </p:nvSpPr>
-        <p:spPr/>
-        <p:txBody>
-          <a:bodyPr/>
-          <a:lstStyle/>
-          <a:p>
-            <a:r>
-              <a:rPr lang="en-US" b="1" dirty="0" smtClean="0"/>
-              <a:t>Ports</a:t>
-            </a:r>
-            <a:endParaRPr lang="en-US" dirty="0"/>
-          </a:p>
-        </p:txBody>
-      </p:sp>
-      <p:sp>
-        <p:nvSpPr>
-          <p:cNvPr id="3" name="Content Placeholder 2"/>
-          <p:cNvSpPr>
-            <a:spLocks noGrp="1"/>
-          </p:cNvSpPr>
-          <p:nvPr>
-            <p:ph idx="1"/>
-          </p:nvPr>
-        </p:nvSpPr>
-        <p:spPr>
-          <a:xfrm>
-            <a:off x="376038" y="1505425"/>
-            <a:ext cx="8493642" cy="4724400"/>
-          </a:xfrm>
-        </p:spPr>
-        <p:txBody>
-          <a:bodyPr/>
-          <a:lstStyle/>
-          <a:p>
-            <a:r>
-              <a:rPr lang="en-US" sz="2000" dirty="0" smtClean="0">
-                <a:solidFill>
-                  <a:schemeClr val="accent2"/>
-                </a:solidFill>
-              </a:rPr>
-              <a:t>What are Ports?</a:t>
-            </a:r>
-          </a:p>
-          <a:p>
-            <a:r>
-              <a:rPr lang="en-US" sz="2000" dirty="0" smtClean="0">
-                <a:solidFill>
-                  <a:schemeClr val="accent2"/>
-                </a:solidFill>
-              </a:rPr>
-              <a:t> Your </a:t>
-            </a:r>
-            <a:r>
-              <a:rPr lang="en-US" sz="2000" dirty="0" err="1" smtClean="0">
-                <a:solidFill>
-                  <a:schemeClr val="accent2"/>
-                </a:solidFill>
-              </a:rPr>
-              <a:t>LaunchPad</a:t>
-            </a:r>
-            <a:r>
-              <a:rPr lang="en-US" sz="2000" dirty="0" smtClean="0">
-                <a:solidFill>
-                  <a:schemeClr val="accent2"/>
-                </a:solidFill>
-              </a:rPr>
-              <a:t> Board has…</a:t>
-            </a:r>
-          </a:p>
-          <a:p>
-            <a:pPr lvl="1"/>
-            <a:r>
-              <a:rPr lang="en-US" sz="2000" dirty="0" smtClean="0"/>
-              <a:t>Port 1, Pin 0 to Pin 7</a:t>
-            </a:r>
-          </a:p>
-          <a:p>
-            <a:pPr lvl="1"/>
-            <a:r>
-              <a:rPr lang="en-US" sz="2000" dirty="0"/>
-              <a:t>Port </a:t>
-            </a:r>
-            <a:r>
-              <a:rPr lang="en-US" sz="2000" dirty="0" smtClean="0"/>
-              <a:t>2, </a:t>
-            </a:r>
-            <a:r>
-              <a:rPr lang="en-US" sz="2000" dirty="0"/>
-              <a:t>Pin 0 to Pin </a:t>
-            </a:r>
-            <a:r>
-              <a:rPr lang="en-US" sz="2000" dirty="0" smtClean="0"/>
-              <a:t>5        </a:t>
-            </a:r>
-            <a:endParaRPr lang="en-US" sz="2000" dirty="0"/>
-          </a:p>
-          <a:p>
-            <a:endParaRPr lang="en-US" sz="2000" dirty="0"/>
-          </a:p>
-        </p:txBody>
-      </p:sp>
       <p:pic>
         <p:nvPicPr>
           <p:cNvPr id="4" name="Picture 3"/>
@@ -9688,13 +10784,123 @@
       </p:pic>
       <p:sp>
         <p:nvSpPr>
+          <p:cNvPr id="2" name="Title 1"/>
+          <p:cNvSpPr>
+            <a:spLocks noGrp="1"/>
+          </p:cNvSpPr>
+          <p:nvPr>
+            <p:ph type="title"/>
+          </p:nvPr>
+        </p:nvSpPr>
+        <p:spPr/>
+        <p:txBody>
+          <a:bodyPr/>
+          <a:lstStyle/>
+          <a:p>
+            <a:r>
+              <a:rPr lang="en-US" b="1" dirty="0" smtClean="0"/>
+              <a:t>Ports (like with ships)</a:t>
+            </a:r>
+            <a:endParaRPr lang="en-US" dirty="0"/>
+          </a:p>
+        </p:txBody>
+      </p:sp>
+      <p:sp>
+        <p:nvSpPr>
+          <p:cNvPr id="3" name="Content Placeholder 2"/>
+          <p:cNvSpPr>
+            <a:spLocks noGrp="1"/>
+          </p:cNvSpPr>
+          <p:nvPr>
+            <p:ph idx="1"/>
+          </p:nvPr>
+        </p:nvSpPr>
+        <p:spPr>
+          <a:xfrm>
+            <a:off x="376038" y="1505425"/>
+            <a:ext cx="8493642" cy="4724400"/>
+          </a:xfrm>
+        </p:spPr>
+        <p:txBody>
+          <a:bodyPr/>
+          <a:lstStyle/>
+          <a:p>
+            <a:r>
+              <a:rPr lang="en-US" sz="2000" dirty="0" smtClean="0">
+                <a:solidFill>
+                  <a:schemeClr val="accent2"/>
+                </a:solidFill>
+              </a:rPr>
+              <a:t>What are Ports?</a:t>
+            </a:r>
+          </a:p>
+          <a:p>
+            <a:r>
+              <a:rPr lang="en-US" sz="2000" dirty="0" smtClean="0">
+                <a:solidFill>
+                  <a:schemeClr val="accent2"/>
+                </a:solidFill>
+              </a:rPr>
+              <a:t> Your </a:t>
+            </a:r>
+            <a:r>
+              <a:rPr lang="en-US" sz="2000" dirty="0" err="1" smtClean="0">
+                <a:solidFill>
+                  <a:schemeClr val="accent2"/>
+                </a:solidFill>
+              </a:rPr>
+              <a:t>LaunchPad</a:t>
+            </a:r>
+            <a:r>
+              <a:rPr lang="en-US" sz="2000" dirty="0" smtClean="0">
+                <a:solidFill>
+                  <a:schemeClr val="accent2"/>
+                </a:solidFill>
+              </a:rPr>
+              <a:t> Board has…</a:t>
+            </a:r>
+          </a:p>
+          <a:p>
+            <a:pPr lvl="1"/>
+            <a:r>
+              <a:rPr lang="en-US" sz="2000" dirty="0" smtClean="0"/>
+              <a:t>Port 1, Pin 0 to Pin 7</a:t>
+            </a:r>
+          </a:p>
+          <a:p>
+            <a:pPr lvl="1"/>
+            <a:r>
+              <a:rPr lang="en-US" sz="2000" dirty="0"/>
+              <a:t>Port </a:t>
+            </a:r>
+            <a:r>
+              <a:rPr lang="en-US" sz="2000" dirty="0" smtClean="0"/>
+              <a:t>2, </a:t>
+            </a:r>
+            <a:r>
+              <a:rPr lang="en-US" sz="2000" dirty="0"/>
+              <a:t>Pin 0 to Pin </a:t>
+            </a:r>
+            <a:r>
+              <a:rPr lang="en-US" sz="2000" dirty="0" smtClean="0"/>
+              <a:t>5        </a:t>
+            </a:r>
+            <a:endParaRPr lang="en-US" sz="2000" dirty="0"/>
+          </a:p>
+          <a:p>
+            <a:endParaRPr lang="en-US" sz="2000" dirty="0"/>
+          </a:p>
+        </p:txBody>
+      </p:sp>
+      <p:sp>
+        <p:nvSpPr>
           <p:cNvPr id="8" name="Rectangle 7"/>
           <p:cNvSpPr/>
           <p:nvPr/>
         </p:nvSpPr>
         <p:spPr bwMode="auto">
           <a:xfrm>
-            <a:off x="8305275" y="2260755"/>
+            <a:off x="8171277" y="1582974"/>
             <a:ext cx="874986" cy="650610"/>
           </a:xfrm>
           <a:prstGeom prst="rect">
@@ -9810,7 +11016,7 @@
         </p:nvSpPr>
         <p:spPr bwMode="auto">
           <a:xfrm>
-            <a:off x="6574546" y="1570641"/>
+            <a:off x="5419685" y="1570641"/>
             <a:ext cx="1305910" cy="650610"/>
           </a:xfrm>
           <a:prstGeom prst="rect">
@@ -9933,74 +11139,6 @@
           <a:effectLst/>
         </p:spPr>
       </p:cxnSp>
-      <p:sp>
-        <p:nvSpPr>
-          <p:cNvPr id="9" name="Left-Right Arrow 8"/>
-          <p:cNvSpPr/>
-          <p:nvPr/>
-        </p:nvSpPr>
-        <p:spPr bwMode="auto">
-          <a:xfrm>
-            <a:off x="5370912" y="4103209"/>
-            <a:ext cx="2096814" cy="1111469"/>
-          </a:xfrm>
-          <a:prstGeom prst="leftRightArrow">
-            <a:avLst/>
-          </a:prstGeom>
-          <a:solidFill>
-            <a:schemeClr val="accent1">
-              <a:lumMod val="75000"/>
-            </a:schemeClr>
-          </a:solidFill>
-          <a:ln w="12700" cap="flat" cmpd="sng" algn="ctr">
-            <a:solidFill>
-              <a:schemeClr val="tx1"/>
-            </a:solidFill>
-            <a:prstDash val="solid"/>
-            <a:round/>
-            <a:headEnd type="none" w="med" len="med"/>
-            <a:tailEnd type="none" w="med" len="med"/>
-          </a:ln>
-          <a:effectLst/>
-        </p:spPr>
-        <p:txBody>
-          <a:bodyPr vert="horz" wrap="square" lIns="91440" tIns="45720" rIns="91440" bIns="45720" numCol="1" rtlCol="0" anchor="t" anchorCtr="0" compatLnSpc="1">
-            <a:prstTxWarp prst="textNoShape">
-              <a:avLst/>
-            </a:prstTxWarp>
-          </a:bodyPr>
-          <a:lstStyle/>
-          <a:p>
-            <a:pPr algn="ctr" eaLnBrk="0" hangingPunct="0">
-              <a:spcBef>
-                <a:spcPct val="0"/>
-              </a:spcBef>
-            </a:pPr>
-            <a:r>
-              <a:rPr lang="en-US" sz="1600">
-                <a:latin typeface="Arial" charset="0"/>
-              </a:rPr>
-              <a:t>Goods</a:t>
-            </a:r>
-          </a:p>
-          <a:p>
-            <a:pPr algn="ctr" eaLnBrk="0" hangingPunct="0">
-              <a:spcBef>
-                <a:spcPct val="0"/>
-              </a:spcBef>
-            </a:pPr>
-            <a:r>
-              <a:rPr lang="en-US" sz="1600">
-                <a:latin typeface="Arial" charset="0"/>
-              </a:rPr>
-              <a:t>(Data)</a:t>
-            </a:r>
-            <a:endParaRPr lang="en-US" sz="1600" dirty="0">
-              <a:latin typeface="Arial" charset="0"/>
-            </a:endParaRPr>
-          </a:p>
-        </p:txBody>
-      </p:sp>
       <p:pic>
         <p:nvPicPr>
           <p:cNvPr id="1026" name="Picture 2" descr="MSP430G2553 Pinout"/>
@@ -10024,8 +11162,8 @@
         </p:blipFill>
         <p:spPr bwMode="auto">
           <a:xfrm>
-            <a:off x="199455" y="3089470"/>
-            <a:ext cx="8846808" cy="3219364"/>
+            <a:off x="93426" y="3401357"/>
+            <a:ext cx="5547505" cy="2828468"/>
           </a:xfrm>
           <a:prstGeom prst="rect">
             <a:avLst/>
@@ -10042,6 +11180,74 @@
           </a:extLst>
         </p:spPr>
       </p:pic>
+      <p:sp>
+        <p:nvSpPr>
+          <p:cNvPr id="9" name="Left-Right Arrow 8"/>
+          <p:cNvSpPr/>
+          <p:nvPr/>
+        </p:nvSpPr>
+        <p:spPr bwMode="auto">
+          <a:xfrm>
+            <a:off x="5317709" y="4778174"/>
+            <a:ext cx="2096814" cy="1111469"/>
+          </a:xfrm>
+          <a:prstGeom prst="leftRightArrow">
+            <a:avLst/>
+          </a:prstGeom>
+          <a:solidFill>
+            <a:schemeClr val="accent1">
+              <a:lumMod val="75000"/>
+            </a:schemeClr>
+          </a:solidFill>
+          <a:ln w="12700" cap="flat" cmpd="sng" algn="ctr">
+            <a:solidFill>
+              <a:schemeClr val="tx1"/>
+            </a:solidFill>
+            <a:prstDash val="solid"/>
+            <a:round/>
+            <a:headEnd type="none" w="med" len="med"/>
+            <a:tailEnd type="none" w="med" len="med"/>
+          </a:ln>
+          <a:effectLst/>
+        </p:spPr>
+        <p:txBody>
+          <a:bodyPr vert="horz" wrap="square" lIns="91440" tIns="45720" rIns="91440" bIns="45720" numCol="1" rtlCol="0" anchor="t" anchorCtr="0" compatLnSpc="1">
+            <a:prstTxWarp prst="textNoShape">
+              <a:avLst/>
+            </a:prstTxWarp>
+          </a:bodyPr>
+          <a:lstStyle/>
+          <a:p>
+            <a:pPr algn="ctr" eaLnBrk="0" hangingPunct="0">
+              <a:spcBef>
+                <a:spcPct val="0"/>
+              </a:spcBef>
+            </a:pPr>
+            <a:r>
+              <a:rPr lang="en-US" sz="1600">
+                <a:latin typeface="Arial" charset="0"/>
+              </a:rPr>
+              <a:t>Goods</a:t>
+            </a:r>
+          </a:p>
+          <a:p>
+            <a:pPr algn="ctr" eaLnBrk="0" hangingPunct="0">
+              <a:spcBef>
+                <a:spcPct val="0"/>
+              </a:spcBef>
+            </a:pPr>
+            <a:r>
+              <a:rPr lang="en-US" sz="1600">
+                <a:latin typeface="Arial" charset="0"/>
+              </a:rPr>
+              <a:t>(Data)</a:t>
+            </a:r>
+            <a:endParaRPr lang="en-US" sz="1600" dirty="0">
+              <a:latin typeface="Arial" charset="0"/>
+            </a:endParaRPr>
+          </a:p>
+        </p:txBody>
+      </p:sp>
     </p:spTree>
     <p:extLst>
       <p:ext uri="{BB962C8B-B14F-4D97-AF65-F5344CB8AC3E}">

--- a/source/lessons/lsn13/Lsn13.pptx
+++ b/source/lessons/lsn13/Lsn13.pptx
@@ -1388,7 +1388,7 @@
           <a:p>
             <a:fld id="{834513E8-165F-4932-9E2D-FD497CB9A4FD}" type="datetimeFigureOut">
               <a:rPr lang="en-US" smtClean="0"/>
-              <a:t>7/16/2018</a:t>
+              <a:t>7/23/2018</a:t>
             </a:fld>
             <a:endParaRPr lang="en-US"/>
           </a:p>
@@ -1483,7 +1483,7 @@
           <a:p>
             <a:fld id="{834513E8-165F-4932-9E2D-FD497CB9A4FD}" type="datetimeFigureOut">
               <a:rPr lang="en-US" smtClean="0"/>
-              <a:t>7/16/2018</a:t>
+              <a:t>7/23/2018</a:t>
             </a:fld>
             <a:endParaRPr lang="en-US"/>
           </a:p>
@@ -1760,7 +1760,7 @@
           <a:p>
             <a:fld id="{834513E8-165F-4932-9E2D-FD497CB9A4FD}" type="datetimeFigureOut">
               <a:rPr lang="en-US" smtClean="0"/>
-              <a:t>7/16/2018</a:t>
+              <a:t>7/23/2018</a:t>
             </a:fld>
             <a:endParaRPr lang="en-US"/>
           </a:p>
@@ -2013,7 +2013,7 @@
           <a:p>
             <a:fld id="{834513E8-165F-4932-9E2D-FD497CB9A4FD}" type="datetimeFigureOut">
               <a:rPr lang="en-US" smtClean="0"/>
-              <a:t>7/16/2018</a:t>
+              <a:t>7/23/2018</a:t>
             </a:fld>
             <a:endParaRPr lang="en-US"/>
           </a:p>
@@ -2183,7 +2183,7 @@
           <a:p>
             <a:fld id="{834513E8-165F-4932-9E2D-FD497CB9A4FD}" type="datetimeFigureOut">
               <a:rPr lang="en-US" smtClean="0"/>
-              <a:t>7/16/2018</a:t>
+              <a:t>7/23/2018</a:t>
             </a:fld>
             <a:endParaRPr lang="en-US"/>
           </a:p>
@@ -2363,7 +2363,7 @@
           <a:p>
             <a:fld id="{834513E8-165F-4932-9E2D-FD497CB9A4FD}" type="datetimeFigureOut">
               <a:rPr lang="en-US" smtClean="0"/>
-              <a:t>7/16/2018</a:t>
+              <a:t>7/23/2018</a:t>
             </a:fld>
             <a:endParaRPr lang="en-US"/>
           </a:p>
@@ -3183,7 +3183,7 @@
           <a:p>
             <a:fld id="{834513E8-165F-4932-9E2D-FD497CB9A4FD}" type="datetimeFigureOut">
               <a:rPr lang="en-US" smtClean="0"/>
-              <a:t>7/16/2018</a:t>
+              <a:t>7/23/2018</a:t>
             </a:fld>
             <a:endParaRPr lang="en-US"/>
           </a:p>
@@ -3353,7 +3353,7 @@
           <a:p>
             <a:fld id="{834513E8-165F-4932-9E2D-FD497CB9A4FD}" type="datetimeFigureOut">
               <a:rPr lang="en-US" smtClean="0"/>
-              <a:t>7/16/2018</a:t>
+              <a:t>7/23/2018</a:t>
             </a:fld>
             <a:endParaRPr lang="en-US"/>
           </a:p>
@@ -3599,7 +3599,7 @@
           <a:p>
             <a:fld id="{834513E8-165F-4932-9E2D-FD497CB9A4FD}" type="datetimeFigureOut">
               <a:rPr lang="en-US" smtClean="0"/>
-              <a:t>7/16/2018</a:t>
+              <a:t>7/23/2018</a:t>
             </a:fld>
             <a:endParaRPr lang="en-US"/>
           </a:p>
@@ -3831,7 +3831,7 @@
           <a:p>
             <a:fld id="{834513E8-165F-4932-9E2D-FD497CB9A4FD}" type="datetimeFigureOut">
               <a:rPr lang="en-US" smtClean="0"/>
-              <a:t>7/16/2018</a:t>
+              <a:t>7/23/2018</a:t>
             </a:fld>
             <a:endParaRPr lang="en-US"/>
           </a:p>
@@ -4198,7 +4198,7 @@
           <a:p>
             <a:fld id="{834513E8-165F-4932-9E2D-FD497CB9A4FD}" type="datetimeFigureOut">
               <a:rPr lang="en-US" smtClean="0"/>
-              <a:t>7/16/2018</a:t>
+              <a:t>7/23/2018</a:t>
             </a:fld>
             <a:endParaRPr lang="en-US"/>
           </a:p>
@@ -6015,7 +6015,7 @@
           <a:p>
             <a:fld id="{834513E8-165F-4932-9E2D-FD497CB9A4FD}" type="datetimeFigureOut">
               <a:rPr lang="en-US" smtClean="0"/>
-              <a:t>7/16/2018</a:t>
+              <a:t>7/23/2018</a:t>
             </a:fld>
             <a:endParaRPr lang="en-US"/>
           </a:p>
@@ -7564,6 +7564,84 @@
           </a:p>
         </p:txBody>
       </p:sp>
+      <p:sp>
+        <p:nvSpPr>
+          <p:cNvPr id="4" name="Right Arrow 3"/>
+          <p:cNvSpPr/>
+          <p:nvPr/>
+        </p:nvSpPr>
+        <p:spPr bwMode="auto">
+          <a:xfrm>
+            <a:off x="386255" y="4335517"/>
+            <a:ext cx="2538248" cy="748862"/>
+          </a:xfrm>
+          <a:prstGeom prst="rightArrow">
+            <a:avLst/>
+          </a:prstGeom>
+          <a:solidFill>
+            <a:srgbClr val="0C2D83"/>
+          </a:solidFill>
+          <a:ln w="12700" cap="flat" cmpd="sng" algn="ctr">
+            <a:solidFill>
+              <a:schemeClr val="tx1"/>
+            </a:solidFill>
+            <a:prstDash val="solid"/>
+            <a:round/>
+            <a:headEnd type="none" w="med" len="med"/>
+            <a:tailEnd type="none" w="med" len="med"/>
+          </a:ln>
+          <a:effectLst/>
+        </p:spPr>
+        <p:txBody>
+          <a:bodyPr vert="horz" wrap="square" lIns="91440" tIns="45720" rIns="91440" bIns="45720" numCol="1" rtlCol="0" anchor="t" anchorCtr="0" compatLnSpc="1">
+            <a:prstTxWarp prst="textNoShape">
+              <a:avLst/>
+            </a:prstTxWarp>
+          </a:bodyPr>
+          <a:lstStyle/>
+          <a:p>
+            <a:pPr marL="0" marR="0" indent="0" algn="ctr" defTabSz="914400" rtl="0" eaLnBrk="0" fontAlgn="base" latinLnBrk="0" hangingPunct="0">
+              <a:lnSpc>
+                <a:spcPct val="100000"/>
+              </a:lnSpc>
+              <a:spcBef>
+                <a:spcPct val="0"/>
+              </a:spcBef>
+              <a:spcAft>
+                <a:spcPct val="0"/>
+              </a:spcAft>
+              <a:buClrTx/>
+              <a:buSzTx/>
+              <a:buFontTx/>
+              <a:buNone/>
+              <a:tabLst/>
+            </a:pPr>
+            <a:r>
+              <a:rPr kumimoji="0" lang="en-US" sz="1600" b="0" i="0" u="none" strike="noStrike" cap="none" normalizeH="0" baseline="0" dirty="0" smtClean="0">
+                <a:ln>
+                  <a:noFill/>
+                </a:ln>
+                <a:solidFill>
+                  <a:schemeClr val="bg1"/>
+                </a:solidFill>
+                <a:effectLst/>
+                <a:latin typeface="Arial" charset="0"/>
+              </a:rPr>
+              <a:t>Invalid Logic Levels</a:t>
+            </a:r>
+            <a:endParaRPr kumimoji="0" lang="en-US" sz="1600" b="0" i="0" u="none" strike="noStrike" cap="none" normalizeH="0" baseline="0" dirty="0" smtClean="0">
+              <a:ln>
+                <a:noFill/>
+              </a:ln>
+              <a:solidFill>
+                <a:schemeClr val="bg1"/>
+              </a:solidFill>
+              <a:effectLst/>
+              <a:latin typeface="Arial" charset="0"/>
+            </a:endParaRPr>
+          </a:p>
+        </p:txBody>
+      </p:sp>
     </p:spTree>
     <p:extLst>
       <p:ext uri="{BB962C8B-B14F-4D97-AF65-F5344CB8AC3E}">
@@ -7905,17 +7983,7 @@
                 <a:latin typeface="Courier New" pitchFamily="49" charset="0"/>
                 <a:cs typeface="Courier New" pitchFamily="49" charset="0"/>
               </a:rPr>
-              <a:t>       ; </a:t>
-            </a:r>
-            <a:r>
-              <a:rPr lang="en-US" sz="1400" dirty="0" smtClean="0">
-                <a:solidFill>
-                  <a:srgbClr val="00B050"/>
-                </a:solidFill>
-                <a:latin typeface="Courier New" pitchFamily="49" charset="0"/>
-                <a:cs typeface="Courier New" pitchFamily="49" charset="0"/>
-              </a:rPr>
-              <a:t>what is on pin 3? Input or output?</a:t>
+              <a:t>       ; what is on pin 3? Input or output?</a:t>
             </a:r>
             <a:endParaRPr lang="en-US" sz="1400" dirty="0">
               <a:solidFill>
@@ -8059,17 +8127,7 @@
                 <a:latin typeface="Courier New" pitchFamily="49" charset="0"/>
                 <a:cs typeface="Courier New" pitchFamily="49" charset="0"/>
               </a:rPr>
-              <a:t>; </a:t>
-            </a:r>
-            <a:r>
-              <a:rPr lang="en-US" sz="1400" dirty="0" smtClean="0">
-                <a:solidFill>
-                  <a:srgbClr val="00B050"/>
-                </a:solidFill>
-                <a:latin typeface="Courier New" pitchFamily="49" charset="0"/>
-                <a:cs typeface="Courier New" pitchFamily="49" charset="0"/>
-              </a:rPr>
-              <a:t>pull-up or pull-down?</a:t>
+              <a:t>; pull-up or pull-down?</a:t>
             </a:r>
             <a:endParaRPr lang="en-US" sz="1400" dirty="0">
               <a:solidFill>
@@ -8592,16 +8650,6 @@
               </a:rPr>
               <a:t>Time permitting, let’s run this on your processor</a:t>
             </a:r>
-            <a:endParaRPr kumimoji="0" lang="en-US" sz="1600" b="0" i="0" u="none" strike="noStrike" cap="none" normalizeH="0" baseline="0" dirty="0" smtClean="0">
-              <a:ln>
-                <a:noFill/>
-              </a:ln>
-              <a:solidFill>
-                <a:schemeClr val="bg1"/>
-              </a:solidFill>
-              <a:effectLst/>
-              <a:latin typeface="Arial" charset="0"/>
-            </a:endParaRPr>
           </a:p>
         </p:txBody>
       </p:sp>
@@ -10481,11 +10529,7 @@
           <a:p>
             <a:r>
               <a:rPr lang="en-US" dirty="0" smtClean="0"/>
-              <a:t>In order to be useful, micro controllers need to be able to talk with sensors and other </a:t>
-            </a:r>
-            <a:r>
-              <a:rPr lang="en-US" dirty="0" smtClean="0"/>
-              <a:t>processors/hardware</a:t>
+              <a:t>In order to be useful, micro controllers need to be able to talk with sensors and other processors/hardware</a:t>
             </a:r>
             <a:endParaRPr lang="en-US" dirty="0"/>
           </a:p>

--- a/source/lessons/lsn13/Lsn13.pptx
+++ b/source/lessons/lsn13/Lsn13.pptx
@@ -7,10 +7,10 @@
     <p:sldMasterId id="2147483667" r:id="rId3"/>
   </p:sldMasterIdLst>
   <p:notesMasterIdLst>
-    <p:notesMasterId r:id="rId19"/>
+    <p:notesMasterId r:id="rId21"/>
   </p:notesMasterIdLst>
   <p:handoutMasterIdLst>
-    <p:handoutMasterId r:id="rId20"/>
+    <p:handoutMasterId r:id="rId22"/>
   </p:handoutMasterIdLst>
   <p:sldIdLst>
     <p:sldId id="352" r:id="rId4"/>
@@ -20,14 +20,16 @@
     <p:sldId id="365" r:id="rId8"/>
     <p:sldId id="366" r:id="rId9"/>
     <p:sldId id="358" r:id="rId10"/>
-    <p:sldId id="362" r:id="rId11"/>
-    <p:sldId id="359" r:id="rId12"/>
-    <p:sldId id="369" r:id="rId13"/>
-    <p:sldId id="364" r:id="rId14"/>
-    <p:sldId id="363" r:id="rId15"/>
-    <p:sldId id="367" r:id="rId16"/>
-    <p:sldId id="353" r:id="rId17"/>
-    <p:sldId id="370" r:id="rId18"/>
+    <p:sldId id="371" r:id="rId11"/>
+    <p:sldId id="362" r:id="rId12"/>
+    <p:sldId id="359" r:id="rId13"/>
+    <p:sldId id="369" r:id="rId14"/>
+    <p:sldId id="364" r:id="rId15"/>
+    <p:sldId id="372" r:id="rId16"/>
+    <p:sldId id="363" r:id="rId17"/>
+    <p:sldId id="367" r:id="rId18"/>
+    <p:sldId id="353" r:id="rId19"/>
+    <p:sldId id="370" r:id="rId20"/>
   </p:sldIdLst>
   <p:sldSz cx="9144000" cy="6858000" type="screen4x3"/>
   <p:notesSz cx="7010400" cy="9296400"/>
@@ -1388,7 +1390,7 @@
           <a:p>
             <a:fld id="{834513E8-165F-4932-9E2D-FD497CB9A4FD}" type="datetimeFigureOut">
               <a:rPr lang="en-US" smtClean="0"/>
-              <a:t>7/23/2018</a:t>
+              <a:t>8/14/2018</a:t>
             </a:fld>
             <a:endParaRPr lang="en-US"/>
           </a:p>
@@ -1483,7 +1485,7 @@
           <a:p>
             <a:fld id="{834513E8-165F-4932-9E2D-FD497CB9A4FD}" type="datetimeFigureOut">
               <a:rPr lang="en-US" smtClean="0"/>
-              <a:t>7/23/2018</a:t>
+              <a:t>8/14/2018</a:t>
             </a:fld>
             <a:endParaRPr lang="en-US"/>
           </a:p>
@@ -1760,7 +1762,7 @@
           <a:p>
             <a:fld id="{834513E8-165F-4932-9E2D-FD497CB9A4FD}" type="datetimeFigureOut">
               <a:rPr lang="en-US" smtClean="0"/>
-              <a:t>7/23/2018</a:t>
+              <a:t>8/14/2018</a:t>
             </a:fld>
             <a:endParaRPr lang="en-US"/>
           </a:p>
@@ -2013,7 +2015,7 @@
           <a:p>
             <a:fld id="{834513E8-165F-4932-9E2D-FD497CB9A4FD}" type="datetimeFigureOut">
               <a:rPr lang="en-US" smtClean="0"/>
-              <a:t>7/23/2018</a:t>
+              <a:t>8/14/2018</a:t>
             </a:fld>
             <a:endParaRPr lang="en-US"/>
           </a:p>
@@ -2183,7 +2185,7 @@
           <a:p>
             <a:fld id="{834513E8-165F-4932-9E2D-FD497CB9A4FD}" type="datetimeFigureOut">
               <a:rPr lang="en-US" smtClean="0"/>
-              <a:t>7/23/2018</a:t>
+              <a:t>8/14/2018</a:t>
             </a:fld>
             <a:endParaRPr lang="en-US"/>
           </a:p>
@@ -2363,7 +2365,7 @@
           <a:p>
             <a:fld id="{834513E8-165F-4932-9E2D-FD497CB9A4FD}" type="datetimeFigureOut">
               <a:rPr lang="en-US" smtClean="0"/>
-              <a:t>7/23/2018</a:t>
+              <a:t>8/14/2018</a:t>
             </a:fld>
             <a:endParaRPr lang="en-US"/>
           </a:p>
@@ -3183,7 +3185,7 @@
           <a:p>
             <a:fld id="{834513E8-165F-4932-9E2D-FD497CB9A4FD}" type="datetimeFigureOut">
               <a:rPr lang="en-US" smtClean="0"/>
-              <a:t>7/23/2018</a:t>
+              <a:t>8/14/2018</a:t>
             </a:fld>
             <a:endParaRPr lang="en-US"/>
           </a:p>
@@ -3353,7 +3355,7 @@
           <a:p>
             <a:fld id="{834513E8-165F-4932-9E2D-FD497CB9A4FD}" type="datetimeFigureOut">
               <a:rPr lang="en-US" smtClean="0"/>
-              <a:t>7/23/2018</a:t>
+              <a:t>8/14/2018</a:t>
             </a:fld>
             <a:endParaRPr lang="en-US"/>
           </a:p>
@@ -3599,7 +3601,7 @@
           <a:p>
             <a:fld id="{834513E8-165F-4932-9E2D-FD497CB9A4FD}" type="datetimeFigureOut">
               <a:rPr lang="en-US" smtClean="0"/>
-              <a:t>7/23/2018</a:t>
+              <a:t>8/14/2018</a:t>
             </a:fld>
             <a:endParaRPr lang="en-US"/>
           </a:p>
@@ -3831,7 +3833,7 @@
           <a:p>
             <a:fld id="{834513E8-165F-4932-9E2D-FD497CB9A4FD}" type="datetimeFigureOut">
               <a:rPr lang="en-US" smtClean="0"/>
-              <a:t>7/23/2018</a:t>
+              <a:t>8/14/2018</a:t>
             </a:fld>
             <a:endParaRPr lang="en-US"/>
           </a:p>
@@ -4198,7 +4200,7 @@
           <a:p>
             <a:fld id="{834513E8-165F-4932-9E2D-FD497CB9A4FD}" type="datetimeFigureOut">
               <a:rPr lang="en-US" smtClean="0"/>
-              <a:t>7/23/2018</a:t>
+              <a:t>8/14/2018</a:t>
             </a:fld>
             <a:endParaRPr lang="en-US"/>
           </a:p>
@@ -6015,7 +6017,7 @@
           <a:p>
             <a:fld id="{834513E8-165F-4932-9E2D-FD497CB9A4FD}" type="datetimeFigureOut">
               <a:rPr lang="en-US" smtClean="0"/>
-              <a:t>7/23/2018</a:t>
+              <a:t>8/14/2018</a:t>
             </a:fld>
             <a:endParaRPr lang="en-US"/>
           </a:p>
@@ -7049,6 +7051,711 @@
           <a:lstStyle/>
           <a:p>
             <a:r>
+              <a:rPr lang="en-US" b="1" dirty="0" smtClean="0"/>
+              <a:t>GPIO Pin Setup (</a:t>
+            </a:r>
+            <a:r>
+              <a:rPr lang="en-US" b="1" dirty="0" err="1" smtClean="0"/>
+              <a:t>MUXes</a:t>
+            </a:r>
+            <a:r>
+              <a:rPr lang="en-US" b="1" dirty="0" smtClean="0"/>
+              <a:t>!)</a:t>
+            </a:r>
+            <a:endParaRPr lang="en-US" dirty="0"/>
+          </a:p>
+        </p:txBody>
+      </p:sp>
+      <p:pic>
+        <p:nvPicPr>
+          <p:cNvPr id="3074" name="Picture 2" descr="P1.0-2 Multiplexing Control Bits / Signals"/>
+          <p:cNvPicPr>
+            <a:picLocks noChangeAspect="1" noChangeArrowheads="1"/>
+          </p:cNvPicPr>
+          <p:nvPr/>
+        </p:nvPicPr>
+        <p:blipFill>
+          <a:blip r:embed="rId2">
+            <a:extLst>
+              <a:ext uri="{28A0092B-C50C-407E-A947-70E740481C1C}">
+                <a14:useLocalDpi xmlns:a14="http://schemas.microsoft.com/office/drawing/2010/main" val="0"/>
+              </a:ext>
+            </a:extLst>
+          </a:blip>
+          <a:srcRect/>
+          <a:stretch>
+            <a:fillRect/>
+          </a:stretch>
+        </p:blipFill>
+        <p:spPr bwMode="auto">
+          <a:xfrm>
+            <a:off x="1813031" y="1516975"/>
+            <a:ext cx="6046077" cy="4340555"/>
+          </a:xfrm>
+          <a:prstGeom prst="rect">
+            <a:avLst/>
+          </a:prstGeom>
+          <a:noFill/>
+          <a:extLst>
+            <a:ext uri="{909E8E84-426E-40DD-AFC4-6F175D3DCCD1}">
+              <a14:hiddenFill xmlns:a14="http://schemas.microsoft.com/office/drawing/2010/main">
+                <a:solidFill>
+                  <a:srgbClr val="FFFFFF"/>
+                </a:solidFill>
+              </a14:hiddenFill>
+            </a:ext>
+          </a:extLst>
+        </p:spPr>
+      </p:pic>
+      <p:sp>
+        <p:nvSpPr>
+          <p:cNvPr id="6" name="TextBox 5"/>
+          <p:cNvSpPr txBox="1"/>
+          <p:nvPr/>
+        </p:nvSpPr>
+        <p:spPr>
+          <a:xfrm>
+            <a:off x="7898525" y="1566594"/>
+            <a:ext cx="740908" cy="461665"/>
+          </a:xfrm>
+          <a:prstGeom prst="rect">
+            <a:avLst/>
+          </a:prstGeom>
+          <a:noFill/>
+        </p:spPr>
+        <p:txBody>
+          <a:bodyPr wrap="none" rtlCol="0">
+            <a:spAutoFit/>
+          </a:bodyPr>
+          <a:lstStyle/>
+          <a:p>
+            <a:r>
+              <a:rPr lang="en-US" dirty="0" smtClean="0"/>
+              <a:t>P1.</a:t>
+            </a:r>
+            <a:r>
+              <a:rPr lang="en-US" dirty="0" smtClean="0">
+                <a:solidFill>
+                  <a:srgbClr val="00B050"/>
+                </a:solidFill>
+              </a:rPr>
+              <a:t>x</a:t>
+            </a:r>
+            <a:endParaRPr lang="en-US" dirty="0">
+              <a:solidFill>
+                <a:srgbClr val="00B050"/>
+              </a:solidFill>
+            </a:endParaRPr>
+          </a:p>
+        </p:txBody>
+      </p:sp>
+      <p:sp>
+        <p:nvSpPr>
+          <p:cNvPr id="7" name="Right Arrow 6"/>
+          <p:cNvSpPr/>
+          <p:nvPr/>
+        </p:nvSpPr>
+        <p:spPr bwMode="auto">
+          <a:xfrm rot="16200000">
+            <a:off x="7684003" y="2288653"/>
+            <a:ext cx="1446071" cy="925283"/>
+          </a:xfrm>
+          <a:prstGeom prst="rightArrow">
+            <a:avLst/>
+          </a:prstGeom>
+          <a:solidFill>
+            <a:srgbClr val="00B050"/>
+          </a:solidFill>
+          <a:ln w="12700" cap="flat" cmpd="sng" algn="ctr">
+            <a:solidFill>
+              <a:srgbClr val="92D050"/>
+            </a:solidFill>
+            <a:prstDash val="solid"/>
+            <a:round/>
+            <a:headEnd type="none" w="med" len="med"/>
+            <a:tailEnd type="none" w="med" len="med"/>
+          </a:ln>
+          <a:effectLst/>
+        </p:spPr>
+        <p:txBody>
+          <a:bodyPr vert="horz" wrap="square" lIns="91440" tIns="45720" rIns="91440" bIns="45720" numCol="1" rtlCol="0" anchor="ctr" anchorCtr="0" compatLnSpc="1">
+            <a:prstTxWarp prst="textNoShape">
+              <a:avLst/>
+            </a:prstTxWarp>
+          </a:bodyPr>
+          <a:lstStyle/>
+          <a:p>
+            <a:pPr marL="0" marR="0" indent="0" algn="ctr" defTabSz="914400" rtl="0" eaLnBrk="0" fontAlgn="base" latinLnBrk="0" hangingPunct="0">
+              <a:lnSpc>
+                <a:spcPct val="100000"/>
+              </a:lnSpc>
+              <a:spcBef>
+                <a:spcPct val="0"/>
+              </a:spcBef>
+              <a:spcAft>
+                <a:spcPct val="0"/>
+              </a:spcAft>
+              <a:buClrTx/>
+              <a:buSzTx/>
+              <a:buFontTx/>
+              <a:buNone/>
+              <a:tabLst/>
+            </a:pPr>
+            <a:r>
+              <a:rPr kumimoji="0" lang="en-US" sz="1600" b="1" i="0" u="none" strike="noStrike" cap="none" normalizeH="0" baseline="0" dirty="0" smtClean="0">
+                <a:ln>
+                  <a:noFill/>
+                </a:ln>
+                <a:solidFill>
+                  <a:schemeClr val="bg1"/>
+                </a:solidFill>
+                <a:effectLst/>
+                <a:latin typeface="Arial" charset="0"/>
+              </a:rPr>
+              <a:t>Pin 0-7</a:t>
+            </a:r>
+          </a:p>
+        </p:txBody>
+      </p:sp>
+      <p:sp>
+        <p:nvSpPr>
+          <p:cNvPr id="8" name="TextBox 7"/>
+          <p:cNvSpPr txBox="1"/>
+          <p:nvPr/>
+        </p:nvSpPr>
+        <p:spPr>
+          <a:xfrm>
+            <a:off x="8070021" y="3949794"/>
+            <a:ext cx="1040670" cy="461665"/>
+          </a:xfrm>
+          <a:prstGeom prst="rect">
+            <a:avLst/>
+          </a:prstGeom>
+          <a:noFill/>
+        </p:spPr>
+        <p:txBody>
+          <a:bodyPr wrap="none" rtlCol="0">
+            <a:spAutoFit/>
+          </a:bodyPr>
+          <a:lstStyle/>
+          <a:p>
+            <a:r>
+              <a:rPr lang="en-US" dirty="0" err="1" smtClean="0"/>
+              <a:t>P</a:t>
+            </a:r>
+            <a:r>
+              <a:rPr lang="en-US" dirty="0" err="1" smtClean="0">
+                <a:solidFill>
+                  <a:srgbClr val="FF0000"/>
+                </a:solidFill>
+              </a:rPr>
+              <a:t>x</a:t>
+            </a:r>
+            <a:r>
+              <a:rPr lang="en-US" dirty="0" err="1" smtClean="0"/>
+              <a:t>DIR</a:t>
+            </a:r>
+            <a:endParaRPr lang="en-US" dirty="0"/>
+          </a:p>
+        </p:txBody>
+      </p:sp>
+      <p:sp>
+        <p:nvSpPr>
+          <p:cNvPr id="9" name="Right Arrow 8"/>
+          <p:cNvSpPr/>
+          <p:nvPr/>
+        </p:nvSpPr>
+        <p:spPr bwMode="auto">
+          <a:xfrm rot="16200000">
+            <a:off x="7638131" y="4671853"/>
+            <a:ext cx="1446071" cy="925283"/>
+          </a:xfrm>
+          <a:prstGeom prst="rightArrow">
+            <a:avLst/>
+          </a:prstGeom>
+          <a:solidFill>
+            <a:srgbClr val="FF0000"/>
+          </a:solidFill>
+          <a:ln w="12700" cap="flat" cmpd="sng" algn="ctr">
+            <a:solidFill>
+              <a:srgbClr val="C00000"/>
+            </a:solidFill>
+            <a:prstDash val="solid"/>
+            <a:round/>
+            <a:headEnd type="none" w="med" len="med"/>
+            <a:tailEnd type="none" w="med" len="med"/>
+          </a:ln>
+          <a:effectLst/>
+        </p:spPr>
+        <p:txBody>
+          <a:bodyPr vert="horz" wrap="square" lIns="91440" tIns="45720" rIns="91440" bIns="45720" numCol="1" rtlCol="0" anchor="ctr" anchorCtr="0" compatLnSpc="1">
+            <a:prstTxWarp prst="textNoShape">
+              <a:avLst/>
+            </a:prstTxWarp>
+          </a:bodyPr>
+          <a:lstStyle/>
+          <a:p>
+            <a:pPr marL="0" marR="0" indent="0" algn="ctr" defTabSz="914400" rtl="0" eaLnBrk="0" fontAlgn="base" latinLnBrk="0" hangingPunct="0">
+              <a:lnSpc>
+                <a:spcPct val="100000"/>
+              </a:lnSpc>
+              <a:spcBef>
+                <a:spcPct val="0"/>
+              </a:spcBef>
+              <a:spcAft>
+                <a:spcPct val="0"/>
+              </a:spcAft>
+              <a:buClrTx/>
+              <a:buSzTx/>
+              <a:buFontTx/>
+              <a:buNone/>
+              <a:tabLst/>
+            </a:pPr>
+            <a:r>
+              <a:rPr kumimoji="0" lang="en-US" sz="1600" b="1" i="0" u="none" strike="noStrike" cap="none" normalizeH="0" baseline="0" dirty="0" smtClean="0">
+                <a:ln>
+                  <a:noFill/>
+                </a:ln>
+                <a:solidFill>
+                  <a:schemeClr val="bg1"/>
+                </a:solidFill>
+                <a:effectLst/>
+                <a:latin typeface="Arial" charset="0"/>
+              </a:rPr>
+              <a:t>Port 1 or 2</a:t>
+            </a:r>
+          </a:p>
+        </p:txBody>
+      </p:sp>
+      <p:sp>
+        <p:nvSpPr>
+          <p:cNvPr id="3" name="Rectangle 2"/>
+          <p:cNvSpPr/>
+          <p:nvPr/>
+        </p:nvSpPr>
+        <p:spPr bwMode="auto">
+          <a:xfrm>
+            <a:off x="1765736" y="3626069"/>
+            <a:ext cx="6156434" cy="228600"/>
+          </a:xfrm>
+          <a:prstGeom prst="rect">
+            <a:avLst/>
+          </a:prstGeom>
+          <a:noFill/>
+          <a:ln w="12700" cap="flat" cmpd="sng" algn="ctr">
+            <a:solidFill>
+              <a:srgbClr val="FF0000"/>
+            </a:solidFill>
+            <a:prstDash val="solid"/>
+            <a:round/>
+            <a:headEnd type="none" w="med" len="med"/>
+            <a:tailEnd type="none" w="med" len="med"/>
+          </a:ln>
+          <a:effectLst/>
+        </p:spPr>
+        <p:txBody>
+          <a:bodyPr vert="horz" wrap="square" lIns="91440" tIns="45720" rIns="91440" bIns="45720" numCol="1" rtlCol="0" anchor="t" anchorCtr="0" compatLnSpc="1">
+            <a:prstTxWarp prst="textNoShape">
+              <a:avLst/>
+            </a:prstTxWarp>
+          </a:bodyPr>
+          <a:lstStyle/>
+          <a:p>
+            <a:pPr marL="0" marR="0" indent="0" algn="ctr" defTabSz="914400" rtl="0" eaLnBrk="0" fontAlgn="base" latinLnBrk="0" hangingPunct="0">
+              <a:lnSpc>
+                <a:spcPct val="100000"/>
+              </a:lnSpc>
+              <a:spcBef>
+                <a:spcPct val="0"/>
+              </a:spcBef>
+              <a:spcAft>
+                <a:spcPct val="0"/>
+              </a:spcAft>
+              <a:buClrTx/>
+              <a:buSzTx/>
+              <a:buFontTx/>
+              <a:buNone/>
+              <a:tabLst/>
+            </a:pPr>
+            <a:endParaRPr kumimoji="0" lang="en-US" sz="1600" b="0" i="0" u="none" strike="noStrike" cap="none" normalizeH="0" baseline="0" smtClean="0">
+              <a:ln>
+                <a:noFill/>
+              </a:ln>
+              <a:solidFill>
+                <a:schemeClr val="tx1"/>
+              </a:solidFill>
+              <a:effectLst/>
+              <a:latin typeface="Arial" charset="0"/>
+            </a:endParaRPr>
+          </a:p>
+        </p:txBody>
+      </p:sp>
+      <p:sp>
+        <p:nvSpPr>
+          <p:cNvPr id="4" name="Rectangle 3"/>
+          <p:cNvSpPr/>
+          <p:nvPr/>
+        </p:nvSpPr>
+        <p:spPr>
+          <a:xfrm>
+            <a:off x="3091492" y="5656363"/>
+            <a:ext cx="4572000" cy="646331"/>
+          </a:xfrm>
+          <a:prstGeom prst="rect">
+            <a:avLst/>
+          </a:prstGeom>
+        </p:spPr>
+        <p:txBody>
+          <a:bodyPr>
+            <a:spAutoFit/>
+          </a:bodyPr>
+          <a:lstStyle/>
+          <a:p>
+            <a:pPr marL="0" indent="0">
+              <a:buNone/>
+            </a:pPr>
+            <a:r>
+              <a:rPr lang="en-US" sz="1800" dirty="0" err="1" smtClean="0">
+                <a:solidFill>
+                  <a:schemeClr val="accent2"/>
+                </a:solidFill>
+                <a:latin typeface="Courier New" pitchFamily="49" charset="0"/>
+                <a:cs typeface="Courier New" pitchFamily="49" charset="0"/>
+              </a:rPr>
+              <a:t>bis.b</a:t>
+            </a:r>
+            <a:r>
+              <a:rPr lang="en-US" sz="1800" dirty="0" smtClean="0">
+                <a:solidFill>
+                  <a:schemeClr val="accent2"/>
+                </a:solidFill>
+                <a:latin typeface="Courier New" pitchFamily="49" charset="0"/>
+                <a:cs typeface="Courier New" pitchFamily="49" charset="0"/>
+              </a:rPr>
+              <a:t>  </a:t>
+            </a:r>
+            <a:r>
+              <a:rPr lang="en-US" sz="1800" dirty="0">
+                <a:solidFill>
+                  <a:schemeClr val="accent2"/>
+                </a:solidFill>
+                <a:latin typeface="Courier New" pitchFamily="49" charset="0"/>
+                <a:cs typeface="Courier New" pitchFamily="49" charset="0"/>
+              </a:rPr>
+              <a:t>#</a:t>
+            </a:r>
+            <a:r>
+              <a:rPr lang="en-US" sz="1800" dirty="0" smtClean="0">
+                <a:solidFill>
+                  <a:schemeClr val="accent2"/>
+                </a:solidFill>
+                <a:latin typeface="Courier New" pitchFamily="49" charset="0"/>
+                <a:cs typeface="Courier New" pitchFamily="49" charset="0"/>
+              </a:rPr>
+              <a:t>BIT1, </a:t>
+            </a:r>
+            <a:r>
+              <a:rPr lang="en-US" sz="1800" dirty="0">
+                <a:solidFill>
+                  <a:schemeClr val="accent2"/>
+                </a:solidFill>
+                <a:latin typeface="Courier New" pitchFamily="49" charset="0"/>
+                <a:cs typeface="Courier New" pitchFamily="49" charset="0"/>
+              </a:rPr>
+              <a:t>&amp;</a:t>
+            </a:r>
+            <a:r>
+              <a:rPr lang="en-US" sz="1800" dirty="0" smtClean="0">
+                <a:solidFill>
+                  <a:schemeClr val="accent2"/>
+                </a:solidFill>
+                <a:latin typeface="Courier New" pitchFamily="49" charset="0"/>
+                <a:cs typeface="Courier New" pitchFamily="49" charset="0"/>
+              </a:rPr>
+              <a:t>P1SEL</a:t>
+            </a:r>
+            <a:r>
+              <a:rPr lang="en-US" sz="1800" dirty="0" smtClean="0">
+                <a:solidFill>
+                  <a:srgbClr val="00B050"/>
+                </a:solidFill>
+                <a:latin typeface="Courier New" pitchFamily="49" charset="0"/>
+                <a:cs typeface="Courier New" pitchFamily="49" charset="0"/>
+              </a:rPr>
+              <a:t>        </a:t>
+            </a:r>
+            <a:r>
+              <a:rPr lang="en-US" sz="1800" dirty="0" err="1" smtClean="0">
+                <a:solidFill>
+                  <a:schemeClr val="accent2"/>
+                </a:solidFill>
+                <a:latin typeface="Courier New" pitchFamily="49" charset="0"/>
+                <a:cs typeface="Courier New" pitchFamily="49" charset="0"/>
+              </a:rPr>
+              <a:t>bis.b</a:t>
+            </a:r>
+            <a:r>
+              <a:rPr lang="en-US" sz="1800" dirty="0" smtClean="0">
+                <a:solidFill>
+                  <a:schemeClr val="accent2"/>
+                </a:solidFill>
+                <a:latin typeface="Courier New" pitchFamily="49" charset="0"/>
+                <a:cs typeface="Courier New" pitchFamily="49" charset="0"/>
+              </a:rPr>
+              <a:t>  #BIT1, &amp;P1SEL2 </a:t>
+            </a:r>
+            <a:endParaRPr lang="en-US" sz="1800" dirty="0"/>
+          </a:p>
+        </p:txBody>
+      </p:sp>
+      <p:sp>
+        <p:nvSpPr>
+          <p:cNvPr id="5" name="Oval 4"/>
+          <p:cNvSpPr/>
+          <p:nvPr/>
+        </p:nvSpPr>
+        <p:spPr bwMode="auto">
+          <a:xfrm>
+            <a:off x="2498832" y="3537479"/>
+            <a:ext cx="346842" cy="299545"/>
+          </a:xfrm>
+          <a:prstGeom prst="ellipse">
+            <a:avLst/>
+          </a:prstGeom>
+          <a:noFill/>
+          <a:ln w="12700" cap="flat" cmpd="sng" algn="ctr">
+            <a:solidFill>
+              <a:srgbClr val="7030A0"/>
+            </a:solidFill>
+            <a:prstDash val="solid"/>
+            <a:round/>
+            <a:headEnd type="none" w="med" len="med"/>
+            <a:tailEnd type="none" w="med" len="med"/>
+          </a:ln>
+          <a:effectLst/>
+        </p:spPr>
+        <p:txBody>
+          <a:bodyPr vert="horz" wrap="square" lIns="91440" tIns="45720" rIns="91440" bIns="45720" numCol="1" rtlCol="0" anchor="t" anchorCtr="0" compatLnSpc="1">
+            <a:prstTxWarp prst="textNoShape">
+              <a:avLst/>
+            </a:prstTxWarp>
+          </a:bodyPr>
+          <a:lstStyle/>
+          <a:p>
+            <a:pPr marL="0" marR="0" indent="0" algn="ctr" defTabSz="914400" rtl="0" eaLnBrk="0" fontAlgn="base" latinLnBrk="0" hangingPunct="0">
+              <a:lnSpc>
+                <a:spcPct val="100000"/>
+              </a:lnSpc>
+              <a:spcBef>
+                <a:spcPct val="0"/>
+              </a:spcBef>
+              <a:spcAft>
+                <a:spcPct val="0"/>
+              </a:spcAft>
+              <a:buClrTx/>
+              <a:buSzTx/>
+              <a:buFontTx/>
+              <a:buNone/>
+              <a:tabLst/>
+            </a:pPr>
+            <a:endParaRPr kumimoji="0" lang="en-US" sz="1600" b="0" i="0" u="none" strike="noStrike" cap="none" normalizeH="0" baseline="0" smtClean="0">
+              <a:ln>
+                <a:noFill/>
+              </a:ln>
+              <a:solidFill>
+                <a:schemeClr val="tx1"/>
+              </a:solidFill>
+              <a:effectLst/>
+              <a:latin typeface="Arial" charset="0"/>
+            </a:endParaRPr>
+          </a:p>
+        </p:txBody>
+      </p:sp>
+      <p:sp>
+        <p:nvSpPr>
+          <p:cNvPr id="10" name="Rectangle 9"/>
+          <p:cNvSpPr/>
+          <p:nvPr/>
+        </p:nvSpPr>
+        <p:spPr bwMode="auto">
+          <a:xfrm>
+            <a:off x="4048508" y="5542616"/>
+            <a:ext cx="957044" cy="877563"/>
+          </a:xfrm>
+          <a:prstGeom prst="rect">
+            <a:avLst/>
+          </a:prstGeom>
+          <a:noFill/>
+          <a:ln w="12700" cap="flat" cmpd="sng" algn="ctr">
+            <a:solidFill>
+              <a:srgbClr val="7030A0"/>
+            </a:solidFill>
+            <a:prstDash val="solid"/>
+            <a:round/>
+            <a:headEnd type="none" w="med" len="med"/>
+            <a:tailEnd type="none" w="med" len="med"/>
+          </a:ln>
+          <a:effectLst/>
+        </p:spPr>
+        <p:txBody>
+          <a:bodyPr vert="horz" wrap="square" lIns="91440" tIns="45720" rIns="91440" bIns="45720" numCol="1" rtlCol="0" anchor="t" anchorCtr="0" compatLnSpc="1">
+            <a:prstTxWarp prst="textNoShape">
+              <a:avLst/>
+            </a:prstTxWarp>
+          </a:bodyPr>
+          <a:lstStyle/>
+          <a:p>
+            <a:pPr marL="0" marR="0" indent="0" algn="ctr" defTabSz="914400" rtl="0" eaLnBrk="0" fontAlgn="base" latinLnBrk="0" hangingPunct="0">
+              <a:lnSpc>
+                <a:spcPct val="100000"/>
+              </a:lnSpc>
+              <a:spcBef>
+                <a:spcPct val="0"/>
+              </a:spcBef>
+              <a:spcAft>
+                <a:spcPct val="0"/>
+              </a:spcAft>
+              <a:buClrTx/>
+              <a:buSzTx/>
+              <a:buFontTx/>
+              <a:buNone/>
+              <a:tabLst/>
+            </a:pPr>
+            <a:endParaRPr kumimoji="0" lang="en-US" sz="1600" b="0" i="0" u="none" strike="noStrike" cap="none" normalizeH="0" baseline="0" smtClean="0">
+              <a:ln>
+                <a:noFill/>
+              </a:ln>
+              <a:solidFill>
+                <a:schemeClr val="tx1"/>
+              </a:solidFill>
+              <a:effectLst/>
+              <a:latin typeface="Arial" charset="0"/>
+            </a:endParaRPr>
+          </a:p>
+        </p:txBody>
+      </p:sp>
+      <p:cxnSp>
+        <p:nvCxnSpPr>
+          <p:cNvPr id="12" name="Straight Arrow Connector 11"/>
+          <p:cNvCxnSpPr>
+            <a:stCxn id="5" idx="5"/>
+          </p:cNvCxnSpPr>
+          <p:nvPr/>
+        </p:nvCxnSpPr>
+        <p:spPr bwMode="auto">
+          <a:xfrm>
+            <a:off x="2794880" y="3793157"/>
+            <a:ext cx="1816532" cy="1772071"/>
+          </a:xfrm>
+          <a:prstGeom prst="straightConnector1">
+            <a:avLst/>
+          </a:prstGeom>
+          <a:solidFill>
+            <a:srgbClr val="0C2D83"/>
+          </a:solidFill>
+          <a:ln w="12700" cap="flat" cmpd="sng" algn="ctr">
+            <a:solidFill>
+              <a:srgbClr val="7030A0"/>
+            </a:solidFill>
+            <a:prstDash val="solid"/>
+            <a:round/>
+            <a:headEnd type="none" w="med" len="med"/>
+            <a:tailEnd type="triangle"/>
+          </a:ln>
+          <a:effectLst/>
+        </p:spPr>
+      </p:cxnSp>
+      <p:sp>
+        <p:nvSpPr>
+          <p:cNvPr id="13" name="TextBox 12"/>
+          <p:cNvSpPr txBox="1"/>
+          <p:nvPr/>
+        </p:nvSpPr>
+        <p:spPr>
+          <a:xfrm>
+            <a:off x="97106" y="3257296"/>
+            <a:ext cx="1625985" cy="923330"/>
+          </a:xfrm>
+          <a:prstGeom prst="rect">
+            <a:avLst/>
+          </a:prstGeom>
+          <a:noFill/>
+        </p:spPr>
+        <p:txBody>
+          <a:bodyPr wrap="square" rtlCol="0">
+            <a:spAutoFit/>
+          </a:bodyPr>
+          <a:lstStyle/>
+          <a:p>
+            <a:r>
+              <a:rPr lang="en-US" sz="1800" dirty="0" smtClean="0">
+                <a:solidFill>
+                  <a:srgbClr val="FF0000"/>
+                </a:solidFill>
+              </a:rPr>
+              <a:t>Let’s setup UCA0SOMI on port 1, pin 1</a:t>
+            </a:r>
+            <a:endParaRPr lang="en-US" sz="1800" dirty="0">
+              <a:solidFill>
+                <a:srgbClr val="FF0000"/>
+              </a:solidFill>
+            </a:endParaRPr>
+          </a:p>
+        </p:txBody>
+      </p:sp>
+    </p:spTree>
+    <p:extLst>
+      <p:ext uri="{BB962C8B-B14F-4D97-AF65-F5344CB8AC3E}">
+        <p14:creationId xmlns:p14="http://schemas.microsoft.com/office/powerpoint/2010/main" val="143891520"/>
+      </p:ext>
+    </p:extLst>
+  </p:cSld>
+  <p:clrMapOvr>
+    <a:masterClrMapping/>
+  </p:clrMapOvr>
+  <p:timing>
+    <p:tnLst>
+      <p:par>
+        <p:cTn id="1" dur="indefinite" restart="never" nodeType="tmRoot"/>
+      </p:par>
+    </p:tnLst>
+  </p:timing>
+</p:sld>
+</file>
+
+<file path=ppt/slides/slide11.xml><?xml version="1.0" encoding="utf-8"?>
+<p:sld xmlns:a="http://schemas.openxmlformats.org/drawingml/2006/main" xmlns:r="http://schemas.openxmlformats.org/officeDocument/2006/relationships" xmlns:p="http://schemas.openxmlformats.org/presentationml/2006/main">
+  <p:cSld>
+    <p:spTree>
+      <p:nvGrpSpPr>
+        <p:cNvPr id="1" name=""/>
+        <p:cNvGrpSpPr/>
+        <p:nvPr/>
+      </p:nvGrpSpPr>
+      <p:grpSpPr>
+        <a:xfrm>
+          <a:off x="0" y="0"/>
+          <a:ext cx="0" cy="0"/>
+          <a:chOff x="0" y="0"/>
+          <a:chExt cx="0" cy="0"/>
+        </a:xfrm>
+      </p:grpSpPr>
+      <p:sp>
+        <p:nvSpPr>
+          <p:cNvPr id="2" name="Title 1"/>
+          <p:cNvSpPr>
+            <a:spLocks noGrp="1"/>
+          </p:cNvSpPr>
+          <p:nvPr>
+            <p:ph type="title"/>
+          </p:nvPr>
+        </p:nvSpPr>
+        <p:spPr/>
+        <p:txBody>
+          <a:bodyPr/>
+          <a:lstStyle/>
+          <a:p>
+            <a:r>
               <a:rPr lang="en-US" dirty="0" smtClean="0"/>
               <a:t>Avoiding Floating Inputs</a:t>
             </a:r>
@@ -7119,7 +7826,19 @@
               <a:rPr lang="en-US" dirty="0" smtClean="0">
                 <a:sym typeface="Wingdings" panose="05000000000000000000" pitchFamily="2" charset="2"/>
               </a:rPr>
-              <a:t>You may not want to your </a:t>
+              <a:t>You may not </a:t>
+            </a:r>
+            <a:r>
+              <a:rPr lang="en-US" dirty="0" smtClean="0">
+                <a:sym typeface="Wingdings" panose="05000000000000000000" pitchFamily="2" charset="2"/>
+              </a:rPr>
+              <a:t>want </a:t>
+            </a:r>
+            <a:r>
+              <a:rPr lang="en-US" dirty="0" smtClean="0">
+                <a:sym typeface="Wingdings" panose="05000000000000000000" pitchFamily="2" charset="2"/>
+              </a:rPr>
+              <a:t>your </a:t>
             </a:r>
             <a:r>
               <a:rPr lang="en-US" dirty="0" err="1" smtClean="0">
@@ -7248,6 +7967,84 @@
           </a:p>
         </p:txBody>
       </p:sp>
+      <p:sp>
+        <p:nvSpPr>
+          <p:cNvPr id="7" name="Left Arrow 6"/>
+          <p:cNvSpPr/>
+          <p:nvPr/>
+        </p:nvSpPr>
+        <p:spPr bwMode="auto">
+          <a:xfrm>
+            <a:off x="6220051" y="5034516"/>
+            <a:ext cx="2382757" cy="579475"/>
+          </a:xfrm>
+          <a:prstGeom prst="leftArrow">
+            <a:avLst/>
+          </a:prstGeom>
+          <a:solidFill>
+            <a:srgbClr val="00B050"/>
+          </a:solidFill>
+          <a:ln w="12700" cap="flat" cmpd="sng" algn="ctr">
+            <a:solidFill>
+              <a:schemeClr val="tx1"/>
+            </a:solidFill>
+            <a:prstDash val="solid"/>
+            <a:round/>
+            <a:headEnd type="none" w="med" len="med"/>
+            <a:tailEnd type="none" w="med" len="med"/>
+          </a:ln>
+          <a:effectLst/>
+        </p:spPr>
+        <p:txBody>
+          <a:bodyPr vert="horz" wrap="square" lIns="91440" tIns="45720" rIns="91440" bIns="45720" numCol="1" rtlCol="0" anchor="t" anchorCtr="0" compatLnSpc="1">
+            <a:prstTxWarp prst="textNoShape">
+              <a:avLst/>
+            </a:prstTxWarp>
+          </a:bodyPr>
+          <a:lstStyle/>
+          <a:p>
+            <a:pPr marL="0" marR="0" indent="0" algn="ctr" defTabSz="914400" rtl="0" eaLnBrk="0" fontAlgn="base" latinLnBrk="0" hangingPunct="0">
+              <a:lnSpc>
+                <a:spcPct val="100000"/>
+              </a:lnSpc>
+              <a:spcBef>
+                <a:spcPct val="0"/>
+              </a:spcBef>
+              <a:spcAft>
+                <a:spcPct val="0"/>
+              </a:spcAft>
+              <a:buClrTx/>
+              <a:buSzTx/>
+              <a:buFontTx/>
+              <a:buNone/>
+              <a:tabLst/>
+            </a:pPr>
+            <a:r>
+              <a:rPr kumimoji="0" lang="en-US" sz="1400" b="0" i="0" u="none" strike="noStrike" cap="none" normalizeH="0" baseline="0" dirty="0" smtClean="0">
+                <a:ln>
+                  <a:noFill/>
+                </a:ln>
+                <a:solidFill>
+                  <a:schemeClr val="tx1"/>
+                </a:solidFill>
+                <a:effectLst/>
+                <a:latin typeface="Arial" charset="0"/>
+              </a:rPr>
+              <a:t>Why do I need a resistor?</a:t>
+            </a:r>
+            <a:endParaRPr kumimoji="0" lang="en-US" sz="1400" b="0" i="0" u="none" strike="noStrike" cap="none" normalizeH="0" baseline="0" dirty="0" smtClean="0">
+              <a:ln>
+                <a:noFill/>
+              </a:ln>
+              <a:solidFill>
+                <a:schemeClr val="tx1"/>
+              </a:solidFill>
+              <a:effectLst/>
+              <a:latin typeface="Arial" charset="0"/>
+            </a:endParaRPr>
+          </a:p>
+        </p:txBody>
+      </p:sp>
     </p:spTree>
     <p:extLst>
       <p:ext uri="{BB962C8B-B14F-4D97-AF65-F5344CB8AC3E}">
@@ -7268,7 +8065,7 @@
 </p:sld>
 </file>
 
-<file path=ppt/slides/slide11.xml><?xml version="1.0" encoding="utf-8"?>
+<file path=ppt/slides/slide12.xml><?xml version="1.0" encoding="utf-8"?>
 <p:sld xmlns:a="http://schemas.openxmlformats.org/drawingml/2006/main" xmlns:r="http://schemas.openxmlformats.org/officeDocument/2006/relationships" xmlns:p="http://schemas.openxmlformats.org/presentationml/2006/main">
   <p:cSld>
     <p:spTree>
@@ -7308,7 +8105,7 @@
         </p:blipFill>
         <p:spPr bwMode="auto">
           <a:xfrm>
-            <a:off x="1483409" y="2463919"/>
+            <a:off x="1494291" y="2463919"/>
             <a:ext cx="6486525" cy="3581400"/>
           </a:xfrm>
           <a:prstGeom prst="rect">
@@ -7505,7 +8302,7 @@
         </p:nvSpPr>
         <p:spPr>
           <a:xfrm>
-            <a:off x="2394943" y="1780123"/>
+            <a:off x="2405825" y="1780123"/>
             <a:ext cx="4663456" cy="461665"/>
           </a:xfrm>
           <a:prstGeom prst="rect">
@@ -7572,7 +8369,7 @@
         </p:nvSpPr>
         <p:spPr bwMode="auto">
           <a:xfrm>
-            <a:off x="386255" y="4335517"/>
+            <a:off x="625738" y="4332678"/>
             <a:ext cx="2538248" cy="748862"/>
           </a:xfrm>
           <a:prstGeom prst="rightArrow">
@@ -7629,16 +8426,6 @@
               </a:rPr>
               <a:t>Invalid Logic Levels</a:t>
             </a:r>
-            <a:endParaRPr kumimoji="0" lang="en-US" sz="1600" b="0" i="0" u="none" strike="noStrike" cap="none" normalizeH="0" baseline="0" dirty="0" smtClean="0">
-              <a:ln>
-                <a:noFill/>
-              </a:ln>
-              <a:solidFill>
-                <a:schemeClr val="bg1"/>
-              </a:solidFill>
-              <a:effectLst/>
-              <a:latin typeface="Arial" charset="0"/>
-            </a:endParaRPr>
           </a:p>
         </p:txBody>
       </p:sp>
@@ -7662,7 +8449,544 @@
 </p:sld>
 </file>
 
-<file path=ppt/slides/slide12.xml><?xml version="1.0" encoding="utf-8"?>
+<file path=ppt/slides/slide13.xml><?xml version="1.0" encoding="utf-8"?>
+<p:sld xmlns:a="http://schemas.openxmlformats.org/drawingml/2006/main" xmlns:r="http://schemas.openxmlformats.org/officeDocument/2006/relationships" xmlns:p="http://schemas.openxmlformats.org/presentationml/2006/main">
+  <p:cSld>
+    <p:spTree>
+      <p:nvGrpSpPr>
+        <p:cNvPr id="1" name=""/>
+        <p:cNvGrpSpPr/>
+        <p:nvPr/>
+      </p:nvGrpSpPr>
+      <p:grpSpPr>
+        <a:xfrm>
+          <a:off x="0" y="0"/>
+          <a:ext cx="0" cy="0"/>
+          <a:chOff x="0" y="0"/>
+          <a:chExt cx="0" cy="0"/>
+        </a:xfrm>
+      </p:grpSpPr>
+      <p:sp>
+        <p:nvSpPr>
+          <p:cNvPr id="2" name="Title 1"/>
+          <p:cNvSpPr>
+            <a:spLocks noGrp="1"/>
+          </p:cNvSpPr>
+          <p:nvPr>
+            <p:ph type="title"/>
+          </p:nvPr>
+        </p:nvSpPr>
+        <p:spPr/>
+        <p:txBody>
+          <a:bodyPr/>
+          <a:lstStyle/>
+          <a:p>
+            <a:r>
+              <a:rPr lang="en-US" dirty="0" smtClean="0"/>
+              <a:t>Floating Inputs</a:t>
+            </a:r>
+            <a:endParaRPr lang="en-US" dirty="0"/>
+          </a:p>
+        </p:txBody>
+      </p:sp>
+      <p:sp>
+        <p:nvSpPr>
+          <p:cNvPr id="3" name="Content Placeholder 2"/>
+          <p:cNvSpPr>
+            <a:spLocks noGrp="1"/>
+          </p:cNvSpPr>
+          <p:nvPr>
+            <p:ph idx="1"/>
+          </p:nvPr>
+        </p:nvSpPr>
+        <p:spPr/>
+        <p:txBody>
+          <a:bodyPr/>
+          <a:lstStyle/>
+          <a:p>
+            <a:r>
+              <a:rPr lang="en-US" b="0" dirty="0" smtClean="0"/>
+              <a:t>If a floating input could be any value (valid or invalid), is this bad?</a:t>
+            </a:r>
+          </a:p>
+          <a:p>
+            <a:endParaRPr lang="en-US" b="0" dirty="0" smtClean="0"/>
+          </a:p>
+          <a:p>
+            <a:r>
+              <a:rPr lang="en-US" dirty="0" smtClean="0">
+                <a:solidFill>
+                  <a:srgbClr val="FF0000"/>
+                </a:solidFill>
+              </a:rPr>
+              <a:t>YES!</a:t>
+            </a:r>
+          </a:p>
+          <a:p>
+            <a:pPr lvl="1"/>
+            <a:r>
+              <a:rPr lang="en-US" b="0" dirty="0" smtClean="0"/>
+              <a:t>Image the input is tied to a pilot’s ejection seat</a:t>
+            </a:r>
+          </a:p>
+          <a:p>
+            <a:pPr lvl="1"/>
+            <a:r>
+              <a:rPr lang="en-US" b="0" dirty="0" smtClean="0"/>
+              <a:t>Image the </a:t>
+            </a:r>
+            <a:r>
+              <a:rPr lang="en-US" b="0" dirty="0" err="1" smtClean="0"/>
+              <a:t>uC</a:t>
+            </a:r>
+            <a:r>
+              <a:rPr lang="en-US" b="0" dirty="0" smtClean="0"/>
+              <a:t> “sees” for 1 </a:t>
+            </a:r>
+            <a:r>
+              <a:rPr lang="en-US" b="0" dirty="0" err="1" smtClean="0"/>
+              <a:t>usec</a:t>
+            </a:r>
+            <a:r>
+              <a:rPr lang="en-US" b="0" dirty="0" smtClean="0"/>
+              <a:t> a valid, fire the ejection seat</a:t>
+            </a:r>
+          </a:p>
+          <a:p>
+            <a:pPr lvl="1"/>
+            <a:r>
+              <a:rPr lang="en-US" b="0" dirty="0" smtClean="0"/>
+              <a:t>Image another </a:t>
+            </a:r>
+            <a:r>
+              <a:rPr lang="en-US" b="0" dirty="0" err="1" smtClean="0"/>
+              <a:t>uC</a:t>
+            </a:r>
+            <a:r>
+              <a:rPr lang="en-US" b="0" dirty="0" smtClean="0"/>
+              <a:t> does NOT “see” a valid eject canopy</a:t>
+            </a:r>
+          </a:p>
+          <a:p>
+            <a:pPr lvl="1"/>
+            <a:r>
+              <a:rPr lang="en-US" b="0" dirty="0" smtClean="0"/>
+              <a:t>In the end, we work the for the government … beside the contractor is the one who really gets in trouble! </a:t>
+            </a:r>
+            <a:r>
+              <a:rPr lang="en-US" b="0" dirty="0" smtClean="0">
+                <a:sym typeface="Wingdings" panose="05000000000000000000" pitchFamily="2" charset="2"/>
+              </a:rPr>
+              <a:t></a:t>
+            </a:r>
+          </a:p>
+          <a:p>
+            <a:r>
+              <a:rPr lang="en-US" b="0" dirty="0" smtClean="0">
+                <a:sym typeface="Wingdings" panose="05000000000000000000" pitchFamily="2" charset="2"/>
+              </a:rPr>
+              <a:t>Ok, a more real Engineering answer is:</a:t>
+            </a:r>
+          </a:p>
+          <a:p>
+            <a:pPr lvl="1"/>
+            <a:r>
+              <a:rPr lang="en-US" b="0" dirty="0" smtClean="0">
+                <a:sym typeface="Wingdings" panose="05000000000000000000" pitchFamily="2" charset="2"/>
+              </a:rPr>
+              <a:t>Maybe, it depends on the situation  </a:t>
+            </a:r>
+            <a:endParaRPr lang="en-US" b="0" dirty="0"/>
+          </a:p>
+        </p:txBody>
+      </p:sp>
+    </p:spTree>
+    <p:extLst>
+      <p:ext uri="{BB962C8B-B14F-4D97-AF65-F5344CB8AC3E}">
+        <p14:creationId xmlns:p14="http://schemas.microsoft.com/office/powerpoint/2010/main" val="4172925963"/>
+      </p:ext>
+    </p:extLst>
+  </p:cSld>
+  <p:clrMapOvr>
+    <a:masterClrMapping/>
+  </p:clrMapOvr>
+  <p:timing>
+    <p:tnLst>
+      <p:par>
+        <p:cTn id="1" dur="indefinite" restart="never" nodeType="tmRoot">
+          <p:childTnLst>
+            <p:seq concurrent="1" nextAc="seek">
+              <p:cTn id="2" dur="indefinite" nodeType="mainSeq">
+                <p:childTnLst>
+                  <p:par>
+                    <p:cTn id="3" fill="hold">
+                      <p:stCondLst>
+                        <p:cond delay="indefinite"/>
+                      </p:stCondLst>
+                      <p:childTnLst>
+                        <p:par>
+                          <p:cTn id="4" fill="hold">
+                            <p:stCondLst>
+                              <p:cond delay="0"/>
+                            </p:stCondLst>
+                            <p:childTnLst>
+                              <p:par>
+                                <p:cTn id="5" presetID="1" presetClass="entr" presetSubtype="0" fill="hold" nodeType="clickEffect">
+                                  <p:stCondLst>
+                                    <p:cond delay="0"/>
+                                  </p:stCondLst>
+                                  <p:childTnLst>
+                                    <p:set>
+                                      <p:cBhvr>
+                                        <p:cTn id="6" dur="1" fill="hold">
+                                          <p:stCondLst>
+                                            <p:cond delay="0"/>
+                                          </p:stCondLst>
+                                        </p:cTn>
+                                        <p:tgtEl>
+                                          <p:spTgt spid="3">
+                                            <p:txEl>
+                                              <p:pRg st="2" end="2"/>
+                                            </p:txEl>
+                                          </p:spTgt>
+                                        </p:tgtEl>
+                                        <p:attrNameLst>
+                                          <p:attrName>style.visibility</p:attrName>
+                                        </p:attrNameLst>
+                                      </p:cBhvr>
+                                      <p:to>
+                                        <p:strVal val="visible"/>
+                                      </p:to>
+                                    </p:set>
+                                  </p:childTnLst>
+                                </p:cTn>
+                              </p:par>
+                            </p:childTnLst>
+                          </p:cTn>
+                        </p:par>
+                      </p:childTnLst>
+                    </p:cTn>
+                  </p:par>
+                  <p:par>
+                    <p:cTn id="7" fill="hold">
+                      <p:stCondLst>
+                        <p:cond delay="indefinite"/>
+                      </p:stCondLst>
+                      <p:childTnLst>
+                        <p:par>
+                          <p:cTn id="8" fill="hold">
+                            <p:stCondLst>
+                              <p:cond delay="0"/>
+                            </p:stCondLst>
+                            <p:childTnLst>
+                              <p:par>
+                                <p:cTn id="9" presetID="1" presetClass="entr" presetSubtype="0" fill="hold" nodeType="clickEffect">
+                                  <p:stCondLst>
+                                    <p:cond delay="0"/>
+                                  </p:stCondLst>
+                                  <p:childTnLst>
+                                    <p:set>
+                                      <p:cBhvr>
+                                        <p:cTn id="10" dur="1" fill="hold">
+                                          <p:stCondLst>
+                                            <p:cond delay="0"/>
+                                          </p:stCondLst>
+                                        </p:cTn>
+                                        <p:tgtEl>
+                                          <p:spTgt spid="3">
+                                            <p:txEl>
+                                              <p:pRg st="3" end="3"/>
+                                            </p:txEl>
+                                          </p:spTgt>
+                                        </p:tgtEl>
+                                        <p:attrNameLst>
+                                          <p:attrName>style.visibility</p:attrName>
+                                        </p:attrNameLst>
+                                      </p:cBhvr>
+                                      <p:to>
+                                        <p:strVal val="visible"/>
+                                      </p:to>
+                                    </p:set>
+                                  </p:childTnLst>
+                                </p:cTn>
+                              </p:par>
+                            </p:childTnLst>
+                          </p:cTn>
+                        </p:par>
+                      </p:childTnLst>
+                    </p:cTn>
+                  </p:par>
+                  <p:par>
+                    <p:cTn id="11" fill="hold">
+                      <p:stCondLst>
+                        <p:cond delay="indefinite"/>
+                      </p:stCondLst>
+                      <p:childTnLst>
+                        <p:par>
+                          <p:cTn id="12" fill="hold">
+                            <p:stCondLst>
+                              <p:cond delay="0"/>
+                            </p:stCondLst>
+                            <p:childTnLst>
+                              <p:par>
+                                <p:cTn id="13" presetID="1" presetClass="entr" presetSubtype="0" fill="hold" nodeType="clickEffect">
+                                  <p:stCondLst>
+                                    <p:cond delay="0"/>
+                                  </p:stCondLst>
+                                  <p:childTnLst>
+                                    <p:set>
+                                      <p:cBhvr>
+                                        <p:cTn id="14" dur="1" fill="hold">
+                                          <p:stCondLst>
+                                            <p:cond delay="0"/>
+                                          </p:stCondLst>
+                                        </p:cTn>
+                                        <p:tgtEl>
+                                          <p:spTgt spid="3">
+                                            <p:txEl>
+                                              <p:pRg st="4" end="4"/>
+                                            </p:txEl>
+                                          </p:spTgt>
+                                        </p:tgtEl>
+                                        <p:attrNameLst>
+                                          <p:attrName>style.visibility</p:attrName>
+                                        </p:attrNameLst>
+                                      </p:cBhvr>
+                                      <p:to>
+                                        <p:strVal val="visible"/>
+                                      </p:to>
+                                    </p:set>
+                                  </p:childTnLst>
+                                </p:cTn>
+                              </p:par>
+                            </p:childTnLst>
+                          </p:cTn>
+                        </p:par>
+                      </p:childTnLst>
+                    </p:cTn>
+                  </p:par>
+                  <p:par>
+                    <p:cTn id="15" fill="hold">
+                      <p:stCondLst>
+                        <p:cond delay="indefinite"/>
+                      </p:stCondLst>
+                      <p:childTnLst>
+                        <p:par>
+                          <p:cTn id="16" fill="hold">
+                            <p:stCondLst>
+                              <p:cond delay="0"/>
+                            </p:stCondLst>
+                            <p:childTnLst>
+                              <p:par>
+                                <p:cTn id="17" presetID="1" presetClass="entr" presetSubtype="0" fill="hold" nodeType="clickEffect">
+                                  <p:stCondLst>
+                                    <p:cond delay="0"/>
+                                  </p:stCondLst>
+                                  <p:childTnLst>
+                                    <p:set>
+                                      <p:cBhvr>
+                                        <p:cTn id="18" dur="1" fill="hold">
+                                          <p:stCondLst>
+                                            <p:cond delay="0"/>
+                                          </p:stCondLst>
+                                        </p:cTn>
+                                        <p:tgtEl>
+                                          <p:spTgt spid="3">
+                                            <p:txEl>
+                                              <p:pRg st="5" end="5"/>
+                                            </p:txEl>
+                                          </p:spTgt>
+                                        </p:tgtEl>
+                                        <p:attrNameLst>
+                                          <p:attrName>style.visibility</p:attrName>
+                                        </p:attrNameLst>
+                                      </p:cBhvr>
+                                      <p:to>
+                                        <p:strVal val="visible"/>
+                                      </p:to>
+                                    </p:set>
+                                  </p:childTnLst>
+                                </p:cTn>
+                              </p:par>
+                            </p:childTnLst>
+                          </p:cTn>
+                        </p:par>
+                      </p:childTnLst>
+                    </p:cTn>
+                  </p:par>
+                  <p:par>
+                    <p:cTn id="19" fill="hold">
+                      <p:stCondLst>
+                        <p:cond delay="indefinite"/>
+                      </p:stCondLst>
+                      <p:childTnLst>
+                        <p:par>
+                          <p:cTn id="20" fill="hold">
+                            <p:stCondLst>
+                              <p:cond delay="0"/>
+                            </p:stCondLst>
+                            <p:childTnLst>
+                              <p:par>
+                                <p:cTn id="21" presetID="1" presetClass="entr" presetSubtype="0" fill="hold" nodeType="clickEffect">
+                                  <p:stCondLst>
+                                    <p:cond delay="0"/>
+                                  </p:stCondLst>
+                                  <p:childTnLst>
+                                    <p:set>
+                                      <p:cBhvr>
+                                        <p:cTn id="22" dur="1" fill="hold">
+                                          <p:stCondLst>
+                                            <p:cond delay="0"/>
+                                          </p:stCondLst>
+                                        </p:cTn>
+                                        <p:tgtEl>
+                                          <p:spTgt spid="3">
+                                            <p:txEl>
+                                              <p:pRg st="6" end="6"/>
+                                            </p:txEl>
+                                          </p:spTgt>
+                                        </p:tgtEl>
+                                        <p:attrNameLst>
+                                          <p:attrName>style.visibility</p:attrName>
+                                        </p:attrNameLst>
+                                      </p:cBhvr>
+                                      <p:to>
+                                        <p:strVal val="visible"/>
+                                      </p:to>
+                                    </p:set>
+                                  </p:childTnLst>
+                                </p:cTn>
+                              </p:par>
+                            </p:childTnLst>
+                          </p:cTn>
+                        </p:par>
+                      </p:childTnLst>
+                    </p:cTn>
+                  </p:par>
+                  <p:par>
+                    <p:cTn id="23" fill="hold">
+                      <p:stCondLst>
+                        <p:cond delay="indefinite"/>
+                      </p:stCondLst>
+                      <p:childTnLst>
+                        <p:par>
+                          <p:cTn id="24" fill="hold">
+                            <p:stCondLst>
+                              <p:cond delay="0"/>
+                            </p:stCondLst>
+                            <p:childTnLst>
+                              <p:par>
+                                <p:cTn id="25" presetID="1" presetClass="entr" presetSubtype="0" fill="hold" nodeType="clickEffect">
+                                  <p:stCondLst>
+                                    <p:cond delay="0"/>
+                                  </p:stCondLst>
+                                  <p:childTnLst>
+                                    <p:set>
+                                      <p:cBhvr>
+                                        <p:cTn id="26" dur="1" fill="hold">
+                                          <p:stCondLst>
+                                            <p:cond delay="0"/>
+                                          </p:stCondLst>
+                                        </p:cTn>
+                                        <p:tgtEl>
+                                          <p:spTgt spid="3">
+                                            <p:txEl>
+                                              <p:pRg st="7" end="7"/>
+                                            </p:txEl>
+                                          </p:spTgt>
+                                        </p:tgtEl>
+                                        <p:attrNameLst>
+                                          <p:attrName>style.visibility</p:attrName>
+                                        </p:attrNameLst>
+                                      </p:cBhvr>
+                                      <p:to>
+                                        <p:strVal val="visible"/>
+                                      </p:to>
+                                    </p:set>
+                                  </p:childTnLst>
+                                </p:cTn>
+                              </p:par>
+                            </p:childTnLst>
+                          </p:cTn>
+                        </p:par>
+                      </p:childTnLst>
+                    </p:cTn>
+                  </p:par>
+                  <p:par>
+                    <p:cTn id="27" fill="hold">
+                      <p:stCondLst>
+                        <p:cond delay="indefinite"/>
+                      </p:stCondLst>
+                      <p:childTnLst>
+                        <p:par>
+                          <p:cTn id="28" fill="hold">
+                            <p:stCondLst>
+                              <p:cond delay="0"/>
+                            </p:stCondLst>
+                            <p:childTnLst>
+                              <p:par>
+                                <p:cTn id="29" presetID="1" presetClass="entr" presetSubtype="0" fill="hold" nodeType="clickEffect">
+                                  <p:stCondLst>
+                                    <p:cond delay="0"/>
+                                  </p:stCondLst>
+                                  <p:childTnLst>
+                                    <p:set>
+                                      <p:cBhvr>
+                                        <p:cTn id="30" dur="1" fill="hold">
+                                          <p:stCondLst>
+                                            <p:cond delay="0"/>
+                                          </p:stCondLst>
+                                        </p:cTn>
+                                        <p:tgtEl>
+                                          <p:spTgt spid="3">
+                                            <p:txEl>
+                                              <p:pRg st="8" end="8"/>
+                                            </p:txEl>
+                                          </p:spTgt>
+                                        </p:tgtEl>
+                                        <p:attrNameLst>
+                                          <p:attrName>style.visibility</p:attrName>
+                                        </p:attrNameLst>
+                                      </p:cBhvr>
+                                      <p:to>
+                                        <p:strVal val="visible"/>
+                                      </p:to>
+                                    </p:set>
+                                  </p:childTnLst>
+                                </p:cTn>
+                              </p:par>
+                            </p:childTnLst>
+                          </p:cTn>
+                        </p:par>
+                      </p:childTnLst>
+                    </p:cTn>
+                  </p:par>
+                </p:childTnLst>
+              </p:cTn>
+              <p:prevCondLst>
+                <p:cond evt="onPrev" delay="0">
+                  <p:tgtEl>
+                    <p:sldTgt/>
+                  </p:tgtEl>
+                </p:cond>
+              </p:prevCondLst>
+              <p:nextCondLst>
+                <p:cond evt="onNext" delay="0">
+                  <p:tgtEl>
+                    <p:sldTgt/>
+                  </p:tgtEl>
+                </p:cond>
+              </p:nextCondLst>
+            </p:seq>
+          </p:childTnLst>
+        </p:cTn>
+      </p:par>
+    </p:tnLst>
+  </p:timing>
+</p:sld>
+</file>
+
+<file path=ppt/slides/slide14.xml><?xml version="1.0" encoding="utf-8"?>
 <p:sld xmlns:a="http://schemas.openxmlformats.org/drawingml/2006/main" xmlns:r="http://schemas.openxmlformats.org/officeDocument/2006/relationships" xmlns:p="http://schemas.openxmlformats.org/presentationml/2006/main">
   <p:cSld>
     <p:spTree>
@@ -8673,7 +9997,7 @@
 </p:sld>
 </file>
 
-<file path=ppt/slides/slide13.xml><?xml version="1.0" encoding="utf-8"?>
+<file path=ppt/slides/slide15.xml><?xml version="1.0" encoding="utf-8"?>
 <p:sld xmlns:a="http://schemas.openxmlformats.org/drawingml/2006/main" xmlns:r="http://schemas.openxmlformats.org/officeDocument/2006/relationships" xmlns:p="http://schemas.openxmlformats.org/presentationml/2006/main">
   <p:cSld>
     <p:spTree>
@@ -9669,7 +10993,7 @@
 </p:sld>
 </file>
 
-<file path=ppt/slides/slide14.xml><?xml version="1.0" encoding="utf-8"?>
+<file path=ppt/slides/slide16.xml><?xml version="1.0" encoding="utf-8"?>
 <p:sld xmlns:a="http://schemas.openxmlformats.org/drawingml/2006/main" xmlns:r="http://schemas.openxmlformats.org/officeDocument/2006/relationships" xmlns:p="http://schemas.openxmlformats.org/presentationml/2006/main">
   <p:cSld>
     <p:spTree>
@@ -9749,7 +11073,7 @@
 </p:sld>
 </file>
 
-<file path=ppt/slides/slide15.xml><?xml version="1.0" encoding="utf-8"?>
+<file path=ppt/slides/slide17.xml><?xml version="1.0" encoding="utf-8"?>
 <p:sld xmlns:a="http://schemas.openxmlformats.org/drawingml/2006/main" xmlns:r="http://schemas.openxmlformats.org/officeDocument/2006/relationships" xmlns:p="http://schemas.openxmlformats.org/presentationml/2006/main">
   <p:cSld>
     <p:spTree>
@@ -12225,17 +13549,7 @@
             <a:pPr lvl="1"/>
             <a:r>
               <a:rPr lang="en-US" sz="2000" dirty="0"/>
-              <a:t>The details are in the </a:t>
-            </a:r>
-            <a:r>
-              <a:rPr lang="en-US" sz="2000" dirty="0">
-                <a:hlinkClick r:id="rId2" action="ppaction://hlinkfile"/>
-              </a:rPr>
-              <a:t>MSP430G2x53 2x13 Mixed Signal MCU Datasheet</a:t>
-            </a:r>
-            <a:r>
-              <a:rPr lang="en-US" sz="2000" dirty="0"/>
-              <a:t>.</a:t>
+              <a:t>The details are in the MSP430G2x53 2x13 Mixed Signal MCU Datasheet.</a:t>
             </a:r>
             <a:endParaRPr lang="en-US" sz="1600" dirty="0"/>
           </a:p>
@@ -12250,7 +13564,7 @@
           <p:nvPr/>
         </p:nvPicPr>
         <p:blipFill>
-          <a:blip r:embed="rId3">
+          <a:blip r:embed="rId2">
             <a:extLst>
               <a:ext uri="{28A0092B-C50C-407E-A947-70E740481C1C}">
                 <a14:useLocalDpi xmlns:a14="http://schemas.microsoft.com/office/drawing/2010/main" val="0"/>
@@ -12303,6 +13617,564 @@
 </file>
 
 <file path=ppt/slides/slide8.xml><?xml version="1.0" encoding="utf-8"?>
+<p:sld xmlns:a="http://schemas.openxmlformats.org/drawingml/2006/main" xmlns:r="http://schemas.openxmlformats.org/officeDocument/2006/relationships" xmlns:p="http://schemas.openxmlformats.org/presentationml/2006/main">
+  <p:cSld>
+    <p:spTree>
+      <p:nvGrpSpPr>
+        <p:cNvPr id="1" name=""/>
+        <p:cNvGrpSpPr/>
+        <p:nvPr/>
+      </p:nvGrpSpPr>
+      <p:grpSpPr>
+        <a:xfrm>
+          <a:off x="0" y="0"/>
+          <a:ext cx="0" cy="0"/>
+          <a:chOff x="0" y="0"/>
+          <a:chExt cx="0" cy="0"/>
+        </a:xfrm>
+      </p:grpSpPr>
+      <p:sp>
+        <p:nvSpPr>
+          <p:cNvPr id="2" name="Title 1"/>
+          <p:cNvSpPr>
+            <a:spLocks noGrp="1"/>
+          </p:cNvSpPr>
+          <p:nvPr>
+            <p:ph type="title"/>
+          </p:nvPr>
+        </p:nvSpPr>
+        <p:spPr/>
+        <p:txBody>
+          <a:bodyPr/>
+          <a:lstStyle/>
+          <a:p>
+            <a:r>
+              <a:rPr lang="en-US" dirty="0" smtClean="0"/>
+              <a:t>Port HW</a:t>
+            </a:r>
+            <a:endParaRPr lang="en-US" dirty="0"/>
+          </a:p>
+        </p:txBody>
+      </p:sp>
+      <p:pic>
+        <p:nvPicPr>
+          <p:cNvPr id="4" name="Picture 3"/>
+          <p:cNvPicPr>
+            <a:picLocks noChangeAspect="1"/>
+          </p:cNvPicPr>
+          <p:nvPr/>
+        </p:nvPicPr>
+        <p:blipFill>
+          <a:blip r:embed="rId2"/>
+          <a:stretch>
+            <a:fillRect/>
+          </a:stretch>
+        </p:blipFill>
+        <p:spPr>
+          <a:xfrm>
+            <a:off x="0" y="0"/>
+            <a:ext cx="5913351" cy="6858000"/>
+          </a:xfrm>
+          <a:prstGeom prst="rect">
+            <a:avLst/>
+          </a:prstGeom>
+        </p:spPr>
+      </p:pic>
+      <p:sp>
+        <p:nvSpPr>
+          <p:cNvPr id="5" name="TextBox 4"/>
+          <p:cNvSpPr txBox="1"/>
+          <p:nvPr/>
+        </p:nvSpPr>
+        <p:spPr>
+          <a:xfrm>
+            <a:off x="3776207" y="5064331"/>
+            <a:ext cx="4192896" cy="1200329"/>
+          </a:xfrm>
+          <a:prstGeom prst="rect">
+            <a:avLst/>
+          </a:prstGeom>
+          <a:noFill/>
+        </p:spPr>
+        <p:txBody>
+          <a:bodyPr wrap="square" rtlCol="0">
+            <a:spAutoFit/>
+          </a:bodyPr>
+          <a:lstStyle/>
+          <a:p>
+            <a:r>
+              <a:rPr lang="en-US" dirty="0" smtClean="0"/>
+              <a:t>Only showing the HW setup for Port 1, pins 0-2. Different pins have different HW</a:t>
+            </a:r>
+            <a:endParaRPr lang="en-US" dirty="0"/>
+          </a:p>
+        </p:txBody>
+      </p:sp>
+      <p:sp>
+        <p:nvSpPr>
+          <p:cNvPr id="6" name="Left Arrow 5"/>
+          <p:cNvSpPr/>
+          <p:nvPr/>
+        </p:nvSpPr>
+        <p:spPr bwMode="auto">
+          <a:xfrm>
+            <a:off x="5349241" y="3599121"/>
+            <a:ext cx="1817104" cy="760228"/>
+          </a:xfrm>
+          <a:prstGeom prst="leftArrow">
+            <a:avLst/>
+          </a:prstGeom>
+          <a:solidFill>
+            <a:srgbClr val="00B050"/>
+          </a:solidFill>
+          <a:ln w="12700" cap="flat" cmpd="sng" algn="ctr">
+            <a:solidFill>
+              <a:schemeClr val="tx1"/>
+            </a:solidFill>
+            <a:prstDash val="solid"/>
+            <a:round/>
+            <a:headEnd type="none" w="med" len="med"/>
+            <a:tailEnd type="none" w="med" len="med"/>
+          </a:ln>
+          <a:effectLst/>
+        </p:spPr>
+        <p:txBody>
+          <a:bodyPr vert="horz" wrap="square" lIns="91440" tIns="45720" rIns="91440" bIns="45720" numCol="1" rtlCol="0" anchor="t" anchorCtr="0" compatLnSpc="1">
+            <a:prstTxWarp prst="textNoShape">
+              <a:avLst/>
+            </a:prstTxWarp>
+          </a:bodyPr>
+          <a:lstStyle/>
+          <a:p>
+            <a:pPr marL="0" marR="0" indent="0" algn="ctr" defTabSz="914400" rtl="0" eaLnBrk="0" fontAlgn="base" latinLnBrk="0" hangingPunct="0">
+              <a:lnSpc>
+                <a:spcPct val="100000"/>
+              </a:lnSpc>
+              <a:spcBef>
+                <a:spcPct val="0"/>
+              </a:spcBef>
+              <a:spcAft>
+                <a:spcPct val="0"/>
+              </a:spcAft>
+              <a:buClrTx/>
+              <a:buSzTx/>
+              <a:buFontTx/>
+              <a:buNone/>
+              <a:tabLst/>
+            </a:pPr>
+            <a:r>
+              <a:rPr kumimoji="0" lang="en-US" sz="1600" b="0" i="0" u="none" strike="noStrike" cap="none" normalizeH="0" baseline="0" dirty="0" smtClean="0">
+                <a:ln>
+                  <a:noFill/>
+                </a:ln>
+                <a:solidFill>
+                  <a:schemeClr val="tx1"/>
+                </a:solidFill>
+                <a:effectLst/>
+                <a:latin typeface="Arial" charset="0"/>
+              </a:rPr>
+              <a:t>Actual Pin</a:t>
+            </a:r>
+            <a:endParaRPr kumimoji="0" lang="en-US" sz="1600" b="0" i="0" u="none" strike="noStrike" cap="none" normalizeH="0" baseline="0" dirty="0" smtClean="0">
+              <a:ln>
+                <a:noFill/>
+              </a:ln>
+              <a:solidFill>
+                <a:schemeClr val="tx1"/>
+              </a:solidFill>
+              <a:effectLst/>
+              <a:latin typeface="Arial" charset="0"/>
+            </a:endParaRPr>
+          </a:p>
+        </p:txBody>
+      </p:sp>
+      <p:sp>
+        <p:nvSpPr>
+          <p:cNvPr id="7" name="Oval 6"/>
+          <p:cNvSpPr/>
+          <p:nvPr/>
+        </p:nvSpPr>
+        <p:spPr bwMode="auto">
+          <a:xfrm>
+            <a:off x="1307805" y="1180214"/>
+            <a:ext cx="770860" cy="494414"/>
+          </a:xfrm>
+          <a:prstGeom prst="ellipse">
+            <a:avLst/>
+          </a:prstGeom>
+          <a:noFill/>
+          <a:ln w="12700" cap="flat" cmpd="sng" algn="ctr">
+            <a:solidFill>
+              <a:srgbClr val="FF0000"/>
+            </a:solidFill>
+            <a:prstDash val="solid"/>
+            <a:round/>
+            <a:headEnd type="none" w="med" len="med"/>
+            <a:tailEnd type="none" w="med" len="med"/>
+          </a:ln>
+          <a:effectLst/>
+        </p:spPr>
+        <p:txBody>
+          <a:bodyPr vert="horz" wrap="square" lIns="91440" tIns="45720" rIns="91440" bIns="45720" numCol="1" rtlCol="0" anchor="t" anchorCtr="0" compatLnSpc="1">
+            <a:prstTxWarp prst="textNoShape">
+              <a:avLst/>
+            </a:prstTxWarp>
+          </a:bodyPr>
+          <a:lstStyle/>
+          <a:p>
+            <a:pPr marL="0" marR="0" indent="0" algn="ctr" defTabSz="914400" rtl="0" eaLnBrk="0" fontAlgn="base" latinLnBrk="0" hangingPunct="0">
+              <a:lnSpc>
+                <a:spcPct val="100000"/>
+              </a:lnSpc>
+              <a:spcBef>
+                <a:spcPct val="0"/>
+              </a:spcBef>
+              <a:spcAft>
+                <a:spcPct val="0"/>
+              </a:spcAft>
+              <a:buClrTx/>
+              <a:buSzTx/>
+              <a:buFontTx/>
+              <a:buNone/>
+              <a:tabLst/>
+            </a:pPr>
+            <a:endParaRPr kumimoji="0" lang="en-US" sz="1600" b="0" i="0" u="none" strike="noStrike" cap="none" normalizeH="0" baseline="0" smtClean="0">
+              <a:ln>
+                <a:noFill/>
+              </a:ln>
+              <a:solidFill>
+                <a:schemeClr val="tx1"/>
+              </a:solidFill>
+              <a:effectLst/>
+              <a:latin typeface="Arial" charset="0"/>
+            </a:endParaRPr>
+          </a:p>
+        </p:txBody>
+      </p:sp>
+      <p:sp>
+        <p:nvSpPr>
+          <p:cNvPr id="8" name="Oval 7"/>
+          <p:cNvSpPr/>
+          <p:nvPr/>
+        </p:nvSpPr>
+        <p:spPr bwMode="auto">
+          <a:xfrm>
+            <a:off x="466061" y="3484821"/>
+            <a:ext cx="770860" cy="342900"/>
+          </a:xfrm>
+          <a:prstGeom prst="ellipse">
+            <a:avLst/>
+          </a:prstGeom>
+          <a:noFill/>
+          <a:ln w="12700" cap="flat" cmpd="sng" algn="ctr">
+            <a:solidFill>
+              <a:srgbClr val="FF0000"/>
+            </a:solidFill>
+            <a:prstDash val="solid"/>
+            <a:round/>
+            <a:headEnd type="none" w="med" len="med"/>
+            <a:tailEnd type="none" w="med" len="med"/>
+          </a:ln>
+          <a:effectLst/>
+        </p:spPr>
+        <p:txBody>
+          <a:bodyPr vert="horz" wrap="square" lIns="91440" tIns="45720" rIns="91440" bIns="45720" numCol="1" rtlCol="0" anchor="t" anchorCtr="0" compatLnSpc="1">
+            <a:prstTxWarp prst="textNoShape">
+              <a:avLst/>
+            </a:prstTxWarp>
+          </a:bodyPr>
+          <a:lstStyle/>
+          <a:p>
+            <a:pPr marL="0" marR="0" indent="0" algn="ctr" defTabSz="914400" rtl="0" eaLnBrk="0" fontAlgn="base" latinLnBrk="0" hangingPunct="0">
+              <a:lnSpc>
+                <a:spcPct val="100000"/>
+              </a:lnSpc>
+              <a:spcBef>
+                <a:spcPct val="0"/>
+              </a:spcBef>
+              <a:spcAft>
+                <a:spcPct val="0"/>
+              </a:spcAft>
+              <a:buClrTx/>
+              <a:buSzTx/>
+              <a:buFontTx/>
+              <a:buNone/>
+              <a:tabLst/>
+            </a:pPr>
+            <a:endParaRPr kumimoji="0" lang="en-US" sz="1600" b="0" i="0" u="none" strike="noStrike" cap="none" normalizeH="0" baseline="0" smtClean="0">
+              <a:ln>
+                <a:noFill/>
+              </a:ln>
+              <a:solidFill>
+                <a:schemeClr val="tx1"/>
+              </a:solidFill>
+              <a:effectLst/>
+              <a:latin typeface="Arial" charset="0"/>
+            </a:endParaRPr>
+          </a:p>
+        </p:txBody>
+      </p:sp>
+      <p:sp>
+        <p:nvSpPr>
+          <p:cNvPr id="9" name="Oval 8"/>
+          <p:cNvSpPr/>
+          <p:nvPr/>
+        </p:nvSpPr>
+        <p:spPr bwMode="auto">
+          <a:xfrm>
+            <a:off x="384545" y="2378149"/>
+            <a:ext cx="770860" cy="641498"/>
+          </a:xfrm>
+          <a:prstGeom prst="ellipse">
+            <a:avLst/>
+          </a:prstGeom>
+          <a:noFill/>
+          <a:ln w="12700" cap="flat" cmpd="sng" algn="ctr">
+            <a:solidFill>
+              <a:srgbClr val="FF0000"/>
+            </a:solidFill>
+            <a:prstDash val="solid"/>
+            <a:round/>
+            <a:headEnd type="none" w="med" len="med"/>
+            <a:tailEnd type="none" w="med" len="med"/>
+          </a:ln>
+          <a:effectLst/>
+        </p:spPr>
+        <p:txBody>
+          <a:bodyPr vert="horz" wrap="square" lIns="91440" tIns="45720" rIns="91440" bIns="45720" numCol="1" rtlCol="0" anchor="t" anchorCtr="0" compatLnSpc="1">
+            <a:prstTxWarp prst="textNoShape">
+              <a:avLst/>
+            </a:prstTxWarp>
+          </a:bodyPr>
+          <a:lstStyle/>
+          <a:p>
+            <a:pPr marL="0" marR="0" indent="0" algn="ctr" defTabSz="914400" rtl="0" eaLnBrk="0" fontAlgn="base" latinLnBrk="0" hangingPunct="0">
+              <a:lnSpc>
+                <a:spcPct val="100000"/>
+              </a:lnSpc>
+              <a:spcBef>
+                <a:spcPct val="0"/>
+              </a:spcBef>
+              <a:spcAft>
+                <a:spcPct val="0"/>
+              </a:spcAft>
+              <a:buClrTx/>
+              <a:buSzTx/>
+              <a:buFontTx/>
+              <a:buNone/>
+              <a:tabLst/>
+            </a:pPr>
+            <a:endParaRPr kumimoji="0" lang="en-US" sz="1600" b="0" i="0" u="none" strike="noStrike" cap="none" normalizeH="0" baseline="0" smtClean="0">
+              <a:ln>
+                <a:noFill/>
+              </a:ln>
+              <a:solidFill>
+                <a:schemeClr val="tx1"/>
+              </a:solidFill>
+              <a:effectLst/>
+              <a:latin typeface="Arial" charset="0"/>
+            </a:endParaRPr>
+          </a:p>
+        </p:txBody>
+      </p:sp>
+      <p:sp>
+        <p:nvSpPr>
+          <p:cNvPr id="10" name="Oval 9"/>
+          <p:cNvSpPr/>
+          <p:nvPr/>
+        </p:nvSpPr>
+        <p:spPr bwMode="auto">
+          <a:xfrm>
+            <a:off x="1318678" y="3104707"/>
+            <a:ext cx="770860" cy="494414"/>
+          </a:xfrm>
+          <a:prstGeom prst="ellipse">
+            <a:avLst/>
+          </a:prstGeom>
+          <a:noFill/>
+          <a:ln w="12700" cap="flat" cmpd="sng" algn="ctr">
+            <a:solidFill>
+              <a:srgbClr val="FF0000"/>
+            </a:solidFill>
+            <a:prstDash val="solid"/>
+            <a:round/>
+            <a:headEnd type="none" w="med" len="med"/>
+            <a:tailEnd type="none" w="med" len="med"/>
+          </a:ln>
+          <a:effectLst/>
+        </p:spPr>
+        <p:txBody>
+          <a:bodyPr vert="horz" wrap="square" lIns="91440" tIns="45720" rIns="91440" bIns="45720" numCol="1" rtlCol="0" anchor="t" anchorCtr="0" compatLnSpc="1">
+            <a:prstTxWarp prst="textNoShape">
+              <a:avLst/>
+            </a:prstTxWarp>
+          </a:bodyPr>
+          <a:lstStyle/>
+          <a:p>
+            <a:pPr marL="0" marR="0" indent="0" algn="ctr" defTabSz="914400" rtl="0" eaLnBrk="0" fontAlgn="base" latinLnBrk="0" hangingPunct="0">
+              <a:lnSpc>
+                <a:spcPct val="100000"/>
+              </a:lnSpc>
+              <a:spcBef>
+                <a:spcPct val="0"/>
+              </a:spcBef>
+              <a:spcAft>
+                <a:spcPct val="0"/>
+              </a:spcAft>
+              <a:buClrTx/>
+              <a:buSzTx/>
+              <a:buFontTx/>
+              <a:buNone/>
+              <a:tabLst/>
+            </a:pPr>
+            <a:endParaRPr kumimoji="0" lang="en-US" sz="1600" b="0" i="0" u="none" strike="noStrike" cap="none" normalizeH="0" baseline="0" smtClean="0">
+              <a:ln>
+                <a:noFill/>
+              </a:ln>
+              <a:solidFill>
+                <a:schemeClr val="tx1"/>
+              </a:solidFill>
+              <a:effectLst/>
+              <a:latin typeface="Arial" charset="0"/>
+            </a:endParaRPr>
+          </a:p>
+        </p:txBody>
+      </p:sp>
+      <p:sp>
+        <p:nvSpPr>
+          <p:cNvPr id="11" name="Rectangular Callout 10"/>
+          <p:cNvSpPr/>
+          <p:nvPr/>
+        </p:nvSpPr>
+        <p:spPr bwMode="auto">
+          <a:xfrm>
+            <a:off x="4965405" y="2102588"/>
+            <a:ext cx="1217427" cy="834656"/>
+          </a:xfrm>
+          <a:prstGeom prst="wedgeRectCallout">
+            <a:avLst>
+              <a:gd name="adj1" fmla="val -78912"/>
+              <a:gd name="adj2" fmla="val 147214"/>
+            </a:avLst>
+          </a:prstGeom>
+          <a:solidFill>
+            <a:srgbClr val="FFFF00"/>
+          </a:solidFill>
+          <a:ln w="12700" cap="flat" cmpd="sng" algn="ctr">
+            <a:solidFill>
+              <a:schemeClr val="tx1"/>
+            </a:solidFill>
+            <a:prstDash val="solid"/>
+            <a:round/>
+            <a:headEnd type="none" w="med" len="med"/>
+            <a:tailEnd type="none" w="med" len="med"/>
+          </a:ln>
+          <a:effectLst/>
+        </p:spPr>
+        <p:txBody>
+          <a:bodyPr vert="horz" wrap="square" lIns="91440" tIns="45720" rIns="91440" bIns="45720" numCol="1" rtlCol="0" anchor="t" anchorCtr="0" compatLnSpc="1">
+            <a:prstTxWarp prst="textNoShape">
+              <a:avLst/>
+            </a:prstTxWarp>
+          </a:bodyPr>
+          <a:lstStyle/>
+          <a:p>
+            <a:pPr marL="0" marR="0" indent="0" algn="ctr" defTabSz="914400" rtl="0" eaLnBrk="0" fontAlgn="base" latinLnBrk="0" hangingPunct="0">
+              <a:lnSpc>
+                <a:spcPct val="100000"/>
+              </a:lnSpc>
+              <a:spcBef>
+                <a:spcPct val="0"/>
+              </a:spcBef>
+              <a:spcAft>
+                <a:spcPct val="0"/>
+              </a:spcAft>
+              <a:buClrTx/>
+              <a:buSzTx/>
+              <a:buFontTx/>
+              <a:buNone/>
+              <a:tabLst/>
+            </a:pPr>
+            <a:r>
+              <a:rPr kumimoji="0" lang="en-US" sz="1600" b="0" i="0" u="none" strike="noStrike" cap="none" normalizeH="0" baseline="0" dirty="0" smtClean="0">
+                <a:ln>
+                  <a:noFill/>
+                </a:ln>
+                <a:solidFill>
+                  <a:schemeClr val="tx1"/>
+                </a:solidFill>
+                <a:effectLst/>
+                <a:latin typeface="Arial" charset="0"/>
+              </a:rPr>
+              <a:t>Pull-up or pull-down resistor</a:t>
+            </a:r>
+            <a:endParaRPr kumimoji="0" lang="en-US" sz="1600" b="0" i="0" u="none" strike="noStrike" cap="none" normalizeH="0" baseline="0" dirty="0" smtClean="0">
+              <a:ln>
+                <a:noFill/>
+              </a:ln>
+              <a:solidFill>
+                <a:schemeClr val="tx1"/>
+              </a:solidFill>
+              <a:effectLst/>
+              <a:latin typeface="Arial" charset="0"/>
+            </a:endParaRPr>
+          </a:p>
+        </p:txBody>
+      </p:sp>
+      <p:sp>
+        <p:nvSpPr>
+          <p:cNvPr id="12" name="TextBox 11"/>
+          <p:cNvSpPr txBox="1"/>
+          <p:nvPr/>
+        </p:nvSpPr>
+        <p:spPr>
+          <a:xfrm>
+            <a:off x="3776207" y="6509033"/>
+            <a:ext cx="3204723" cy="338554"/>
+          </a:xfrm>
+          <a:prstGeom prst="rect">
+            <a:avLst/>
+          </a:prstGeom>
+          <a:solidFill>
+            <a:schemeClr val="bg1"/>
+          </a:solidFill>
+        </p:spPr>
+        <p:txBody>
+          <a:bodyPr wrap="none" rtlCol="0">
+            <a:spAutoFit/>
+          </a:bodyPr>
+          <a:lstStyle/>
+          <a:p>
+            <a:r>
+              <a:rPr lang="en-US" sz="1600" dirty="0" smtClean="0">
+                <a:solidFill>
+                  <a:srgbClr val="0070C0"/>
+                </a:solidFill>
+              </a:rPr>
+              <a:t>MSP430 device specific guide, pg42</a:t>
+            </a:r>
+            <a:endParaRPr lang="en-US" sz="1600" dirty="0">
+              <a:solidFill>
+                <a:srgbClr val="0070C0"/>
+              </a:solidFill>
+            </a:endParaRPr>
+          </a:p>
+        </p:txBody>
+      </p:sp>
+    </p:spTree>
+    <p:extLst>
+      <p:ext uri="{BB962C8B-B14F-4D97-AF65-F5344CB8AC3E}">
+        <p14:creationId xmlns:p14="http://schemas.microsoft.com/office/powerpoint/2010/main" val="584113005"/>
+      </p:ext>
+    </p:extLst>
+  </p:cSld>
+  <p:clrMapOvr>
+    <a:masterClrMapping/>
+  </p:clrMapOvr>
+</p:sld>
+</file>
+
+<file path=ppt/slides/slide9.xml><?xml version="1.0" encoding="utf-8"?>
 <p:sld xmlns:a="http://schemas.openxmlformats.org/drawingml/2006/main" xmlns:r="http://schemas.openxmlformats.org/officeDocument/2006/relationships" xmlns:p="http://schemas.openxmlformats.org/presentationml/2006/main">
   <p:cSld>
     <p:spTree>
@@ -13267,711 +15139,6 @@
     <p:bldLst>
       <p:bldP spid="4" grpId="0"/>
     </p:bldLst>
-  </p:timing>
-</p:sld>
-</file>
-
-<file path=ppt/slides/slide9.xml><?xml version="1.0" encoding="utf-8"?>
-<p:sld xmlns:a="http://schemas.openxmlformats.org/drawingml/2006/main" xmlns:r="http://schemas.openxmlformats.org/officeDocument/2006/relationships" xmlns:p="http://schemas.openxmlformats.org/presentationml/2006/main">
-  <p:cSld>
-    <p:spTree>
-      <p:nvGrpSpPr>
-        <p:cNvPr id="1" name=""/>
-        <p:cNvGrpSpPr/>
-        <p:nvPr/>
-      </p:nvGrpSpPr>
-      <p:grpSpPr>
-        <a:xfrm>
-          <a:off x="0" y="0"/>
-          <a:ext cx="0" cy="0"/>
-          <a:chOff x="0" y="0"/>
-          <a:chExt cx="0" cy="0"/>
-        </a:xfrm>
-      </p:grpSpPr>
-      <p:sp>
-        <p:nvSpPr>
-          <p:cNvPr id="2" name="Title 1"/>
-          <p:cNvSpPr>
-            <a:spLocks noGrp="1"/>
-          </p:cNvSpPr>
-          <p:nvPr>
-            <p:ph type="title"/>
-          </p:nvPr>
-        </p:nvSpPr>
-        <p:spPr/>
-        <p:txBody>
-          <a:bodyPr/>
-          <a:lstStyle/>
-          <a:p>
-            <a:r>
-              <a:rPr lang="en-US" b="1" dirty="0" smtClean="0"/>
-              <a:t>GPIO Pin Setup (</a:t>
-            </a:r>
-            <a:r>
-              <a:rPr lang="en-US" b="1" dirty="0" err="1" smtClean="0"/>
-              <a:t>MUXes</a:t>
-            </a:r>
-            <a:r>
-              <a:rPr lang="en-US" b="1" dirty="0" smtClean="0"/>
-              <a:t>!)</a:t>
-            </a:r>
-            <a:endParaRPr lang="en-US" dirty="0"/>
-          </a:p>
-        </p:txBody>
-      </p:sp>
-      <p:pic>
-        <p:nvPicPr>
-          <p:cNvPr id="3074" name="Picture 2" descr="P1.0-2 Multiplexing Control Bits / Signals"/>
-          <p:cNvPicPr>
-            <a:picLocks noChangeAspect="1" noChangeArrowheads="1"/>
-          </p:cNvPicPr>
-          <p:nvPr/>
-        </p:nvPicPr>
-        <p:blipFill>
-          <a:blip r:embed="rId2">
-            <a:extLst>
-              <a:ext uri="{28A0092B-C50C-407E-A947-70E740481C1C}">
-                <a14:useLocalDpi xmlns:a14="http://schemas.microsoft.com/office/drawing/2010/main" val="0"/>
-              </a:ext>
-            </a:extLst>
-          </a:blip>
-          <a:srcRect/>
-          <a:stretch>
-            <a:fillRect/>
-          </a:stretch>
-        </p:blipFill>
-        <p:spPr bwMode="auto">
-          <a:xfrm>
-            <a:off x="1813031" y="1516975"/>
-            <a:ext cx="6046077" cy="4340555"/>
-          </a:xfrm>
-          <a:prstGeom prst="rect">
-            <a:avLst/>
-          </a:prstGeom>
-          <a:noFill/>
-          <a:extLst>
-            <a:ext uri="{909E8E84-426E-40DD-AFC4-6F175D3DCCD1}">
-              <a14:hiddenFill xmlns:a14="http://schemas.microsoft.com/office/drawing/2010/main">
-                <a:solidFill>
-                  <a:srgbClr val="FFFFFF"/>
-                </a:solidFill>
-              </a14:hiddenFill>
-            </a:ext>
-          </a:extLst>
-        </p:spPr>
-      </p:pic>
-      <p:sp>
-        <p:nvSpPr>
-          <p:cNvPr id="6" name="TextBox 5"/>
-          <p:cNvSpPr txBox="1"/>
-          <p:nvPr/>
-        </p:nvSpPr>
-        <p:spPr>
-          <a:xfrm>
-            <a:off x="7898525" y="1566594"/>
-            <a:ext cx="740908" cy="461665"/>
-          </a:xfrm>
-          <a:prstGeom prst="rect">
-            <a:avLst/>
-          </a:prstGeom>
-          <a:noFill/>
-        </p:spPr>
-        <p:txBody>
-          <a:bodyPr wrap="none" rtlCol="0">
-            <a:spAutoFit/>
-          </a:bodyPr>
-          <a:lstStyle/>
-          <a:p>
-            <a:r>
-              <a:rPr lang="en-US" dirty="0" smtClean="0"/>
-              <a:t>P1.</a:t>
-            </a:r>
-            <a:r>
-              <a:rPr lang="en-US" dirty="0" smtClean="0">
-                <a:solidFill>
-                  <a:srgbClr val="00B050"/>
-                </a:solidFill>
-              </a:rPr>
-              <a:t>x</a:t>
-            </a:r>
-            <a:endParaRPr lang="en-US" dirty="0">
-              <a:solidFill>
-                <a:srgbClr val="00B050"/>
-              </a:solidFill>
-            </a:endParaRPr>
-          </a:p>
-        </p:txBody>
-      </p:sp>
-      <p:sp>
-        <p:nvSpPr>
-          <p:cNvPr id="7" name="Right Arrow 6"/>
-          <p:cNvSpPr/>
-          <p:nvPr/>
-        </p:nvSpPr>
-        <p:spPr bwMode="auto">
-          <a:xfrm rot="16200000">
-            <a:off x="7684003" y="2288653"/>
-            <a:ext cx="1446071" cy="925283"/>
-          </a:xfrm>
-          <a:prstGeom prst="rightArrow">
-            <a:avLst/>
-          </a:prstGeom>
-          <a:solidFill>
-            <a:srgbClr val="00B050"/>
-          </a:solidFill>
-          <a:ln w="12700" cap="flat" cmpd="sng" algn="ctr">
-            <a:solidFill>
-              <a:srgbClr val="92D050"/>
-            </a:solidFill>
-            <a:prstDash val="solid"/>
-            <a:round/>
-            <a:headEnd type="none" w="med" len="med"/>
-            <a:tailEnd type="none" w="med" len="med"/>
-          </a:ln>
-          <a:effectLst/>
-        </p:spPr>
-        <p:txBody>
-          <a:bodyPr vert="horz" wrap="square" lIns="91440" tIns="45720" rIns="91440" bIns="45720" numCol="1" rtlCol="0" anchor="ctr" anchorCtr="0" compatLnSpc="1">
-            <a:prstTxWarp prst="textNoShape">
-              <a:avLst/>
-            </a:prstTxWarp>
-          </a:bodyPr>
-          <a:lstStyle/>
-          <a:p>
-            <a:pPr marL="0" marR="0" indent="0" algn="ctr" defTabSz="914400" rtl="0" eaLnBrk="0" fontAlgn="base" latinLnBrk="0" hangingPunct="0">
-              <a:lnSpc>
-                <a:spcPct val="100000"/>
-              </a:lnSpc>
-              <a:spcBef>
-                <a:spcPct val="0"/>
-              </a:spcBef>
-              <a:spcAft>
-                <a:spcPct val="0"/>
-              </a:spcAft>
-              <a:buClrTx/>
-              <a:buSzTx/>
-              <a:buFontTx/>
-              <a:buNone/>
-              <a:tabLst/>
-            </a:pPr>
-            <a:r>
-              <a:rPr kumimoji="0" lang="en-US" sz="1600" b="1" i="0" u="none" strike="noStrike" cap="none" normalizeH="0" baseline="0" dirty="0" smtClean="0">
-                <a:ln>
-                  <a:noFill/>
-                </a:ln>
-                <a:solidFill>
-                  <a:schemeClr val="bg1"/>
-                </a:solidFill>
-                <a:effectLst/>
-                <a:latin typeface="Arial" charset="0"/>
-              </a:rPr>
-              <a:t>Pin 0-7</a:t>
-            </a:r>
-          </a:p>
-        </p:txBody>
-      </p:sp>
-      <p:sp>
-        <p:nvSpPr>
-          <p:cNvPr id="8" name="TextBox 7"/>
-          <p:cNvSpPr txBox="1"/>
-          <p:nvPr/>
-        </p:nvSpPr>
-        <p:spPr>
-          <a:xfrm>
-            <a:off x="8070021" y="3949794"/>
-            <a:ext cx="1040670" cy="461665"/>
-          </a:xfrm>
-          <a:prstGeom prst="rect">
-            <a:avLst/>
-          </a:prstGeom>
-          <a:noFill/>
-        </p:spPr>
-        <p:txBody>
-          <a:bodyPr wrap="none" rtlCol="0">
-            <a:spAutoFit/>
-          </a:bodyPr>
-          <a:lstStyle/>
-          <a:p>
-            <a:r>
-              <a:rPr lang="en-US" dirty="0" err="1" smtClean="0"/>
-              <a:t>P</a:t>
-            </a:r>
-            <a:r>
-              <a:rPr lang="en-US" dirty="0" err="1" smtClean="0">
-                <a:solidFill>
-                  <a:srgbClr val="FF0000"/>
-                </a:solidFill>
-              </a:rPr>
-              <a:t>x</a:t>
-            </a:r>
-            <a:r>
-              <a:rPr lang="en-US" dirty="0" err="1" smtClean="0"/>
-              <a:t>DIR</a:t>
-            </a:r>
-            <a:endParaRPr lang="en-US" dirty="0"/>
-          </a:p>
-        </p:txBody>
-      </p:sp>
-      <p:sp>
-        <p:nvSpPr>
-          <p:cNvPr id="9" name="Right Arrow 8"/>
-          <p:cNvSpPr/>
-          <p:nvPr/>
-        </p:nvSpPr>
-        <p:spPr bwMode="auto">
-          <a:xfrm rot="16200000">
-            <a:off x="7638131" y="4671853"/>
-            <a:ext cx="1446071" cy="925283"/>
-          </a:xfrm>
-          <a:prstGeom prst="rightArrow">
-            <a:avLst/>
-          </a:prstGeom>
-          <a:solidFill>
-            <a:srgbClr val="FF0000"/>
-          </a:solidFill>
-          <a:ln w="12700" cap="flat" cmpd="sng" algn="ctr">
-            <a:solidFill>
-              <a:srgbClr val="C00000"/>
-            </a:solidFill>
-            <a:prstDash val="solid"/>
-            <a:round/>
-            <a:headEnd type="none" w="med" len="med"/>
-            <a:tailEnd type="none" w="med" len="med"/>
-          </a:ln>
-          <a:effectLst/>
-        </p:spPr>
-        <p:txBody>
-          <a:bodyPr vert="horz" wrap="square" lIns="91440" tIns="45720" rIns="91440" bIns="45720" numCol="1" rtlCol="0" anchor="ctr" anchorCtr="0" compatLnSpc="1">
-            <a:prstTxWarp prst="textNoShape">
-              <a:avLst/>
-            </a:prstTxWarp>
-          </a:bodyPr>
-          <a:lstStyle/>
-          <a:p>
-            <a:pPr marL="0" marR="0" indent="0" algn="ctr" defTabSz="914400" rtl="0" eaLnBrk="0" fontAlgn="base" latinLnBrk="0" hangingPunct="0">
-              <a:lnSpc>
-                <a:spcPct val="100000"/>
-              </a:lnSpc>
-              <a:spcBef>
-                <a:spcPct val="0"/>
-              </a:spcBef>
-              <a:spcAft>
-                <a:spcPct val="0"/>
-              </a:spcAft>
-              <a:buClrTx/>
-              <a:buSzTx/>
-              <a:buFontTx/>
-              <a:buNone/>
-              <a:tabLst/>
-            </a:pPr>
-            <a:r>
-              <a:rPr kumimoji="0" lang="en-US" sz="1600" b="1" i="0" u="none" strike="noStrike" cap="none" normalizeH="0" baseline="0" dirty="0" smtClean="0">
-                <a:ln>
-                  <a:noFill/>
-                </a:ln>
-                <a:solidFill>
-                  <a:schemeClr val="bg1"/>
-                </a:solidFill>
-                <a:effectLst/>
-                <a:latin typeface="Arial" charset="0"/>
-              </a:rPr>
-              <a:t>Port 1 or 2</a:t>
-            </a:r>
-          </a:p>
-        </p:txBody>
-      </p:sp>
-      <p:sp>
-        <p:nvSpPr>
-          <p:cNvPr id="3" name="Rectangle 2"/>
-          <p:cNvSpPr/>
-          <p:nvPr/>
-        </p:nvSpPr>
-        <p:spPr bwMode="auto">
-          <a:xfrm>
-            <a:off x="1765736" y="3626069"/>
-            <a:ext cx="6156434" cy="228600"/>
-          </a:xfrm>
-          <a:prstGeom prst="rect">
-            <a:avLst/>
-          </a:prstGeom>
-          <a:noFill/>
-          <a:ln w="12700" cap="flat" cmpd="sng" algn="ctr">
-            <a:solidFill>
-              <a:srgbClr val="FF0000"/>
-            </a:solidFill>
-            <a:prstDash val="solid"/>
-            <a:round/>
-            <a:headEnd type="none" w="med" len="med"/>
-            <a:tailEnd type="none" w="med" len="med"/>
-          </a:ln>
-          <a:effectLst/>
-        </p:spPr>
-        <p:txBody>
-          <a:bodyPr vert="horz" wrap="square" lIns="91440" tIns="45720" rIns="91440" bIns="45720" numCol="1" rtlCol="0" anchor="t" anchorCtr="0" compatLnSpc="1">
-            <a:prstTxWarp prst="textNoShape">
-              <a:avLst/>
-            </a:prstTxWarp>
-          </a:bodyPr>
-          <a:lstStyle/>
-          <a:p>
-            <a:pPr marL="0" marR="0" indent="0" algn="ctr" defTabSz="914400" rtl="0" eaLnBrk="0" fontAlgn="base" latinLnBrk="0" hangingPunct="0">
-              <a:lnSpc>
-                <a:spcPct val="100000"/>
-              </a:lnSpc>
-              <a:spcBef>
-                <a:spcPct val="0"/>
-              </a:spcBef>
-              <a:spcAft>
-                <a:spcPct val="0"/>
-              </a:spcAft>
-              <a:buClrTx/>
-              <a:buSzTx/>
-              <a:buFontTx/>
-              <a:buNone/>
-              <a:tabLst/>
-            </a:pPr>
-            <a:endParaRPr kumimoji="0" lang="en-US" sz="1600" b="0" i="0" u="none" strike="noStrike" cap="none" normalizeH="0" baseline="0" smtClean="0">
-              <a:ln>
-                <a:noFill/>
-              </a:ln>
-              <a:solidFill>
-                <a:schemeClr val="tx1"/>
-              </a:solidFill>
-              <a:effectLst/>
-              <a:latin typeface="Arial" charset="0"/>
-            </a:endParaRPr>
-          </a:p>
-        </p:txBody>
-      </p:sp>
-      <p:sp>
-        <p:nvSpPr>
-          <p:cNvPr id="4" name="Rectangle 3"/>
-          <p:cNvSpPr/>
-          <p:nvPr/>
-        </p:nvSpPr>
-        <p:spPr>
-          <a:xfrm>
-            <a:off x="3091492" y="5656363"/>
-            <a:ext cx="4572000" cy="646331"/>
-          </a:xfrm>
-          <a:prstGeom prst="rect">
-            <a:avLst/>
-          </a:prstGeom>
-        </p:spPr>
-        <p:txBody>
-          <a:bodyPr>
-            <a:spAutoFit/>
-          </a:bodyPr>
-          <a:lstStyle/>
-          <a:p>
-            <a:pPr marL="0" indent="0">
-              <a:buNone/>
-            </a:pPr>
-            <a:r>
-              <a:rPr lang="en-US" sz="1800" dirty="0" err="1" smtClean="0">
-                <a:solidFill>
-                  <a:schemeClr val="accent2"/>
-                </a:solidFill>
-                <a:latin typeface="Courier New" pitchFamily="49" charset="0"/>
-                <a:cs typeface="Courier New" pitchFamily="49" charset="0"/>
-              </a:rPr>
-              <a:t>bis.b</a:t>
-            </a:r>
-            <a:r>
-              <a:rPr lang="en-US" sz="1800" dirty="0" smtClean="0">
-                <a:solidFill>
-                  <a:schemeClr val="accent2"/>
-                </a:solidFill>
-                <a:latin typeface="Courier New" pitchFamily="49" charset="0"/>
-                <a:cs typeface="Courier New" pitchFamily="49" charset="0"/>
-              </a:rPr>
-              <a:t>  </a:t>
-            </a:r>
-            <a:r>
-              <a:rPr lang="en-US" sz="1800" dirty="0">
-                <a:solidFill>
-                  <a:schemeClr val="accent2"/>
-                </a:solidFill>
-                <a:latin typeface="Courier New" pitchFamily="49" charset="0"/>
-                <a:cs typeface="Courier New" pitchFamily="49" charset="0"/>
-              </a:rPr>
-              <a:t>#</a:t>
-            </a:r>
-            <a:r>
-              <a:rPr lang="en-US" sz="1800" dirty="0" smtClean="0">
-                <a:solidFill>
-                  <a:schemeClr val="accent2"/>
-                </a:solidFill>
-                <a:latin typeface="Courier New" pitchFamily="49" charset="0"/>
-                <a:cs typeface="Courier New" pitchFamily="49" charset="0"/>
-              </a:rPr>
-              <a:t>BIT1, </a:t>
-            </a:r>
-            <a:r>
-              <a:rPr lang="en-US" sz="1800" dirty="0">
-                <a:solidFill>
-                  <a:schemeClr val="accent2"/>
-                </a:solidFill>
-                <a:latin typeface="Courier New" pitchFamily="49" charset="0"/>
-                <a:cs typeface="Courier New" pitchFamily="49" charset="0"/>
-              </a:rPr>
-              <a:t>&amp;</a:t>
-            </a:r>
-            <a:r>
-              <a:rPr lang="en-US" sz="1800" dirty="0" smtClean="0">
-                <a:solidFill>
-                  <a:schemeClr val="accent2"/>
-                </a:solidFill>
-                <a:latin typeface="Courier New" pitchFamily="49" charset="0"/>
-                <a:cs typeface="Courier New" pitchFamily="49" charset="0"/>
-              </a:rPr>
-              <a:t>P1SEL</a:t>
-            </a:r>
-            <a:r>
-              <a:rPr lang="en-US" sz="1800" dirty="0" smtClean="0">
-                <a:solidFill>
-                  <a:srgbClr val="00B050"/>
-                </a:solidFill>
-                <a:latin typeface="Courier New" pitchFamily="49" charset="0"/>
-                <a:cs typeface="Courier New" pitchFamily="49" charset="0"/>
-              </a:rPr>
-              <a:t>        </a:t>
-            </a:r>
-            <a:r>
-              <a:rPr lang="en-US" sz="1800" dirty="0" err="1" smtClean="0">
-                <a:solidFill>
-                  <a:schemeClr val="accent2"/>
-                </a:solidFill>
-                <a:latin typeface="Courier New" pitchFamily="49" charset="0"/>
-                <a:cs typeface="Courier New" pitchFamily="49" charset="0"/>
-              </a:rPr>
-              <a:t>bis.b</a:t>
-            </a:r>
-            <a:r>
-              <a:rPr lang="en-US" sz="1800" dirty="0" smtClean="0">
-                <a:solidFill>
-                  <a:schemeClr val="accent2"/>
-                </a:solidFill>
-                <a:latin typeface="Courier New" pitchFamily="49" charset="0"/>
-                <a:cs typeface="Courier New" pitchFamily="49" charset="0"/>
-              </a:rPr>
-              <a:t>  #BIT1, &amp;P1SEL2 </a:t>
-            </a:r>
-            <a:endParaRPr lang="en-US" sz="1800" dirty="0"/>
-          </a:p>
-        </p:txBody>
-      </p:sp>
-      <p:sp>
-        <p:nvSpPr>
-          <p:cNvPr id="5" name="Oval 4"/>
-          <p:cNvSpPr/>
-          <p:nvPr/>
-        </p:nvSpPr>
-        <p:spPr bwMode="auto">
-          <a:xfrm>
-            <a:off x="2498832" y="3537479"/>
-            <a:ext cx="346842" cy="299545"/>
-          </a:xfrm>
-          <a:prstGeom prst="ellipse">
-            <a:avLst/>
-          </a:prstGeom>
-          <a:noFill/>
-          <a:ln w="12700" cap="flat" cmpd="sng" algn="ctr">
-            <a:solidFill>
-              <a:srgbClr val="7030A0"/>
-            </a:solidFill>
-            <a:prstDash val="solid"/>
-            <a:round/>
-            <a:headEnd type="none" w="med" len="med"/>
-            <a:tailEnd type="none" w="med" len="med"/>
-          </a:ln>
-          <a:effectLst/>
-        </p:spPr>
-        <p:txBody>
-          <a:bodyPr vert="horz" wrap="square" lIns="91440" tIns="45720" rIns="91440" bIns="45720" numCol="1" rtlCol="0" anchor="t" anchorCtr="0" compatLnSpc="1">
-            <a:prstTxWarp prst="textNoShape">
-              <a:avLst/>
-            </a:prstTxWarp>
-          </a:bodyPr>
-          <a:lstStyle/>
-          <a:p>
-            <a:pPr marL="0" marR="0" indent="0" algn="ctr" defTabSz="914400" rtl="0" eaLnBrk="0" fontAlgn="base" latinLnBrk="0" hangingPunct="0">
-              <a:lnSpc>
-                <a:spcPct val="100000"/>
-              </a:lnSpc>
-              <a:spcBef>
-                <a:spcPct val="0"/>
-              </a:spcBef>
-              <a:spcAft>
-                <a:spcPct val="0"/>
-              </a:spcAft>
-              <a:buClrTx/>
-              <a:buSzTx/>
-              <a:buFontTx/>
-              <a:buNone/>
-              <a:tabLst/>
-            </a:pPr>
-            <a:endParaRPr kumimoji="0" lang="en-US" sz="1600" b="0" i="0" u="none" strike="noStrike" cap="none" normalizeH="0" baseline="0" smtClean="0">
-              <a:ln>
-                <a:noFill/>
-              </a:ln>
-              <a:solidFill>
-                <a:schemeClr val="tx1"/>
-              </a:solidFill>
-              <a:effectLst/>
-              <a:latin typeface="Arial" charset="0"/>
-            </a:endParaRPr>
-          </a:p>
-        </p:txBody>
-      </p:sp>
-      <p:sp>
-        <p:nvSpPr>
-          <p:cNvPr id="10" name="Rectangle 9"/>
-          <p:cNvSpPr/>
-          <p:nvPr/>
-        </p:nvSpPr>
-        <p:spPr bwMode="auto">
-          <a:xfrm>
-            <a:off x="4048508" y="5542616"/>
-            <a:ext cx="957044" cy="877563"/>
-          </a:xfrm>
-          <a:prstGeom prst="rect">
-            <a:avLst/>
-          </a:prstGeom>
-          <a:noFill/>
-          <a:ln w="12700" cap="flat" cmpd="sng" algn="ctr">
-            <a:solidFill>
-              <a:srgbClr val="7030A0"/>
-            </a:solidFill>
-            <a:prstDash val="solid"/>
-            <a:round/>
-            <a:headEnd type="none" w="med" len="med"/>
-            <a:tailEnd type="none" w="med" len="med"/>
-          </a:ln>
-          <a:effectLst/>
-        </p:spPr>
-        <p:txBody>
-          <a:bodyPr vert="horz" wrap="square" lIns="91440" tIns="45720" rIns="91440" bIns="45720" numCol="1" rtlCol="0" anchor="t" anchorCtr="0" compatLnSpc="1">
-            <a:prstTxWarp prst="textNoShape">
-              <a:avLst/>
-            </a:prstTxWarp>
-          </a:bodyPr>
-          <a:lstStyle/>
-          <a:p>
-            <a:pPr marL="0" marR="0" indent="0" algn="ctr" defTabSz="914400" rtl="0" eaLnBrk="0" fontAlgn="base" latinLnBrk="0" hangingPunct="0">
-              <a:lnSpc>
-                <a:spcPct val="100000"/>
-              </a:lnSpc>
-              <a:spcBef>
-                <a:spcPct val="0"/>
-              </a:spcBef>
-              <a:spcAft>
-                <a:spcPct val="0"/>
-              </a:spcAft>
-              <a:buClrTx/>
-              <a:buSzTx/>
-              <a:buFontTx/>
-              <a:buNone/>
-              <a:tabLst/>
-            </a:pPr>
-            <a:endParaRPr kumimoji="0" lang="en-US" sz="1600" b="0" i="0" u="none" strike="noStrike" cap="none" normalizeH="0" baseline="0" smtClean="0">
-              <a:ln>
-                <a:noFill/>
-              </a:ln>
-              <a:solidFill>
-                <a:schemeClr val="tx1"/>
-              </a:solidFill>
-              <a:effectLst/>
-              <a:latin typeface="Arial" charset="0"/>
-            </a:endParaRPr>
-          </a:p>
-        </p:txBody>
-      </p:sp>
-      <p:cxnSp>
-        <p:nvCxnSpPr>
-          <p:cNvPr id="12" name="Straight Arrow Connector 11"/>
-          <p:cNvCxnSpPr>
-            <a:stCxn id="5" idx="5"/>
-          </p:cNvCxnSpPr>
-          <p:nvPr/>
-        </p:nvCxnSpPr>
-        <p:spPr bwMode="auto">
-          <a:xfrm>
-            <a:off x="2794880" y="3793157"/>
-            <a:ext cx="1816532" cy="1772071"/>
-          </a:xfrm>
-          <a:prstGeom prst="straightConnector1">
-            <a:avLst/>
-          </a:prstGeom>
-          <a:solidFill>
-            <a:srgbClr val="0C2D83"/>
-          </a:solidFill>
-          <a:ln w="12700" cap="flat" cmpd="sng" algn="ctr">
-            <a:solidFill>
-              <a:srgbClr val="7030A0"/>
-            </a:solidFill>
-            <a:prstDash val="solid"/>
-            <a:round/>
-            <a:headEnd type="none" w="med" len="med"/>
-            <a:tailEnd type="triangle"/>
-          </a:ln>
-          <a:effectLst/>
-        </p:spPr>
-      </p:cxnSp>
-      <p:sp>
-        <p:nvSpPr>
-          <p:cNvPr id="13" name="TextBox 12"/>
-          <p:cNvSpPr txBox="1"/>
-          <p:nvPr/>
-        </p:nvSpPr>
-        <p:spPr>
-          <a:xfrm>
-            <a:off x="97106" y="3257296"/>
-            <a:ext cx="1625985" cy="923330"/>
-          </a:xfrm>
-          <a:prstGeom prst="rect">
-            <a:avLst/>
-          </a:prstGeom>
-          <a:noFill/>
-        </p:spPr>
-        <p:txBody>
-          <a:bodyPr wrap="square" rtlCol="0">
-            <a:spAutoFit/>
-          </a:bodyPr>
-          <a:lstStyle/>
-          <a:p>
-            <a:r>
-              <a:rPr lang="en-US" sz="1800" dirty="0" smtClean="0">
-                <a:solidFill>
-                  <a:srgbClr val="FF0000"/>
-                </a:solidFill>
-              </a:rPr>
-              <a:t>Let’s setup UCA0SOMI on port 1, pin 1</a:t>
-            </a:r>
-            <a:endParaRPr lang="en-US" sz="1800" dirty="0">
-              <a:solidFill>
-                <a:srgbClr val="FF0000"/>
-              </a:solidFill>
-            </a:endParaRPr>
-          </a:p>
-        </p:txBody>
-      </p:sp>
-    </p:spTree>
-    <p:extLst>
-      <p:ext uri="{BB962C8B-B14F-4D97-AF65-F5344CB8AC3E}">
-        <p14:creationId xmlns:p14="http://schemas.microsoft.com/office/powerpoint/2010/main" val="143891520"/>
-      </p:ext>
-    </p:extLst>
-  </p:cSld>
-  <p:clrMapOvr>
-    <a:masterClrMapping/>
-  </p:clrMapOvr>
-  <p:timing>
-    <p:tnLst>
-      <p:par>
-        <p:cTn id="1" dur="indefinite" restart="never" nodeType="tmRoot"/>
-      </p:par>
-    </p:tnLst>
   </p:timing>
 </p:sld>
 </file>

--- a/source/lessons/lsn13/Lsn13.pptx
+++ b/source/lessons/lsn13/Lsn13.pptx
@@ -1390,7 +1390,7 @@
           <a:p>
             <a:fld id="{834513E8-165F-4932-9E2D-FD497CB9A4FD}" type="datetimeFigureOut">
               <a:rPr lang="en-US" smtClean="0"/>
-              <a:t>8/14/2018</a:t>
+              <a:t>8/30/2018</a:t>
             </a:fld>
             <a:endParaRPr lang="en-US"/>
           </a:p>
@@ -1485,7 +1485,7 @@
           <a:p>
             <a:fld id="{834513E8-165F-4932-9E2D-FD497CB9A4FD}" type="datetimeFigureOut">
               <a:rPr lang="en-US" smtClean="0"/>
-              <a:t>8/14/2018</a:t>
+              <a:t>8/30/2018</a:t>
             </a:fld>
             <a:endParaRPr lang="en-US"/>
           </a:p>
@@ -1762,7 +1762,7 @@
           <a:p>
             <a:fld id="{834513E8-165F-4932-9E2D-FD497CB9A4FD}" type="datetimeFigureOut">
               <a:rPr lang="en-US" smtClean="0"/>
-              <a:t>8/14/2018</a:t>
+              <a:t>8/30/2018</a:t>
             </a:fld>
             <a:endParaRPr lang="en-US"/>
           </a:p>
@@ -2015,7 +2015,7 @@
           <a:p>
             <a:fld id="{834513E8-165F-4932-9E2D-FD497CB9A4FD}" type="datetimeFigureOut">
               <a:rPr lang="en-US" smtClean="0"/>
-              <a:t>8/14/2018</a:t>
+              <a:t>8/30/2018</a:t>
             </a:fld>
             <a:endParaRPr lang="en-US"/>
           </a:p>
@@ -2185,7 +2185,7 @@
           <a:p>
             <a:fld id="{834513E8-165F-4932-9E2D-FD497CB9A4FD}" type="datetimeFigureOut">
               <a:rPr lang="en-US" smtClean="0"/>
-              <a:t>8/14/2018</a:t>
+              <a:t>8/30/2018</a:t>
             </a:fld>
             <a:endParaRPr lang="en-US"/>
           </a:p>
@@ -2365,7 +2365,7 @@
           <a:p>
             <a:fld id="{834513E8-165F-4932-9E2D-FD497CB9A4FD}" type="datetimeFigureOut">
               <a:rPr lang="en-US" smtClean="0"/>
-              <a:t>8/14/2018</a:t>
+              <a:t>8/30/2018</a:t>
             </a:fld>
             <a:endParaRPr lang="en-US"/>
           </a:p>
@@ -3185,7 +3185,7 @@
           <a:p>
             <a:fld id="{834513E8-165F-4932-9E2D-FD497CB9A4FD}" type="datetimeFigureOut">
               <a:rPr lang="en-US" smtClean="0"/>
-              <a:t>8/14/2018</a:t>
+              <a:t>8/30/2018</a:t>
             </a:fld>
             <a:endParaRPr lang="en-US"/>
           </a:p>
@@ -3355,7 +3355,7 @@
           <a:p>
             <a:fld id="{834513E8-165F-4932-9E2D-FD497CB9A4FD}" type="datetimeFigureOut">
               <a:rPr lang="en-US" smtClean="0"/>
-              <a:t>8/14/2018</a:t>
+              <a:t>8/30/2018</a:t>
             </a:fld>
             <a:endParaRPr lang="en-US"/>
           </a:p>
@@ -3601,7 +3601,7 @@
           <a:p>
             <a:fld id="{834513E8-165F-4932-9E2D-FD497CB9A4FD}" type="datetimeFigureOut">
               <a:rPr lang="en-US" smtClean="0"/>
-              <a:t>8/14/2018</a:t>
+              <a:t>8/30/2018</a:t>
             </a:fld>
             <a:endParaRPr lang="en-US"/>
           </a:p>
@@ -3833,7 +3833,7 @@
           <a:p>
             <a:fld id="{834513E8-165F-4932-9E2D-FD497CB9A4FD}" type="datetimeFigureOut">
               <a:rPr lang="en-US" smtClean="0"/>
-              <a:t>8/14/2018</a:t>
+              <a:t>8/30/2018</a:t>
             </a:fld>
             <a:endParaRPr lang="en-US"/>
           </a:p>
@@ -4200,7 +4200,7 @@
           <a:p>
             <a:fld id="{834513E8-165F-4932-9E2D-FD497CB9A4FD}" type="datetimeFigureOut">
               <a:rPr lang="en-US" smtClean="0"/>
-              <a:t>8/14/2018</a:t>
+              <a:t>8/30/2018</a:t>
             </a:fld>
             <a:endParaRPr lang="en-US"/>
           </a:p>
@@ -6017,7 +6017,7 @@
           <a:p>
             <a:fld id="{834513E8-165F-4932-9E2D-FD497CB9A4FD}" type="datetimeFigureOut">
               <a:rPr lang="en-US" smtClean="0"/>
-              <a:t>8/14/2018</a:t>
+              <a:t>8/30/2018</a:t>
             </a:fld>
             <a:endParaRPr lang="en-US"/>
           </a:p>
@@ -7826,19 +7826,7 @@
               <a:rPr lang="en-US" dirty="0" smtClean="0">
                 <a:sym typeface="Wingdings" panose="05000000000000000000" pitchFamily="2" charset="2"/>
               </a:rPr>
-              <a:t>You may not </a:t>
-            </a:r>
-            <a:r>
-              <a:rPr lang="en-US" dirty="0" smtClean="0">
-                <a:sym typeface="Wingdings" panose="05000000000000000000" pitchFamily="2" charset="2"/>
-              </a:rPr>
-              <a:t>want </a:t>
-            </a:r>
-            <a:r>
-              <a:rPr lang="en-US" dirty="0" smtClean="0">
-                <a:sym typeface="Wingdings" panose="05000000000000000000" pitchFamily="2" charset="2"/>
-              </a:rPr>
-              <a:t>your </a:t>
+              <a:t>You may not want your </a:t>
             </a:r>
             <a:r>
               <a:rPr lang="en-US" dirty="0" err="1" smtClean="0">
@@ -8032,16 +8020,6 @@
               </a:rPr>
               <a:t>Why do I need a resistor?</a:t>
             </a:r>
-            <a:endParaRPr kumimoji="0" lang="en-US" sz="1400" b="0" i="0" u="none" strike="noStrike" cap="none" normalizeH="0" baseline="0" dirty="0" smtClean="0">
-              <a:ln>
-                <a:noFill/>
-              </a:ln>
-              <a:solidFill>
-                <a:schemeClr val="tx1"/>
-              </a:solidFill>
-              <a:effectLst/>
-              <a:latin typeface="Arial" charset="0"/>
-            </a:endParaRPr>
           </a:p>
         </p:txBody>
       </p:sp>
@@ -8058,9 +8036,80 @@
   <p:timing>
     <p:tnLst>
       <p:par>
-        <p:cTn id="1" dur="indefinite" restart="never" nodeType="tmRoot"/>
+        <p:cTn id="1" dur="indefinite" restart="never" nodeType="tmRoot">
+          <p:childTnLst>
+            <p:seq concurrent="1" nextAc="seek">
+              <p:cTn id="2" dur="indefinite" nodeType="mainSeq">
+                <p:childTnLst>
+                  <p:par>
+                    <p:cTn id="3" fill="hold">
+                      <p:stCondLst>
+                        <p:cond delay="indefinite"/>
+                      </p:stCondLst>
+                      <p:childTnLst>
+                        <p:par>
+                          <p:cTn id="4" fill="hold">
+                            <p:stCondLst>
+                              <p:cond delay="0"/>
+                            </p:stCondLst>
+                            <p:childTnLst>
+                              <p:par>
+                                <p:cTn id="5" presetID="1" presetClass="entr" presetSubtype="0" fill="hold" grpId="0" nodeType="clickEffect">
+                                  <p:stCondLst>
+                                    <p:cond delay="0"/>
+                                  </p:stCondLst>
+                                  <p:childTnLst>
+                                    <p:set>
+                                      <p:cBhvr>
+                                        <p:cTn id="6" dur="1" fill="hold">
+                                          <p:stCondLst>
+                                            <p:cond delay="0"/>
+                                          </p:stCondLst>
+                                        </p:cTn>
+                                        <p:tgtEl>
+                                          <p:spTgt spid="7"/>
+                                        </p:tgtEl>
+                                        <p:attrNameLst>
+                                          <p:attrName>style.visibility</p:attrName>
+                                        </p:attrNameLst>
+                                      </p:cBhvr>
+                                      <p:to>
+                                        <p:strVal val="visible"/>
+                                      </p:to>
+                                    </p:set>
+                                  </p:childTnLst>
+                                </p:cTn>
+                              </p:par>
+                            </p:childTnLst>
+                          </p:cTn>
+                        </p:par>
+                      </p:childTnLst>
+                    </p:cTn>
+                  </p:par>
+                </p:childTnLst>
+              </p:cTn>
+              <p:prevCondLst>
+                <p:cond evt="onPrev" delay="0">
+                  <p:tgtEl>
+                    <p:sldTgt/>
+                  </p:tgtEl>
+                </p:cond>
+              </p:prevCondLst>
+              <p:nextCondLst>
+                <p:cond evt="onNext" delay="0">
+                  <p:tgtEl>
+                    <p:sldTgt/>
+                  </p:tgtEl>
+                </p:cond>
+              </p:nextCondLst>
+            </p:seq>
+          </p:childTnLst>
+        </p:cTn>
       </p:par>
     </p:tnLst>
+    <p:bldLst>
+      <p:bldP spid="7" grpId="0" animBg="1"/>
+    </p:bldLst>
   </p:timing>
 </p:sld>
 </file>
@@ -8442,9 +8491,80 @@
   <p:timing>
     <p:tnLst>
       <p:par>
-        <p:cTn id="1" dur="indefinite" restart="never" nodeType="tmRoot"/>
+        <p:cTn id="1" dur="indefinite" restart="never" nodeType="tmRoot">
+          <p:childTnLst>
+            <p:seq concurrent="1" nextAc="seek">
+              <p:cTn id="2" dur="indefinite" nodeType="mainSeq">
+                <p:childTnLst>
+                  <p:par>
+                    <p:cTn id="3" fill="hold">
+                      <p:stCondLst>
+                        <p:cond delay="indefinite"/>
+                      </p:stCondLst>
+                      <p:childTnLst>
+                        <p:par>
+                          <p:cTn id="4" fill="hold">
+                            <p:stCondLst>
+                              <p:cond delay="0"/>
+                            </p:stCondLst>
+                            <p:childTnLst>
+                              <p:par>
+                                <p:cTn id="5" presetID="1" presetClass="entr" presetSubtype="0" fill="hold" grpId="0" nodeType="clickEffect">
+                                  <p:stCondLst>
+                                    <p:cond delay="0"/>
+                                  </p:stCondLst>
+                                  <p:childTnLst>
+                                    <p:set>
+                                      <p:cBhvr>
+                                        <p:cTn id="6" dur="1" fill="hold">
+                                          <p:stCondLst>
+                                            <p:cond delay="0"/>
+                                          </p:stCondLst>
+                                        </p:cTn>
+                                        <p:tgtEl>
+                                          <p:spTgt spid="4"/>
+                                        </p:tgtEl>
+                                        <p:attrNameLst>
+                                          <p:attrName>style.visibility</p:attrName>
+                                        </p:attrNameLst>
+                                      </p:cBhvr>
+                                      <p:to>
+                                        <p:strVal val="visible"/>
+                                      </p:to>
+                                    </p:set>
+                                  </p:childTnLst>
+                                </p:cTn>
+                              </p:par>
+                            </p:childTnLst>
+                          </p:cTn>
+                        </p:par>
+                      </p:childTnLst>
+                    </p:cTn>
+                  </p:par>
+                </p:childTnLst>
+              </p:cTn>
+              <p:prevCondLst>
+                <p:cond evt="onPrev" delay="0">
+                  <p:tgtEl>
+                    <p:sldTgt/>
+                  </p:tgtEl>
+                </p:cond>
+              </p:prevCondLst>
+              <p:nextCondLst>
+                <p:cond evt="onNext" delay="0">
+                  <p:tgtEl>
+                    <p:sldTgt/>
+                  </p:tgtEl>
+                </p:cond>
+              </p:nextCondLst>
+            </p:seq>
+          </p:childTnLst>
+        </p:cTn>
       </p:par>
     </p:tnLst>
+    <p:bldLst>
+      <p:bldP spid="4" grpId="0" animBg="1"/>
+    </p:bldLst>
   </p:timing>
 </p:sld>
 </file>
@@ -8526,14 +8646,22 @@
             <a:pPr lvl="1"/>
             <a:r>
               <a:rPr lang="en-US" b="0" dirty="0" smtClean="0"/>
-              <a:t>Image the input is tied to a pilot’s ejection seat</a:t>
+              <a:t>Imagine </a:t>
+            </a:r>
+            <a:r>
+              <a:rPr lang="en-US" b="0" dirty="0" smtClean="0"/>
+              <a:t>the input is tied to a pilot’s ejection seat</a:t>
             </a:r>
           </a:p>
           <a:p>
             <a:pPr lvl="1"/>
             <a:r>
               <a:rPr lang="en-US" b="0" dirty="0" smtClean="0"/>
-              <a:t>Image the </a:t>
+              <a:t>Imagine </a:t>
+            </a:r>
+            <a:r>
+              <a:rPr lang="en-US" b="0" dirty="0" smtClean="0"/>
+              <a:t>the </a:t>
             </a:r>
             <a:r>
               <a:rPr lang="en-US" b="0" dirty="0" err="1" smtClean="0"/>
@@ -8556,7 +8684,11 @@
             <a:pPr lvl="1"/>
             <a:r>
               <a:rPr lang="en-US" b="0" dirty="0" smtClean="0"/>
-              <a:t>Image another </a:t>
+              <a:t>Imagine </a:t>
+            </a:r>
+            <a:r>
+              <a:rPr lang="en-US" b="0" dirty="0" smtClean="0"/>
+              <a:t>another </a:t>
             </a:r>
             <a:r>
               <a:rPr lang="en-US" b="0" dirty="0" err="1" smtClean="0"/>
@@ -8564,7 +8696,19 @@
             </a:r>
             <a:r>
               <a:rPr lang="en-US" b="0" dirty="0" smtClean="0"/>
-              <a:t> does NOT “see” a valid eject canopy</a:t>
+              <a:t> does </a:t>
+            </a:r>
+            <a:r>
+              <a:rPr lang="en-US" dirty="0" smtClean="0">
+                <a:solidFill>
+                  <a:srgbClr val="FF0000"/>
+                </a:solidFill>
+              </a:rPr>
+              <a:t>NOT</a:t>
+            </a:r>
+            <a:r>
+              <a:rPr lang="en-US" b="0" dirty="0" smtClean="0"/>
+              <a:t> “see” a valid eject canopy</a:t>
             </a:r>
           </a:p>
           <a:p>
@@ -13775,16 +13919,6 @@
               </a:rPr>
               <a:t>Actual Pin</a:t>
             </a:r>
-            <a:endParaRPr kumimoji="0" lang="en-US" sz="1600" b="0" i="0" u="none" strike="noStrike" cap="none" normalizeH="0" baseline="0" dirty="0" smtClean="0">
-              <a:ln>
-                <a:noFill/>
-              </a:ln>
-              <a:solidFill>
-                <a:schemeClr val="tx1"/>
-              </a:solidFill>
-              <a:effectLst/>
-              <a:latin typeface="Arial" charset="0"/>
-            </a:endParaRPr>
           </a:p>
         </p:txBody>
       </p:sp>
@@ -14108,16 +14242,6 @@
               </a:rPr>
               <a:t>Pull-up or pull-down resistor</a:t>
             </a:r>
-            <a:endParaRPr kumimoji="0" lang="en-US" sz="1600" b="0" i="0" u="none" strike="noStrike" cap="none" normalizeH="0" baseline="0" dirty="0" smtClean="0">
-              <a:ln>
-                <a:noFill/>
-              </a:ln>
-              <a:solidFill>
-                <a:schemeClr val="tx1"/>
-              </a:solidFill>
-              <a:effectLst/>
-              <a:latin typeface="Arial" charset="0"/>
-            </a:endParaRPr>
           </a:p>
         </p:txBody>
       </p:sp>

--- a/source/lessons/lsn13/Lsn13.pptx
+++ b/source/lessons/lsn13/Lsn13.pptx
@@ -26,8 +26,8 @@
     <p:sldId id="369" r:id="rId14"/>
     <p:sldId id="364" r:id="rId15"/>
     <p:sldId id="372" r:id="rId16"/>
-    <p:sldId id="363" r:id="rId17"/>
-    <p:sldId id="367" r:id="rId18"/>
+    <p:sldId id="367" r:id="rId17"/>
+    <p:sldId id="363" r:id="rId18"/>
     <p:sldId id="353" r:id="rId19"/>
     <p:sldId id="370" r:id="rId20"/>
   </p:sldIdLst>
@@ -1390,7 +1390,7 @@
           <a:p>
             <a:fld id="{834513E8-165F-4932-9E2D-FD497CB9A4FD}" type="datetimeFigureOut">
               <a:rPr lang="en-US" smtClean="0"/>
-              <a:t>8/30/2018</a:t>
+              <a:t>9/7/2018</a:t>
             </a:fld>
             <a:endParaRPr lang="en-US"/>
           </a:p>
@@ -1485,7 +1485,7 @@
           <a:p>
             <a:fld id="{834513E8-165F-4932-9E2D-FD497CB9A4FD}" type="datetimeFigureOut">
               <a:rPr lang="en-US" smtClean="0"/>
-              <a:t>8/30/2018</a:t>
+              <a:t>9/7/2018</a:t>
             </a:fld>
             <a:endParaRPr lang="en-US"/>
           </a:p>
@@ -1762,7 +1762,7 @@
           <a:p>
             <a:fld id="{834513E8-165F-4932-9E2D-FD497CB9A4FD}" type="datetimeFigureOut">
               <a:rPr lang="en-US" smtClean="0"/>
-              <a:t>8/30/2018</a:t>
+              <a:t>9/7/2018</a:t>
             </a:fld>
             <a:endParaRPr lang="en-US"/>
           </a:p>
@@ -2015,7 +2015,7 @@
           <a:p>
             <a:fld id="{834513E8-165F-4932-9E2D-FD497CB9A4FD}" type="datetimeFigureOut">
               <a:rPr lang="en-US" smtClean="0"/>
-              <a:t>8/30/2018</a:t>
+              <a:t>9/7/2018</a:t>
             </a:fld>
             <a:endParaRPr lang="en-US"/>
           </a:p>
@@ -2185,7 +2185,7 @@
           <a:p>
             <a:fld id="{834513E8-165F-4932-9E2D-FD497CB9A4FD}" type="datetimeFigureOut">
               <a:rPr lang="en-US" smtClean="0"/>
-              <a:t>8/30/2018</a:t>
+              <a:t>9/7/2018</a:t>
             </a:fld>
             <a:endParaRPr lang="en-US"/>
           </a:p>
@@ -2365,7 +2365,7 @@
           <a:p>
             <a:fld id="{834513E8-165F-4932-9E2D-FD497CB9A4FD}" type="datetimeFigureOut">
               <a:rPr lang="en-US" smtClean="0"/>
-              <a:t>8/30/2018</a:t>
+              <a:t>9/7/2018</a:t>
             </a:fld>
             <a:endParaRPr lang="en-US"/>
           </a:p>
@@ -3185,7 +3185,7 @@
           <a:p>
             <a:fld id="{834513E8-165F-4932-9E2D-FD497CB9A4FD}" type="datetimeFigureOut">
               <a:rPr lang="en-US" smtClean="0"/>
-              <a:t>8/30/2018</a:t>
+              <a:t>9/7/2018</a:t>
             </a:fld>
             <a:endParaRPr lang="en-US"/>
           </a:p>
@@ -3355,7 +3355,7 @@
           <a:p>
             <a:fld id="{834513E8-165F-4932-9E2D-FD497CB9A4FD}" type="datetimeFigureOut">
               <a:rPr lang="en-US" smtClean="0"/>
-              <a:t>8/30/2018</a:t>
+              <a:t>9/7/2018</a:t>
             </a:fld>
             <a:endParaRPr lang="en-US"/>
           </a:p>
@@ -3601,7 +3601,7 @@
           <a:p>
             <a:fld id="{834513E8-165F-4932-9E2D-FD497CB9A4FD}" type="datetimeFigureOut">
               <a:rPr lang="en-US" smtClean="0"/>
-              <a:t>8/30/2018</a:t>
+              <a:t>9/7/2018</a:t>
             </a:fld>
             <a:endParaRPr lang="en-US"/>
           </a:p>
@@ -3833,7 +3833,7 @@
           <a:p>
             <a:fld id="{834513E8-165F-4932-9E2D-FD497CB9A4FD}" type="datetimeFigureOut">
               <a:rPr lang="en-US" smtClean="0"/>
-              <a:t>8/30/2018</a:t>
+              <a:t>9/7/2018</a:t>
             </a:fld>
             <a:endParaRPr lang="en-US"/>
           </a:p>
@@ -4200,7 +4200,7 @@
           <a:p>
             <a:fld id="{834513E8-165F-4932-9E2D-FD497CB9A4FD}" type="datetimeFigureOut">
               <a:rPr lang="en-US" smtClean="0"/>
-              <a:t>8/30/2018</a:t>
+              <a:t>9/7/2018</a:t>
             </a:fld>
             <a:endParaRPr lang="en-US"/>
           </a:p>
@@ -6017,7 +6017,7 @@
           <a:p>
             <a:fld id="{834513E8-165F-4932-9E2D-FD497CB9A4FD}" type="datetimeFigureOut">
               <a:rPr lang="en-US" smtClean="0"/>
-              <a:t>8/30/2018</a:t>
+              <a:t>9/7/2018</a:t>
             </a:fld>
             <a:endParaRPr lang="en-US"/>
           </a:p>
@@ -8646,22 +8646,14 @@
             <a:pPr lvl="1"/>
             <a:r>
               <a:rPr lang="en-US" b="0" dirty="0" smtClean="0"/>
-              <a:t>Imagine </a:t>
-            </a:r>
+              <a:t>Imagine the input is tied to a pilot’s ejection seat</a:t>
+            </a:r>
+          </a:p>
+          <a:p>
+            <a:pPr lvl="1"/>
             <a:r>
               <a:rPr lang="en-US" b="0" dirty="0" smtClean="0"/>
-              <a:t>the input is tied to a pilot’s ejection seat</a:t>
-            </a:r>
-          </a:p>
-          <a:p>
-            <a:pPr lvl="1"/>
-            <a:r>
-              <a:rPr lang="en-US" b="0" dirty="0" smtClean="0"/>
-              <a:t>Imagine </a:t>
-            </a:r>
-            <a:r>
-              <a:rPr lang="en-US" b="0" dirty="0" smtClean="0"/>
-              <a:t>the </a:t>
+              <a:t>Imagine the </a:t>
             </a:r>
             <a:r>
               <a:rPr lang="en-US" b="0" dirty="0" err="1" smtClean="0"/>
@@ -8684,11 +8676,7 @@
             <a:pPr lvl="1"/>
             <a:r>
               <a:rPr lang="en-US" b="0" dirty="0" smtClean="0"/>
-              <a:t>Imagine </a:t>
-            </a:r>
-            <a:r>
-              <a:rPr lang="en-US" b="0" dirty="0" smtClean="0"/>
-              <a:t>another </a:t>
+              <a:t>Imagine another </a:t>
             </a:r>
             <a:r>
               <a:rPr lang="en-US" b="0" dirty="0" err="1" smtClean="0"/>
@@ -9164,1017 +9152,6 @@
           <a:p>
             <a:r>
               <a:rPr lang="en-US" b="1" dirty="0" smtClean="0"/>
-              <a:t>Example Program</a:t>
-            </a:r>
-            <a:endParaRPr lang="en-US" dirty="0"/>
-          </a:p>
-        </p:txBody>
-      </p:sp>
-      <p:sp>
-        <p:nvSpPr>
-          <p:cNvPr id="3" name="Content Placeholder 2"/>
-          <p:cNvSpPr>
-            <a:spLocks noGrp="1"/>
-          </p:cNvSpPr>
-          <p:nvPr>
-            <p:ph idx="1"/>
-          </p:nvPr>
-        </p:nvSpPr>
-        <p:spPr>
-          <a:xfrm>
-            <a:off x="369127" y="1543385"/>
-            <a:ext cx="8083562" cy="4384174"/>
-          </a:xfrm>
-        </p:spPr>
-        <p:txBody>
-          <a:bodyPr>
-            <a:normAutofit fontScale="92500" lnSpcReduction="10000"/>
-          </a:bodyPr>
-          <a:lstStyle/>
-          <a:p>
-            <a:pPr marL="0" indent="0">
-              <a:buNone/>
-            </a:pPr>
-            <a:endParaRPr lang="en-US" sz="1400" dirty="0" smtClean="0">
-              <a:solidFill>
-                <a:schemeClr val="accent2"/>
-              </a:solidFill>
-              <a:latin typeface="Courier New" pitchFamily="49" charset="0"/>
-              <a:cs typeface="Courier New" pitchFamily="49" charset="0"/>
-            </a:endParaRPr>
-          </a:p>
-          <a:p>
-            <a:pPr marL="0" indent="0">
-              <a:buNone/>
-            </a:pPr>
-            <a:endParaRPr lang="en-US" sz="1400" dirty="0">
-              <a:solidFill>
-                <a:schemeClr val="accent2"/>
-              </a:solidFill>
-              <a:latin typeface="Courier New" pitchFamily="49" charset="0"/>
-              <a:cs typeface="Courier New" pitchFamily="49" charset="0"/>
-            </a:endParaRPr>
-          </a:p>
-          <a:p>
-            <a:pPr marL="0" indent="0">
-              <a:buNone/>
-            </a:pPr>
-            <a:endParaRPr lang="en-US" sz="1400" dirty="0" smtClean="0">
-              <a:solidFill>
-                <a:schemeClr val="accent2"/>
-              </a:solidFill>
-              <a:latin typeface="Courier New" pitchFamily="49" charset="0"/>
-              <a:cs typeface="Courier New" pitchFamily="49" charset="0"/>
-            </a:endParaRPr>
-          </a:p>
-          <a:p>
-            <a:pPr marL="0" indent="0">
-              <a:buNone/>
-            </a:pPr>
-            <a:endParaRPr lang="en-US" sz="1400" dirty="0">
-              <a:solidFill>
-                <a:schemeClr val="accent2"/>
-              </a:solidFill>
-              <a:latin typeface="Courier New" pitchFamily="49" charset="0"/>
-              <a:cs typeface="Courier New" pitchFamily="49" charset="0"/>
-            </a:endParaRPr>
-          </a:p>
-          <a:p>
-            <a:pPr marL="0" indent="0">
-              <a:buNone/>
-            </a:pPr>
-            <a:endParaRPr lang="en-US" sz="1400" dirty="0" smtClean="0">
-              <a:solidFill>
-                <a:schemeClr val="accent2"/>
-              </a:solidFill>
-              <a:latin typeface="Courier New" pitchFamily="49" charset="0"/>
-              <a:cs typeface="Courier New" pitchFamily="49" charset="0"/>
-            </a:endParaRPr>
-          </a:p>
-          <a:p>
-            <a:pPr marL="0" indent="0">
-              <a:buNone/>
-            </a:pPr>
-            <a:endParaRPr lang="en-US" sz="1400" dirty="0">
-              <a:solidFill>
-                <a:schemeClr val="accent2"/>
-              </a:solidFill>
-              <a:latin typeface="Courier New" pitchFamily="49" charset="0"/>
-              <a:cs typeface="Courier New" pitchFamily="49" charset="0"/>
-            </a:endParaRPr>
-          </a:p>
-          <a:p>
-            <a:pPr marL="0" indent="0">
-              <a:buNone/>
-            </a:pPr>
-            <a:endParaRPr lang="en-US" sz="1400" dirty="0" smtClean="0">
-              <a:solidFill>
-                <a:schemeClr val="accent2"/>
-              </a:solidFill>
-              <a:latin typeface="Courier New" pitchFamily="49" charset="0"/>
-              <a:cs typeface="Courier New" pitchFamily="49" charset="0"/>
-            </a:endParaRPr>
-          </a:p>
-          <a:p>
-            <a:pPr marL="0" indent="0">
-              <a:buNone/>
-            </a:pPr>
-            <a:endParaRPr lang="en-US" sz="1400" dirty="0">
-              <a:solidFill>
-                <a:schemeClr val="accent2"/>
-              </a:solidFill>
-              <a:latin typeface="Courier New" pitchFamily="49" charset="0"/>
-              <a:cs typeface="Courier New" pitchFamily="49" charset="0"/>
-            </a:endParaRPr>
-          </a:p>
-          <a:p>
-            <a:pPr marL="0" indent="0">
-              <a:buNone/>
-            </a:pPr>
-            <a:r>
-              <a:rPr lang="en-US" sz="1400" dirty="0" smtClean="0">
-                <a:solidFill>
-                  <a:schemeClr val="accent2"/>
-                </a:solidFill>
-                <a:latin typeface="Courier New" pitchFamily="49" charset="0"/>
-                <a:cs typeface="Courier New" pitchFamily="49" charset="0"/>
-              </a:rPr>
-              <a:t>              </a:t>
-            </a:r>
-            <a:r>
-              <a:rPr lang="en-US" sz="1400" dirty="0" err="1" smtClean="0">
-                <a:solidFill>
-                  <a:schemeClr val="accent2"/>
-                </a:solidFill>
-                <a:latin typeface="Courier New" pitchFamily="49" charset="0"/>
-                <a:cs typeface="Courier New" pitchFamily="49" charset="0"/>
-              </a:rPr>
-              <a:t>bis.b</a:t>
-            </a:r>
-            <a:r>
-              <a:rPr lang="en-US" sz="1400" dirty="0" smtClean="0">
-                <a:solidFill>
-                  <a:schemeClr val="accent2"/>
-                </a:solidFill>
-                <a:latin typeface="Courier New" pitchFamily="49" charset="0"/>
-                <a:cs typeface="Courier New" pitchFamily="49" charset="0"/>
-              </a:rPr>
-              <a:t>  </a:t>
-            </a:r>
-            <a:r>
-              <a:rPr lang="en-US" sz="1400" dirty="0">
-                <a:solidFill>
-                  <a:schemeClr val="accent2"/>
-                </a:solidFill>
-                <a:latin typeface="Courier New" pitchFamily="49" charset="0"/>
-                <a:cs typeface="Courier New" pitchFamily="49" charset="0"/>
-              </a:rPr>
-              <a:t>#BIT0|BIT6, &amp;</a:t>
-            </a:r>
-            <a:r>
-              <a:rPr lang="en-US" sz="1400" dirty="0" smtClean="0">
-                <a:solidFill>
-                  <a:schemeClr val="accent2"/>
-                </a:solidFill>
-                <a:latin typeface="Courier New" pitchFamily="49" charset="0"/>
-                <a:cs typeface="Courier New" pitchFamily="49" charset="0"/>
-              </a:rPr>
-              <a:t>P1DIR   </a:t>
-            </a:r>
-            <a:r>
-              <a:rPr lang="en-US" sz="1400" dirty="0" smtClean="0">
-                <a:solidFill>
-                  <a:srgbClr val="00B050"/>
-                </a:solidFill>
-                <a:latin typeface="Courier New" pitchFamily="49" charset="0"/>
-                <a:cs typeface="Courier New" pitchFamily="49" charset="0"/>
-              </a:rPr>
-              <a:t>; output pin </a:t>
-            </a:r>
-            <a:r>
-              <a:rPr lang="en-US" sz="1400" dirty="0" err="1" smtClean="0">
-                <a:solidFill>
-                  <a:srgbClr val="00B050"/>
-                </a:solidFill>
-                <a:latin typeface="Courier New" pitchFamily="49" charset="0"/>
-                <a:cs typeface="Courier New" pitchFamily="49" charset="0"/>
-              </a:rPr>
-              <a:t>dir</a:t>
-            </a:r>
-            <a:r>
-              <a:rPr lang="en-US" sz="1400" dirty="0" smtClean="0">
-                <a:solidFill>
-                  <a:srgbClr val="00B050"/>
-                </a:solidFill>
-                <a:latin typeface="Courier New" pitchFamily="49" charset="0"/>
-                <a:cs typeface="Courier New" pitchFamily="49" charset="0"/>
-              </a:rPr>
-              <a:t> (see next slide)</a:t>
-            </a:r>
-            <a:endParaRPr lang="en-US" sz="1400" dirty="0">
-              <a:solidFill>
-                <a:srgbClr val="00B050"/>
-              </a:solidFill>
-              <a:latin typeface="Courier New" pitchFamily="49" charset="0"/>
-              <a:cs typeface="Courier New" pitchFamily="49" charset="0"/>
-            </a:endParaRPr>
-          </a:p>
-          <a:p>
-            <a:pPr marL="0" indent="0">
-              <a:buNone/>
-            </a:pPr>
-            <a:r>
-              <a:rPr lang="en-US" sz="1400" dirty="0" smtClean="0">
-                <a:solidFill>
-                  <a:schemeClr val="accent2"/>
-                </a:solidFill>
-                <a:latin typeface="Courier New" pitchFamily="49" charset="0"/>
-                <a:cs typeface="Courier New" pitchFamily="49" charset="0"/>
-              </a:rPr>
-              <a:t>              </a:t>
-            </a:r>
-            <a:r>
-              <a:rPr lang="en-US" sz="1400" dirty="0" err="1" smtClean="0">
-                <a:solidFill>
-                  <a:schemeClr val="accent2"/>
-                </a:solidFill>
-                <a:latin typeface="Courier New" pitchFamily="49" charset="0"/>
-                <a:cs typeface="Courier New" pitchFamily="49" charset="0"/>
-              </a:rPr>
-              <a:t>bic.b</a:t>
-            </a:r>
-            <a:r>
-              <a:rPr lang="en-US" sz="1400" dirty="0" smtClean="0">
-                <a:solidFill>
-                  <a:schemeClr val="accent2"/>
-                </a:solidFill>
-                <a:latin typeface="Courier New" pitchFamily="49" charset="0"/>
-                <a:cs typeface="Courier New" pitchFamily="49" charset="0"/>
-              </a:rPr>
-              <a:t>  </a:t>
-            </a:r>
-            <a:r>
-              <a:rPr lang="en-US" sz="1400" dirty="0">
-                <a:solidFill>
-                  <a:schemeClr val="accent2"/>
-                </a:solidFill>
-                <a:latin typeface="Courier New" pitchFamily="49" charset="0"/>
-                <a:cs typeface="Courier New" pitchFamily="49" charset="0"/>
-              </a:rPr>
-              <a:t>#BIT3, &amp;</a:t>
-            </a:r>
-            <a:r>
-              <a:rPr lang="en-US" sz="1400" dirty="0" smtClean="0">
-                <a:solidFill>
-                  <a:schemeClr val="accent2"/>
-                </a:solidFill>
-                <a:latin typeface="Courier New" pitchFamily="49" charset="0"/>
-                <a:cs typeface="Courier New" pitchFamily="49" charset="0"/>
-              </a:rPr>
-              <a:t>P1DIR</a:t>
-            </a:r>
-            <a:r>
-              <a:rPr lang="en-US" sz="1400" dirty="0">
-                <a:solidFill>
-                  <a:srgbClr val="00B050"/>
-                </a:solidFill>
-                <a:latin typeface="Courier New" pitchFamily="49" charset="0"/>
-                <a:cs typeface="Courier New" pitchFamily="49" charset="0"/>
-              </a:rPr>
-              <a:t> </a:t>
-            </a:r>
-            <a:r>
-              <a:rPr lang="en-US" sz="1400" dirty="0" smtClean="0">
-                <a:solidFill>
-                  <a:srgbClr val="00B050"/>
-                </a:solidFill>
-                <a:latin typeface="Courier New" pitchFamily="49" charset="0"/>
-                <a:cs typeface="Courier New" pitchFamily="49" charset="0"/>
-              </a:rPr>
-              <a:t>       ; what is on pin 3? Input or output?</a:t>
-            </a:r>
-            <a:endParaRPr lang="en-US" sz="1400" dirty="0">
-              <a:solidFill>
-                <a:schemeClr val="accent2"/>
-              </a:solidFill>
-              <a:latin typeface="Courier New" pitchFamily="49" charset="0"/>
-              <a:cs typeface="Courier New" pitchFamily="49" charset="0"/>
-            </a:endParaRPr>
-          </a:p>
-          <a:p>
-            <a:pPr marL="0" indent="0">
-              <a:buNone/>
-            </a:pPr>
-            <a:r>
-              <a:rPr lang="en-US" sz="1400" dirty="0" smtClean="0">
-                <a:solidFill>
-                  <a:schemeClr val="accent2"/>
-                </a:solidFill>
-                <a:latin typeface="Courier New" pitchFamily="49" charset="0"/>
-                <a:cs typeface="Courier New" pitchFamily="49" charset="0"/>
-              </a:rPr>
-              <a:t>              </a:t>
-            </a:r>
-            <a:r>
-              <a:rPr lang="en-US" sz="1400" dirty="0" err="1" smtClean="0">
-                <a:solidFill>
-                  <a:schemeClr val="accent2"/>
-                </a:solidFill>
-                <a:latin typeface="Courier New" pitchFamily="49" charset="0"/>
-                <a:cs typeface="Courier New" pitchFamily="49" charset="0"/>
-              </a:rPr>
-              <a:t>bis.b</a:t>
-            </a:r>
-            <a:r>
-              <a:rPr lang="en-US" sz="1400" dirty="0" smtClean="0">
-                <a:solidFill>
-                  <a:schemeClr val="accent2"/>
-                </a:solidFill>
-                <a:latin typeface="Courier New" pitchFamily="49" charset="0"/>
-                <a:cs typeface="Courier New" pitchFamily="49" charset="0"/>
-              </a:rPr>
-              <a:t>  </a:t>
-            </a:r>
-            <a:r>
-              <a:rPr lang="en-US" sz="1400" dirty="0">
-                <a:solidFill>
-                  <a:schemeClr val="accent2"/>
-                </a:solidFill>
-                <a:latin typeface="Courier New" pitchFamily="49" charset="0"/>
-                <a:cs typeface="Courier New" pitchFamily="49" charset="0"/>
-              </a:rPr>
-              <a:t>#BIT3, &amp;</a:t>
-            </a:r>
-            <a:r>
-              <a:rPr lang="en-US" sz="1400" dirty="0" smtClean="0">
-                <a:solidFill>
-                  <a:schemeClr val="accent2"/>
-                </a:solidFill>
-                <a:latin typeface="Courier New" pitchFamily="49" charset="0"/>
-                <a:cs typeface="Courier New" pitchFamily="49" charset="0"/>
-              </a:rPr>
-              <a:t>P1REN        </a:t>
-            </a:r>
-            <a:r>
-              <a:rPr lang="en-US" sz="1400" dirty="0" smtClean="0">
-                <a:solidFill>
-                  <a:srgbClr val="00B050"/>
-                </a:solidFill>
-                <a:latin typeface="Courier New" pitchFamily="49" charset="0"/>
-                <a:cs typeface="Courier New" pitchFamily="49" charset="0"/>
-              </a:rPr>
-              <a:t>; enable pin 3’s resistor</a:t>
-            </a:r>
-            <a:endParaRPr lang="en-US" sz="1400" dirty="0">
-              <a:solidFill>
-                <a:schemeClr val="accent2"/>
-              </a:solidFill>
-              <a:latin typeface="Courier New" pitchFamily="49" charset="0"/>
-              <a:cs typeface="Courier New" pitchFamily="49" charset="0"/>
-            </a:endParaRPr>
-          </a:p>
-          <a:p>
-            <a:pPr marL="0" indent="0">
-              <a:buNone/>
-            </a:pPr>
-            <a:r>
-              <a:rPr lang="en-US" sz="1400" dirty="0" smtClean="0">
-                <a:solidFill>
-                  <a:schemeClr val="accent2"/>
-                </a:solidFill>
-                <a:latin typeface="Courier New" pitchFamily="49" charset="0"/>
-                <a:cs typeface="Courier New" pitchFamily="49" charset="0"/>
-              </a:rPr>
-              <a:t>              </a:t>
-            </a:r>
-            <a:r>
-              <a:rPr lang="en-US" sz="1400" dirty="0" err="1" smtClean="0">
-                <a:solidFill>
-                  <a:schemeClr val="accent2"/>
-                </a:solidFill>
-                <a:latin typeface="Courier New" pitchFamily="49" charset="0"/>
-                <a:cs typeface="Courier New" pitchFamily="49" charset="0"/>
-              </a:rPr>
-              <a:t>bis.b</a:t>
-            </a:r>
-            <a:r>
-              <a:rPr lang="en-US" sz="1400" dirty="0" smtClean="0">
-                <a:solidFill>
-                  <a:schemeClr val="accent2"/>
-                </a:solidFill>
-                <a:latin typeface="Courier New" pitchFamily="49" charset="0"/>
-                <a:cs typeface="Courier New" pitchFamily="49" charset="0"/>
-              </a:rPr>
-              <a:t>  </a:t>
-            </a:r>
-            <a:r>
-              <a:rPr lang="en-US" sz="1400" dirty="0">
-                <a:solidFill>
-                  <a:schemeClr val="accent2"/>
-                </a:solidFill>
-                <a:latin typeface="Courier New" pitchFamily="49" charset="0"/>
-                <a:cs typeface="Courier New" pitchFamily="49" charset="0"/>
-              </a:rPr>
-              <a:t>#BIT3, &amp;</a:t>
-            </a:r>
-            <a:r>
-              <a:rPr lang="en-US" sz="1400" dirty="0" smtClean="0">
-                <a:solidFill>
-                  <a:schemeClr val="accent2"/>
-                </a:solidFill>
-                <a:latin typeface="Courier New" pitchFamily="49" charset="0"/>
-                <a:cs typeface="Courier New" pitchFamily="49" charset="0"/>
-              </a:rPr>
-              <a:t>P1OUT        </a:t>
-            </a:r>
-            <a:r>
-              <a:rPr lang="en-US" sz="1400" dirty="0" smtClean="0">
-                <a:solidFill>
-                  <a:srgbClr val="00B050"/>
-                </a:solidFill>
-                <a:latin typeface="Courier New" pitchFamily="49" charset="0"/>
-                <a:cs typeface="Courier New" pitchFamily="49" charset="0"/>
-              </a:rPr>
-              <a:t>; pull-up or pull-down?</a:t>
-            </a:r>
-            <a:endParaRPr lang="en-US" sz="1400" dirty="0">
-              <a:solidFill>
-                <a:srgbClr val="00B050"/>
-              </a:solidFill>
-              <a:latin typeface="Courier New" pitchFamily="49" charset="0"/>
-              <a:cs typeface="Courier New" pitchFamily="49" charset="0"/>
-            </a:endParaRPr>
-          </a:p>
-          <a:p>
-            <a:pPr marL="0" indent="0">
-              <a:buNone/>
-            </a:pPr>
-            <a:endParaRPr lang="en-US" sz="1400" dirty="0">
-              <a:solidFill>
-                <a:schemeClr val="accent2"/>
-              </a:solidFill>
-              <a:latin typeface="Courier New" pitchFamily="49" charset="0"/>
-              <a:cs typeface="Courier New" pitchFamily="49" charset="0"/>
-            </a:endParaRPr>
-          </a:p>
-          <a:p>
-            <a:pPr marL="0" indent="0">
-              <a:buNone/>
-            </a:pPr>
-            <a:r>
-              <a:rPr lang="en-US" sz="1400" dirty="0" err="1">
-                <a:solidFill>
-                  <a:schemeClr val="accent2"/>
-                </a:solidFill>
-                <a:latin typeface="Courier New" pitchFamily="49" charset="0"/>
-                <a:cs typeface="Courier New" pitchFamily="49" charset="0"/>
-              </a:rPr>
-              <a:t>check_btn</a:t>
-            </a:r>
-            <a:r>
-              <a:rPr lang="en-US" sz="1400" dirty="0">
-                <a:solidFill>
-                  <a:schemeClr val="accent2"/>
-                </a:solidFill>
-                <a:latin typeface="Courier New" pitchFamily="49" charset="0"/>
-                <a:cs typeface="Courier New" pitchFamily="49" charset="0"/>
-              </a:rPr>
-              <a:t>:    </a:t>
-            </a:r>
-            <a:r>
-              <a:rPr lang="en-US" sz="1400" dirty="0" err="1">
-                <a:solidFill>
-                  <a:schemeClr val="accent2"/>
-                </a:solidFill>
-                <a:latin typeface="Courier New" pitchFamily="49" charset="0"/>
-                <a:cs typeface="Courier New" pitchFamily="49" charset="0"/>
-              </a:rPr>
-              <a:t>bit.b</a:t>
-            </a:r>
-            <a:r>
-              <a:rPr lang="en-US" sz="1400" dirty="0">
-                <a:solidFill>
-                  <a:schemeClr val="accent2"/>
-                </a:solidFill>
-                <a:latin typeface="Courier New" pitchFamily="49" charset="0"/>
-                <a:cs typeface="Courier New" pitchFamily="49" charset="0"/>
-              </a:rPr>
-              <a:t>  #BIT3, &amp;</a:t>
-            </a:r>
-            <a:r>
-              <a:rPr lang="en-US" sz="1400" dirty="0" smtClean="0">
-                <a:solidFill>
-                  <a:schemeClr val="accent2"/>
-                </a:solidFill>
-                <a:latin typeface="Courier New" pitchFamily="49" charset="0"/>
-                <a:cs typeface="Courier New" pitchFamily="49" charset="0"/>
-              </a:rPr>
-              <a:t>P1IN        </a:t>
-            </a:r>
-            <a:endParaRPr lang="en-US" sz="1400" dirty="0">
-              <a:solidFill>
-                <a:schemeClr val="accent2"/>
-              </a:solidFill>
-              <a:latin typeface="Courier New" pitchFamily="49" charset="0"/>
-              <a:cs typeface="Courier New" pitchFamily="49" charset="0"/>
-            </a:endParaRPr>
-          </a:p>
-          <a:p>
-            <a:pPr marL="0" indent="0">
-              <a:buNone/>
-            </a:pPr>
-            <a:r>
-              <a:rPr lang="en-US" sz="1400" dirty="0" smtClean="0">
-                <a:solidFill>
-                  <a:schemeClr val="accent2"/>
-                </a:solidFill>
-                <a:latin typeface="Courier New" pitchFamily="49" charset="0"/>
-                <a:cs typeface="Courier New" pitchFamily="49" charset="0"/>
-              </a:rPr>
-              <a:t>              </a:t>
-            </a:r>
-            <a:r>
-              <a:rPr lang="en-US" sz="1400" dirty="0" err="1" smtClean="0">
-                <a:solidFill>
-                  <a:schemeClr val="accent2"/>
-                </a:solidFill>
-                <a:latin typeface="Courier New" pitchFamily="49" charset="0"/>
-                <a:cs typeface="Courier New" pitchFamily="49" charset="0"/>
-              </a:rPr>
-              <a:t>jz</a:t>
-            </a:r>
-            <a:r>
-              <a:rPr lang="en-US" sz="1400" dirty="0" smtClean="0">
-                <a:solidFill>
-                  <a:schemeClr val="accent2"/>
-                </a:solidFill>
-                <a:latin typeface="Courier New" pitchFamily="49" charset="0"/>
-                <a:cs typeface="Courier New" pitchFamily="49" charset="0"/>
-              </a:rPr>
-              <a:t>     </a:t>
-            </a:r>
-            <a:r>
-              <a:rPr lang="en-US" sz="1400" dirty="0" err="1" smtClean="0">
-                <a:solidFill>
-                  <a:schemeClr val="accent2"/>
-                </a:solidFill>
-                <a:latin typeface="Courier New" pitchFamily="49" charset="0"/>
-                <a:cs typeface="Courier New" pitchFamily="49" charset="0"/>
-              </a:rPr>
-              <a:t>set_lights</a:t>
-            </a:r>
-            <a:endParaRPr lang="en-US" sz="1400" dirty="0">
-              <a:solidFill>
-                <a:schemeClr val="accent2"/>
-              </a:solidFill>
-              <a:latin typeface="Courier New" pitchFamily="49" charset="0"/>
-              <a:cs typeface="Courier New" pitchFamily="49" charset="0"/>
-            </a:endParaRPr>
-          </a:p>
-          <a:p>
-            <a:pPr marL="0" indent="0">
-              <a:buNone/>
-            </a:pPr>
-            <a:r>
-              <a:rPr lang="en-US" sz="1400" dirty="0" smtClean="0">
-                <a:solidFill>
-                  <a:schemeClr val="accent2"/>
-                </a:solidFill>
-                <a:latin typeface="Courier New" pitchFamily="49" charset="0"/>
-                <a:cs typeface="Courier New" pitchFamily="49" charset="0"/>
-              </a:rPr>
-              <a:t>              </a:t>
-            </a:r>
-            <a:r>
-              <a:rPr lang="en-US" sz="1400" dirty="0" err="1" smtClean="0">
-                <a:solidFill>
-                  <a:schemeClr val="accent2"/>
-                </a:solidFill>
-                <a:latin typeface="Courier New" pitchFamily="49" charset="0"/>
-                <a:cs typeface="Courier New" pitchFamily="49" charset="0"/>
-              </a:rPr>
-              <a:t>bic.b</a:t>
-            </a:r>
-            <a:r>
-              <a:rPr lang="en-US" sz="1400" dirty="0" smtClean="0">
-                <a:solidFill>
-                  <a:schemeClr val="accent2"/>
-                </a:solidFill>
-                <a:latin typeface="Courier New" pitchFamily="49" charset="0"/>
-                <a:cs typeface="Courier New" pitchFamily="49" charset="0"/>
-              </a:rPr>
-              <a:t>  </a:t>
-            </a:r>
-            <a:r>
-              <a:rPr lang="en-US" sz="1400" dirty="0">
-                <a:solidFill>
-                  <a:schemeClr val="accent2"/>
-                </a:solidFill>
-                <a:latin typeface="Courier New" pitchFamily="49" charset="0"/>
-                <a:cs typeface="Courier New" pitchFamily="49" charset="0"/>
-              </a:rPr>
-              <a:t>#BIT0|BIT6, &amp;P1OUT</a:t>
-            </a:r>
-          </a:p>
-          <a:p>
-            <a:pPr marL="0" indent="0">
-              <a:buNone/>
-            </a:pPr>
-            <a:r>
-              <a:rPr lang="en-US" sz="1400" dirty="0" smtClean="0">
-                <a:solidFill>
-                  <a:schemeClr val="accent2"/>
-                </a:solidFill>
-                <a:latin typeface="Courier New" pitchFamily="49" charset="0"/>
-                <a:cs typeface="Courier New" pitchFamily="49" charset="0"/>
-              </a:rPr>
-              <a:t>              </a:t>
-            </a:r>
-            <a:r>
-              <a:rPr lang="en-US" sz="1400" dirty="0" err="1" smtClean="0">
-                <a:solidFill>
-                  <a:schemeClr val="accent2"/>
-                </a:solidFill>
-                <a:latin typeface="Courier New" pitchFamily="49" charset="0"/>
-                <a:cs typeface="Courier New" pitchFamily="49" charset="0"/>
-              </a:rPr>
-              <a:t>jmp</a:t>
-            </a:r>
-            <a:r>
-              <a:rPr lang="en-US" sz="1400" dirty="0" smtClean="0">
-                <a:solidFill>
-                  <a:schemeClr val="accent2"/>
-                </a:solidFill>
-                <a:latin typeface="Courier New" pitchFamily="49" charset="0"/>
-                <a:cs typeface="Courier New" pitchFamily="49" charset="0"/>
-              </a:rPr>
-              <a:t>    </a:t>
-            </a:r>
-            <a:r>
-              <a:rPr lang="en-US" sz="1400" dirty="0" err="1" smtClean="0">
-                <a:solidFill>
-                  <a:schemeClr val="accent2"/>
-                </a:solidFill>
-                <a:latin typeface="Courier New" pitchFamily="49" charset="0"/>
-                <a:cs typeface="Courier New" pitchFamily="49" charset="0"/>
-              </a:rPr>
-              <a:t>check_btn</a:t>
-            </a:r>
-            <a:endParaRPr lang="en-US" sz="1400" dirty="0">
-              <a:solidFill>
-                <a:schemeClr val="accent2"/>
-              </a:solidFill>
-              <a:latin typeface="Courier New" pitchFamily="49" charset="0"/>
-              <a:cs typeface="Courier New" pitchFamily="49" charset="0"/>
-            </a:endParaRPr>
-          </a:p>
-          <a:p>
-            <a:pPr marL="0" indent="0">
-              <a:buNone/>
-            </a:pPr>
-            <a:r>
-              <a:rPr lang="en-US" sz="1400" dirty="0" err="1">
-                <a:solidFill>
-                  <a:schemeClr val="accent2"/>
-                </a:solidFill>
-                <a:latin typeface="Courier New" pitchFamily="49" charset="0"/>
-                <a:cs typeface="Courier New" pitchFamily="49" charset="0"/>
-              </a:rPr>
-              <a:t>set_lights</a:t>
-            </a:r>
-            <a:r>
-              <a:rPr lang="en-US" sz="1400" dirty="0">
-                <a:solidFill>
-                  <a:schemeClr val="accent2"/>
-                </a:solidFill>
-                <a:latin typeface="Courier New" pitchFamily="49" charset="0"/>
-                <a:cs typeface="Courier New" pitchFamily="49" charset="0"/>
-              </a:rPr>
-              <a:t>:   </a:t>
-            </a:r>
-            <a:r>
-              <a:rPr lang="en-US" sz="1400" dirty="0" err="1">
-                <a:solidFill>
-                  <a:schemeClr val="accent2"/>
-                </a:solidFill>
-                <a:latin typeface="Courier New" pitchFamily="49" charset="0"/>
-                <a:cs typeface="Courier New" pitchFamily="49" charset="0"/>
-              </a:rPr>
-              <a:t>bis.b</a:t>
-            </a:r>
-            <a:r>
-              <a:rPr lang="en-US" sz="1400" dirty="0">
-                <a:solidFill>
-                  <a:schemeClr val="accent2"/>
-                </a:solidFill>
-                <a:latin typeface="Courier New" pitchFamily="49" charset="0"/>
-                <a:cs typeface="Courier New" pitchFamily="49" charset="0"/>
-              </a:rPr>
-              <a:t>  #BIT0|BIT6, &amp;P1OUT</a:t>
-            </a:r>
-          </a:p>
-          <a:p>
-            <a:pPr marL="0" indent="0">
-              <a:buNone/>
-            </a:pPr>
-            <a:r>
-              <a:rPr lang="en-US" sz="1400" dirty="0" smtClean="0">
-                <a:solidFill>
-                  <a:schemeClr val="accent2"/>
-                </a:solidFill>
-                <a:latin typeface="Courier New" pitchFamily="49" charset="0"/>
-                <a:cs typeface="Courier New" pitchFamily="49" charset="0"/>
-              </a:rPr>
-              <a:t>              </a:t>
-            </a:r>
-            <a:r>
-              <a:rPr lang="en-US" sz="1400" dirty="0" err="1" smtClean="0">
-                <a:solidFill>
-                  <a:schemeClr val="accent2"/>
-                </a:solidFill>
-                <a:latin typeface="Courier New" pitchFamily="49" charset="0"/>
-                <a:cs typeface="Courier New" pitchFamily="49" charset="0"/>
-              </a:rPr>
-              <a:t>jmp</a:t>
-            </a:r>
-            <a:r>
-              <a:rPr lang="en-US" sz="1400" dirty="0" smtClean="0">
-                <a:solidFill>
-                  <a:schemeClr val="accent2"/>
-                </a:solidFill>
-                <a:latin typeface="Courier New" pitchFamily="49" charset="0"/>
-                <a:cs typeface="Courier New" pitchFamily="49" charset="0"/>
-              </a:rPr>
-              <a:t>    </a:t>
-            </a:r>
-            <a:r>
-              <a:rPr lang="en-US" sz="1400" dirty="0" err="1" smtClean="0">
-                <a:solidFill>
-                  <a:schemeClr val="accent2"/>
-                </a:solidFill>
-                <a:latin typeface="Courier New" pitchFamily="49" charset="0"/>
-                <a:cs typeface="Courier New" pitchFamily="49" charset="0"/>
-              </a:rPr>
-              <a:t>check_btn</a:t>
-            </a:r>
-            <a:endParaRPr lang="en-US" sz="1400" dirty="0" smtClean="0">
-              <a:solidFill>
-                <a:schemeClr val="accent2"/>
-              </a:solidFill>
-              <a:latin typeface="Courier New" pitchFamily="49" charset="0"/>
-              <a:cs typeface="Courier New" pitchFamily="49" charset="0"/>
-            </a:endParaRPr>
-          </a:p>
-        </p:txBody>
-      </p:sp>
-      <p:pic>
-        <p:nvPicPr>
-          <p:cNvPr id="4" name="Picture 3"/>
-          <p:cNvPicPr>
-            <a:picLocks noChangeAspect="1"/>
-          </p:cNvPicPr>
-          <p:nvPr/>
-        </p:nvPicPr>
-        <p:blipFill>
-          <a:blip r:embed="rId2">
-            <a:extLst>
-              <a:ext uri="{28A0092B-C50C-407E-A947-70E740481C1C}">
-                <a14:useLocalDpi xmlns:a14="http://schemas.microsoft.com/office/drawing/2010/main" val="0"/>
-              </a:ext>
-            </a:extLst>
-          </a:blip>
-          <a:stretch>
-            <a:fillRect/>
-          </a:stretch>
-        </p:blipFill>
-        <p:spPr>
-          <a:xfrm>
-            <a:off x="1729308" y="1482963"/>
-            <a:ext cx="4350651" cy="1655201"/>
-          </a:xfrm>
-          <a:prstGeom prst="rect">
-            <a:avLst/>
-          </a:prstGeom>
-        </p:spPr>
-      </p:pic>
-      <p:sp>
-        <p:nvSpPr>
-          <p:cNvPr id="5" name="Right Brace 4"/>
-          <p:cNvSpPr/>
-          <p:nvPr/>
-        </p:nvSpPr>
-        <p:spPr bwMode="auto">
-          <a:xfrm>
-            <a:off x="4603808" y="4318093"/>
-            <a:ext cx="512379" cy="1347952"/>
-          </a:xfrm>
-          <a:prstGeom prst="rightBrace">
-            <a:avLst/>
-          </a:prstGeom>
-          <a:noFill/>
-          <a:ln w="12700" cap="flat" cmpd="sng" algn="ctr">
-            <a:solidFill>
-              <a:schemeClr val="tx1"/>
-            </a:solidFill>
-            <a:prstDash val="solid"/>
-            <a:round/>
-            <a:headEnd type="none" w="med" len="med"/>
-            <a:tailEnd type="none" w="med" len="med"/>
-          </a:ln>
-          <a:effectLst/>
-        </p:spPr>
-        <p:txBody>
-          <a:bodyPr vert="horz" wrap="square" lIns="91440" tIns="45720" rIns="91440" bIns="45720" numCol="1" rtlCol="0" anchor="t" anchorCtr="0" compatLnSpc="1">
-            <a:prstTxWarp prst="textNoShape">
-              <a:avLst/>
-            </a:prstTxWarp>
-          </a:bodyPr>
-          <a:lstStyle/>
-          <a:p>
-            <a:pPr marL="0" marR="0" indent="0" algn="ctr" defTabSz="914400" rtl="0" eaLnBrk="0" fontAlgn="base" latinLnBrk="0" hangingPunct="0">
-              <a:lnSpc>
-                <a:spcPct val="100000"/>
-              </a:lnSpc>
-              <a:spcBef>
-                <a:spcPct val="0"/>
-              </a:spcBef>
-              <a:spcAft>
-                <a:spcPct val="0"/>
-              </a:spcAft>
-              <a:buClrTx/>
-              <a:buSzTx/>
-              <a:buFontTx/>
-              <a:buNone/>
-              <a:tabLst/>
-            </a:pPr>
-            <a:endParaRPr kumimoji="0" lang="en-US" sz="1600" b="0" i="0" u="none" strike="noStrike" cap="none" normalizeH="0" baseline="0" smtClean="0">
-              <a:ln>
-                <a:noFill/>
-              </a:ln>
-              <a:solidFill>
-                <a:schemeClr val="tx1"/>
-              </a:solidFill>
-              <a:effectLst/>
-              <a:latin typeface="Arial" charset="0"/>
-            </a:endParaRPr>
-          </a:p>
-        </p:txBody>
-      </p:sp>
-      <p:sp>
-        <p:nvSpPr>
-          <p:cNvPr id="6" name="TextBox 5"/>
-          <p:cNvSpPr txBox="1"/>
-          <p:nvPr/>
-        </p:nvSpPr>
-        <p:spPr>
-          <a:xfrm>
-            <a:off x="5116187" y="4761236"/>
-            <a:ext cx="3036409" cy="461665"/>
-          </a:xfrm>
-          <a:prstGeom prst="rect">
-            <a:avLst/>
-          </a:prstGeom>
-          <a:noFill/>
-        </p:spPr>
-        <p:txBody>
-          <a:bodyPr wrap="none" rtlCol="0">
-            <a:spAutoFit/>
-          </a:bodyPr>
-          <a:lstStyle/>
-          <a:p>
-            <a:r>
-              <a:rPr lang="en-US" dirty="0" smtClean="0"/>
-              <a:t>What is going on here?</a:t>
-            </a:r>
-            <a:endParaRPr lang="en-US" dirty="0"/>
-          </a:p>
-        </p:txBody>
-      </p:sp>
-      <p:sp>
-        <p:nvSpPr>
-          <p:cNvPr id="7" name="Rectangle 6"/>
-          <p:cNvSpPr/>
-          <p:nvPr/>
-        </p:nvSpPr>
-        <p:spPr bwMode="auto">
-          <a:xfrm>
-            <a:off x="922421" y="5927559"/>
-            <a:ext cx="7230175" cy="433136"/>
-          </a:xfrm>
-          <a:prstGeom prst="rect">
-            <a:avLst/>
-          </a:prstGeom>
-          <a:solidFill>
-            <a:srgbClr val="0C2D83"/>
-          </a:solidFill>
-          <a:ln w="12700" cap="flat" cmpd="sng" algn="ctr">
-            <a:solidFill>
-              <a:schemeClr val="accent6">
-                <a:lumMod val="40000"/>
-                <a:lumOff val="60000"/>
-              </a:schemeClr>
-            </a:solidFill>
-            <a:prstDash val="solid"/>
-            <a:round/>
-            <a:headEnd type="none" w="med" len="med"/>
-            <a:tailEnd type="none" w="med" len="med"/>
-          </a:ln>
-          <a:effectLst/>
-        </p:spPr>
-        <p:txBody>
-          <a:bodyPr vert="horz" wrap="square" lIns="91440" tIns="45720" rIns="91440" bIns="45720" numCol="1" rtlCol="0" anchor="ctr" anchorCtr="0" compatLnSpc="1">
-            <a:prstTxWarp prst="textNoShape">
-              <a:avLst/>
-            </a:prstTxWarp>
-          </a:bodyPr>
-          <a:lstStyle/>
-          <a:p>
-            <a:pPr marL="0" marR="0" indent="0" algn="ctr" defTabSz="914400" rtl="0" eaLnBrk="0" fontAlgn="base" latinLnBrk="0" hangingPunct="0">
-              <a:lnSpc>
-                <a:spcPct val="100000"/>
-              </a:lnSpc>
-              <a:spcBef>
-                <a:spcPct val="0"/>
-              </a:spcBef>
-              <a:spcAft>
-                <a:spcPct val="0"/>
-              </a:spcAft>
-              <a:buClrTx/>
-              <a:buSzTx/>
-              <a:buFontTx/>
-              <a:buNone/>
-              <a:tabLst/>
-            </a:pPr>
-            <a:r>
-              <a:rPr kumimoji="0" lang="en-US" sz="1600" b="0" i="0" u="none" strike="noStrike" cap="none" normalizeH="0" baseline="0" dirty="0" smtClean="0">
-                <a:ln>
-                  <a:noFill/>
-                </a:ln>
-                <a:solidFill>
-                  <a:schemeClr val="bg1"/>
-                </a:solidFill>
-                <a:effectLst/>
-                <a:latin typeface="Arial" charset="0"/>
-              </a:rPr>
-              <a:t>Time permitting, let’s run this on your processor</a:t>
-            </a:r>
-          </a:p>
-        </p:txBody>
-      </p:sp>
-    </p:spTree>
-    <p:extLst>
-      <p:ext uri="{BB962C8B-B14F-4D97-AF65-F5344CB8AC3E}">
-        <p14:creationId xmlns:p14="http://schemas.microsoft.com/office/powerpoint/2010/main" val="1575778019"/>
-      </p:ext>
-    </p:extLst>
-  </p:cSld>
-  <p:clrMapOvr>
-    <a:masterClrMapping/>
-  </p:clrMapOvr>
-  <p:timing>
-    <p:tnLst>
-      <p:par>
-        <p:cTn id="1" dur="indefinite" restart="never" nodeType="tmRoot"/>
-      </p:par>
-    </p:tnLst>
-  </p:timing>
-</p:sld>
-</file>
-
-<file path=ppt/slides/slide15.xml><?xml version="1.0" encoding="utf-8"?>
-<p:sld xmlns:a="http://schemas.openxmlformats.org/drawingml/2006/main" xmlns:r="http://schemas.openxmlformats.org/officeDocument/2006/relationships" xmlns:p="http://schemas.openxmlformats.org/presentationml/2006/main">
-  <p:cSld>
-    <p:spTree>
-      <p:nvGrpSpPr>
-        <p:cNvPr id="1" name=""/>
-        <p:cNvGrpSpPr/>
-        <p:nvPr/>
-      </p:nvGrpSpPr>
-      <p:grpSpPr>
-        <a:xfrm>
-          <a:off x="0" y="0"/>
-          <a:ext cx="0" cy="0"/>
-          <a:chOff x="0" y="0"/>
-          <a:chExt cx="0" cy="0"/>
-        </a:xfrm>
-      </p:grpSpPr>
-      <p:sp>
-        <p:nvSpPr>
-          <p:cNvPr id="2" name="Title 1"/>
-          <p:cNvSpPr>
-            <a:spLocks noGrp="1"/>
-          </p:cNvSpPr>
-          <p:nvPr>
-            <p:ph type="title"/>
-          </p:nvPr>
-        </p:nvSpPr>
-        <p:spPr/>
-        <p:txBody>
-          <a:bodyPr/>
-          <a:lstStyle/>
-          <a:p>
-            <a:r>
-              <a:rPr lang="en-US" b="1" dirty="0" smtClean="0"/>
               <a:t>Toggle LED</a:t>
             </a:r>
             <a:endParaRPr lang="en-US" dirty="0"/>
@@ -11121,6 +10098,1073 @@
     <p:extLst>
       <p:ext uri="{BB962C8B-B14F-4D97-AF65-F5344CB8AC3E}">
         <p14:creationId xmlns:p14="http://schemas.microsoft.com/office/powerpoint/2010/main" val="3783551276"/>
+      </p:ext>
+    </p:extLst>
+  </p:cSld>
+  <p:clrMapOvr>
+    <a:masterClrMapping/>
+  </p:clrMapOvr>
+  <p:timing>
+    <p:tnLst>
+      <p:par>
+        <p:cTn id="1" dur="indefinite" restart="never" nodeType="tmRoot"/>
+      </p:par>
+    </p:tnLst>
+  </p:timing>
+</p:sld>
+</file>
+
+<file path=ppt/slides/slide15.xml><?xml version="1.0" encoding="utf-8"?>
+<p:sld xmlns:a="http://schemas.openxmlformats.org/drawingml/2006/main" xmlns:r="http://schemas.openxmlformats.org/officeDocument/2006/relationships" xmlns:p="http://schemas.openxmlformats.org/presentationml/2006/main">
+  <p:cSld>
+    <p:spTree>
+      <p:nvGrpSpPr>
+        <p:cNvPr id="1" name=""/>
+        <p:cNvGrpSpPr/>
+        <p:nvPr/>
+      </p:nvGrpSpPr>
+      <p:grpSpPr>
+        <a:xfrm>
+          <a:off x="0" y="0"/>
+          <a:ext cx="0" cy="0"/>
+          <a:chOff x="0" y="0"/>
+          <a:chExt cx="0" cy="0"/>
+        </a:xfrm>
+      </p:grpSpPr>
+      <p:sp>
+        <p:nvSpPr>
+          <p:cNvPr id="2" name="Title 1"/>
+          <p:cNvSpPr>
+            <a:spLocks noGrp="1"/>
+          </p:cNvSpPr>
+          <p:nvPr>
+            <p:ph type="title"/>
+          </p:nvPr>
+        </p:nvSpPr>
+        <p:spPr/>
+        <p:txBody>
+          <a:bodyPr/>
+          <a:lstStyle/>
+          <a:p>
+            <a:r>
+              <a:rPr lang="en-US" b="1" dirty="0" smtClean="0"/>
+              <a:t>Example Program</a:t>
+            </a:r>
+            <a:endParaRPr lang="en-US" dirty="0"/>
+          </a:p>
+        </p:txBody>
+      </p:sp>
+      <p:sp>
+        <p:nvSpPr>
+          <p:cNvPr id="3" name="Content Placeholder 2"/>
+          <p:cNvSpPr>
+            <a:spLocks noGrp="1"/>
+          </p:cNvSpPr>
+          <p:nvPr>
+            <p:ph idx="1"/>
+          </p:nvPr>
+        </p:nvSpPr>
+        <p:spPr>
+          <a:xfrm>
+            <a:off x="369127" y="1543385"/>
+            <a:ext cx="8083562" cy="4384174"/>
+          </a:xfrm>
+        </p:spPr>
+        <p:txBody>
+          <a:bodyPr>
+            <a:normAutofit fontScale="92500" lnSpcReduction="10000"/>
+          </a:bodyPr>
+          <a:lstStyle/>
+          <a:p>
+            <a:pPr marL="0" indent="0">
+              <a:buNone/>
+            </a:pPr>
+            <a:endParaRPr lang="en-US" sz="1400" dirty="0" smtClean="0">
+              <a:solidFill>
+                <a:schemeClr val="accent2"/>
+              </a:solidFill>
+              <a:latin typeface="Courier New" pitchFamily="49" charset="0"/>
+              <a:cs typeface="Courier New" pitchFamily="49" charset="0"/>
+            </a:endParaRPr>
+          </a:p>
+          <a:p>
+            <a:pPr marL="0" indent="0">
+              <a:buNone/>
+            </a:pPr>
+            <a:endParaRPr lang="en-US" sz="1400" dirty="0">
+              <a:solidFill>
+                <a:schemeClr val="accent2"/>
+              </a:solidFill>
+              <a:latin typeface="Courier New" pitchFamily="49" charset="0"/>
+              <a:cs typeface="Courier New" pitchFamily="49" charset="0"/>
+            </a:endParaRPr>
+          </a:p>
+          <a:p>
+            <a:pPr marL="0" indent="0">
+              <a:buNone/>
+            </a:pPr>
+            <a:endParaRPr lang="en-US" sz="1400" dirty="0" smtClean="0">
+              <a:solidFill>
+                <a:schemeClr val="accent2"/>
+              </a:solidFill>
+              <a:latin typeface="Courier New" pitchFamily="49" charset="0"/>
+              <a:cs typeface="Courier New" pitchFamily="49" charset="0"/>
+            </a:endParaRPr>
+          </a:p>
+          <a:p>
+            <a:pPr marL="0" indent="0">
+              <a:buNone/>
+            </a:pPr>
+            <a:endParaRPr lang="en-US" sz="1400" dirty="0">
+              <a:solidFill>
+                <a:schemeClr val="accent2"/>
+              </a:solidFill>
+              <a:latin typeface="Courier New" pitchFamily="49" charset="0"/>
+              <a:cs typeface="Courier New" pitchFamily="49" charset="0"/>
+            </a:endParaRPr>
+          </a:p>
+          <a:p>
+            <a:pPr marL="0" indent="0">
+              <a:buNone/>
+            </a:pPr>
+            <a:endParaRPr lang="en-US" sz="1400" dirty="0" smtClean="0">
+              <a:solidFill>
+                <a:schemeClr val="accent2"/>
+              </a:solidFill>
+              <a:latin typeface="Courier New" pitchFamily="49" charset="0"/>
+              <a:cs typeface="Courier New" pitchFamily="49" charset="0"/>
+            </a:endParaRPr>
+          </a:p>
+          <a:p>
+            <a:pPr marL="0" indent="0">
+              <a:buNone/>
+            </a:pPr>
+            <a:endParaRPr lang="en-US" sz="1400" dirty="0">
+              <a:solidFill>
+                <a:schemeClr val="accent2"/>
+              </a:solidFill>
+              <a:latin typeface="Courier New" pitchFamily="49" charset="0"/>
+              <a:cs typeface="Courier New" pitchFamily="49" charset="0"/>
+            </a:endParaRPr>
+          </a:p>
+          <a:p>
+            <a:pPr marL="0" indent="0">
+              <a:buNone/>
+            </a:pPr>
+            <a:endParaRPr lang="en-US" sz="1400" dirty="0" smtClean="0">
+              <a:solidFill>
+                <a:schemeClr val="accent2"/>
+              </a:solidFill>
+              <a:latin typeface="Courier New" pitchFamily="49" charset="0"/>
+              <a:cs typeface="Courier New" pitchFamily="49" charset="0"/>
+            </a:endParaRPr>
+          </a:p>
+          <a:p>
+            <a:pPr marL="0" indent="0">
+              <a:buNone/>
+            </a:pPr>
+            <a:endParaRPr lang="en-US" sz="1400" dirty="0">
+              <a:solidFill>
+                <a:schemeClr val="accent2"/>
+              </a:solidFill>
+              <a:latin typeface="Courier New" pitchFamily="49" charset="0"/>
+              <a:cs typeface="Courier New" pitchFamily="49" charset="0"/>
+            </a:endParaRPr>
+          </a:p>
+          <a:p>
+            <a:pPr marL="0" indent="0">
+              <a:buNone/>
+            </a:pPr>
+            <a:r>
+              <a:rPr lang="en-US" sz="1400" dirty="0" smtClean="0">
+                <a:solidFill>
+                  <a:schemeClr val="accent2"/>
+                </a:solidFill>
+                <a:latin typeface="Courier New" pitchFamily="49" charset="0"/>
+                <a:cs typeface="Courier New" pitchFamily="49" charset="0"/>
+              </a:rPr>
+              <a:t>              </a:t>
+            </a:r>
+            <a:r>
+              <a:rPr lang="en-US" sz="1400" dirty="0" err="1" smtClean="0">
+                <a:solidFill>
+                  <a:schemeClr val="accent2"/>
+                </a:solidFill>
+                <a:latin typeface="Courier New" pitchFamily="49" charset="0"/>
+                <a:cs typeface="Courier New" pitchFamily="49" charset="0"/>
+              </a:rPr>
+              <a:t>bis.b</a:t>
+            </a:r>
+            <a:r>
+              <a:rPr lang="en-US" sz="1400" dirty="0" smtClean="0">
+                <a:solidFill>
+                  <a:schemeClr val="accent2"/>
+                </a:solidFill>
+                <a:latin typeface="Courier New" pitchFamily="49" charset="0"/>
+                <a:cs typeface="Courier New" pitchFamily="49" charset="0"/>
+              </a:rPr>
+              <a:t>  </a:t>
+            </a:r>
+            <a:r>
+              <a:rPr lang="en-US" sz="1400" dirty="0">
+                <a:solidFill>
+                  <a:schemeClr val="accent2"/>
+                </a:solidFill>
+                <a:latin typeface="Courier New" pitchFamily="49" charset="0"/>
+                <a:cs typeface="Courier New" pitchFamily="49" charset="0"/>
+              </a:rPr>
+              <a:t>#BIT0|BIT6, &amp;</a:t>
+            </a:r>
+            <a:r>
+              <a:rPr lang="en-US" sz="1400" dirty="0" smtClean="0">
+                <a:solidFill>
+                  <a:schemeClr val="accent2"/>
+                </a:solidFill>
+                <a:latin typeface="Courier New" pitchFamily="49" charset="0"/>
+                <a:cs typeface="Courier New" pitchFamily="49" charset="0"/>
+              </a:rPr>
+              <a:t>P1DIR   </a:t>
+            </a:r>
+            <a:r>
+              <a:rPr lang="en-US" sz="1400" dirty="0" smtClean="0">
+                <a:solidFill>
+                  <a:srgbClr val="00B050"/>
+                </a:solidFill>
+                <a:latin typeface="Courier New" pitchFamily="49" charset="0"/>
+                <a:cs typeface="Courier New" pitchFamily="49" charset="0"/>
+              </a:rPr>
+              <a:t>; output pin </a:t>
+            </a:r>
+            <a:r>
+              <a:rPr lang="en-US" sz="1400" dirty="0" err="1" smtClean="0">
+                <a:solidFill>
+                  <a:srgbClr val="00B050"/>
+                </a:solidFill>
+                <a:latin typeface="Courier New" pitchFamily="49" charset="0"/>
+                <a:cs typeface="Courier New" pitchFamily="49" charset="0"/>
+              </a:rPr>
+              <a:t>dir</a:t>
+            </a:r>
+            <a:r>
+              <a:rPr lang="en-US" sz="1400" dirty="0" smtClean="0">
+                <a:solidFill>
+                  <a:srgbClr val="00B050"/>
+                </a:solidFill>
+                <a:latin typeface="Courier New" pitchFamily="49" charset="0"/>
+                <a:cs typeface="Courier New" pitchFamily="49" charset="0"/>
+              </a:rPr>
+              <a:t> (see </a:t>
+            </a:r>
+            <a:r>
+              <a:rPr lang="en-US" sz="1400" dirty="0" smtClean="0">
+                <a:solidFill>
+                  <a:srgbClr val="00B050"/>
+                </a:solidFill>
+                <a:latin typeface="Courier New" pitchFamily="49" charset="0"/>
+                <a:cs typeface="Courier New" pitchFamily="49" charset="0"/>
+              </a:rPr>
+              <a:t>previous slide</a:t>
+            </a:r>
+            <a:r>
+              <a:rPr lang="en-US" sz="1400" dirty="0" smtClean="0">
+                <a:solidFill>
+                  <a:srgbClr val="00B050"/>
+                </a:solidFill>
+                <a:latin typeface="Courier New" pitchFamily="49" charset="0"/>
+                <a:cs typeface="Courier New" pitchFamily="49" charset="0"/>
+              </a:rPr>
+              <a:t>)</a:t>
+            </a:r>
+            <a:endParaRPr lang="en-US" sz="1400" dirty="0">
+              <a:solidFill>
+                <a:srgbClr val="00B050"/>
+              </a:solidFill>
+              <a:latin typeface="Courier New" pitchFamily="49" charset="0"/>
+              <a:cs typeface="Courier New" pitchFamily="49" charset="0"/>
+            </a:endParaRPr>
+          </a:p>
+          <a:p>
+            <a:pPr marL="0" indent="0">
+              <a:buNone/>
+            </a:pPr>
+            <a:r>
+              <a:rPr lang="en-US" sz="1400" dirty="0" smtClean="0">
+                <a:solidFill>
+                  <a:schemeClr val="accent2"/>
+                </a:solidFill>
+                <a:latin typeface="Courier New" pitchFamily="49" charset="0"/>
+                <a:cs typeface="Courier New" pitchFamily="49" charset="0"/>
+              </a:rPr>
+              <a:t>              </a:t>
+            </a:r>
+            <a:r>
+              <a:rPr lang="en-US" sz="1400" dirty="0" err="1" smtClean="0">
+                <a:solidFill>
+                  <a:schemeClr val="accent2"/>
+                </a:solidFill>
+                <a:latin typeface="Courier New" pitchFamily="49" charset="0"/>
+                <a:cs typeface="Courier New" pitchFamily="49" charset="0"/>
+              </a:rPr>
+              <a:t>bic.b</a:t>
+            </a:r>
+            <a:r>
+              <a:rPr lang="en-US" sz="1400" dirty="0" smtClean="0">
+                <a:solidFill>
+                  <a:schemeClr val="accent2"/>
+                </a:solidFill>
+                <a:latin typeface="Courier New" pitchFamily="49" charset="0"/>
+                <a:cs typeface="Courier New" pitchFamily="49" charset="0"/>
+              </a:rPr>
+              <a:t>  </a:t>
+            </a:r>
+            <a:r>
+              <a:rPr lang="en-US" sz="1400" dirty="0">
+                <a:solidFill>
+                  <a:schemeClr val="accent2"/>
+                </a:solidFill>
+                <a:latin typeface="Courier New" pitchFamily="49" charset="0"/>
+                <a:cs typeface="Courier New" pitchFamily="49" charset="0"/>
+              </a:rPr>
+              <a:t>#BIT3, &amp;</a:t>
+            </a:r>
+            <a:r>
+              <a:rPr lang="en-US" sz="1400" dirty="0" smtClean="0">
+                <a:solidFill>
+                  <a:schemeClr val="accent2"/>
+                </a:solidFill>
+                <a:latin typeface="Courier New" pitchFamily="49" charset="0"/>
+                <a:cs typeface="Courier New" pitchFamily="49" charset="0"/>
+              </a:rPr>
+              <a:t>P1DIR</a:t>
+            </a:r>
+            <a:r>
+              <a:rPr lang="en-US" sz="1400" dirty="0">
+                <a:solidFill>
+                  <a:srgbClr val="00B050"/>
+                </a:solidFill>
+                <a:latin typeface="Courier New" pitchFamily="49" charset="0"/>
+                <a:cs typeface="Courier New" pitchFamily="49" charset="0"/>
+              </a:rPr>
+              <a:t> </a:t>
+            </a:r>
+            <a:r>
+              <a:rPr lang="en-US" sz="1400" dirty="0" smtClean="0">
+                <a:solidFill>
+                  <a:srgbClr val="00B050"/>
+                </a:solidFill>
+                <a:latin typeface="Courier New" pitchFamily="49" charset="0"/>
+                <a:cs typeface="Courier New" pitchFamily="49" charset="0"/>
+              </a:rPr>
+              <a:t>       ; what is on pin 3? Input or output?</a:t>
+            </a:r>
+            <a:endParaRPr lang="en-US" sz="1400" dirty="0">
+              <a:solidFill>
+                <a:schemeClr val="accent2"/>
+              </a:solidFill>
+              <a:latin typeface="Courier New" pitchFamily="49" charset="0"/>
+              <a:cs typeface="Courier New" pitchFamily="49" charset="0"/>
+            </a:endParaRPr>
+          </a:p>
+          <a:p>
+            <a:pPr marL="0" indent="0">
+              <a:buNone/>
+            </a:pPr>
+            <a:r>
+              <a:rPr lang="en-US" sz="1400" dirty="0" smtClean="0">
+                <a:solidFill>
+                  <a:schemeClr val="accent2"/>
+                </a:solidFill>
+                <a:latin typeface="Courier New" pitchFamily="49" charset="0"/>
+                <a:cs typeface="Courier New" pitchFamily="49" charset="0"/>
+              </a:rPr>
+              <a:t>              </a:t>
+            </a:r>
+            <a:r>
+              <a:rPr lang="en-US" sz="1400" dirty="0" err="1" smtClean="0">
+                <a:solidFill>
+                  <a:schemeClr val="accent2"/>
+                </a:solidFill>
+                <a:latin typeface="Courier New" pitchFamily="49" charset="0"/>
+                <a:cs typeface="Courier New" pitchFamily="49" charset="0"/>
+              </a:rPr>
+              <a:t>bis.b</a:t>
+            </a:r>
+            <a:r>
+              <a:rPr lang="en-US" sz="1400" dirty="0" smtClean="0">
+                <a:solidFill>
+                  <a:schemeClr val="accent2"/>
+                </a:solidFill>
+                <a:latin typeface="Courier New" pitchFamily="49" charset="0"/>
+                <a:cs typeface="Courier New" pitchFamily="49" charset="0"/>
+              </a:rPr>
+              <a:t>  </a:t>
+            </a:r>
+            <a:r>
+              <a:rPr lang="en-US" sz="1400" dirty="0">
+                <a:solidFill>
+                  <a:schemeClr val="accent2"/>
+                </a:solidFill>
+                <a:latin typeface="Courier New" pitchFamily="49" charset="0"/>
+                <a:cs typeface="Courier New" pitchFamily="49" charset="0"/>
+              </a:rPr>
+              <a:t>#BIT3, &amp;</a:t>
+            </a:r>
+            <a:r>
+              <a:rPr lang="en-US" sz="1400" dirty="0" smtClean="0">
+                <a:solidFill>
+                  <a:schemeClr val="accent2"/>
+                </a:solidFill>
+                <a:latin typeface="Courier New" pitchFamily="49" charset="0"/>
+                <a:cs typeface="Courier New" pitchFamily="49" charset="0"/>
+              </a:rPr>
+              <a:t>P1REN        </a:t>
+            </a:r>
+            <a:r>
+              <a:rPr lang="en-US" sz="1400" dirty="0" smtClean="0">
+                <a:solidFill>
+                  <a:srgbClr val="00B050"/>
+                </a:solidFill>
+                <a:latin typeface="Courier New" pitchFamily="49" charset="0"/>
+                <a:cs typeface="Courier New" pitchFamily="49" charset="0"/>
+              </a:rPr>
+              <a:t>; enable pin 3’s resistor</a:t>
+            </a:r>
+            <a:endParaRPr lang="en-US" sz="1400" dirty="0">
+              <a:solidFill>
+                <a:schemeClr val="accent2"/>
+              </a:solidFill>
+              <a:latin typeface="Courier New" pitchFamily="49" charset="0"/>
+              <a:cs typeface="Courier New" pitchFamily="49" charset="0"/>
+            </a:endParaRPr>
+          </a:p>
+          <a:p>
+            <a:pPr marL="0" indent="0">
+              <a:buNone/>
+            </a:pPr>
+            <a:r>
+              <a:rPr lang="en-US" sz="1400" dirty="0" smtClean="0">
+                <a:solidFill>
+                  <a:schemeClr val="accent2"/>
+                </a:solidFill>
+                <a:latin typeface="Courier New" pitchFamily="49" charset="0"/>
+                <a:cs typeface="Courier New" pitchFamily="49" charset="0"/>
+              </a:rPr>
+              <a:t>              </a:t>
+            </a:r>
+            <a:r>
+              <a:rPr lang="en-US" sz="1400" dirty="0" err="1" smtClean="0">
+                <a:solidFill>
+                  <a:schemeClr val="accent2"/>
+                </a:solidFill>
+                <a:latin typeface="Courier New" pitchFamily="49" charset="0"/>
+                <a:cs typeface="Courier New" pitchFamily="49" charset="0"/>
+              </a:rPr>
+              <a:t>bis.b</a:t>
+            </a:r>
+            <a:r>
+              <a:rPr lang="en-US" sz="1400" dirty="0" smtClean="0">
+                <a:solidFill>
+                  <a:schemeClr val="accent2"/>
+                </a:solidFill>
+                <a:latin typeface="Courier New" pitchFamily="49" charset="0"/>
+                <a:cs typeface="Courier New" pitchFamily="49" charset="0"/>
+              </a:rPr>
+              <a:t>  </a:t>
+            </a:r>
+            <a:r>
+              <a:rPr lang="en-US" sz="1400" dirty="0">
+                <a:solidFill>
+                  <a:schemeClr val="accent2"/>
+                </a:solidFill>
+                <a:latin typeface="Courier New" pitchFamily="49" charset="0"/>
+                <a:cs typeface="Courier New" pitchFamily="49" charset="0"/>
+              </a:rPr>
+              <a:t>#BIT3, &amp;</a:t>
+            </a:r>
+            <a:r>
+              <a:rPr lang="en-US" sz="1400" dirty="0" smtClean="0">
+                <a:solidFill>
+                  <a:schemeClr val="accent2"/>
+                </a:solidFill>
+                <a:latin typeface="Courier New" pitchFamily="49" charset="0"/>
+                <a:cs typeface="Courier New" pitchFamily="49" charset="0"/>
+              </a:rPr>
+              <a:t>P1OUT        </a:t>
+            </a:r>
+            <a:r>
+              <a:rPr lang="en-US" sz="1400" dirty="0" smtClean="0">
+                <a:solidFill>
+                  <a:srgbClr val="00B050"/>
+                </a:solidFill>
+                <a:latin typeface="Courier New" pitchFamily="49" charset="0"/>
+                <a:cs typeface="Courier New" pitchFamily="49" charset="0"/>
+              </a:rPr>
+              <a:t>; pull-up or pull-down?</a:t>
+            </a:r>
+            <a:endParaRPr lang="en-US" sz="1400" dirty="0">
+              <a:solidFill>
+                <a:srgbClr val="00B050"/>
+              </a:solidFill>
+              <a:latin typeface="Courier New" pitchFamily="49" charset="0"/>
+              <a:cs typeface="Courier New" pitchFamily="49" charset="0"/>
+            </a:endParaRPr>
+          </a:p>
+          <a:p>
+            <a:pPr marL="0" indent="0">
+              <a:buNone/>
+            </a:pPr>
+            <a:endParaRPr lang="en-US" sz="1400" dirty="0">
+              <a:solidFill>
+                <a:schemeClr val="accent2"/>
+              </a:solidFill>
+              <a:latin typeface="Courier New" pitchFamily="49" charset="0"/>
+              <a:cs typeface="Courier New" pitchFamily="49" charset="0"/>
+            </a:endParaRPr>
+          </a:p>
+          <a:p>
+            <a:pPr marL="0" indent="0">
+              <a:buNone/>
+            </a:pPr>
+            <a:r>
+              <a:rPr lang="en-US" sz="1400" dirty="0" err="1">
+                <a:solidFill>
+                  <a:schemeClr val="accent2"/>
+                </a:solidFill>
+                <a:latin typeface="Courier New" pitchFamily="49" charset="0"/>
+                <a:cs typeface="Courier New" pitchFamily="49" charset="0"/>
+              </a:rPr>
+              <a:t>check_btn</a:t>
+            </a:r>
+            <a:r>
+              <a:rPr lang="en-US" sz="1400" dirty="0">
+                <a:solidFill>
+                  <a:schemeClr val="accent2"/>
+                </a:solidFill>
+                <a:latin typeface="Courier New" pitchFamily="49" charset="0"/>
+                <a:cs typeface="Courier New" pitchFamily="49" charset="0"/>
+              </a:rPr>
+              <a:t>:    </a:t>
+            </a:r>
+            <a:r>
+              <a:rPr lang="en-US" sz="1400" dirty="0" err="1">
+                <a:solidFill>
+                  <a:schemeClr val="accent2"/>
+                </a:solidFill>
+                <a:latin typeface="Courier New" pitchFamily="49" charset="0"/>
+                <a:cs typeface="Courier New" pitchFamily="49" charset="0"/>
+              </a:rPr>
+              <a:t>bit.b</a:t>
+            </a:r>
+            <a:r>
+              <a:rPr lang="en-US" sz="1400" dirty="0">
+                <a:solidFill>
+                  <a:schemeClr val="accent2"/>
+                </a:solidFill>
+                <a:latin typeface="Courier New" pitchFamily="49" charset="0"/>
+                <a:cs typeface="Courier New" pitchFamily="49" charset="0"/>
+              </a:rPr>
+              <a:t>  #BIT3, &amp;</a:t>
+            </a:r>
+            <a:r>
+              <a:rPr lang="en-US" sz="1400" dirty="0" smtClean="0">
+                <a:solidFill>
+                  <a:schemeClr val="accent2"/>
+                </a:solidFill>
+                <a:latin typeface="Courier New" pitchFamily="49" charset="0"/>
+                <a:cs typeface="Courier New" pitchFamily="49" charset="0"/>
+              </a:rPr>
+              <a:t>P1IN        </a:t>
+            </a:r>
+            <a:endParaRPr lang="en-US" sz="1400" dirty="0">
+              <a:solidFill>
+                <a:schemeClr val="accent2"/>
+              </a:solidFill>
+              <a:latin typeface="Courier New" pitchFamily="49" charset="0"/>
+              <a:cs typeface="Courier New" pitchFamily="49" charset="0"/>
+            </a:endParaRPr>
+          </a:p>
+          <a:p>
+            <a:pPr marL="0" indent="0">
+              <a:buNone/>
+            </a:pPr>
+            <a:r>
+              <a:rPr lang="en-US" sz="1400" dirty="0" smtClean="0">
+                <a:solidFill>
+                  <a:schemeClr val="accent2"/>
+                </a:solidFill>
+                <a:latin typeface="Courier New" pitchFamily="49" charset="0"/>
+                <a:cs typeface="Courier New" pitchFamily="49" charset="0"/>
+              </a:rPr>
+              <a:t>              </a:t>
+            </a:r>
+            <a:r>
+              <a:rPr lang="en-US" sz="1400" dirty="0" err="1" smtClean="0">
+                <a:solidFill>
+                  <a:schemeClr val="accent2"/>
+                </a:solidFill>
+                <a:latin typeface="Courier New" pitchFamily="49" charset="0"/>
+                <a:cs typeface="Courier New" pitchFamily="49" charset="0"/>
+              </a:rPr>
+              <a:t>jz</a:t>
+            </a:r>
+            <a:r>
+              <a:rPr lang="en-US" sz="1400" dirty="0" smtClean="0">
+                <a:solidFill>
+                  <a:schemeClr val="accent2"/>
+                </a:solidFill>
+                <a:latin typeface="Courier New" pitchFamily="49" charset="0"/>
+                <a:cs typeface="Courier New" pitchFamily="49" charset="0"/>
+              </a:rPr>
+              <a:t>     </a:t>
+            </a:r>
+            <a:r>
+              <a:rPr lang="en-US" sz="1400" dirty="0" err="1" smtClean="0">
+                <a:solidFill>
+                  <a:schemeClr val="accent2"/>
+                </a:solidFill>
+                <a:latin typeface="Courier New" pitchFamily="49" charset="0"/>
+                <a:cs typeface="Courier New" pitchFamily="49" charset="0"/>
+              </a:rPr>
+              <a:t>set_lights</a:t>
+            </a:r>
+            <a:endParaRPr lang="en-US" sz="1400" dirty="0">
+              <a:solidFill>
+                <a:schemeClr val="accent2"/>
+              </a:solidFill>
+              <a:latin typeface="Courier New" pitchFamily="49" charset="0"/>
+              <a:cs typeface="Courier New" pitchFamily="49" charset="0"/>
+            </a:endParaRPr>
+          </a:p>
+          <a:p>
+            <a:pPr marL="0" indent="0">
+              <a:buNone/>
+            </a:pPr>
+            <a:r>
+              <a:rPr lang="en-US" sz="1400" dirty="0" smtClean="0">
+                <a:solidFill>
+                  <a:schemeClr val="accent2"/>
+                </a:solidFill>
+                <a:latin typeface="Courier New" pitchFamily="49" charset="0"/>
+                <a:cs typeface="Courier New" pitchFamily="49" charset="0"/>
+              </a:rPr>
+              <a:t>              </a:t>
+            </a:r>
+            <a:r>
+              <a:rPr lang="en-US" sz="1400" dirty="0" err="1" smtClean="0">
+                <a:solidFill>
+                  <a:schemeClr val="accent2"/>
+                </a:solidFill>
+                <a:latin typeface="Courier New" pitchFamily="49" charset="0"/>
+                <a:cs typeface="Courier New" pitchFamily="49" charset="0"/>
+              </a:rPr>
+              <a:t>bic.b</a:t>
+            </a:r>
+            <a:r>
+              <a:rPr lang="en-US" sz="1400" dirty="0" smtClean="0">
+                <a:solidFill>
+                  <a:schemeClr val="accent2"/>
+                </a:solidFill>
+                <a:latin typeface="Courier New" pitchFamily="49" charset="0"/>
+                <a:cs typeface="Courier New" pitchFamily="49" charset="0"/>
+              </a:rPr>
+              <a:t>  </a:t>
+            </a:r>
+            <a:r>
+              <a:rPr lang="en-US" sz="1400" dirty="0">
+                <a:solidFill>
+                  <a:schemeClr val="accent2"/>
+                </a:solidFill>
+                <a:latin typeface="Courier New" pitchFamily="49" charset="0"/>
+                <a:cs typeface="Courier New" pitchFamily="49" charset="0"/>
+              </a:rPr>
+              <a:t>#BIT0|BIT6, &amp;P1OUT</a:t>
+            </a:r>
+          </a:p>
+          <a:p>
+            <a:pPr marL="0" indent="0">
+              <a:buNone/>
+            </a:pPr>
+            <a:r>
+              <a:rPr lang="en-US" sz="1400" dirty="0" smtClean="0">
+                <a:solidFill>
+                  <a:schemeClr val="accent2"/>
+                </a:solidFill>
+                <a:latin typeface="Courier New" pitchFamily="49" charset="0"/>
+                <a:cs typeface="Courier New" pitchFamily="49" charset="0"/>
+              </a:rPr>
+              <a:t>              </a:t>
+            </a:r>
+            <a:r>
+              <a:rPr lang="en-US" sz="1400" dirty="0" err="1" smtClean="0">
+                <a:solidFill>
+                  <a:schemeClr val="accent2"/>
+                </a:solidFill>
+                <a:latin typeface="Courier New" pitchFamily="49" charset="0"/>
+                <a:cs typeface="Courier New" pitchFamily="49" charset="0"/>
+              </a:rPr>
+              <a:t>jmp</a:t>
+            </a:r>
+            <a:r>
+              <a:rPr lang="en-US" sz="1400" dirty="0" smtClean="0">
+                <a:solidFill>
+                  <a:schemeClr val="accent2"/>
+                </a:solidFill>
+                <a:latin typeface="Courier New" pitchFamily="49" charset="0"/>
+                <a:cs typeface="Courier New" pitchFamily="49" charset="0"/>
+              </a:rPr>
+              <a:t>    </a:t>
+            </a:r>
+            <a:r>
+              <a:rPr lang="en-US" sz="1400" dirty="0" err="1" smtClean="0">
+                <a:solidFill>
+                  <a:schemeClr val="accent2"/>
+                </a:solidFill>
+                <a:latin typeface="Courier New" pitchFamily="49" charset="0"/>
+                <a:cs typeface="Courier New" pitchFamily="49" charset="0"/>
+              </a:rPr>
+              <a:t>check_btn</a:t>
+            </a:r>
+            <a:endParaRPr lang="en-US" sz="1400" dirty="0">
+              <a:solidFill>
+                <a:schemeClr val="accent2"/>
+              </a:solidFill>
+              <a:latin typeface="Courier New" pitchFamily="49" charset="0"/>
+              <a:cs typeface="Courier New" pitchFamily="49" charset="0"/>
+            </a:endParaRPr>
+          </a:p>
+          <a:p>
+            <a:pPr marL="0" indent="0">
+              <a:buNone/>
+            </a:pPr>
+            <a:r>
+              <a:rPr lang="en-US" sz="1400" dirty="0" err="1">
+                <a:solidFill>
+                  <a:schemeClr val="accent2"/>
+                </a:solidFill>
+                <a:latin typeface="Courier New" pitchFamily="49" charset="0"/>
+                <a:cs typeface="Courier New" pitchFamily="49" charset="0"/>
+              </a:rPr>
+              <a:t>set_lights</a:t>
+            </a:r>
+            <a:r>
+              <a:rPr lang="en-US" sz="1400" dirty="0">
+                <a:solidFill>
+                  <a:schemeClr val="accent2"/>
+                </a:solidFill>
+                <a:latin typeface="Courier New" pitchFamily="49" charset="0"/>
+                <a:cs typeface="Courier New" pitchFamily="49" charset="0"/>
+              </a:rPr>
+              <a:t>:   </a:t>
+            </a:r>
+            <a:r>
+              <a:rPr lang="en-US" sz="1400" dirty="0" err="1">
+                <a:solidFill>
+                  <a:schemeClr val="accent2"/>
+                </a:solidFill>
+                <a:latin typeface="Courier New" pitchFamily="49" charset="0"/>
+                <a:cs typeface="Courier New" pitchFamily="49" charset="0"/>
+              </a:rPr>
+              <a:t>bis.b</a:t>
+            </a:r>
+            <a:r>
+              <a:rPr lang="en-US" sz="1400" dirty="0">
+                <a:solidFill>
+                  <a:schemeClr val="accent2"/>
+                </a:solidFill>
+                <a:latin typeface="Courier New" pitchFamily="49" charset="0"/>
+                <a:cs typeface="Courier New" pitchFamily="49" charset="0"/>
+              </a:rPr>
+              <a:t>  #BIT0|BIT6, &amp;P1OUT</a:t>
+            </a:r>
+          </a:p>
+          <a:p>
+            <a:pPr marL="0" indent="0">
+              <a:buNone/>
+            </a:pPr>
+            <a:r>
+              <a:rPr lang="en-US" sz="1400" dirty="0" smtClean="0">
+                <a:solidFill>
+                  <a:schemeClr val="accent2"/>
+                </a:solidFill>
+                <a:latin typeface="Courier New" pitchFamily="49" charset="0"/>
+                <a:cs typeface="Courier New" pitchFamily="49" charset="0"/>
+              </a:rPr>
+              <a:t>              </a:t>
+            </a:r>
+            <a:r>
+              <a:rPr lang="en-US" sz="1400" dirty="0" err="1" smtClean="0">
+                <a:solidFill>
+                  <a:schemeClr val="accent2"/>
+                </a:solidFill>
+                <a:latin typeface="Courier New" pitchFamily="49" charset="0"/>
+                <a:cs typeface="Courier New" pitchFamily="49" charset="0"/>
+              </a:rPr>
+              <a:t>jmp</a:t>
+            </a:r>
+            <a:r>
+              <a:rPr lang="en-US" sz="1400" dirty="0" smtClean="0">
+                <a:solidFill>
+                  <a:schemeClr val="accent2"/>
+                </a:solidFill>
+                <a:latin typeface="Courier New" pitchFamily="49" charset="0"/>
+                <a:cs typeface="Courier New" pitchFamily="49" charset="0"/>
+              </a:rPr>
+              <a:t>    </a:t>
+            </a:r>
+            <a:r>
+              <a:rPr lang="en-US" sz="1400" dirty="0" err="1" smtClean="0">
+                <a:solidFill>
+                  <a:schemeClr val="accent2"/>
+                </a:solidFill>
+                <a:latin typeface="Courier New" pitchFamily="49" charset="0"/>
+                <a:cs typeface="Courier New" pitchFamily="49" charset="0"/>
+              </a:rPr>
+              <a:t>check_btn</a:t>
+            </a:r>
+            <a:endParaRPr lang="en-US" sz="1400" dirty="0" smtClean="0">
+              <a:solidFill>
+                <a:schemeClr val="accent2"/>
+              </a:solidFill>
+              <a:latin typeface="Courier New" pitchFamily="49" charset="0"/>
+              <a:cs typeface="Courier New" pitchFamily="49" charset="0"/>
+            </a:endParaRPr>
+          </a:p>
+        </p:txBody>
+      </p:sp>
+      <p:pic>
+        <p:nvPicPr>
+          <p:cNvPr id="4" name="Picture 3"/>
+          <p:cNvPicPr>
+            <a:picLocks noChangeAspect="1"/>
+          </p:cNvPicPr>
+          <p:nvPr/>
+        </p:nvPicPr>
+        <p:blipFill>
+          <a:blip r:embed="rId2">
+            <a:extLst>
+              <a:ext uri="{28A0092B-C50C-407E-A947-70E740481C1C}">
+                <a14:useLocalDpi xmlns:a14="http://schemas.microsoft.com/office/drawing/2010/main" val="0"/>
+              </a:ext>
+            </a:extLst>
+          </a:blip>
+          <a:stretch>
+            <a:fillRect/>
+          </a:stretch>
+        </p:blipFill>
+        <p:spPr>
+          <a:xfrm>
+            <a:off x="1729308" y="1482963"/>
+            <a:ext cx="4350651" cy="1655201"/>
+          </a:xfrm>
+          <a:prstGeom prst="rect">
+            <a:avLst/>
+          </a:prstGeom>
+        </p:spPr>
+      </p:pic>
+      <p:sp>
+        <p:nvSpPr>
+          <p:cNvPr id="5" name="Right Brace 4"/>
+          <p:cNvSpPr/>
+          <p:nvPr/>
+        </p:nvSpPr>
+        <p:spPr bwMode="auto">
+          <a:xfrm>
+            <a:off x="4603808" y="4318093"/>
+            <a:ext cx="512379" cy="1347952"/>
+          </a:xfrm>
+          <a:prstGeom prst="rightBrace">
+            <a:avLst/>
+          </a:prstGeom>
+          <a:noFill/>
+          <a:ln w="12700" cap="flat" cmpd="sng" algn="ctr">
+            <a:solidFill>
+              <a:schemeClr val="tx1"/>
+            </a:solidFill>
+            <a:prstDash val="solid"/>
+            <a:round/>
+            <a:headEnd type="none" w="med" len="med"/>
+            <a:tailEnd type="none" w="med" len="med"/>
+          </a:ln>
+          <a:effectLst/>
+        </p:spPr>
+        <p:txBody>
+          <a:bodyPr vert="horz" wrap="square" lIns="91440" tIns="45720" rIns="91440" bIns="45720" numCol="1" rtlCol="0" anchor="t" anchorCtr="0" compatLnSpc="1">
+            <a:prstTxWarp prst="textNoShape">
+              <a:avLst/>
+            </a:prstTxWarp>
+          </a:bodyPr>
+          <a:lstStyle/>
+          <a:p>
+            <a:pPr marL="0" marR="0" indent="0" algn="ctr" defTabSz="914400" rtl="0" eaLnBrk="0" fontAlgn="base" latinLnBrk="0" hangingPunct="0">
+              <a:lnSpc>
+                <a:spcPct val="100000"/>
+              </a:lnSpc>
+              <a:spcBef>
+                <a:spcPct val="0"/>
+              </a:spcBef>
+              <a:spcAft>
+                <a:spcPct val="0"/>
+              </a:spcAft>
+              <a:buClrTx/>
+              <a:buSzTx/>
+              <a:buFontTx/>
+              <a:buNone/>
+              <a:tabLst/>
+            </a:pPr>
+            <a:endParaRPr kumimoji="0" lang="en-US" sz="1600" b="0" i="0" u="none" strike="noStrike" cap="none" normalizeH="0" baseline="0" smtClean="0">
+              <a:ln>
+                <a:noFill/>
+              </a:ln>
+              <a:solidFill>
+                <a:schemeClr val="tx1"/>
+              </a:solidFill>
+              <a:effectLst/>
+              <a:latin typeface="Arial" charset="0"/>
+            </a:endParaRPr>
+          </a:p>
+        </p:txBody>
+      </p:sp>
+      <p:sp>
+        <p:nvSpPr>
+          <p:cNvPr id="6" name="TextBox 5"/>
+          <p:cNvSpPr txBox="1"/>
+          <p:nvPr/>
+        </p:nvSpPr>
+        <p:spPr>
+          <a:xfrm>
+            <a:off x="5116187" y="4761236"/>
+            <a:ext cx="3036409" cy="461665"/>
+          </a:xfrm>
+          <a:prstGeom prst="rect">
+            <a:avLst/>
+          </a:prstGeom>
+          <a:noFill/>
+        </p:spPr>
+        <p:txBody>
+          <a:bodyPr wrap="none" rtlCol="0">
+            <a:spAutoFit/>
+          </a:bodyPr>
+          <a:lstStyle/>
+          <a:p>
+            <a:r>
+              <a:rPr lang="en-US" dirty="0" smtClean="0"/>
+              <a:t>What is going on here?</a:t>
+            </a:r>
+            <a:endParaRPr lang="en-US" dirty="0"/>
+          </a:p>
+        </p:txBody>
+      </p:sp>
+      <p:sp>
+        <p:nvSpPr>
+          <p:cNvPr id="7" name="Rectangle 6"/>
+          <p:cNvSpPr/>
+          <p:nvPr/>
+        </p:nvSpPr>
+        <p:spPr bwMode="auto">
+          <a:xfrm>
+            <a:off x="907808" y="5798006"/>
+            <a:ext cx="7230175" cy="785556"/>
+          </a:xfrm>
+          <a:prstGeom prst="rect">
+            <a:avLst/>
+          </a:prstGeom>
+          <a:solidFill>
+            <a:srgbClr val="0C2D83"/>
+          </a:solidFill>
+          <a:ln w="12700" cap="flat" cmpd="sng" algn="ctr">
+            <a:solidFill>
+              <a:schemeClr val="accent6">
+                <a:lumMod val="40000"/>
+                <a:lumOff val="60000"/>
+              </a:schemeClr>
+            </a:solidFill>
+            <a:prstDash val="solid"/>
+            <a:round/>
+            <a:headEnd type="none" w="med" len="med"/>
+            <a:tailEnd type="none" w="med" len="med"/>
+          </a:ln>
+          <a:effectLst/>
+        </p:spPr>
+        <p:txBody>
+          <a:bodyPr vert="horz" wrap="square" lIns="91440" tIns="45720" rIns="91440" bIns="45720" numCol="1" rtlCol="0" anchor="ctr" anchorCtr="0" compatLnSpc="1">
+            <a:prstTxWarp prst="textNoShape">
+              <a:avLst/>
+            </a:prstTxWarp>
+          </a:bodyPr>
+          <a:lstStyle/>
+          <a:p>
+            <a:pPr marL="0" marR="0" indent="0" algn="ctr" defTabSz="914400" rtl="0" eaLnBrk="0" fontAlgn="base" latinLnBrk="0" hangingPunct="0">
+              <a:lnSpc>
+                <a:spcPct val="100000"/>
+              </a:lnSpc>
+              <a:spcBef>
+                <a:spcPct val="0"/>
+              </a:spcBef>
+              <a:spcAft>
+                <a:spcPct val="0"/>
+              </a:spcAft>
+              <a:buClrTx/>
+              <a:buSzTx/>
+              <a:buFontTx/>
+              <a:buNone/>
+              <a:tabLst/>
+            </a:pPr>
+            <a:r>
+              <a:rPr kumimoji="0" lang="en-US" sz="1600" b="0" i="0" u="none" strike="noStrike" cap="none" normalizeH="0" baseline="0" dirty="0" smtClean="0">
+                <a:ln>
+                  <a:noFill/>
+                </a:ln>
+                <a:solidFill>
+                  <a:schemeClr val="bg1"/>
+                </a:solidFill>
+                <a:effectLst/>
+                <a:latin typeface="Arial" charset="0"/>
+              </a:rPr>
+              <a:t>Time permitting, let’s run this on your </a:t>
+            </a:r>
+            <a:r>
+              <a:rPr kumimoji="0" lang="en-US" sz="1600" b="0" i="0" u="none" strike="noStrike" cap="none" normalizeH="0" baseline="0" dirty="0" smtClean="0">
+                <a:ln>
+                  <a:noFill/>
+                </a:ln>
+                <a:solidFill>
+                  <a:schemeClr val="bg1"/>
+                </a:solidFill>
+                <a:effectLst/>
+                <a:latin typeface="Arial" charset="0"/>
+              </a:rPr>
+              <a:t>processor, if not, you need to step through this code and</a:t>
+            </a:r>
+            <a:r>
+              <a:rPr kumimoji="0" lang="en-US" sz="1600" b="0" i="0" u="none" strike="noStrike" cap="none" normalizeH="0" dirty="0" smtClean="0">
+                <a:ln>
+                  <a:noFill/>
+                </a:ln>
+                <a:solidFill>
+                  <a:schemeClr val="bg1"/>
+                </a:solidFill>
+                <a:effectLst/>
+                <a:latin typeface="Arial" charset="0"/>
+              </a:rPr>
+              <a:t> understand it</a:t>
+            </a:r>
+            <a:endParaRPr kumimoji="0" lang="en-US" sz="1600" b="0" i="0" u="none" strike="noStrike" cap="none" normalizeH="0" baseline="0" dirty="0" smtClean="0">
+              <a:ln>
+                <a:noFill/>
+              </a:ln>
+              <a:solidFill>
+                <a:schemeClr val="bg1"/>
+              </a:solidFill>
+              <a:effectLst/>
+              <a:latin typeface="Arial" charset="0"/>
+            </a:endParaRPr>
+          </a:p>
+        </p:txBody>
+      </p:sp>
+    </p:spTree>
+    <p:extLst>
+      <p:ext uri="{BB962C8B-B14F-4D97-AF65-F5344CB8AC3E}">
+        <p14:creationId xmlns:p14="http://schemas.microsoft.com/office/powerpoint/2010/main" val="1575778019"/>
       </p:ext>
     </p:extLst>
   </p:cSld>
@@ -14295,6 +14339,13 @@
   <p:clrMapOvr>
     <a:masterClrMapping/>
   </p:clrMapOvr>
+  <p:timing>
+    <p:tnLst>
+      <p:par>
+        <p:cTn id="1" dur="indefinite" restart="never" nodeType="tmRoot"/>
+      </p:par>
+    </p:tnLst>
+  </p:timing>
 </p:sld>
 </file>
 
